--- a/Indicadores/Operaciones & Canales - Business Partner.pptx
+++ b/Indicadores/Operaciones & Canales - Business Partner.pptx
@@ -6,7 +6,7 @@
     <p:sldMasterId id="2147483686" r:id="rId2"/>
   </p:sldMasterIdLst>
   <p:notesMasterIdLst>
-    <p:notesMasterId r:id="rId11"/>
+    <p:notesMasterId r:id="rId21"/>
   </p:notesMasterIdLst>
   <p:sldIdLst>
     <p:sldId id="295" r:id="rId3"/>
@@ -15,8 +15,18 @@
     <p:sldId id="2147471611" r:id="rId6"/>
     <p:sldId id="2147471612" r:id="rId7"/>
     <p:sldId id="2147471598" r:id="rId8"/>
-    <p:sldId id="2147471613" r:id="rId9"/>
-    <p:sldId id="291" r:id="rId10"/>
+    <p:sldId id="2147471615" r:id="rId9"/>
+    <p:sldId id="2147471616" r:id="rId10"/>
+    <p:sldId id="2147471617" r:id="rId11"/>
+    <p:sldId id="2147471618" r:id="rId12"/>
+    <p:sldId id="2147471619" r:id="rId13"/>
+    <p:sldId id="2147471620" r:id="rId14"/>
+    <p:sldId id="2147471621" r:id="rId15"/>
+    <p:sldId id="2147471622" r:id="rId16"/>
+    <p:sldId id="2147471623" r:id="rId17"/>
+    <p:sldId id="2147471625" r:id="rId18"/>
+    <p:sldId id="2147471613" r:id="rId19"/>
+    <p:sldId id="291" r:id="rId20"/>
   </p:sldIdLst>
   <p:sldSz cx="12192000" cy="6858000"/>
   <p:notesSz cx="12192000" cy="6858000"/>
@@ -5264,7 +5274,7 @@
           <a:p>
             <a:fld id="{16E5A675-8F44-4A39-9A6C-FE04A9FA42DF}" type="datetimeFigureOut">
               <a:rPr lang="es-PE" smtClean="0"/>
-              <a:t>20/07/2023</a:t>
+              <a:t>25/07/2023</a:t>
             </a:fld>
             <a:endParaRPr lang="es-PE"/>
           </a:p>
@@ -5833,6 +5843,3016 @@
 </p:notes>
 </file>
 
+<file path=ppt/notesSlides/notesSlide10.xml><?xml version="1.0" encoding="utf-8"?>
+<p:notes xmlns:a="http://schemas.openxmlformats.org/drawingml/2006/main" xmlns:r="http://schemas.openxmlformats.org/officeDocument/2006/relationships" xmlns:p="http://schemas.openxmlformats.org/presentationml/2006/main">
+  <p:cSld>
+    <p:spTree>
+      <p:nvGrpSpPr>
+        <p:cNvPr id="1" name=""/>
+        <p:cNvGrpSpPr/>
+        <p:nvPr/>
+      </p:nvGrpSpPr>
+      <p:grpSpPr>
+        <a:xfrm>
+          <a:off x="0" y="0"/>
+          <a:ext cx="0" cy="0"/>
+          <a:chOff x="0" y="0"/>
+          <a:chExt cx="0" cy="0"/>
+        </a:xfrm>
+      </p:grpSpPr>
+      <p:sp>
+        <p:nvSpPr>
+          <p:cNvPr id="2" name="Marcador de imagen de diapositiva 1"/>
+          <p:cNvSpPr>
+            <a:spLocks noGrp="1" noRot="1" noChangeAspect="1"/>
+          </p:cNvSpPr>
+          <p:nvPr>
+            <p:ph type="sldImg"/>
+          </p:nvPr>
+        </p:nvSpPr>
+        <p:spPr/>
+      </p:sp>
+      <p:sp>
+        <p:nvSpPr>
+          <p:cNvPr id="3" name="Marcador de notas 2"/>
+          <p:cNvSpPr>
+            <a:spLocks noGrp="1"/>
+          </p:cNvSpPr>
+          <p:nvPr>
+            <p:ph type="body" idx="1"/>
+          </p:nvPr>
+        </p:nvSpPr>
+        <p:spPr/>
+        <p:txBody>
+          <a:bodyPr/>
+          <a:lstStyle/>
+          <a:p>
+            <a:r>
+              <a:rPr lang="es-ES" sz="1800" b="0" i="0" u="none" strike="noStrike" dirty="0">
+                <a:solidFill>
+                  <a:srgbClr val="000000"/>
+                </a:solidFill>
+                <a:effectLst/>
+                <a:latin typeface="Calibri" panose="020F0502020204030204" pitchFamily="34" charset="0"/>
+              </a:rPr>
+              <a:t>POSICIONES APRO</a:t>
+            </a:r>
+            <a:r>
+              <a:rPr lang="es-ES" dirty="0"/>
+              <a:t> ENE (</a:t>
+            </a:r>
+            <a:r>
+              <a:rPr lang="es-ES" sz="1800" b="0" i="0" u="none" strike="noStrike" dirty="0">
+                <a:solidFill>
+                  <a:srgbClr val="000000"/>
+                </a:solidFill>
+                <a:effectLst/>
+                <a:latin typeface="Calibri" panose="020F0502020204030204" pitchFamily="34" charset="0"/>
+              </a:rPr>
+              <a:t>6) FEB</a:t>
+            </a:r>
+            <a:r>
+              <a:rPr lang="es-ES" dirty="0"/>
+              <a:t> (</a:t>
+            </a:r>
+            <a:r>
+              <a:rPr lang="es-ES" sz="1800" b="0" i="0" u="none" strike="noStrike" dirty="0">
+                <a:solidFill>
+                  <a:srgbClr val="000000"/>
+                </a:solidFill>
+                <a:effectLst/>
+                <a:latin typeface="Calibri" panose="020F0502020204030204" pitchFamily="34" charset="0"/>
+              </a:rPr>
+              <a:t>5)</a:t>
+            </a:r>
+            <a:r>
+              <a:rPr lang="es-ES" dirty="0"/>
+              <a:t> MAR (</a:t>
+            </a:r>
+            <a:r>
+              <a:rPr lang="es-ES" sz="1800" b="0" i="0" u="none" strike="noStrike" dirty="0">
+                <a:solidFill>
+                  <a:srgbClr val="000000"/>
+                </a:solidFill>
+                <a:effectLst/>
+                <a:latin typeface="Calibri" panose="020F0502020204030204" pitchFamily="34" charset="0"/>
+              </a:rPr>
+              <a:t>5) ABR</a:t>
+            </a:r>
+            <a:r>
+              <a:rPr lang="es-ES" dirty="0"/>
+              <a:t> (</a:t>
+            </a:r>
+            <a:r>
+              <a:rPr lang="es-ES" sz="1800" b="0" i="0" u="none" strike="noStrike" dirty="0">
+                <a:solidFill>
+                  <a:srgbClr val="000000"/>
+                </a:solidFill>
+                <a:effectLst/>
+                <a:latin typeface="Calibri" panose="020F0502020204030204" pitchFamily="34" charset="0"/>
+              </a:rPr>
+              <a:t>5) MAY</a:t>
+            </a:r>
+            <a:r>
+              <a:rPr lang="es-ES" dirty="0"/>
+              <a:t> (</a:t>
+            </a:r>
+            <a:r>
+              <a:rPr lang="es-ES" sz="1800" b="0" i="0" u="none" strike="noStrike" dirty="0">
+                <a:solidFill>
+                  <a:srgbClr val="000000"/>
+                </a:solidFill>
+                <a:effectLst/>
+                <a:latin typeface="Calibri" panose="020F0502020204030204" pitchFamily="34" charset="0"/>
+              </a:rPr>
+              <a:t>5) JUN</a:t>
+            </a:r>
+            <a:r>
+              <a:rPr lang="es-ES" dirty="0"/>
+              <a:t> (</a:t>
+            </a:r>
+            <a:r>
+              <a:rPr lang="es-ES" sz="1800" b="0" i="0" u="none" strike="noStrike" dirty="0">
+                <a:solidFill>
+                  <a:srgbClr val="000000"/>
+                </a:solidFill>
+                <a:effectLst/>
+                <a:latin typeface="Calibri" panose="020F0502020204030204" pitchFamily="34" charset="0"/>
+              </a:rPr>
+              <a:t>5)</a:t>
+            </a:r>
+            <a:r>
+              <a:rPr lang="es-ES" dirty="0"/>
+              <a:t> </a:t>
+            </a:r>
+          </a:p>
+          <a:p>
+            <a:pPr marL="0" marR="0" lvl="0" indent="0" algn="l" defTabSz="914400" rtl="0" eaLnBrk="1" fontAlgn="auto" latinLnBrk="0" hangingPunct="1">
+              <a:lnSpc>
+                <a:spcPct val="100000"/>
+              </a:lnSpc>
+              <a:spcBef>
+                <a:spcPts val="0"/>
+              </a:spcBef>
+              <a:spcAft>
+                <a:spcPts val="0"/>
+              </a:spcAft>
+              <a:buClrTx/>
+              <a:buSzTx/>
+              <a:buFontTx/>
+              <a:buNone/>
+              <a:tabLst/>
+              <a:defRPr/>
+            </a:pPr>
+            <a:r>
+              <a:rPr lang="es-ES" sz="1200" b="0" i="0" u="none" strike="noStrike" dirty="0">
+                <a:solidFill>
+                  <a:srgbClr val="000000"/>
+                </a:solidFill>
+                <a:effectLst/>
+                <a:latin typeface="Calibri" panose="020F0502020204030204" pitchFamily="34" charset="0"/>
+              </a:rPr>
+              <a:t>POSICIONES OCUP</a:t>
+            </a:r>
+            <a:r>
+              <a:rPr lang="es-ES" dirty="0"/>
+              <a:t> ENE (</a:t>
+            </a:r>
+            <a:r>
+              <a:rPr lang="es-ES" sz="1200" b="0" i="0" u="none" strike="noStrike" dirty="0">
+                <a:solidFill>
+                  <a:srgbClr val="000000"/>
+                </a:solidFill>
+                <a:effectLst/>
+                <a:latin typeface="Calibri" panose="020F0502020204030204" pitchFamily="34" charset="0"/>
+              </a:rPr>
+              <a:t>6) FEB</a:t>
+            </a:r>
+            <a:r>
+              <a:rPr lang="es-ES" dirty="0"/>
+              <a:t> (</a:t>
+            </a:r>
+            <a:r>
+              <a:rPr lang="es-ES" sz="1200" b="0" i="0" u="none" strike="noStrike" dirty="0">
+                <a:solidFill>
+                  <a:srgbClr val="000000"/>
+                </a:solidFill>
+                <a:effectLst/>
+                <a:latin typeface="Calibri" panose="020F0502020204030204" pitchFamily="34" charset="0"/>
+              </a:rPr>
+              <a:t>5)</a:t>
+            </a:r>
+            <a:r>
+              <a:rPr lang="es-ES" dirty="0"/>
+              <a:t> MAR (</a:t>
+            </a:r>
+            <a:r>
+              <a:rPr lang="es-ES" sz="1200" b="0" i="0" u="none" strike="noStrike" dirty="0">
+                <a:solidFill>
+                  <a:srgbClr val="000000"/>
+                </a:solidFill>
+                <a:effectLst/>
+                <a:latin typeface="Calibri" panose="020F0502020204030204" pitchFamily="34" charset="0"/>
+              </a:rPr>
+              <a:t>5) ABR</a:t>
+            </a:r>
+            <a:r>
+              <a:rPr lang="es-ES" dirty="0"/>
+              <a:t> (</a:t>
+            </a:r>
+            <a:r>
+              <a:rPr lang="es-ES" sz="1200" b="0" i="0" u="none" strike="noStrike" dirty="0">
+                <a:solidFill>
+                  <a:srgbClr val="000000"/>
+                </a:solidFill>
+                <a:effectLst/>
+                <a:latin typeface="Calibri" panose="020F0502020204030204" pitchFamily="34" charset="0"/>
+              </a:rPr>
+              <a:t>5) MAY</a:t>
+            </a:r>
+            <a:r>
+              <a:rPr lang="es-ES" dirty="0"/>
+              <a:t> (</a:t>
+            </a:r>
+            <a:r>
+              <a:rPr lang="es-ES" sz="1200" b="0" i="0" u="none" strike="noStrike" dirty="0">
+                <a:solidFill>
+                  <a:srgbClr val="000000"/>
+                </a:solidFill>
+                <a:effectLst/>
+                <a:latin typeface="Calibri" panose="020F0502020204030204" pitchFamily="34" charset="0"/>
+              </a:rPr>
+              <a:t>5) JUN</a:t>
+            </a:r>
+            <a:r>
+              <a:rPr lang="es-ES" dirty="0"/>
+              <a:t> (</a:t>
+            </a:r>
+            <a:r>
+              <a:rPr lang="es-ES" sz="1200" b="0" i="0" u="none" strike="noStrike" dirty="0">
+                <a:solidFill>
+                  <a:srgbClr val="000000"/>
+                </a:solidFill>
+                <a:effectLst/>
+                <a:latin typeface="Calibri" panose="020F0502020204030204" pitchFamily="34" charset="0"/>
+              </a:rPr>
+              <a:t>5)</a:t>
+            </a:r>
+            <a:r>
+              <a:rPr lang="es-ES" dirty="0"/>
+              <a:t> </a:t>
+            </a:r>
+          </a:p>
+          <a:p>
+            <a:endParaRPr lang="es-PE" dirty="0"/>
+          </a:p>
+        </p:txBody>
+      </p:sp>
+      <p:sp>
+        <p:nvSpPr>
+          <p:cNvPr id="4" name="Marcador de número de diapositiva 3"/>
+          <p:cNvSpPr>
+            <a:spLocks noGrp="1"/>
+          </p:cNvSpPr>
+          <p:nvPr>
+            <p:ph type="sldNum" sz="quarter" idx="5"/>
+          </p:nvPr>
+        </p:nvSpPr>
+        <p:spPr/>
+        <p:txBody>
+          <a:bodyPr/>
+          <a:lstStyle/>
+          <a:p>
+            <a:fld id="{CA4640C1-E720-4C47-84E3-8CC310F9E759}" type="slidenum">
+              <a:rPr lang="es-PE" smtClean="0"/>
+              <a:t>15</a:t>
+            </a:fld>
+            <a:endParaRPr lang="es-PE"/>
+          </a:p>
+        </p:txBody>
+      </p:sp>
+    </p:spTree>
+    <p:extLst>
+      <p:ext uri="{BB962C8B-B14F-4D97-AF65-F5344CB8AC3E}">
+        <p14:creationId xmlns:p14="http://schemas.microsoft.com/office/powerpoint/2010/main" val="2765622146"/>
+      </p:ext>
+    </p:extLst>
+  </p:cSld>
+  <p:clrMapOvr>
+    <a:masterClrMapping/>
+  </p:clrMapOvr>
+</p:notes>
+</file>
+
+<file path=ppt/notesSlides/notesSlide11.xml><?xml version="1.0" encoding="utf-8"?>
+<p:notes xmlns:a="http://schemas.openxmlformats.org/drawingml/2006/main" xmlns:r="http://schemas.openxmlformats.org/officeDocument/2006/relationships" xmlns:p="http://schemas.openxmlformats.org/presentationml/2006/main">
+  <p:cSld>
+    <p:spTree>
+      <p:nvGrpSpPr>
+        <p:cNvPr id="1" name=""/>
+        <p:cNvGrpSpPr/>
+        <p:nvPr/>
+      </p:nvGrpSpPr>
+      <p:grpSpPr>
+        <a:xfrm>
+          <a:off x="0" y="0"/>
+          <a:ext cx="0" cy="0"/>
+          <a:chOff x="0" y="0"/>
+          <a:chExt cx="0" cy="0"/>
+        </a:xfrm>
+      </p:grpSpPr>
+      <p:sp>
+        <p:nvSpPr>
+          <p:cNvPr id="2" name="Marcador de imagen de diapositiva 1"/>
+          <p:cNvSpPr>
+            <a:spLocks noGrp="1" noRot="1" noChangeAspect="1"/>
+          </p:cNvSpPr>
+          <p:nvPr>
+            <p:ph type="sldImg"/>
+          </p:nvPr>
+        </p:nvSpPr>
+        <p:spPr/>
+      </p:sp>
+      <p:sp>
+        <p:nvSpPr>
+          <p:cNvPr id="3" name="Marcador de notas 2"/>
+          <p:cNvSpPr>
+            <a:spLocks noGrp="1"/>
+          </p:cNvSpPr>
+          <p:nvPr>
+            <p:ph type="body" idx="1"/>
+          </p:nvPr>
+        </p:nvSpPr>
+        <p:spPr/>
+        <p:txBody>
+          <a:bodyPr/>
+          <a:lstStyle/>
+          <a:p>
+            <a:r>
+              <a:rPr lang="es-ES" sz="1800" b="0" i="0" u="none" strike="noStrike" dirty="0">
+                <a:solidFill>
+                  <a:srgbClr val="000000"/>
+                </a:solidFill>
+                <a:effectLst/>
+                <a:latin typeface="Calibri" panose="020F0502020204030204" pitchFamily="34" charset="0"/>
+              </a:rPr>
+              <a:t>POSICIONES APRO</a:t>
+            </a:r>
+            <a:r>
+              <a:rPr lang="es-ES" dirty="0"/>
+              <a:t> ENE (</a:t>
+            </a:r>
+            <a:r>
+              <a:rPr lang="es-ES" sz="1800" b="0" i="0" u="none" strike="noStrike" dirty="0">
+                <a:solidFill>
+                  <a:srgbClr val="000000"/>
+                </a:solidFill>
+                <a:effectLst/>
+                <a:latin typeface="Calibri" panose="020F0502020204030204" pitchFamily="34" charset="0"/>
+              </a:rPr>
+              <a:t>34) FEB</a:t>
+            </a:r>
+            <a:r>
+              <a:rPr lang="es-ES" dirty="0"/>
+              <a:t> (</a:t>
+            </a:r>
+            <a:r>
+              <a:rPr lang="es-ES" sz="1800" b="0" i="0" u="none" strike="noStrike" dirty="0">
+                <a:solidFill>
+                  <a:srgbClr val="000000"/>
+                </a:solidFill>
+                <a:effectLst/>
+                <a:latin typeface="Calibri" panose="020F0502020204030204" pitchFamily="34" charset="0"/>
+              </a:rPr>
+              <a:t>35)</a:t>
+            </a:r>
+            <a:r>
+              <a:rPr lang="es-ES" dirty="0"/>
+              <a:t> MAR (</a:t>
+            </a:r>
+            <a:r>
+              <a:rPr lang="es-ES" sz="1800" b="0" i="0" u="none" strike="noStrike" dirty="0">
+                <a:solidFill>
+                  <a:srgbClr val="000000"/>
+                </a:solidFill>
+                <a:effectLst/>
+                <a:latin typeface="Calibri" panose="020F0502020204030204" pitchFamily="34" charset="0"/>
+              </a:rPr>
+              <a:t>36) ABR</a:t>
+            </a:r>
+            <a:r>
+              <a:rPr lang="es-ES" dirty="0"/>
+              <a:t> (</a:t>
+            </a:r>
+            <a:r>
+              <a:rPr lang="es-ES" sz="1800" b="0" i="0" u="none" strike="noStrike" dirty="0">
+                <a:solidFill>
+                  <a:srgbClr val="000000"/>
+                </a:solidFill>
+                <a:effectLst/>
+                <a:latin typeface="Calibri" panose="020F0502020204030204" pitchFamily="34" charset="0"/>
+              </a:rPr>
+              <a:t>36) MAY</a:t>
+            </a:r>
+            <a:r>
+              <a:rPr lang="es-ES" dirty="0"/>
+              <a:t> (</a:t>
+            </a:r>
+            <a:r>
+              <a:rPr lang="es-ES" sz="1800" b="0" i="0" u="none" strike="noStrike" dirty="0">
+                <a:solidFill>
+                  <a:srgbClr val="000000"/>
+                </a:solidFill>
+                <a:effectLst/>
+                <a:latin typeface="Calibri" panose="020F0502020204030204" pitchFamily="34" charset="0"/>
+              </a:rPr>
+              <a:t>32) JUN</a:t>
+            </a:r>
+            <a:r>
+              <a:rPr lang="es-ES" dirty="0"/>
+              <a:t> (</a:t>
+            </a:r>
+            <a:r>
+              <a:rPr lang="es-ES" sz="1800" b="0" i="0" u="none" strike="noStrike" dirty="0">
+                <a:solidFill>
+                  <a:srgbClr val="000000"/>
+                </a:solidFill>
+                <a:effectLst/>
+                <a:latin typeface="Calibri" panose="020F0502020204030204" pitchFamily="34" charset="0"/>
+              </a:rPr>
+              <a:t>32)</a:t>
+            </a:r>
+            <a:r>
+              <a:rPr lang="es-ES" dirty="0"/>
+              <a:t> </a:t>
+            </a:r>
+          </a:p>
+          <a:p>
+            <a:pPr marL="0" marR="0" lvl="0" indent="0" algn="l" defTabSz="914400" rtl="0" eaLnBrk="1" fontAlgn="auto" latinLnBrk="0" hangingPunct="1">
+              <a:lnSpc>
+                <a:spcPct val="100000"/>
+              </a:lnSpc>
+              <a:spcBef>
+                <a:spcPts val="0"/>
+              </a:spcBef>
+              <a:spcAft>
+                <a:spcPts val="0"/>
+              </a:spcAft>
+              <a:buClrTx/>
+              <a:buSzTx/>
+              <a:buFontTx/>
+              <a:buNone/>
+              <a:tabLst/>
+              <a:defRPr/>
+            </a:pPr>
+            <a:r>
+              <a:rPr lang="es-ES" sz="1200" b="0" i="0" u="none" strike="noStrike" dirty="0">
+                <a:solidFill>
+                  <a:srgbClr val="000000"/>
+                </a:solidFill>
+                <a:effectLst/>
+                <a:latin typeface="Calibri" panose="020F0502020204030204" pitchFamily="34" charset="0"/>
+              </a:rPr>
+              <a:t>POSICIONES OCUP</a:t>
+            </a:r>
+            <a:r>
+              <a:rPr lang="es-ES" dirty="0"/>
+              <a:t> ENE (</a:t>
+            </a:r>
+            <a:r>
+              <a:rPr lang="es-ES" sz="1200" b="0" i="0" u="none" strike="noStrike" dirty="0">
+                <a:solidFill>
+                  <a:srgbClr val="000000"/>
+                </a:solidFill>
+                <a:effectLst/>
+                <a:latin typeface="Calibri" panose="020F0502020204030204" pitchFamily="34" charset="0"/>
+              </a:rPr>
+              <a:t>32) FEB</a:t>
+            </a:r>
+            <a:r>
+              <a:rPr lang="es-ES" dirty="0"/>
+              <a:t> (</a:t>
+            </a:r>
+            <a:r>
+              <a:rPr lang="es-ES" sz="1200" b="0" i="0" u="none" strike="noStrike" dirty="0">
+                <a:solidFill>
+                  <a:srgbClr val="000000"/>
+                </a:solidFill>
+                <a:effectLst/>
+                <a:latin typeface="Calibri" panose="020F0502020204030204" pitchFamily="34" charset="0"/>
+              </a:rPr>
+              <a:t>32)</a:t>
+            </a:r>
+            <a:r>
+              <a:rPr lang="es-ES" dirty="0"/>
+              <a:t> MAR (</a:t>
+            </a:r>
+            <a:r>
+              <a:rPr lang="es-ES" sz="1200" b="0" i="0" u="none" strike="noStrike" dirty="0">
+                <a:solidFill>
+                  <a:srgbClr val="000000"/>
+                </a:solidFill>
+                <a:effectLst/>
+                <a:latin typeface="Calibri" panose="020F0502020204030204" pitchFamily="34" charset="0"/>
+              </a:rPr>
+              <a:t>31) ABR</a:t>
+            </a:r>
+            <a:r>
+              <a:rPr lang="es-ES" dirty="0"/>
+              <a:t> (</a:t>
+            </a:r>
+            <a:r>
+              <a:rPr lang="es-ES" sz="1200" b="0" i="0" u="none" strike="noStrike" dirty="0">
+                <a:solidFill>
+                  <a:srgbClr val="000000"/>
+                </a:solidFill>
+                <a:effectLst/>
+                <a:latin typeface="Calibri" panose="020F0502020204030204" pitchFamily="34" charset="0"/>
+              </a:rPr>
+              <a:t>32) MAY</a:t>
+            </a:r>
+            <a:r>
+              <a:rPr lang="es-ES" dirty="0"/>
+              <a:t> (</a:t>
+            </a:r>
+            <a:r>
+              <a:rPr lang="es-ES" sz="1200" b="0" i="0" u="none" strike="noStrike" dirty="0">
+                <a:solidFill>
+                  <a:srgbClr val="000000"/>
+                </a:solidFill>
+                <a:effectLst/>
+                <a:latin typeface="Calibri" panose="020F0502020204030204" pitchFamily="34" charset="0"/>
+              </a:rPr>
+              <a:t>32) JUN</a:t>
+            </a:r>
+            <a:r>
+              <a:rPr lang="es-ES" dirty="0"/>
+              <a:t> (</a:t>
+            </a:r>
+            <a:r>
+              <a:rPr lang="es-ES" sz="1200" b="0" i="0" u="none" strike="noStrike" dirty="0">
+                <a:solidFill>
+                  <a:srgbClr val="000000"/>
+                </a:solidFill>
+                <a:effectLst/>
+                <a:latin typeface="Calibri" panose="020F0502020204030204" pitchFamily="34" charset="0"/>
+              </a:rPr>
+              <a:t>32)</a:t>
+            </a:r>
+            <a:r>
+              <a:rPr lang="es-ES" dirty="0"/>
+              <a:t> </a:t>
+            </a:r>
+          </a:p>
+          <a:p>
+            <a:endParaRPr lang="es-PE" dirty="0"/>
+          </a:p>
+        </p:txBody>
+      </p:sp>
+      <p:sp>
+        <p:nvSpPr>
+          <p:cNvPr id="4" name="Marcador de número de diapositiva 3"/>
+          <p:cNvSpPr>
+            <a:spLocks noGrp="1"/>
+          </p:cNvSpPr>
+          <p:nvPr>
+            <p:ph type="sldNum" sz="quarter" idx="5"/>
+          </p:nvPr>
+        </p:nvSpPr>
+        <p:spPr/>
+        <p:txBody>
+          <a:bodyPr/>
+          <a:lstStyle/>
+          <a:p>
+            <a:fld id="{CA4640C1-E720-4C47-84E3-8CC310F9E759}" type="slidenum">
+              <a:rPr lang="es-PE" smtClean="0"/>
+              <a:t>16</a:t>
+            </a:fld>
+            <a:endParaRPr lang="es-PE"/>
+          </a:p>
+        </p:txBody>
+      </p:sp>
+    </p:spTree>
+    <p:extLst>
+      <p:ext uri="{BB962C8B-B14F-4D97-AF65-F5344CB8AC3E}">
+        <p14:creationId xmlns:p14="http://schemas.microsoft.com/office/powerpoint/2010/main" val="2563546605"/>
+      </p:ext>
+    </p:extLst>
+  </p:cSld>
+  <p:clrMapOvr>
+    <a:masterClrMapping/>
+  </p:clrMapOvr>
+</p:notes>
+</file>
+
+<file path=ppt/notesSlides/notesSlide2.xml><?xml version="1.0" encoding="utf-8"?>
+<p:notes xmlns:a="http://schemas.openxmlformats.org/drawingml/2006/main" xmlns:r="http://schemas.openxmlformats.org/officeDocument/2006/relationships" xmlns:p="http://schemas.openxmlformats.org/presentationml/2006/main">
+  <p:cSld>
+    <p:spTree>
+      <p:nvGrpSpPr>
+        <p:cNvPr id="1" name=""/>
+        <p:cNvGrpSpPr/>
+        <p:nvPr/>
+      </p:nvGrpSpPr>
+      <p:grpSpPr>
+        <a:xfrm>
+          <a:off x="0" y="0"/>
+          <a:ext cx="0" cy="0"/>
+          <a:chOff x="0" y="0"/>
+          <a:chExt cx="0" cy="0"/>
+        </a:xfrm>
+      </p:grpSpPr>
+      <p:sp>
+        <p:nvSpPr>
+          <p:cNvPr id="2" name="Marcador de imagen de diapositiva 1"/>
+          <p:cNvSpPr>
+            <a:spLocks noGrp="1" noRot="1" noChangeAspect="1"/>
+          </p:cNvSpPr>
+          <p:nvPr>
+            <p:ph type="sldImg"/>
+          </p:nvPr>
+        </p:nvSpPr>
+        <p:spPr/>
+      </p:sp>
+      <p:sp>
+        <p:nvSpPr>
+          <p:cNvPr id="3" name="Marcador de notas 2"/>
+          <p:cNvSpPr>
+            <a:spLocks noGrp="1"/>
+          </p:cNvSpPr>
+          <p:nvPr>
+            <p:ph type="body" idx="1"/>
+          </p:nvPr>
+        </p:nvSpPr>
+        <p:spPr/>
+        <p:txBody>
+          <a:bodyPr/>
+          <a:lstStyle/>
+          <a:p>
+            <a:r>
+              <a:rPr lang="es-ES" sz="1800" b="0" i="0" u="none" strike="noStrike" dirty="0">
+                <a:solidFill>
+                  <a:srgbClr val="000000"/>
+                </a:solidFill>
+                <a:effectLst/>
+                <a:latin typeface="Calibri" panose="020F0502020204030204" pitchFamily="34" charset="0"/>
+              </a:rPr>
+              <a:t>POSICIONES APRO</a:t>
+            </a:r>
+            <a:r>
+              <a:rPr lang="es-ES" dirty="0"/>
+              <a:t> ENE (</a:t>
+            </a:r>
+            <a:r>
+              <a:rPr lang="es-ES" sz="1800" b="0" i="0" u="none" strike="noStrike" dirty="0">
+                <a:solidFill>
+                  <a:srgbClr val="000000"/>
+                </a:solidFill>
+                <a:effectLst/>
+                <a:latin typeface="Calibri" panose="020F0502020204030204" pitchFamily="34" charset="0"/>
+              </a:rPr>
+              <a:t>22) FEB</a:t>
+            </a:r>
+            <a:r>
+              <a:rPr lang="es-ES" dirty="0"/>
+              <a:t> (</a:t>
+            </a:r>
+            <a:r>
+              <a:rPr lang="es-ES" sz="1800" b="0" i="0" u="none" strike="noStrike" dirty="0">
+                <a:solidFill>
+                  <a:srgbClr val="000000"/>
+                </a:solidFill>
+                <a:effectLst/>
+                <a:latin typeface="Calibri" panose="020F0502020204030204" pitchFamily="34" charset="0"/>
+              </a:rPr>
+              <a:t>24)</a:t>
+            </a:r>
+            <a:r>
+              <a:rPr lang="es-ES" dirty="0"/>
+              <a:t> MAR (</a:t>
+            </a:r>
+            <a:r>
+              <a:rPr lang="es-ES" sz="1800" b="0" i="0" u="none" strike="noStrike" dirty="0">
+                <a:solidFill>
+                  <a:srgbClr val="000000"/>
+                </a:solidFill>
+                <a:effectLst/>
+                <a:latin typeface="Calibri" panose="020F0502020204030204" pitchFamily="34" charset="0"/>
+              </a:rPr>
+              <a:t>23) ABR</a:t>
+            </a:r>
+            <a:r>
+              <a:rPr lang="es-ES" dirty="0"/>
+              <a:t> (</a:t>
+            </a:r>
+            <a:r>
+              <a:rPr lang="es-ES" sz="1800" b="0" i="0" u="none" strike="noStrike" dirty="0">
+                <a:solidFill>
+                  <a:srgbClr val="000000"/>
+                </a:solidFill>
+                <a:effectLst/>
+                <a:latin typeface="Calibri" panose="020F0502020204030204" pitchFamily="34" charset="0"/>
+              </a:rPr>
+              <a:t>22) MAY</a:t>
+            </a:r>
+            <a:r>
+              <a:rPr lang="es-ES" dirty="0"/>
+              <a:t> (</a:t>
+            </a:r>
+            <a:r>
+              <a:rPr lang="es-ES" sz="1800" b="0" i="0" u="none" strike="noStrike" dirty="0">
+                <a:solidFill>
+                  <a:srgbClr val="000000"/>
+                </a:solidFill>
+                <a:effectLst/>
+                <a:latin typeface="Calibri" panose="020F0502020204030204" pitchFamily="34" charset="0"/>
+              </a:rPr>
+              <a:t>24) JUN</a:t>
+            </a:r>
+            <a:r>
+              <a:rPr lang="es-ES" dirty="0"/>
+              <a:t> (</a:t>
+            </a:r>
+            <a:r>
+              <a:rPr lang="es-ES" sz="1800" b="0" i="0" u="none" strike="noStrike" dirty="0">
+                <a:solidFill>
+                  <a:srgbClr val="000000"/>
+                </a:solidFill>
+                <a:effectLst/>
+                <a:latin typeface="Calibri" panose="020F0502020204030204" pitchFamily="34" charset="0"/>
+              </a:rPr>
+              <a:t>19)</a:t>
+            </a:r>
+            <a:r>
+              <a:rPr lang="es-ES" dirty="0"/>
+              <a:t> </a:t>
+            </a:r>
+          </a:p>
+          <a:p>
+            <a:pPr marL="0" marR="0" lvl="0" indent="0" algn="l" defTabSz="914400" rtl="0" eaLnBrk="1" fontAlgn="auto" latinLnBrk="0" hangingPunct="1">
+              <a:lnSpc>
+                <a:spcPct val="100000"/>
+              </a:lnSpc>
+              <a:spcBef>
+                <a:spcPts val="0"/>
+              </a:spcBef>
+              <a:spcAft>
+                <a:spcPts val="0"/>
+              </a:spcAft>
+              <a:buClrTx/>
+              <a:buSzTx/>
+              <a:buFontTx/>
+              <a:buNone/>
+              <a:tabLst/>
+              <a:defRPr/>
+            </a:pPr>
+            <a:r>
+              <a:rPr lang="es-ES" sz="1200" b="0" i="0" u="none" strike="noStrike" dirty="0">
+                <a:solidFill>
+                  <a:srgbClr val="000000"/>
+                </a:solidFill>
+                <a:effectLst/>
+                <a:latin typeface="Calibri" panose="020F0502020204030204" pitchFamily="34" charset="0"/>
+              </a:rPr>
+              <a:t>POSICIONES OCUP</a:t>
+            </a:r>
+            <a:r>
+              <a:rPr lang="es-ES" dirty="0"/>
+              <a:t> ENE (</a:t>
+            </a:r>
+            <a:r>
+              <a:rPr lang="es-ES" sz="1200" b="0" i="0" u="none" strike="noStrike" dirty="0">
+                <a:solidFill>
+                  <a:srgbClr val="000000"/>
+                </a:solidFill>
+                <a:effectLst/>
+                <a:latin typeface="Calibri" panose="020F0502020204030204" pitchFamily="34" charset="0"/>
+              </a:rPr>
+              <a:t>18) FEB</a:t>
+            </a:r>
+            <a:r>
+              <a:rPr lang="es-ES" dirty="0"/>
+              <a:t> (</a:t>
+            </a:r>
+            <a:r>
+              <a:rPr lang="es-ES" sz="1200" b="0" i="0" u="none" strike="noStrike" dirty="0">
+                <a:solidFill>
+                  <a:srgbClr val="000000"/>
+                </a:solidFill>
+                <a:effectLst/>
+                <a:latin typeface="Calibri" panose="020F0502020204030204" pitchFamily="34" charset="0"/>
+              </a:rPr>
+              <a:t>21)</a:t>
+            </a:r>
+            <a:r>
+              <a:rPr lang="es-ES" dirty="0"/>
+              <a:t> MAR (</a:t>
+            </a:r>
+            <a:r>
+              <a:rPr lang="es-ES" sz="1200" b="0" i="0" u="none" strike="noStrike" dirty="0">
+                <a:solidFill>
+                  <a:srgbClr val="000000"/>
+                </a:solidFill>
+                <a:effectLst/>
+                <a:latin typeface="Calibri" panose="020F0502020204030204" pitchFamily="34" charset="0"/>
+              </a:rPr>
+              <a:t>20) ABR</a:t>
+            </a:r>
+            <a:r>
+              <a:rPr lang="es-ES" dirty="0"/>
+              <a:t> (</a:t>
+            </a:r>
+            <a:r>
+              <a:rPr lang="es-ES" sz="1200" b="0" i="0" u="none" strike="noStrike" dirty="0">
+                <a:solidFill>
+                  <a:srgbClr val="000000"/>
+                </a:solidFill>
+                <a:effectLst/>
+                <a:latin typeface="Calibri" panose="020F0502020204030204" pitchFamily="34" charset="0"/>
+              </a:rPr>
+              <a:t>21) MAY</a:t>
+            </a:r>
+            <a:r>
+              <a:rPr lang="es-ES" dirty="0"/>
+              <a:t> (</a:t>
+            </a:r>
+            <a:r>
+              <a:rPr lang="es-ES" sz="1200" b="0" i="0" u="none" strike="noStrike" dirty="0">
+                <a:solidFill>
+                  <a:srgbClr val="000000"/>
+                </a:solidFill>
+                <a:effectLst/>
+                <a:latin typeface="Calibri" panose="020F0502020204030204" pitchFamily="34" charset="0"/>
+              </a:rPr>
+              <a:t>24) JUN</a:t>
+            </a:r>
+            <a:r>
+              <a:rPr lang="es-ES" dirty="0"/>
+              <a:t> (</a:t>
+            </a:r>
+            <a:r>
+              <a:rPr lang="es-ES" sz="1200" b="0" i="0" u="none" strike="noStrike" dirty="0">
+                <a:solidFill>
+                  <a:srgbClr val="000000"/>
+                </a:solidFill>
+                <a:effectLst/>
+                <a:latin typeface="Calibri" panose="020F0502020204030204" pitchFamily="34" charset="0"/>
+              </a:rPr>
+              <a:t>19)</a:t>
+            </a:r>
+            <a:r>
+              <a:rPr lang="es-ES" dirty="0"/>
+              <a:t> </a:t>
+            </a:r>
+          </a:p>
+          <a:p>
+            <a:endParaRPr lang="es-PE" dirty="0"/>
+          </a:p>
+        </p:txBody>
+      </p:sp>
+      <p:sp>
+        <p:nvSpPr>
+          <p:cNvPr id="4" name="Marcador de número de diapositiva 3"/>
+          <p:cNvSpPr>
+            <a:spLocks noGrp="1"/>
+          </p:cNvSpPr>
+          <p:nvPr>
+            <p:ph type="sldNum" sz="quarter" idx="5"/>
+          </p:nvPr>
+        </p:nvSpPr>
+        <p:spPr/>
+        <p:txBody>
+          <a:bodyPr/>
+          <a:lstStyle/>
+          <a:p>
+            <a:fld id="{CA4640C1-E720-4C47-84E3-8CC310F9E759}" type="slidenum">
+              <a:rPr lang="es-PE" smtClean="0"/>
+              <a:t>7</a:t>
+            </a:fld>
+            <a:endParaRPr lang="es-PE"/>
+          </a:p>
+        </p:txBody>
+      </p:sp>
+    </p:spTree>
+    <p:extLst>
+      <p:ext uri="{BB962C8B-B14F-4D97-AF65-F5344CB8AC3E}">
+        <p14:creationId xmlns:p14="http://schemas.microsoft.com/office/powerpoint/2010/main" val="3375151184"/>
+      </p:ext>
+    </p:extLst>
+  </p:cSld>
+  <p:clrMapOvr>
+    <a:masterClrMapping/>
+  </p:clrMapOvr>
+</p:notes>
+</file>
+
+<file path=ppt/notesSlides/notesSlide3.xml><?xml version="1.0" encoding="utf-8"?>
+<p:notes xmlns:a="http://schemas.openxmlformats.org/drawingml/2006/main" xmlns:r="http://schemas.openxmlformats.org/officeDocument/2006/relationships" xmlns:p="http://schemas.openxmlformats.org/presentationml/2006/main">
+  <p:cSld>
+    <p:spTree>
+      <p:nvGrpSpPr>
+        <p:cNvPr id="1" name=""/>
+        <p:cNvGrpSpPr/>
+        <p:nvPr/>
+      </p:nvGrpSpPr>
+      <p:grpSpPr>
+        <a:xfrm>
+          <a:off x="0" y="0"/>
+          <a:ext cx="0" cy="0"/>
+          <a:chOff x="0" y="0"/>
+          <a:chExt cx="0" cy="0"/>
+        </a:xfrm>
+      </p:grpSpPr>
+      <p:sp>
+        <p:nvSpPr>
+          <p:cNvPr id="2" name="Marcador de imagen de diapositiva 1"/>
+          <p:cNvSpPr>
+            <a:spLocks noGrp="1" noRot="1" noChangeAspect="1"/>
+          </p:cNvSpPr>
+          <p:nvPr>
+            <p:ph type="sldImg"/>
+          </p:nvPr>
+        </p:nvSpPr>
+        <p:spPr/>
+      </p:sp>
+      <p:sp>
+        <p:nvSpPr>
+          <p:cNvPr id="3" name="Marcador de notas 2"/>
+          <p:cNvSpPr>
+            <a:spLocks noGrp="1"/>
+          </p:cNvSpPr>
+          <p:nvPr>
+            <p:ph type="body" idx="1"/>
+          </p:nvPr>
+        </p:nvSpPr>
+        <p:spPr/>
+        <p:txBody>
+          <a:bodyPr/>
+          <a:lstStyle/>
+          <a:p>
+            <a:r>
+              <a:rPr lang="es-ES" sz="1800" b="0" i="0" u="none" strike="noStrike" dirty="0">
+                <a:solidFill>
+                  <a:srgbClr val="000000"/>
+                </a:solidFill>
+                <a:effectLst/>
+                <a:latin typeface="Calibri" panose="020F0502020204030204" pitchFamily="34" charset="0"/>
+              </a:rPr>
+              <a:t>POSICIONES APRO</a:t>
+            </a:r>
+            <a:r>
+              <a:rPr lang="es-ES" dirty="0"/>
+              <a:t> ENE (</a:t>
+            </a:r>
+            <a:r>
+              <a:rPr lang="es-ES" sz="1800" b="0" i="0" u="none" strike="noStrike" dirty="0">
+                <a:solidFill>
+                  <a:srgbClr val="000000"/>
+                </a:solidFill>
+                <a:effectLst/>
+                <a:latin typeface="Calibri" panose="020F0502020204030204" pitchFamily="34" charset="0"/>
+              </a:rPr>
+              <a:t>21) FEB</a:t>
+            </a:r>
+            <a:r>
+              <a:rPr lang="es-ES" dirty="0"/>
+              <a:t> (</a:t>
+            </a:r>
+            <a:r>
+              <a:rPr lang="es-ES" sz="1800" b="0" i="0" u="none" strike="noStrike" dirty="0">
+                <a:solidFill>
+                  <a:srgbClr val="000000"/>
+                </a:solidFill>
+                <a:effectLst/>
+                <a:latin typeface="Calibri" panose="020F0502020204030204" pitchFamily="34" charset="0"/>
+              </a:rPr>
+              <a:t>21)</a:t>
+            </a:r>
+            <a:r>
+              <a:rPr lang="es-ES" dirty="0"/>
+              <a:t> MAR (</a:t>
+            </a:r>
+            <a:r>
+              <a:rPr lang="es-ES" sz="1800" b="0" i="0" u="none" strike="noStrike" dirty="0">
+                <a:solidFill>
+                  <a:srgbClr val="000000"/>
+                </a:solidFill>
+                <a:effectLst/>
+                <a:latin typeface="Calibri" panose="020F0502020204030204" pitchFamily="34" charset="0"/>
+              </a:rPr>
+              <a:t>21) ABR</a:t>
+            </a:r>
+            <a:r>
+              <a:rPr lang="es-ES" dirty="0"/>
+              <a:t> (</a:t>
+            </a:r>
+            <a:r>
+              <a:rPr lang="es-ES" sz="1800" b="0" i="0" u="none" strike="noStrike" dirty="0">
+                <a:solidFill>
+                  <a:srgbClr val="000000"/>
+                </a:solidFill>
+                <a:effectLst/>
+                <a:latin typeface="Calibri" panose="020F0502020204030204" pitchFamily="34" charset="0"/>
+              </a:rPr>
+              <a:t>21) MAY</a:t>
+            </a:r>
+            <a:r>
+              <a:rPr lang="es-ES" dirty="0"/>
+              <a:t> (</a:t>
+            </a:r>
+            <a:r>
+              <a:rPr lang="es-ES" sz="1800" b="0" i="0" u="none" strike="noStrike" dirty="0">
+                <a:solidFill>
+                  <a:srgbClr val="000000"/>
+                </a:solidFill>
+                <a:effectLst/>
+                <a:latin typeface="Calibri" panose="020F0502020204030204" pitchFamily="34" charset="0"/>
+              </a:rPr>
+              <a:t>18) JUN</a:t>
+            </a:r>
+            <a:r>
+              <a:rPr lang="es-ES" dirty="0"/>
+              <a:t> (</a:t>
+            </a:r>
+            <a:r>
+              <a:rPr lang="es-ES" sz="1800" b="0" i="0" u="none" strike="noStrike" dirty="0">
+                <a:solidFill>
+                  <a:srgbClr val="000000"/>
+                </a:solidFill>
+                <a:effectLst/>
+                <a:latin typeface="Calibri" panose="020F0502020204030204" pitchFamily="34" charset="0"/>
+              </a:rPr>
+              <a:t>20)</a:t>
+            </a:r>
+            <a:r>
+              <a:rPr lang="es-ES" dirty="0"/>
+              <a:t> </a:t>
+            </a:r>
+          </a:p>
+          <a:p>
+            <a:pPr marL="0" marR="0" lvl="0" indent="0" algn="l" defTabSz="914400" rtl="0" eaLnBrk="1" fontAlgn="auto" latinLnBrk="0" hangingPunct="1">
+              <a:lnSpc>
+                <a:spcPct val="100000"/>
+              </a:lnSpc>
+              <a:spcBef>
+                <a:spcPts val="0"/>
+              </a:spcBef>
+              <a:spcAft>
+                <a:spcPts val="0"/>
+              </a:spcAft>
+              <a:buClrTx/>
+              <a:buSzTx/>
+              <a:buFontTx/>
+              <a:buNone/>
+              <a:tabLst/>
+              <a:defRPr/>
+            </a:pPr>
+            <a:r>
+              <a:rPr lang="es-ES" sz="1200" b="0" i="0" u="none" strike="noStrike" dirty="0">
+                <a:solidFill>
+                  <a:srgbClr val="000000"/>
+                </a:solidFill>
+                <a:effectLst/>
+                <a:latin typeface="Calibri" panose="020F0502020204030204" pitchFamily="34" charset="0"/>
+              </a:rPr>
+              <a:t>POSICIONES OCUP</a:t>
+            </a:r>
+            <a:r>
+              <a:rPr lang="es-ES" dirty="0"/>
+              <a:t> ENE (</a:t>
+            </a:r>
+            <a:r>
+              <a:rPr lang="es-ES" sz="1200" b="0" i="0" u="none" strike="noStrike" dirty="0">
+                <a:solidFill>
+                  <a:srgbClr val="000000"/>
+                </a:solidFill>
+                <a:effectLst/>
+                <a:latin typeface="Calibri" panose="020F0502020204030204" pitchFamily="34" charset="0"/>
+              </a:rPr>
+              <a:t>21) FEB</a:t>
+            </a:r>
+            <a:r>
+              <a:rPr lang="es-ES" dirty="0"/>
+              <a:t> (</a:t>
+            </a:r>
+            <a:r>
+              <a:rPr lang="es-ES" sz="1200" b="0" i="0" u="none" strike="noStrike" dirty="0">
+                <a:solidFill>
+                  <a:srgbClr val="000000"/>
+                </a:solidFill>
+                <a:effectLst/>
+                <a:latin typeface="Calibri" panose="020F0502020204030204" pitchFamily="34" charset="0"/>
+              </a:rPr>
+              <a:t>20)</a:t>
+            </a:r>
+            <a:r>
+              <a:rPr lang="es-ES" dirty="0"/>
+              <a:t> MAR (</a:t>
+            </a:r>
+            <a:r>
+              <a:rPr lang="es-ES" sz="1200" b="0" i="0" u="none" strike="noStrike" dirty="0">
+                <a:solidFill>
+                  <a:srgbClr val="000000"/>
+                </a:solidFill>
+                <a:effectLst/>
+                <a:latin typeface="Calibri" panose="020F0502020204030204" pitchFamily="34" charset="0"/>
+              </a:rPr>
+              <a:t>18) ABR</a:t>
+            </a:r>
+            <a:r>
+              <a:rPr lang="es-ES" dirty="0"/>
+              <a:t> (</a:t>
+            </a:r>
+            <a:r>
+              <a:rPr lang="es-ES" sz="1200" b="0" i="0" u="none" strike="noStrike" dirty="0">
+                <a:solidFill>
+                  <a:srgbClr val="000000"/>
+                </a:solidFill>
+                <a:effectLst/>
+                <a:latin typeface="Calibri" panose="020F0502020204030204" pitchFamily="34" charset="0"/>
+              </a:rPr>
+              <a:t>17) MAY</a:t>
+            </a:r>
+            <a:r>
+              <a:rPr lang="es-ES" dirty="0"/>
+              <a:t> (</a:t>
+            </a:r>
+            <a:r>
+              <a:rPr lang="es-ES" sz="1200" b="0" i="0" u="none" strike="noStrike" dirty="0">
+                <a:solidFill>
+                  <a:srgbClr val="000000"/>
+                </a:solidFill>
+                <a:effectLst/>
+                <a:latin typeface="Calibri" panose="020F0502020204030204" pitchFamily="34" charset="0"/>
+              </a:rPr>
+              <a:t>18) JUN</a:t>
+            </a:r>
+            <a:r>
+              <a:rPr lang="es-ES" dirty="0"/>
+              <a:t> (</a:t>
+            </a:r>
+            <a:r>
+              <a:rPr lang="es-ES" sz="1200" b="0" i="0" u="none" strike="noStrike" dirty="0">
+                <a:solidFill>
+                  <a:srgbClr val="000000"/>
+                </a:solidFill>
+                <a:effectLst/>
+                <a:latin typeface="Calibri" panose="020F0502020204030204" pitchFamily="34" charset="0"/>
+              </a:rPr>
+              <a:t>20)</a:t>
+            </a:r>
+            <a:r>
+              <a:rPr lang="es-ES" dirty="0"/>
+              <a:t> </a:t>
+            </a:r>
+          </a:p>
+          <a:p>
+            <a:endParaRPr lang="es-PE" dirty="0"/>
+          </a:p>
+        </p:txBody>
+      </p:sp>
+      <p:sp>
+        <p:nvSpPr>
+          <p:cNvPr id="4" name="Marcador de número de diapositiva 3"/>
+          <p:cNvSpPr>
+            <a:spLocks noGrp="1"/>
+          </p:cNvSpPr>
+          <p:nvPr>
+            <p:ph type="sldNum" sz="quarter" idx="5"/>
+          </p:nvPr>
+        </p:nvSpPr>
+        <p:spPr/>
+        <p:txBody>
+          <a:bodyPr/>
+          <a:lstStyle/>
+          <a:p>
+            <a:fld id="{CA4640C1-E720-4C47-84E3-8CC310F9E759}" type="slidenum">
+              <a:rPr lang="es-PE" smtClean="0"/>
+              <a:t>8</a:t>
+            </a:fld>
+            <a:endParaRPr lang="es-PE"/>
+          </a:p>
+        </p:txBody>
+      </p:sp>
+    </p:spTree>
+    <p:extLst>
+      <p:ext uri="{BB962C8B-B14F-4D97-AF65-F5344CB8AC3E}">
+        <p14:creationId xmlns:p14="http://schemas.microsoft.com/office/powerpoint/2010/main" val="1621933524"/>
+      </p:ext>
+    </p:extLst>
+  </p:cSld>
+  <p:clrMapOvr>
+    <a:masterClrMapping/>
+  </p:clrMapOvr>
+</p:notes>
+</file>
+
+<file path=ppt/notesSlides/notesSlide4.xml><?xml version="1.0" encoding="utf-8"?>
+<p:notes xmlns:a="http://schemas.openxmlformats.org/drawingml/2006/main" xmlns:r="http://schemas.openxmlformats.org/officeDocument/2006/relationships" xmlns:p="http://schemas.openxmlformats.org/presentationml/2006/main">
+  <p:cSld>
+    <p:spTree>
+      <p:nvGrpSpPr>
+        <p:cNvPr id="1" name=""/>
+        <p:cNvGrpSpPr/>
+        <p:nvPr/>
+      </p:nvGrpSpPr>
+      <p:grpSpPr>
+        <a:xfrm>
+          <a:off x="0" y="0"/>
+          <a:ext cx="0" cy="0"/>
+          <a:chOff x="0" y="0"/>
+          <a:chExt cx="0" cy="0"/>
+        </a:xfrm>
+      </p:grpSpPr>
+      <p:sp>
+        <p:nvSpPr>
+          <p:cNvPr id="2" name="Marcador de imagen de diapositiva 1"/>
+          <p:cNvSpPr>
+            <a:spLocks noGrp="1" noRot="1" noChangeAspect="1"/>
+          </p:cNvSpPr>
+          <p:nvPr>
+            <p:ph type="sldImg"/>
+          </p:nvPr>
+        </p:nvSpPr>
+        <p:spPr/>
+      </p:sp>
+      <p:sp>
+        <p:nvSpPr>
+          <p:cNvPr id="3" name="Marcador de notas 2"/>
+          <p:cNvSpPr>
+            <a:spLocks noGrp="1"/>
+          </p:cNvSpPr>
+          <p:nvPr>
+            <p:ph type="body" idx="1"/>
+          </p:nvPr>
+        </p:nvSpPr>
+        <p:spPr/>
+        <p:txBody>
+          <a:bodyPr/>
+          <a:lstStyle/>
+          <a:p>
+            <a:r>
+              <a:rPr lang="es-ES" sz="1800" b="0" i="0" u="none" strike="noStrike" dirty="0">
+                <a:solidFill>
+                  <a:srgbClr val="000000"/>
+                </a:solidFill>
+                <a:effectLst/>
+                <a:latin typeface="Calibri" panose="020F0502020204030204" pitchFamily="34" charset="0"/>
+              </a:rPr>
+              <a:t>POSICIONES APRO</a:t>
+            </a:r>
+            <a:r>
+              <a:rPr lang="es-ES" dirty="0"/>
+              <a:t> ENE (</a:t>
+            </a:r>
+            <a:r>
+              <a:rPr lang="es-ES" sz="1800" b="0" i="0" u="none" strike="noStrike" dirty="0">
+                <a:solidFill>
+                  <a:srgbClr val="000000"/>
+                </a:solidFill>
+                <a:effectLst/>
+                <a:latin typeface="Calibri" panose="020F0502020204030204" pitchFamily="34" charset="0"/>
+              </a:rPr>
+              <a:t>82) FEB</a:t>
+            </a:r>
+            <a:r>
+              <a:rPr lang="es-ES" dirty="0"/>
+              <a:t> (</a:t>
+            </a:r>
+            <a:r>
+              <a:rPr lang="es-ES" sz="1800" b="0" i="0" u="none" strike="noStrike" dirty="0">
+                <a:solidFill>
+                  <a:srgbClr val="000000"/>
+                </a:solidFill>
+                <a:effectLst/>
+                <a:latin typeface="Calibri" panose="020F0502020204030204" pitchFamily="34" charset="0"/>
+              </a:rPr>
+              <a:t>82)</a:t>
+            </a:r>
+            <a:r>
+              <a:rPr lang="es-ES" dirty="0"/>
+              <a:t> MAR (</a:t>
+            </a:r>
+            <a:r>
+              <a:rPr lang="es-ES" sz="1800" b="0" i="0" u="none" strike="noStrike" dirty="0">
+                <a:solidFill>
+                  <a:srgbClr val="000000"/>
+                </a:solidFill>
+                <a:effectLst/>
+                <a:latin typeface="Calibri" panose="020F0502020204030204" pitchFamily="34" charset="0"/>
+              </a:rPr>
+              <a:t>83) ABR</a:t>
+            </a:r>
+            <a:r>
+              <a:rPr lang="es-ES" dirty="0"/>
+              <a:t> (</a:t>
+            </a:r>
+            <a:r>
+              <a:rPr lang="es-ES" sz="1800" b="0" i="0" u="none" strike="noStrike" dirty="0">
+                <a:solidFill>
+                  <a:srgbClr val="000000"/>
+                </a:solidFill>
+                <a:effectLst/>
+                <a:latin typeface="Calibri" panose="020F0502020204030204" pitchFamily="34" charset="0"/>
+              </a:rPr>
+              <a:t>90) MAY</a:t>
+            </a:r>
+            <a:r>
+              <a:rPr lang="es-ES" dirty="0"/>
+              <a:t> (</a:t>
+            </a:r>
+            <a:r>
+              <a:rPr lang="es-ES" sz="1800" b="0" i="0" u="none" strike="noStrike" dirty="0">
+                <a:solidFill>
+                  <a:srgbClr val="000000"/>
+                </a:solidFill>
+                <a:effectLst/>
+                <a:latin typeface="Calibri" panose="020F0502020204030204" pitchFamily="34" charset="0"/>
+              </a:rPr>
+              <a:t>80) JUN</a:t>
+            </a:r>
+            <a:r>
+              <a:rPr lang="es-ES" dirty="0"/>
+              <a:t> (</a:t>
+            </a:r>
+            <a:r>
+              <a:rPr lang="es-ES" sz="1800" b="0" i="0" u="none" strike="noStrike" dirty="0">
+                <a:solidFill>
+                  <a:srgbClr val="000000"/>
+                </a:solidFill>
+                <a:effectLst/>
+                <a:latin typeface="Calibri" panose="020F0502020204030204" pitchFamily="34" charset="0"/>
+              </a:rPr>
+              <a:t>79)</a:t>
+            </a:r>
+            <a:r>
+              <a:rPr lang="es-ES" dirty="0"/>
+              <a:t> </a:t>
+            </a:r>
+          </a:p>
+          <a:p>
+            <a:pPr marL="0" marR="0" lvl="0" indent="0" algn="l" defTabSz="914400" rtl="0" eaLnBrk="1" fontAlgn="auto" latinLnBrk="0" hangingPunct="1">
+              <a:lnSpc>
+                <a:spcPct val="100000"/>
+              </a:lnSpc>
+              <a:spcBef>
+                <a:spcPts val="0"/>
+              </a:spcBef>
+              <a:spcAft>
+                <a:spcPts val="0"/>
+              </a:spcAft>
+              <a:buClrTx/>
+              <a:buSzTx/>
+              <a:buFontTx/>
+              <a:buNone/>
+              <a:tabLst/>
+              <a:defRPr/>
+            </a:pPr>
+            <a:r>
+              <a:rPr lang="es-ES" sz="1200" b="0" i="0" u="none" strike="noStrike" dirty="0">
+                <a:solidFill>
+                  <a:srgbClr val="000000"/>
+                </a:solidFill>
+                <a:effectLst/>
+                <a:latin typeface="Calibri" panose="020F0502020204030204" pitchFamily="34" charset="0"/>
+              </a:rPr>
+              <a:t>POSICIONES OCUP</a:t>
+            </a:r>
+            <a:r>
+              <a:rPr lang="es-ES" dirty="0"/>
+              <a:t> ENE (</a:t>
+            </a:r>
+            <a:r>
+              <a:rPr lang="es-ES" sz="1200" b="0" i="0" u="none" strike="noStrike" dirty="0">
+                <a:solidFill>
+                  <a:srgbClr val="000000"/>
+                </a:solidFill>
+                <a:effectLst/>
+                <a:latin typeface="Calibri" panose="020F0502020204030204" pitchFamily="34" charset="0"/>
+              </a:rPr>
+              <a:t>77) FEB</a:t>
+            </a:r>
+            <a:r>
+              <a:rPr lang="es-ES" dirty="0"/>
+              <a:t> (</a:t>
+            </a:r>
+            <a:r>
+              <a:rPr lang="es-ES" sz="1200" b="0" i="0" u="none" strike="noStrike" dirty="0">
+                <a:solidFill>
+                  <a:srgbClr val="000000"/>
+                </a:solidFill>
+                <a:effectLst/>
+                <a:latin typeface="Calibri" panose="020F0502020204030204" pitchFamily="34" charset="0"/>
+              </a:rPr>
+              <a:t>74)</a:t>
+            </a:r>
+            <a:r>
+              <a:rPr lang="es-ES" dirty="0"/>
+              <a:t> MAR (</a:t>
+            </a:r>
+            <a:r>
+              <a:rPr lang="es-ES" sz="1200" b="0" i="0" u="none" strike="noStrike" dirty="0">
+                <a:solidFill>
+                  <a:srgbClr val="000000"/>
+                </a:solidFill>
+                <a:effectLst/>
+                <a:latin typeface="Calibri" panose="020F0502020204030204" pitchFamily="34" charset="0"/>
+              </a:rPr>
+              <a:t>75) ABR</a:t>
+            </a:r>
+            <a:r>
+              <a:rPr lang="es-ES" dirty="0"/>
+              <a:t> (</a:t>
+            </a:r>
+            <a:r>
+              <a:rPr lang="es-ES" sz="1200" b="0" i="0" u="none" strike="noStrike" dirty="0">
+                <a:solidFill>
+                  <a:srgbClr val="000000"/>
+                </a:solidFill>
+                <a:effectLst/>
+                <a:latin typeface="Calibri" panose="020F0502020204030204" pitchFamily="34" charset="0"/>
+              </a:rPr>
+              <a:t>76) MAY</a:t>
+            </a:r>
+            <a:r>
+              <a:rPr lang="es-ES" dirty="0"/>
+              <a:t> (</a:t>
+            </a:r>
+            <a:r>
+              <a:rPr lang="es-ES" sz="1200" b="0" i="0" u="none" strike="noStrike" dirty="0">
+                <a:solidFill>
+                  <a:srgbClr val="000000"/>
+                </a:solidFill>
+                <a:effectLst/>
+                <a:latin typeface="Calibri" panose="020F0502020204030204" pitchFamily="34" charset="0"/>
+              </a:rPr>
+              <a:t>80) JUN</a:t>
+            </a:r>
+            <a:r>
+              <a:rPr lang="es-ES" dirty="0"/>
+              <a:t> (</a:t>
+            </a:r>
+            <a:r>
+              <a:rPr lang="es-ES" sz="1200" b="0" i="0" u="none" strike="noStrike" dirty="0">
+                <a:solidFill>
+                  <a:srgbClr val="000000"/>
+                </a:solidFill>
+                <a:effectLst/>
+                <a:latin typeface="Calibri" panose="020F0502020204030204" pitchFamily="34" charset="0"/>
+              </a:rPr>
+              <a:t>79)</a:t>
+            </a:r>
+            <a:r>
+              <a:rPr lang="es-ES" dirty="0"/>
+              <a:t> </a:t>
+            </a:r>
+          </a:p>
+          <a:p>
+            <a:endParaRPr lang="es-PE" dirty="0"/>
+          </a:p>
+        </p:txBody>
+      </p:sp>
+      <p:sp>
+        <p:nvSpPr>
+          <p:cNvPr id="4" name="Marcador de número de diapositiva 3"/>
+          <p:cNvSpPr>
+            <a:spLocks noGrp="1"/>
+          </p:cNvSpPr>
+          <p:nvPr>
+            <p:ph type="sldNum" sz="quarter" idx="5"/>
+          </p:nvPr>
+        </p:nvSpPr>
+        <p:spPr/>
+        <p:txBody>
+          <a:bodyPr/>
+          <a:lstStyle/>
+          <a:p>
+            <a:fld id="{CA4640C1-E720-4C47-84E3-8CC310F9E759}" type="slidenum">
+              <a:rPr lang="es-PE" smtClean="0"/>
+              <a:t>9</a:t>
+            </a:fld>
+            <a:endParaRPr lang="es-PE"/>
+          </a:p>
+        </p:txBody>
+      </p:sp>
+    </p:spTree>
+    <p:extLst>
+      <p:ext uri="{BB962C8B-B14F-4D97-AF65-F5344CB8AC3E}">
+        <p14:creationId xmlns:p14="http://schemas.microsoft.com/office/powerpoint/2010/main" val="2237771797"/>
+      </p:ext>
+    </p:extLst>
+  </p:cSld>
+  <p:clrMapOvr>
+    <a:masterClrMapping/>
+  </p:clrMapOvr>
+</p:notes>
+</file>
+
+<file path=ppt/notesSlides/notesSlide5.xml><?xml version="1.0" encoding="utf-8"?>
+<p:notes xmlns:a="http://schemas.openxmlformats.org/drawingml/2006/main" xmlns:r="http://schemas.openxmlformats.org/officeDocument/2006/relationships" xmlns:p="http://schemas.openxmlformats.org/presentationml/2006/main">
+  <p:cSld>
+    <p:spTree>
+      <p:nvGrpSpPr>
+        <p:cNvPr id="1" name=""/>
+        <p:cNvGrpSpPr/>
+        <p:nvPr/>
+      </p:nvGrpSpPr>
+      <p:grpSpPr>
+        <a:xfrm>
+          <a:off x="0" y="0"/>
+          <a:ext cx="0" cy="0"/>
+          <a:chOff x="0" y="0"/>
+          <a:chExt cx="0" cy="0"/>
+        </a:xfrm>
+      </p:grpSpPr>
+      <p:sp>
+        <p:nvSpPr>
+          <p:cNvPr id="2" name="Marcador de imagen de diapositiva 1"/>
+          <p:cNvSpPr>
+            <a:spLocks noGrp="1" noRot="1" noChangeAspect="1"/>
+          </p:cNvSpPr>
+          <p:nvPr>
+            <p:ph type="sldImg"/>
+          </p:nvPr>
+        </p:nvSpPr>
+        <p:spPr/>
+      </p:sp>
+      <p:sp>
+        <p:nvSpPr>
+          <p:cNvPr id="3" name="Marcador de notas 2"/>
+          <p:cNvSpPr>
+            <a:spLocks noGrp="1"/>
+          </p:cNvSpPr>
+          <p:nvPr>
+            <p:ph type="body" idx="1"/>
+          </p:nvPr>
+        </p:nvSpPr>
+        <p:spPr/>
+        <p:txBody>
+          <a:bodyPr/>
+          <a:lstStyle/>
+          <a:p>
+            <a:r>
+              <a:rPr lang="es-ES" sz="1800" b="0" i="0" u="none" strike="noStrike" dirty="0">
+                <a:solidFill>
+                  <a:srgbClr val="000000"/>
+                </a:solidFill>
+                <a:effectLst/>
+                <a:latin typeface="Calibri" panose="020F0502020204030204" pitchFamily="34" charset="0"/>
+              </a:rPr>
+              <a:t>POSICIONES APRO</a:t>
+            </a:r>
+            <a:r>
+              <a:rPr lang="es-ES" dirty="0"/>
+              <a:t> ENE (</a:t>
+            </a:r>
+            <a:r>
+              <a:rPr lang="es-ES" sz="1800" b="0" i="0" u="none" strike="noStrike" dirty="0">
+                <a:solidFill>
+                  <a:srgbClr val="000000"/>
+                </a:solidFill>
+                <a:effectLst/>
+                <a:latin typeface="Calibri" panose="020F0502020204030204" pitchFamily="34" charset="0"/>
+              </a:rPr>
+              <a:t>50) FEB</a:t>
+            </a:r>
+            <a:r>
+              <a:rPr lang="es-ES" dirty="0"/>
+              <a:t> (</a:t>
+            </a:r>
+            <a:r>
+              <a:rPr lang="es-ES" sz="1800" b="0" i="0" u="none" strike="noStrike" dirty="0">
+                <a:solidFill>
+                  <a:srgbClr val="000000"/>
+                </a:solidFill>
+                <a:effectLst/>
+                <a:latin typeface="Calibri" panose="020F0502020204030204" pitchFamily="34" charset="0"/>
+              </a:rPr>
+              <a:t>51)</a:t>
+            </a:r>
+            <a:r>
+              <a:rPr lang="es-ES" dirty="0"/>
+              <a:t> MAR (</a:t>
+            </a:r>
+            <a:r>
+              <a:rPr lang="es-ES" sz="1800" b="0" i="0" u="none" strike="noStrike" dirty="0">
+                <a:solidFill>
+                  <a:srgbClr val="000000"/>
+                </a:solidFill>
+                <a:effectLst/>
+                <a:latin typeface="Calibri" panose="020F0502020204030204" pitchFamily="34" charset="0"/>
+              </a:rPr>
+              <a:t>50) ABR</a:t>
+            </a:r>
+            <a:r>
+              <a:rPr lang="es-ES" dirty="0"/>
+              <a:t> (</a:t>
+            </a:r>
+            <a:r>
+              <a:rPr lang="es-ES" sz="1800" b="0" i="0" u="none" strike="noStrike" dirty="0">
+                <a:solidFill>
+                  <a:srgbClr val="000000"/>
+                </a:solidFill>
+                <a:effectLst/>
+                <a:latin typeface="Calibri" panose="020F0502020204030204" pitchFamily="34" charset="0"/>
+              </a:rPr>
+              <a:t>51) MAY</a:t>
+            </a:r>
+            <a:r>
+              <a:rPr lang="es-ES" dirty="0"/>
+              <a:t> (</a:t>
+            </a:r>
+            <a:r>
+              <a:rPr lang="es-ES" sz="1800" b="0" i="0" u="none" strike="noStrike" dirty="0">
+                <a:solidFill>
+                  <a:srgbClr val="000000"/>
+                </a:solidFill>
+                <a:effectLst/>
+                <a:latin typeface="Calibri" panose="020F0502020204030204" pitchFamily="34" charset="0"/>
+              </a:rPr>
+              <a:t>14) JUN</a:t>
+            </a:r>
+            <a:r>
+              <a:rPr lang="es-ES" dirty="0"/>
+              <a:t> (</a:t>
+            </a:r>
+            <a:r>
+              <a:rPr lang="es-ES" sz="1800" b="0" i="0" u="none" strike="noStrike" dirty="0">
+                <a:solidFill>
+                  <a:srgbClr val="000000"/>
+                </a:solidFill>
+                <a:effectLst/>
+                <a:latin typeface="Calibri" panose="020F0502020204030204" pitchFamily="34" charset="0"/>
+              </a:rPr>
+              <a:t>47)</a:t>
+            </a:r>
+            <a:r>
+              <a:rPr lang="es-ES" dirty="0"/>
+              <a:t> </a:t>
+            </a:r>
+          </a:p>
+          <a:p>
+            <a:pPr marL="0" marR="0" lvl="0" indent="0" algn="l" defTabSz="914400" rtl="0" eaLnBrk="1" fontAlgn="auto" latinLnBrk="0" hangingPunct="1">
+              <a:lnSpc>
+                <a:spcPct val="100000"/>
+              </a:lnSpc>
+              <a:spcBef>
+                <a:spcPts val="0"/>
+              </a:spcBef>
+              <a:spcAft>
+                <a:spcPts val="0"/>
+              </a:spcAft>
+              <a:buClrTx/>
+              <a:buSzTx/>
+              <a:buFontTx/>
+              <a:buNone/>
+              <a:tabLst/>
+              <a:defRPr/>
+            </a:pPr>
+            <a:r>
+              <a:rPr lang="es-ES" sz="1200" b="0" i="0" u="none" strike="noStrike" dirty="0">
+                <a:solidFill>
+                  <a:srgbClr val="000000"/>
+                </a:solidFill>
+                <a:effectLst/>
+                <a:latin typeface="Calibri" panose="020F0502020204030204" pitchFamily="34" charset="0"/>
+              </a:rPr>
+              <a:t>POSICIONES OCUP</a:t>
+            </a:r>
+            <a:r>
+              <a:rPr lang="es-ES" dirty="0"/>
+              <a:t> ENE (</a:t>
+            </a:r>
+            <a:r>
+              <a:rPr lang="es-ES" sz="1200" b="0" i="0" u="none" strike="noStrike" dirty="0">
+                <a:solidFill>
+                  <a:srgbClr val="000000"/>
+                </a:solidFill>
+                <a:effectLst/>
+                <a:latin typeface="Calibri" panose="020F0502020204030204" pitchFamily="34" charset="0"/>
+              </a:rPr>
+              <a:t>45) FEB</a:t>
+            </a:r>
+            <a:r>
+              <a:rPr lang="es-ES" dirty="0"/>
+              <a:t> (</a:t>
+            </a:r>
+            <a:r>
+              <a:rPr lang="es-ES" sz="1200" b="0" i="0" u="none" strike="noStrike" dirty="0">
+                <a:solidFill>
+                  <a:srgbClr val="000000"/>
+                </a:solidFill>
+                <a:effectLst/>
+                <a:latin typeface="Calibri" panose="020F0502020204030204" pitchFamily="34" charset="0"/>
+              </a:rPr>
+              <a:t>46)</a:t>
+            </a:r>
+            <a:r>
+              <a:rPr lang="es-ES" dirty="0"/>
+              <a:t> MAR (</a:t>
+            </a:r>
+            <a:r>
+              <a:rPr lang="es-ES" sz="1200" b="0" i="0" u="none" strike="noStrike" dirty="0">
+                <a:solidFill>
+                  <a:srgbClr val="000000"/>
+                </a:solidFill>
+                <a:effectLst/>
+                <a:latin typeface="Calibri" panose="020F0502020204030204" pitchFamily="34" charset="0"/>
+              </a:rPr>
+              <a:t>47) ABR</a:t>
+            </a:r>
+            <a:r>
+              <a:rPr lang="es-ES" dirty="0"/>
+              <a:t> (</a:t>
+            </a:r>
+            <a:r>
+              <a:rPr lang="es-ES" sz="1200" b="0" i="0" u="none" strike="noStrike" dirty="0">
+                <a:solidFill>
+                  <a:srgbClr val="000000"/>
+                </a:solidFill>
+                <a:effectLst/>
+                <a:latin typeface="Calibri" panose="020F0502020204030204" pitchFamily="34" charset="0"/>
+              </a:rPr>
+              <a:t>47) MAY</a:t>
+            </a:r>
+            <a:r>
+              <a:rPr lang="es-ES" dirty="0"/>
+              <a:t> (</a:t>
+            </a:r>
+            <a:r>
+              <a:rPr lang="es-ES" sz="1200" b="0" i="0" u="none" strike="noStrike" dirty="0">
+                <a:solidFill>
+                  <a:srgbClr val="000000"/>
+                </a:solidFill>
+                <a:effectLst/>
+                <a:latin typeface="Calibri" panose="020F0502020204030204" pitchFamily="34" charset="0"/>
+              </a:rPr>
+              <a:t>14) JUN</a:t>
+            </a:r>
+            <a:r>
+              <a:rPr lang="es-ES" dirty="0"/>
+              <a:t> (</a:t>
+            </a:r>
+            <a:r>
+              <a:rPr lang="es-ES" sz="1200" b="0" i="0" u="none" strike="noStrike" dirty="0">
+                <a:solidFill>
+                  <a:srgbClr val="000000"/>
+                </a:solidFill>
+                <a:effectLst/>
+                <a:latin typeface="Calibri" panose="020F0502020204030204" pitchFamily="34" charset="0"/>
+              </a:rPr>
+              <a:t>47)</a:t>
+            </a:r>
+            <a:r>
+              <a:rPr lang="es-ES" dirty="0"/>
+              <a:t> </a:t>
+            </a:r>
+          </a:p>
+          <a:p>
+            <a:endParaRPr lang="es-PE" dirty="0"/>
+          </a:p>
+        </p:txBody>
+      </p:sp>
+      <p:sp>
+        <p:nvSpPr>
+          <p:cNvPr id="4" name="Marcador de número de diapositiva 3"/>
+          <p:cNvSpPr>
+            <a:spLocks noGrp="1"/>
+          </p:cNvSpPr>
+          <p:nvPr>
+            <p:ph type="sldNum" sz="quarter" idx="5"/>
+          </p:nvPr>
+        </p:nvSpPr>
+        <p:spPr/>
+        <p:txBody>
+          <a:bodyPr/>
+          <a:lstStyle/>
+          <a:p>
+            <a:fld id="{CA4640C1-E720-4C47-84E3-8CC310F9E759}" type="slidenum">
+              <a:rPr lang="es-PE" smtClean="0"/>
+              <a:t>10</a:t>
+            </a:fld>
+            <a:endParaRPr lang="es-PE"/>
+          </a:p>
+        </p:txBody>
+      </p:sp>
+    </p:spTree>
+    <p:extLst>
+      <p:ext uri="{BB962C8B-B14F-4D97-AF65-F5344CB8AC3E}">
+        <p14:creationId xmlns:p14="http://schemas.microsoft.com/office/powerpoint/2010/main" val="3210012019"/>
+      </p:ext>
+    </p:extLst>
+  </p:cSld>
+  <p:clrMapOvr>
+    <a:masterClrMapping/>
+  </p:clrMapOvr>
+</p:notes>
+</file>
+
+<file path=ppt/notesSlides/notesSlide6.xml><?xml version="1.0" encoding="utf-8"?>
+<p:notes xmlns:a="http://schemas.openxmlformats.org/drawingml/2006/main" xmlns:r="http://schemas.openxmlformats.org/officeDocument/2006/relationships" xmlns:p="http://schemas.openxmlformats.org/presentationml/2006/main">
+  <p:cSld>
+    <p:spTree>
+      <p:nvGrpSpPr>
+        <p:cNvPr id="1" name=""/>
+        <p:cNvGrpSpPr/>
+        <p:nvPr/>
+      </p:nvGrpSpPr>
+      <p:grpSpPr>
+        <a:xfrm>
+          <a:off x="0" y="0"/>
+          <a:ext cx="0" cy="0"/>
+          <a:chOff x="0" y="0"/>
+          <a:chExt cx="0" cy="0"/>
+        </a:xfrm>
+      </p:grpSpPr>
+      <p:sp>
+        <p:nvSpPr>
+          <p:cNvPr id="2" name="Marcador de imagen de diapositiva 1"/>
+          <p:cNvSpPr>
+            <a:spLocks noGrp="1" noRot="1" noChangeAspect="1"/>
+          </p:cNvSpPr>
+          <p:nvPr>
+            <p:ph type="sldImg"/>
+          </p:nvPr>
+        </p:nvSpPr>
+        <p:spPr/>
+      </p:sp>
+      <p:sp>
+        <p:nvSpPr>
+          <p:cNvPr id="3" name="Marcador de notas 2"/>
+          <p:cNvSpPr>
+            <a:spLocks noGrp="1"/>
+          </p:cNvSpPr>
+          <p:nvPr>
+            <p:ph type="body" idx="1"/>
+          </p:nvPr>
+        </p:nvSpPr>
+        <p:spPr/>
+        <p:txBody>
+          <a:bodyPr/>
+          <a:lstStyle/>
+          <a:p>
+            <a:r>
+              <a:rPr lang="es-ES" sz="1800" b="0" i="0" u="none" strike="noStrike" dirty="0">
+                <a:solidFill>
+                  <a:srgbClr val="000000"/>
+                </a:solidFill>
+                <a:effectLst/>
+                <a:latin typeface="Calibri" panose="020F0502020204030204" pitchFamily="34" charset="0"/>
+              </a:rPr>
+              <a:t>POSICIONES APRO</a:t>
+            </a:r>
+            <a:r>
+              <a:rPr lang="es-ES" dirty="0"/>
+              <a:t> ENE (</a:t>
+            </a:r>
+            <a:r>
+              <a:rPr lang="es-ES" sz="1800" b="0" i="0" u="none" strike="noStrike" dirty="0">
+                <a:solidFill>
+                  <a:srgbClr val="000000"/>
+                </a:solidFill>
+                <a:effectLst/>
+                <a:latin typeface="Calibri" panose="020F0502020204030204" pitchFamily="34" charset="0"/>
+              </a:rPr>
+              <a:t>123) FEB</a:t>
+            </a:r>
+            <a:r>
+              <a:rPr lang="es-ES" dirty="0"/>
+              <a:t> (</a:t>
+            </a:r>
+            <a:r>
+              <a:rPr lang="es-ES" sz="1800" b="0" i="0" u="none" strike="noStrike" dirty="0">
+                <a:solidFill>
+                  <a:srgbClr val="000000"/>
+                </a:solidFill>
+                <a:effectLst/>
+                <a:latin typeface="Calibri" panose="020F0502020204030204" pitchFamily="34" charset="0"/>
+              </a:rPr>
+              <a:t>125)</a:t>
+            </a:r>
+            <a:r>
+              <a:rPr lang="es-ES" dirty="0"/>
+              <a:t> MAR (</a:t>
+            </a:r>
+            <a:r>
+              <a:rPr lang="es-ES" sz="1800" b="0" i="0" u="none" strike="noStrike" dirty="0">
+                <a:solidFill>
+                  <a:srgbClr val="000000"/>
+                </a:solidFill>
+                <a:effectLst/>
+                <a:latin typeface="Calibri" panose="020F0502020204030204" pitchFamily="34" charset="0"/>
+              </a:rPr>
+              <a:t>128) ABR</a:t>
+            </a:r>
+            <a:r>
+              <a:rPr lang="es-ES" dirty="0"/>
+              <a:t> (</a:t>
+            </a:r>
+            <a:r>
+              <a:rPr lang="es-ES" sz="1800" b="0" i="0" u="none" strike="noStrike" dirty="0">
+                <a:solidFill>
+                  <a:srgbClr val="000000"/>
+                </a:solidFill>
+                <a:effectLst/>
+                <a:latin typeface="Calibri" panose="020F0502020204030204" pitchFamily="34" charset="0"/>
+              </a:rPr>
+              <a:t>131) MAY</a:t>
+            </a:r>
+            <a:r>
+              <a:rPr lang="es-ES" dirty="0"/>
+              <a:t> (</a:t>
+            </a:r>
+            <a:r>
+              <a:rPr lang="es-ES" sz="1800" b="0" i="0" u="none" strike="noStrike" dirty="0">
+                <a:solidFill>
+                  <a:srgbClr val="000000"/>
+                </a:solidFill>
+                <a:effectLst/>
+                <a:latin typeface="Calibri" panose="020F0502020204030204" pitchFamily="34" charset="0"/>
+              </a:rPr>
+              <a:t>114) JUN</a:t>
+            </a:r>
+            <a:r>
+              <a:rPr lang="es-ES" dirty="0"/>
+              <a:t> (</a:t>
+            </a:r>
+            <a:r>
+              <a:rPr lang="es-ES" sz="1800" b="0" i="0" u="none" strike="noStrike" dirty="0">
+                <a:solidFill>
+                  <a:srgbClr val="000000"/>
+                </a:solidFill>
+                <a:effectLst/>
+                <a:latin typeface="Calibri" panose="020F0502020204030204" pitchFamily="34" charset="0"/>
+              </a:rPr>
+              <a:t>102)</a:t>
+            </a:r>
+            <a:r>
+              <a:rPr lang="es-ES" dirty="0"/>
+              <a:t> </a:t>
+            </a:r>
+          </a:p>
+          <a:p>
+            <a:pPr marL="0" marR="0" lvl="0" indent="0" algn="l" defTabSz="914400" rtl="0" eaLnBrk="1" fontAlgn="auto" latinLnBrk="0" hangingPunct="1">
+              <a:lnSpc>
+                <a:spcPct val="100000"/>
+              </a:lnSpc>
+              <a:spcBef>
+                <a:spcPts val="0"/>
+              </a:spcBef>
+              <a:spcAft>
+                <a:spcPts val="0"/>
+              </a:spcAft>
+              <a:buClrTx/>
+              <a:buSzTx/>
+              <a:buFontTx/>
+              <a:buNone/>
+              <a:tabLst/>
+              <a:defRPr/>
+            </a:pPr>
+            <a:r>
+              <a:rPr lang="es-ES" sz="1200" b="0" i="0" u="none" strike="noStrike" dirty="0">
+                <a:solidFill>
+                  <a:srgbClr val="000000"/>
+                </a:solidFill>
+                <a:effectLst/>
+                <a:latin typeface="Calibri" panose="020F0502020204030204" pitchFamily="34" charset="0"/>
+              </a:rPr>
+              <a:t>POSICIONES OCUP</a:t>
+            </a:r>
+            <a:r>
+              <a:rPr lang="es-ES" dirty="0"/>
+              <a:t> ENE (</a:t>
+            </a:r>
+            <a:r>
+              <a:rPr lang="es-ES" sz="1200" b="0" i="0" u="none" strike="noStrike" dirty="0">
+                <a:solidFill>
+                  <a:srgbClr val="000000"/>
+                </a:solidFill>
+                <a:effectLst/>
+                <a:latin typeface="Calibri" panose="020F0502020204030204" pitchFamily="34" charset="0"/>
+              </a:rPr>
+              <a:t>108) FEB</a:t>
+            </a:r>
+            <a:r>
+              <a:rPr lang="es-ES" dirty="0"/>
+              <a:t> (</a:t>
+            </a:r>
+            <a:r>
+              <a:rPr lang="es-ES" sz="1200" b="0" i="0" u="none" strike="noStrike" dirty="0">
+                <a:solidFill>
+                  <a:srgbClr val="000000"/>
+                </a:solidFill>
+                <a:effectLst/>
+                <a:latin typeface="Calibri" panose="020F0502020204030204" pitchFamily="34" charset="0"/>
+              </a:rPr>
+              <a:t>110)</a:t>
+            </a:r>
+            <a:r>
+              <a:rPr lang="es-ES" dirty="0"/>
+              <a:t> MAR (</a:t>
+            </a:r>
+            <a:r>
+              <a:rPr lang="es-ES" sz="1200" b="0" i="0" u="none" strike="noStrike" dirty="0">
+                <a:solidFill>
+                  <a:srgbClr val="000000"/>
+                </a:solidFill>
+                <a:effectLst/>
+                <a:latin typeface="Calibri" panose="020F0502020204030204" pitchFamily="34" charset="0"/>
+              </a:rPr>
+              <a:t>115) ABR</a:t>
+            </a:r>
+            <a:r>
+              <a:rPr lang="es-ES" dirty="0"/>
+              <a:t> (</a:t>
+            </a:r>
+            <a:r>
+              <a:rPr lang="es-ES" sz="1200" b="0" i="0" u="none" strike="noStrike" dirty="0">
+                <a:solidFill>
+                  <a:srgbClr val="000000"/>
+                </a:solidFill>
+                <a:effectLst/>
+                <a:latin typeface="Calibri" panose="020F0502020204030204" pitchFamily="34" charset="0"/>
+              </a:rPr>
+              <a:t>119) MAY</a:t>
+            </a:r>
+            <a:r>
+              <a:rPr lang="es-ES" dirty="0"/>
+              <a:t> (</a:t>
+            </a:r>
+            <a:r>
+              <a:rPr lang="es-ES" sz="1200" b="0" i="0" u="none" strike="noStrike" dirty="0">
+                <a:solidFill>
+                  <a:srgbClr val="000000"/>
+                </a:solidFill>
+                <a:effectLst/>
+                <a:latin typeface="Calibri" panose="020F0502020204030204" pitchFamily="34" charset="0"/>
+              </a:rPr>
+              <a:t>114) JUN</a:t>
+            </a:r>
+            <a:r>
+              <a:rPr lang="es-ES" dirty="0"/>
+              <a:t> (</a:t>
+            </a:r>
+            <a:r>
+              <a:rPr lang="es-ES" sz="1200" b="0" i="0" u="none" strike="noStrike" dirty="0">
+                <a:solidFill>
+                  <a:srgbClr val="000000"/>
+                </a:solidFill>
+                <a:effectLst/>
+                <a:latin typeface="Calibri" panose="020F0502020204030204" pitchFamily="34" charset="0"/>
+              </a:rPr>
+              <a:t>102)</a:t>
+            </a:r>
+            <a:r>
+              <a:rPr lang="es-ES" dirty="0"/>
+              <a:t> </a:t>
+            </a:r>
+          </a:p>
+          <a:p>
+            <a:endParaRPr lang="es-PE" dirty="0"/>
+          </a:p>
+        </p:txBody>
+      </p:sp>
+      <p:sp>
+        <p:nvSpPr>
+          <p:cNvPr id="4" name="Marcador de número de diapositiva 3"/>
+          <p:cNvSpPr>
+            <a:spLocks noGrp="1"/>
+          </p:cNvSpPr>
+          <p:nvPr>
+            <p:ph type="sldNum" sz="quarter" idx="5"/>
+          </p:nvPr>
+        </p:nvSpPr>
+        <p:spPr/>
+        <p:txBody>
+          <a:bodyPr/>
+          <a:lstStyle/>
+          <a:p>
+            <a:fld id="{CA4640C1-E720-4C47-84E3-8CC310F9E759}" type="slidenum">
+              <a:rPr lang="es-PE" smtClean="0"/>
+              <a:t>11</a:t>
+            </a:fld>
+            <a:endParaRPr lang="es-PE"/>
+          </a:p>
+        </p:txBody>
+      </p:sp>
+    </p:spTree>
+    <p:extLst>
+      <p:ext uri="{BB962C8B-B14F-4D97-AF65-F5344CB8AC3E}">
+        <p14:creationId xmlns:p14="http://schemas.microsoft.com/office/powerpoint/2010/main" val="661906140"/>
+      </p:ext>
+    </p:extLst>
+  </p:cSld>
+  <p:clrMapOvr>
+    <a:masterClrMapping/>
+  </p:clrMapOvr>
+</p:notes>
+</file>
+
+<file path=ppt/notesSlides/notesSlide7.xml><?xml version="1.0" encoding="utf-8"?>
+<p:notes xmlns:a="http://schemas.openxmlformats.org/drawingml/2006/main" xmlns:r="http://schemas.openxmlformats.org/officeDocument/2006/relationships" xmlns:p="http://schemas.openxmlformats.org/presentationml/2006/main">
+  <p:cSld>
+    <p:spTree>
+      <p:nvGrpSpPr>
+        <p:cNvPr id="1" name=""/>
+        <p:cNvGrpSpPr/>
+        <p:nvPr/>
+      </p:nvGrpSpPr>
+      <p:grpSpPr>
+        <a:xfrm>
+          <a:off x="0" y="0"/>
+          <a:ext cx="0" cy="0"/>
+          <a:chOff x="0" y="0"/>
+          <a:chExt cx="0" cy="0"/>
+        </a:xfrm>
+      </p:grpSpPr>
+      <p:sp>
+        <p:nvSpPr>
+          <p:cNvPr id="2" name="Marcador de imagen de diapositiva 1"/>
+          <p:cNvSpPr>
+            <a:spLocks noGrp="1" noRot="1" noChangeAspect="1"/>
+          </p:cNvSpPr>
+          <p:nvPr>
+            <p:ph type="sldImg"/>
+          </p:nvPr>
+        </p:nvSpPr>
+        <p:spPr/>
+      </p:sp>
+      <p:sp>
+        <p:nvSpPr>
+          <p:cNvPr id="3" name="Marcador de notas 2"/>
+          <p:cNvSpPr>
+            <a:spLocks noGrp="1"/>
+          </p:cNvSpPr>
+          <p:nvPr>
+            <p:ph type="body" idx="1"/>
+          </p:nvPr>
+        </p:nvSpPr>
+        <p:spPr/>
+        <p:txBody>
+          <a:bodyPr/>
+          <a:lstStyle/>
+          <a:p>
+            <a:r>
+              <a:rPr lang="es-ES" sz="1800" b="0" i="0" u="none" strike="noStrike" dirty="0">
+                <a:solidFill>
+                  <a:srgbClr val="000000"/>
+                </a:solidFill>
+                <a:effectLst/>
+                <a:latin typeface="Calibri" panose="020F0502020204030204" pitchFamily="34" charset="0"/>
+              </a:rPr>
+              <a:t>POSICIONES APRO</a:t>
+            </a:r>
+            <a:r>
+              <a:rPr lang="es-ES" dirty="0"/>
+              <a:t> ENE (</a:t>
+            </a:r>
+            <a:r>
+              <a:rPr lang="es-ES" sz="1800" b="0" i="0" u="none" strike="noStrike" dirty="0">
+                <a:solidFill>
+                  <a:srgbClr val="000000"/>
+                </a:solidFill>
+                <a:effectLst/>
+                <a:latin typeface="Calibri" panose="020F0502020204030204" pitchFamily="34" charset="0"/>
+              </a:rPr>
+              <a:t>81) FEB</a:t>
+            </a:r>
+            <a:r>
+              <a:rPr lang="es-ES" dirty="0"/>
+              <a:t> (</a:t>
+            </a:r>
+            <a:r>
+              <a:rPr lang="es-ES" sz="1800" b="0" i="0" u="none" strike="noStrike" dirty="0">
+                <a:solidFill>
+                  <a:srgbClr val="000000"/>
+                </a:solidFill>
+                <a:effectLst/>
+                <a:latin typeface="Calibri" panose="020F0502020204030204" pitchFamily="34" charset="0"/>
+              </a:rPr>
+              <a:t>86)</a:t>
+            </a:r>
+            <a:r>
+              <a:rPr lang="es-ES" dirty="0"/>
+              <a:t> MAR (</a:t>
+            </a:r>
+            <a:r>
+              <a:rPr lang="es-ES" sz="1800" b="0" i="0" u="none" strike="noStrike" dirty="0">
+                <a:solidFill>
+                  <a:srgbClr val="000000"/>
+                </a:solidFill>
+                <a:effectLst/>
+                <a:latin typeface="Calibri" panose="020F0502020204030204" pitchFamily="34" charset="0"/>
+              </a:rPr>
+              <a:t>90) ABR</a:t>
+            </a:r>
+            <a:r>
+              <a:rPr lang="es-ES" dirty="0"/>
+              <a:t> (</a:t>
+            </a:r>
+            <a:r>
+              <a:rPr lang="es-ES" sz="1800" b="0" i="0" u="none" strike="noStrike" dirty="0">
+                <a:solidFill>
+                  <a:srgbClr val="000000"/>
+                </a:solidFill>
+                <a:effectLst/>
+                <a:latin typeface="Calibri" panose="020F0502020204030204" pitchFamily="34" charset="0"/>
+              </a:rPr>
+              <a:t>94) MAY</a:t>
+            </a:r>
+            <a:r>
+              <a:rPr lang="es-ES" dirty="0"/>
+              <a:t> (</a:t>
+            </a:r>
+            <a:r>
+              <a:rPr lang="es-ES" sz="1800" b="0" i="0" u="none" strike="noStrike" dirty="0">
+                <a:solidFill>
+                  <a:srgbClr val="000000"/>
+                </a:solidFill>
+                <a:effectLst/>
+                <a:latin typeface="Calibri" panose="020F0502020204030204" pitchFamily="34" charset="0"/>
+              </a:rPr>
+              <a:t>75) JUN</a:t>
+            </a:r>
+            <a:r>
+              <a:rPr lang="es-ES" dirty="0"/>
+              <a:t> (</a:t>
+            </a:r>
+            <a:r>
+              <a:rPr lang="es-ES" sz="1800" b="0" i="0" u="none" strike="noStrike" dirty="0">
+                <a:solidFill>
+                  <a:srgbClr val="000000"/>
+                </a:solidFill>
+                <a:effectLst/>
+                <a:latin typeface="Calibri" panose="020F0502020204030204" pitchFamily="34" charset="0"/>
+              </a:rPr>
+              <a:t>74)</a:t>
+            </a:r>
+            <a:r>
+              <a:rPr lang="es-ES" dirty="0"/>
+              <a:t> </a:t>
+            </a:r>
+          </a:p>
+          <a:p>
+            <a:pPr marL="0" marR="0" lvl="0" indent="0" algn="l" defTabSz="914400" rtl="0" eaLnBrk="1" fontAlgn="auto" latinLnBrk="0" hangingPunct="1">
+              <a:lnSpc>
+                <a:spcPct val="100000"/>
+              </a:lnSpc>
+              <a:spcBef>
+                <a:spcPts val="0"/>
+              </a:spcBef>
+              <a:spcAft>
+                <a:spcPts val="0"/>
+              </a:spcAft>
+              <a:buClrTx/>
+              <a:buSzTx/>
+              <a:buFontTx/>
+              <a:buNone/>
+              <a:tabLst/>
+              <a:defRPr/>
+            </a:pPr>
+            <a:r>
+              <a:rPr lang="es-ES" sz="1200" b="0" i="0" u="none" strike="noStrike" dirty="0">
+                <a:solidFill>
+                  <a:srgbClr val="000000"/>
+                </a:solidFill>
+                <a:effectLst/>
+                <a:latin typeface="Calibri" panose="020F0502020204030204" pitchFamily="34" charset="0"/>
+              </a:rPr>
+              <a:t>POSICIONES OCUP</a:t>
+            </a:r>
+            <a:r>
+              <a:rPr lang="es-ES" dirty="0"/>
+              <a:t> ENE (</a:t>
+            </a:r>
+            <a:r>
+              <a:rPr lang="es-ES" sz="1200" b="0" i="0" u="none" strike="noStrike" dirty="0">
+                <a:solidFill>
+                  <a:srgbClr val="000000"/>
+                </a:solidFill>
+                <a:effectLst/>
+                <a:latin typeface="Calibri" panose="020F0502020204030204" pitchFamily="34" charset="0"/>
+              </a:rPr>
+              <a:t>67) FEB</a:t>
+            </a:r>
+            <a:r>
+              <a:rPr lang="es-ES" dirty="0"/>
+              <a:t> (</a:t>
+            </a:r>
+            <a:r>
+              <a:rPr lang="es-ES" sz="1200" b="0" i="0" u="none" strike="noStrike" dirty="0">
+                <a:solidFill>
+                  <a:srgbClr val="000000"/>
+                </a:solidFill>
+                <a:effectLst/>
+                <a:latin typeface="Calibri" panose="020F0502020204030204" pitchFamily="34" charset="0"/>
+              </a:rPr>
+              <a:t>70)</a:t>
+            </a:r>
+            <a:r>
+              <a:rPr lang="es-ES" dirty="0"/>
+              <a:t> MAR (</a:t>
+            </a:r>
+            <a:r>
+              <a:rPr lang="es-ES" sz="1200" b="0" i="0" u="none" strike="noStrike" dirty="0">
+                <a:solidFill>
+                  <a:srgbClr val="000000"/>
+                </a:solidFill>
+                <a:effectLst/>
+                <a:latin typeface="Calibri" panose="020F0502020204030204" pitchFamily="34" charset="0"/>
+              </a:rPr>
+              <a:t>71) ABR</a:t>
+            </a:r>
+            <a:r>
+              <a:rPr lang="es-ES" dirty="0"/>
+              <a:t> (</a:t>
+            </a:r>
+            <a:r>
+              <a:rPr lang="es-ES" sz="1200" b="0" i="0" u="none" strike="noStrike" dirty="0">
+                <a:solidFill>
+                  <a:srgbClr val="000000"/>
+                </a:solidFill>
+                <a:effectLst/>
+                <a:latin typeface="Calibri" panose="020F0502020204030204" pitchFamily="34" charset="0"/>
+              </a:rPr>
+              <a:t>75) MAY</a:t>
+            </a:r>
+            <a:r>
+              <a:rPr lang="es-ES" dirty="0"/>
+              <a:t> (</a:t>
+            </a:r>
+            <a:r>
+              <a:rPr lang="es-ES" sz="1200" b="0" i="0" u="none" strike="noStrike" dirty="0">
+                <a:solidFill>
+                  <a:srgbClr val="000000"/>
+                </a:solidFill>
+                <a:effectLst/>
+                <a:latin typeface="Calibri" panose="020F0502020204030204" pitchFamily="34" charset="0"/>
+              </a:rPr>
+              <a:t>75) JUN</a:t>
+            </a:r>
+            <a:r>
+              <a:rPr lang="es-ES" dirty="0"/>
+              <a:t> (</a:t>
+            </a:r>
+            <a:r>
+              <a:rPr lang="es-ES" sz="1200" b="0" i="0" u="none" strike="noStrike" dirty="0">
+                <a:solidFill>
+                  <a:srgbClr val="000000"/>
+                </a:solidFill>
+                <a:effectLst/>
+                <a:latin typeface="Calibri" panose="020F0502020204030204" pitchFamily="34" charset="0"/>
+              </a:rPr>
+              <a:t>74)</a:t>
+            </a:r>
+            <a:r>
+              <a:rPr lang="es-ES" dirty="0"/>
+              <a:t> </a:t>
+            </a:r>
+          </a:p>
+          <a:p>
+            <a:endParaRPr lang="es-PE" dirty="0"/>
+          </a:p>
+        </p:txBody>
+      </p:sp>
+      <p:sp>
+        <p:nvSpPr>
+          <p:cNvPr id="4" name="Marcador de número de diapositiva 3"/>
+          <p:cNvSpPr>
+            <a:spLocks noGrp="1"/>
+          </p:cNvSpPr>
+          <p:nvPr>
+            <p:ph type="sldNum" sz="quarter" idx="5"/>
+          </p:nvPr>
+        </p:nvSpPr>
+        <p:spPr/>
+        <p:txBody>
+          <a:bodyPr/>
+          <a:lstStyle/>
+          <a:p>
+            <a:fld id="{CA4640C1-E720-4C47-84E3-8CC310F9E759}" type="slidenum">
+              <a:rPr lang="es-PE" smtClean="0"/>
+              <a:t>12</a:t>
+            </a:fld>
+            <a:endParaRPr lang="es-PE"/>
+          </a:p>
+        </p:txBody>
+      </p:sp>
+    </p:spTree>
+    <p:extLst>
+      <p:ext uri="{BB962C8B-B14F-4D97-AF65-F5344CB8AC3E}">
+        <p14:creationId xmlns:p14="http://schemas.microsoft.com/office/powerpoint/2010/main" val="1155790720"/>
+      </p:ext>
+    </p:extLst>
+  </p:cSld>
+  <p:clrMapOvr>
+    <a:masterClrMapping/>
+  </p:clrMapOvr>
+</p:notes>
+</file>
+
+<file path=ppt/notesSlides/notesSlide8.xml><?xml version="1.0" encoding="utf-8"?>
+<p:notes xmlns:a="http://schemas.openxmlformats.org/drawingml/2006/main" xmlns:r="http://schemas.openxmlformats.org/officeDocument/2006/relationships" xmlns:p="http://schemas.openxmlformats.org/presentationml/2006/main">
+  <p:cSld>
+    <p:spTree>
+      <p:nvGrpSpPr>
+        <p:cNvPr id="1" name=""/>
+        <p:cNvGrpSpPr/>
+        <p:nvPr/>
+      </p:nvGrpSpPr>
+      <p:grpSpPr>
+        <a:xfrm>
+          <a:off x="0" y="0"/>
+          <a:ext cx="0" cy="0"/>
+          <a:chOff x="0" y="0"/>
+          <a:chExt cx="0" cy="0"/>
+        </a:xfrm>
+      </p:grpSpPr>
+      <p:sp>
+        <p:nvSpPr>
+          <p:cNvPr id="2" name="Marcador de imagen de diapositiva 1"/>
+          <p:cNvSpPr>
+            <a:spLocks noGrp="1" noRot="1" noChangeAspect="1"/>
+          </p:cNvSpPr>
+          <p:nvPr>
+            <p:ph type="sldImg"/>
+          </p:nvPr>
+        </p:nvSpPr>
+        <p:spPr/>
+      </p:sp>
+      <p:sp>
+        <p:nvSpPr>
+          <p:cNvPr id="3" name="Marcador de notas 2"/>
+          <p:cNvSpPr>
+            <a:spLocks noGrp="1"/>
+          </p:cNvSpPr>
+          <p:nvPr>
+            <p:ph type="body" idx="1"/>
+          </p:nvPr>
+        </p:nvSpPr>
+        <p:spPr/>
+        <p:txBody>
+          <a:bodyPr/>
+          <a:lstStyle/>
+          <a:p>
+            <a:r>
+              <a:rPr lang="es-ES" sz="1800" b="0" i="0" u="none" strike="noStrike" dirty="0">
+                <a:solidFill>
+                  <a:srgbClr val="000000"/>
+                </a:solidFill>
+                <a:effectLst/>
+                <a:latin typeface="Calibri" panose="020F0502020204030204" pitchFamily="34" charset="0"/>
+              </a:rPr>
+              <a:t>POSICIONES APRO</a:t>
+            </a:r>
+            <a:r>
+              <a:rPr lang="es-ES" dirty="0"/>
+              <a:t> ENE (</a:t>
+            </a:r>
+            <a:r>
+              <a:rPr lang="es-ES" sz="1800" b="0" i="0" u="none" strike="noStrike" dirty="0">
+                <a:solidFill>
+                  <a:srgbClr val="000000"/>
+                </a:solidFill>
+                <a:effectLst/>
+                <a:latin typeface="Calibri" panose="020F0502020204030204" pitchFamily="34" charset="0"/>
+              </a:rPr>
+              <a:t>209) FEB</a:t>
+            </a:r>
+            <a:r>
+              <a:rPr lang="es-ES" dirty="0"/>
+              <a:t> (</a:t>
+            </a:r>
+            <a:r>
+              <a:rPr lang="es-ES" sz="1800" b="0" i="0" u="none" strike="noStrike" dirty="0">
+                <a:solidFill>
+                  <a:srgbClr val="000000"/>
+                </a:solidFill>
+                <a:effectLst/>
+                <a:latin typeface="Calibri" panose="020F0502020204030204" pitchFamily="34" charset="0"/>
+              </a:rPr>
+              <a:t>212)</a:t>
+            </a:r>
+            <a:r>
+              <a:rPr lang="es-ES" dirty="0"/>
+              <a:t> MAR (</a:t>
+            </a:r>
+            <a:r>
+              <a:rPr lang="es-ES" sz="1800" b="0" i="0" u="none" strike="noStrike" dirty="0">
+                <a:solidFill>
+                  <a:srgbClr val="000000"/>
+                </a:solidFill>
+                <a:effectLst/>
+                <a:latin typeface="Calibri" panose="020F0502020204030204" pitchFamily="34" charset="0"/>
+              </a:rPr>
+              <a:t>215) ABR</a:t>
+            </a:r>
+            <a:r>
+              <a:rPr lang="es-ES" dirty="0"/>
+              <a:t> (</a:t>
+            </a:r>
+            <a:r>
+              <a:rPr lang="es-ES" sz="1800" b="0" i="0" u="none" strike="noStrike" dirty="0">
+                <a:solidFill>
+                  <a:srgbClr val="000000"/>
+                </a:solidFill>
+                <a:effectLst/>
+                <a:latin typeface="Calibri" panose="020F0502020204030204" pitchFamily="34" charset="0"/>
+              </a:rPr>
+              <a:t>218) MAY</a:t>
+            </a:r>
+            <a:r>
+              <a:rPr lang="es-ES" dirty="0"/>
+              <a:t> (</a:t>
+            </a:r>
+            <a:r>
+              <a:rPr lang="es-ES" sz="1800" b="0" i="0" u="none" strike="noStrike" dirty="0">
+                <a:solidFill>
+                  <a:srgbClr val="000000"/>
+                </a:solidFill>
+                <a:effectLst/>
+                <a:latin typeface="Calibri" panose="020F0502020204030204" pitchFamily="34" charset="0"/>
+              </a:rPr>
+              <a:t>208) JUN</a:t>
+            </a:r>
+            <a:r>
+              <a:rPr lang="es-ES" dirty="0"/>
+              <a:t> (</a:t>
+            </a:r>
+            <a:r>
+              <a:rPr lang="es-ES" sz="1800" b="0" i="0" u="none" strike="noStrike" dirty="0">
+                <a:solidFill>
+                  <a:srgbClr val="000000"/>
+                </a:solidFill>
+                <a:effectLst/>
+                <a:latin typeface="Calibri" panose="020F0502020204030204" pitchFamily="34" charset="0"/>
+              </a:rPr>
+              <a:t>175)</a:t>
+            </a:r>
+            <a:r>
+              <a:rPr lang="es-ES" dirty="0"/>
+              <a:t> </a:t>
+            </a:r>
+          </a:p>
+          <a:p>
+            <a:pPr marL="0" marR="0" lvl="0" indent="0" algn="l" defTabSz="914400" rtl="0" eaLnBrk="1" fontAlgn="auto" latinLnBrk="0" hangingPunct="1">
+              <a:lnSpc>
+                <a:spcPct val="100000"/>
+              </a:lnSpc>
+              <a:spcBef>
+                <a:spcPts val="0"/>
+              </a:spcBef>
+              <a:spcAft>
+                <a:spcPts val="0"/>
+              </a:spcAft>
+              <a:buClrTx/>
+              <a:buSzTx/>
+              <a:buFontTx/>
+              <a:buNone/>
+              <a:tabLst/>
+              <a:defRPr/>
+            </a:pPr>
+            <a:r>
+              <a:rPr lang="es-ES" sz="1200" b="0" i="0" u="none" strike="noStrike" dirty="0">
+                <a:solidFill>
+                  <a:srgbClr val="000000"/>
+                </a:solidFill>
+                <a:effectLst/>
+                <a:latin typeface="Calibri" panose="020F0502020204030204" pitchFamily="34" charset="0"/>
+              </a:rPr>
+              <a:t>POSICIONES OCUP</a:t>
+            </a:r>
+            <a:r>
+              <a:rPr lang="es-ES" dirty="0"/>
+              <a:t> ENE (</a:t>
+            </a:r>
+            <a:r>
+              <a:rPr lang="es-ES" sz="1200" b="0" i="0" u="none" strike="noStrike" dirty="0">
+                <a:solidFill>
+                  <a:srgbClr val="000000"/>
+                </a:solidFill>
+                <a:effectLst/>
+                <a:latin typeface="Calibri" panose="020F0502020204030204" pitchFamily="34" charset="0"/>
+              </a:rPr>
+              <a:t>202) FEB</a:t>
+            </a:r>
+            <a:r>
+              <a:rPr lang="es-ES" dirty="0"/>
+              <a:t> (</a:t>
+            </a:r>
+            <a:r>
+              <a:rPr lang="es-ES" sz="1200" b="0" i="0" u="none" strike="noStrike" dirty="0">
+                <a:solidFill>
+                  <a:srgbClr val="000000"/>
+                </a:solidFill>
+                <a:effectLst/>
+                <a:latin typeface="Calibri" panose="020F0502020204030204" pitchFamily="34" charset="0"/>
+              </a:rPr>
+              <a:t>206)</a:t>
+            </a:r>
+            <a:r>
+              <a:rPr lang="es-ES" dirty="0"/>
+              <a:t> MAR (</a:t>
+            </a:r>
+            <a:r>
+              <a:rPr lang="es-ES" sz="1200" b="0" i="0" u="none" strike="noStrike" dirty="0">
+                <a:solidFill>
+                  <a:srgbClr val="000000"/>
+                </a:solidFill>
+                <a:effectLst/>
+                <a:latin typeface="Calibri" panose="020F0502020204030204" pitchFamily="34" charset="0"/>
+              </a:rPr>
+              <a:t>203) ABR</a:t>
+            </a:r>
+            <a:r>
+              <a:rPr lang="es-ES" dirty="0"/>
+              <a:t> (</a:t>
+            </a:r>
+            <a:r>
+              <a:rPr lang="es-ES" sz="1200" b="0" i="0" u="none" strike="noStrike" dirty="0">
+                <a:solidFill>
+                  <a:srgbClr val="000000"/>
+                </a:solidFill>
+                <a:effectLst/>
+                <a:latin typeface="Calibri" panose="020F0502020204030204" pitchFamily="34" charset="0"/>
+              </a:rPr>
+              <a:t>207) MAY</a:t>
+            </a:r>
+            <a:r>
+              <a:rPr lang="es-ES" dirty="0"/>
+              <a:t> (</a:t>
+            </a:r>
+            <a:r>
+              <a:rPr lang="es-ES" sz="1200" b="0" i="0" u="none" strike="noStrike" dirty="0">
+                <a:solidFill>
+                  <a:srgbClr val="000000"/>
+                </a:solidFill>
+                <a:effectLst/>
+                <a:latin typeface="Calibri" panose="020F0502020204030204" pitchFamily="34" charset="0"/>
+              </a:rPr>
+              <a:t>208) JUN</a:t>
+            </a:r>
+            <a:r>
+              <a:rPr lang="es-ES" dirty="0"/>
+              <a:t> (</a:t>
+            </a:r>
+            <a:r>
+              <a:rPr lang="es-ES" sz="1200" b="0" i="0" u="none" strike="noStrike" dirty="0">
+                <a:solidFill>
+                  <a:srgbClr val="000000"/>
+                </a:solidFill>
+                <a:effectLst/>
+                <a:latin typeface="Calibri" panose="020F0502020204030204" pitchFamily="34" charset="0"/>
+              </a:rPr>
+              <a:t>175)</a:t>
+            </a:r>
+            <a:r>
+              <a:rPr lang="es-ES" dirty="0"/>
+              <a:t> </a:t>
+            </a:r>
+          </a:p>
+          <a:p>
+            <a:endParaRPr lang="es-PE" dirty="0"/>
+          </a:p>
+        </p:txBody>
+      </p:sp>
+      <p:sp>
+        <p:nvSpPr>
+          <p:cNvPr id="4" name="Marcador de número de diapositiva 3"/>
+          <p:cNvSpPr>
+            <a:spLocks noGrp="1"/>
+          </p:cNvSpPr>
+          <p:nvPr>
+            <p:ph type="sldNum" sz="quarter" idx="5"/>
+          </p:nvPr>
+        </p:nvSpPr>
+        <p:spPr/>
+        <p:txBody>
+          <a:bodyPr/>
+          <a:lstStyle/>
+          <a:p>
+            <a:fld id="{CA4640C1-E720-4C47-84E3-8CC310F9E759}" type="slidenum">
+              <a:rPr lang="es-PE" smtClean="0"/>
+              <a:t>13</a:t>
+            </a:fld>
+            <a:endParaRPr lang="es-PE"/>
+          </a:p>
+        </p:txBody>
+      </p:sp>
+    </p:spTree>
+    <p:extLst>
+      <p:ext uri="{BB962C8B-B14F-4D97-AF65-F5344CB8AC3E}">
+        <p14:creationId xmlns:p14="http://schemas.microsoft.com/office/powerpoint/2010/main" val="4173084117"/>
+      </p:ext>
+    </p:extLst>
+  </p:cSld>
+  <p:clrMapOvr>
+    <a:masterClrMapping/>
+  </p:clrMapOvr>
+</p:notes>
+</file>
+
+<file path=ppt/notesSlides/notesSlide9.xml><?xml version="1.0" encoding="utf-8"?>
+<p:notes xmlns:a="http://schemas.openxmlformats.org/drawingml/2006/main" xmlns:r="http://schemas.openxmlformats.org/officeDocument/2006/relationships" xmlns:p="http://schemas.openxmlformats.org/presentationml/2006/main">
+  <p:cSld>
+    <p:spTree>
+      <p:nvGrpSpPr>
+        <p:cNvPr id="1" name=""/>
+        <p:cNvGrpSpPr/>
+        <p:nvPr/>
+      </p:nvGrpSpPr>
+      <p:grpSpPr>
+        <a:xfrm>
+          <a:off x="0" y="0"/>
+          <a:ext cx="0" cy="0"/>
+          <a:chOff x="0" y="0"/>
+          <a:chExt cx="0" cy="0"/>
+        </a:xfrm>
+      </p:grpSpPr>
+      <p:sp>
+        <p:nvSpPr>
+          <p:cNvPr id="2" name="Marcador de imagen de diapositiva 1"/>
+          <p:cNvSpPr>
+            <a:spLocks noGrp="1" noRot="1" noChangeAspect="1"/>
+          </p:cNvSpPr>
+          <p:nvPr>
+            <p:ph type="sldImg"/>
+          </p:nvPr>
+        </p:nvSpPr>
+        <p:spPr/>
+      </p:sp>
+      <p:sp>
+        <p:nvSpPr>
+          <p:cNvPr id="3" name="Marcador de notas 2"/>
+          <p:cNvSpPr>
+            <a:spLocks noGrp="1"/>
+          </p:cNvSpPr>
+          <p:nvPr>
+            <p:ph type="body" idx="1"/>
+          </p:nvPr>
+        </p:nvSpPr>
+        <p:spPr/>
+        <p:txBody>
+          <a:bodyPr/>
+          <a:lstStyle/>
+          <a:p>
+            <a:r>
+              <a:rPr lang="es-ES" sz="1800" b="0" i="0" u="none" strike="noStrike" dirty="0">
+                <a:solidFill>
+                  <a:srgbClr val="000000"/>
+                </a:solidFill>
+                <a:effectLst/>
+                <a:latin typeface="Calibri" panose="020F0502020204030204" pitchFamily="34" charset="0"/>
+              </a:rPr>
+              <a:t>POSICIONES APRO</a:t>
+            </a:r>
+            <a:r>
+              <a:rPr lang="es-ES" dirty="0"/>
+              <a:t> ENE (</a:t>
+            </a:r>
+            <a:r>
+              <a:rPr lang="es-ES" sz="1800" b="0" i="0" u="none" strike="noStrike" dirty="0">
+                <a:solidFill>
+                  <a:srgbClr val="000000"/>
+                </a:solidFill>
+                <a:effectLst/>
+                <a:latin typeface="Calibri" panose="020F0502020204030204" pitchFamily="34" charset="0"/>
+              </a:rPr>
+              <a:t>156) FEB</a:t>
+            </a:r>
+            <a:r>
+              <a:rPr lang="es-ES" dirty="0"/>
+              <a:t> (</a:t>
+            </a:r>
+            <a:r>
+              <a:rPr lang="es-ES" sz="1800" b="0" i="0" u="none" strike="noStrike" dirty="0">
+                <a:solidFill>
+                  <a:srgbClr val="000000"/>
+                </a:solidFill>
+                <a:effectLst/>
+                <a:latin typeface="Calibri" panose="020F0502020204030204" pitchFamily="34" charset="0"/>
+              </a:rPr>
+              <a:t>160)</a:t>
+            </a:r>
+            <a:r>
+              <a:rPr lang="es-ES" dirty="0"/>
+              <a:t> MAR (</a:t>
+            </a:r>
+            <a:r>
+              <a:rPr lang="es-ES" sz="1800" b="0" i="0" u="none" strike="noStrike" dirty="0">
+                <a:solidFill>
+                  <a:srgbClr val="000000"/>
+                </a:solidFill>
+                <a:effectLst/>
+                <a:latin typeface="Calibri" panose="020F0502020204030204" pitchFamily="34" charset="0"/>
+              </a:rPr>
+              <a:t>176) ABR</a:t>
+            </a:r>
+            <a:r>
+              <a:rPr lang="es-ES" dirty="0"/>
+              <a:t> (</a:t>
+            </a:r>
+            <a:r>
+              <a:rPr lang="es-ES" sz="1800" b="0" i="0" u="none" strike="noStrike" dirty="0">
+                <a:solidFill>
+                  <a:srgbClr val="000000"/>
+                </a:solidFill>
+                <a:effectLst/>
+                <a:latin typeface="Calibri" panose="020F0502020204030204" pitchFamily="34" charset="0"/>
+              </a:rPr>
+              <a:t>190) MAY</a:t>
+            </a:r>
+            <a:r>
+              <a:rPr lang="es-ES" dirty="0"/>
+              <a:t> (</a:t>
+            </a:r>
+            <a:r>
+              <a:rPr lang="es-ES" sz="1800" b="0" i="0" u="none" strike="noStrike" dirty="0">
+                <a:solidFill>
+                  <a:srgbClr val="000000"/>
+                </a:solidFill>
+                <a:effectLst/>
+                <a:latin typeface="Calibri" panose="020F0502020204030204" pitchFamily="34" charset="0"/>
+              </a:rPr>
+              <a:t>154) JUN</a:t>
+            </a:r>
+            <a:r>
+              <a:rPr lang="es-ES" dirty="0"/>
+              <a:t> (</a:t>
+            </a:r>
+            <a:r>
+              <a:rPr lang="es-ES" sz="1800" b="0" i="0" u="none" strike="noStrike" dirty="0">
+                <a:solidFill>
+                  <a:srgbClr val="000000"/>
+                </a:solidFill>
+                <a:effectLst/>
+                <a:latin typeface="Calibri" panose="020F0502020204030204" pitchFamily="34" charset="0"/>
+              </a:rPr>
+              <a:t>155)</a:t>
+            </a:r>
+            <a:r>
+              <a:rPr lang="es-ES" dirty="0"/>
+              <a:t> </a:t>
+            </a:r>
+          </a:p>
+          <a:p>
+            <a:pPr marL="0" marR="0" lvl="0" indent="0" algn="l" defTabSz="914400" rtl="0" eaLnBrk="1" fontAlgn="auto" latinLnBrk="0" hangingPunct="1">
+              <a:lnSpc>
+                <a:spcPct val="100000"/>
+              </a:lnSpc>
+              <a:spcBef>
+                <a:spcPts val="0"/>
+              </a:spcBef>
+              <a:spcAft>
+                <a:spcPts val="0"/>
+              </a:spcAft>
+              <a:buClrTx/>
+              <a:buSzTx/>
+              <a:buFontTx/>
+              <a:buNone/>
+              <a:tabLst/>
+              <a:defRPr/>
+            </a:pPr>
+            <a:r>
+              <a:rPr lang="es-ES" sz="1200" b="0" i="0" u="none" strike="noStrike" dirty="0">
+                <a:solidFill>
+                  <a:srgbClr val="000000"/>
+                </a:solidFill>
+                <a:effectLst/>
+                <a:latin typeface="Calibri" panose="020F0502020204030204" pitchFamily="34" charset="0"/>
+              </a:rPr>
+              <a:t>POSICIONES OCUP</a:t>
+            </a:r>
+            <a:r>
+              <a:rPr lang="es-ES" dirty="0"/>
+              <a:t> ENE (</a:t>
+            </a:r>
+            <a:r>
+              <a:rPr lang="es-ES" sz="1200" b="0" i="0" u="none" strike="noStrike" dirty="0">
+                <a:solidFill>
+                  <a:srgbClr val="000000"/>
+                </a:solidFill>
+                <a:effectLst/>
+                <a:latin typeface="Calibri" panose="020F0502020204030204" pitchFamily="34" charset="0"/>
+              </a:rPr>
+              <a:t>129) FEB</a:t>
+            </a:r>
+            <a:r>
+              <a:rPr lang="es-ES" dirty="0"/>
+              <a:t> (</a:t>
+            </a:r>
+            <a:r>
+              <a:rPr lang="es-ES" sz="1200" b="0" i="0" u="none" strike="noStrike" dirty="0">
+                <a:solidFill>
+                  <a:srgbClr val="000000"/>
+                </a:solidFill>
+                <a:effectLst/>
+                <a:latin typeface="Calibri" panose="020F0502020204030204" pitchFamily="34" charset="0"/>
+              </a:rPr>
+              <a:t>134)</a:t>
+            </a:r>
+            <a:r>
+              <a:rPr lang="es-ES" dirty="0"/>
+              <a:t> MAR (</a:t>
+            </a:r>
+            <a:r>
+              <a:rPr lang="es-ES" sz="1200" b="0" i="0" u="none" strike="noStrike" dirty="0">
+                <a:solidFill>
+                  <a:srgbClr val="000000"/>
+                </a:solidFill>
+                <a:effectLst/>
+                <a:latin typeface="Calibri" panose="020F0502020204030204" pitchFamily="34" charset="0"/>
+              </a:rPr>
+              <a:t>140) ABR</a:t>
+            </a:r>
+            <a:r>
+              <a:rPr lang="es-ES" dirty="0"/>
+              <a:t> (</a:t>
+            </a:r>
+            <a:r>
+              <a:rPr lang="es-ES" sz="1200" b="0" i="0" u="none" strike="noStrike" dirty="0">
+                <a:solidFill>
+                  <a:srgbClr val="000000"/>
+                </a:solidFill>
+                <a:effectLst/>
+                <a:latin typeface="Calibri" panose="020F0502020204030204" pitchFamily="34" charset="0"/>
+              </a:rPr>
+              <a:t>151) MAY</a:t>
+            </a:r>
+            <a:r>
+              <a:rPr lang="es-ES" dirty="0"/>
+              <a:t> (</a:t>
+            </a:r>
+            <a:r>
+              <a:rPr lang="es-ES" sz="1200" b="0" i="0" u="none" strike="noStrike" dirty="0">
+                <a:solidFill>
+                  <a:srgbClr val="000000"/>
+                </a:solidFill>
+                <a:effectLst/>
+                <a:latin typeface="Calibri" panose="020F0502020204030204" pitchFamily="34" charset="0"/>
+              </a:rPr>
+              <a:t>154) JUN</a:t>
+            </a:r>
+            <a:r>
+              <a:rPr lang="es-ES" dirty="0"/>
+              <a:t> (</a:t>
+            </a:r>
+            <a:r>
+              <a:rPr lang="es-ES" sz="1200" b="0" i="0" u="none" strike="noStrike" dirty="0">
+                <a:solidFill>
+                  <a:srgbClr val="000000"/>
+                </a:solidFill>
+                <a:effectLst/>
+                <a:latin typeface="Calibri" panose="020F0502020204030204" pitchFamily="34" charset="0"/>
+              </a:rPr>
+              <a:t>155)</a:t>
+            </a:r>
+            <a:r>
+              <a:rPr lang="es-ES" dirty="0"/>
+              <a:t> </a:t>
+            </a:r>
+          </a:p>
+          <a:p>
+            <a:endParaRPr lang="es-PE" dirty="0"/>
+          </a:p>
+        </p:txBody>
+      </p:sp>
+      <p:sp>
+        <p:nvSpPr>
+          <p:cNvPr id="4" name="Marcador de número de diapositiva 3"/>
+          <p:cNvSpPr>
+            <a:spLocks noGrp="1"/>
+          </p:cNvSpPr>
+          <p:nvPr>
+            <p:ph type="sldNum" sz="quarter" idx="5"/>
+          </p:nvPr>
+        </p:nvSpPr>
+        <p:spPr/>
+        <p:txBody>
+          <a:bodyPr/>
+          <a:lstStyle/>
+          <a:p>
+            <a:fld id="{CA4640C1-E720-4C47-84E3-8CC310F9E759}" type="slidenum">
+              <a:rPr lang="es-PE" smtClean="0"/>
+              <a:t>14</a:t>
+            </a:fld>
+            <a:endParaRPr lang="es-PE"/>
+          </a:p>
+        </p:txBody>
+      </p:sp>
+    </p:spTree>
+    <p:extLst>
+      <p:ext uri="{BB962C8B-B14F-4D97-AF65-F5344CB8AC3E}">
+        <p14:creationId xmlns:p14="http://schemas.microsoft.com/office/powerpoint/2010/main" val="2763424452"/>
+      </p:ext>
+    </p:extLst>
+  </p:cSld>
+  <p:clrMapOvr>
+    <a:masterClrMapping/>
+  </p:clrMapOvr>
+</p:notes>
+</file>
+
 <file path=ppt/slideLayouts/slideLayout1.xml><?xml version="1.0" encoding="utf-8"?>
 <p:sldLayout xmlns:a="http://schemas.openxmlformats.org/drawingml/2006/main" xmlns:r="http://schemas.openxmlformats.org/officeDocument/2006/relationships" xmlns:p="http://schemas.openxmlformats.org/presentationml/2006/main" type="title" preserve="1">
   <p:cSld name="Diapositiva de título">
@@ -6122,7 +9142,7 @@
           <a:p>
             <a:fld id="{7D61480B-5D0B-4641-8120-A6A267B92A74}" type="datetimeFigureOut">
               <a:rPr lang="es-PE" smtClean="0"/>
-              <a:t>20/07/2023</a:t>
+              <a:t>25/07/2023</a:t>
             </a:fld>
             <a:endParaRPr lang="es-PE"/>
           </a:p>
@@ -6441,7 +9461,7 @@
           <a:p>
             <a:fld id="{1D8BD707-D9CF-40AE-B4C6-C98DA3205C09}" type="datetimeFigureOut">
               <a:rPr lang="en-US" smtClean="0"/>
-              <a:t>7/20/2023</a:t>
+              <a:t>7/25/2023</a:t>
             </a:fld>
             <a:endParaRPr lang="en-US"/>
           </a:p>
@@ -6765,7 +9785,7 @@
           <a:p>
             <a:fld id="{1D8BD707-D9CF-40AE-B4C6-C98DA3205C09}" type="datetimeFigureOut">
               <a:rPr lang="en-US" smtClean="0"/>
-              <a:t>7/20/2023</a:t>
+              <a:t>7/25/2023</a:t>
             </a:fld>
             <a:endParaRPr lang="en-US"/>
           </a:p>
@@ -8005,7 +11025,7 @@
           <a:p>
             <a:fld id="{1D8BD707-D9CF-40AE-B4C6-C98DA3205C09}" type="datetimeFigureOut">
               <a:rPr lang="en-US" smtClean="0"/>
-              <a:t>7/20/2023</a:t>
+              <a:t>7/25/2023</a:t>
             </a:fld>
             <a:endParaRPr lang="en-US"/>
           </a:p>
@@ -8265,7 +11285,7 @@
           <a:p>
             <a:fld id="{1D8BD707-D9CF-40AE-B4C6-C98DA3205C09}" type="datetimeFigureOut">
               <a:rPr lang="en-US" smtClean="0"/>
-              <a:t>7/20/2023</a:t>
+              <a:t>7/25/2023</a:t>
             </a:fld>
             <a:endParaRPr lang="en-US"/>
           </a:p>
@@ -8502,7 +11522,7 @@
           <a:p>
             <a:fld id="{1D8BD707-D9CF-40AE-B4C6-C98DA3205C09}" type="datetimeFigureOut">
               <a:rPr lang="en-US" smtClean="0"/>
-              <a:t>7/20/2023</a:t>
+              <a:t>7/25/2023</a:t>
             </a:fld>
             <a:endParaRPr lang="en-US"/>
           </a:p>
@@ -8853,7 +11873,7 @@
             <a:fld id="{E641CBFB-3434-504D-922F-CD410F45CD3E}" type="datetime3">
               <a:rPr lang="es-MX" smtClean="0"/>
               <a:pPr/>
-              <a:t>20.07.23</a:t>
+              <a:t>25.07.23</a:t>
             </a:fld>
             <a:endParaRPr lang="es-ES" dirty="0"/>
           </a:p>
@@ -9672,7 +12692,7 @@
             <a:fld id="{D4A63551-3C26-9045-96AE-2BD87758677A}" type="datetime3">
               <a:rPr lang="es-MX" smtClean="0"/>
               <a:pPr/>
-              <a:t>20.07.23</a:t>
+              <a:t>25.07.23</a:t>
             </a:fld>
             <a:endParaRPr lang="es-ES" dirty="0"/>
           </a:p>
@@ -9940,7 +12960,7 @@
             <a:fld id="{D4A63551-3C26-9045-96AE-2BD87758677A}" type="datetime3">
               <a:rPr lang="es-MX" smtClean="0"/>
               <a:pPr/>
-              <a:t>20.07.23</a:t>
+              <a:t>25.07.23</a:t>
             </a:fld>
             <a:endParaRPr lang="es-ES" dirty="0"/>
           </a:p>
@@ -10219,7 +13239,7 @@
             <a:fld id="{D4A63551-3C26-9045-96AE-2BD87758677A}" type="datetime3">
               <a:rPr lang="es-MX" smtClean="0"/>
               <a:pPr/>
-              <a:t>20.07.23</a:t>
+              <a:t>25.07.23</a:t>
             </a:fld>
             <a:endParaRPr lang="es-ES" dirty="0"/>
           </a:p>
@@ -10463,7 +13483,7 @@
           <a:p>
             <a:fld id="{D4A63551-3C26-9045-96AE-2BD87758677A}" type="datetime3">
               <a:rPr lang="es-MX" smtClean="0"/>
-              <a:t>20.07.23</a:t>
+              <a:t>25.07.23</a:t>
             </a:fld>
             <a:endParaRPr lang="es-ES"/>
           </a:p>
@@ -10691,7 +13711,7 @@
           <a:p>
             <a:fld id="{46D72D7E-1F14-2A4A-B6C0-89C8D300E18A}" type="datetime3">
               <a:rPr lang="es-MX" smtClean="0"/>
-              <a:t>20.07.23</a:t>
+              <a:t>25.07.23</a:t>
             </a:fld>
             <a:endParaRPr lang="es-ES"/>
           </a:p>
@@ -11149,7 +14169,7 @@
             <a:fld id="{D4A63551-3C26-9045-96AE-2BD87758677A}" type="datetime3">
               <a:rPr lang="es-MX" smtClean="0"/>
               <a:pPr/>
-              <a:t>20.07.23</a:t>
+              <a:t>25.07.23</a:t>
             </a:fld>
             <a:endParaRPr lang="es-ES" dirty="0"/>
           </a:p>
@@ -11474,7 +14494,7 @@
             <a:fld id="{D4A63551-3C26-9045-96AE-2BD87758677A}" type="datetime3">
               <a:rPr lang="es-MX" smtClean="0"/>
               <a:pPr/>
-              <a:t>20.07.23</a:t>
+              <a:t>25.07.23</a:t>
             </a:fld>
             <a:endParaRPr lang="es-ES" dirty="0"/>
           </a:p>
@@ -12824,7 +15844,7 @@
           <a:p>
             <a:fld id="{C29CC767-F2BD-044A-A847-5BC2CAE05160}" type="datetime3">
               <a:rPr lang="es-MX" smtClean="0"/>
-              <a:t>20.07.23</a:t>
+              <a:t>25.07.23</a:t>
             </a:fld>
             <a:endParaRPr lang="es-ES"/>
           </a:p>
@@ -13085,7 +16105,7 @@
           <a:p>
             <a:fld id="{F8B8A36E-3F4B-3A42-9B2A-DDD067899FD1}" type="datetime3">
               <a:rPr lang="es-MX" smtClean="0"/>
-              <a:t>20.07.23</a:t>
+              <a:t>25.07.23</a:t>
             </a:fld>
             <a:endParaRPr lang="es-ES"/>
           </a:p>
@@ -13324,7 +16344,7 @@
           <a:p>
             <a:fld id="{FE5F15EB-5440-A447-B4DA-B98A2623BDB0}" type="datetime3">
               <a:rPr lang="es-MX" smtClean="0"/>
-              <a:t>20.07.23</a:t>
+              <a:t>25.07.23</a:t>
             </a:fld>
             <a:endParaRPr lang="es-ES" dirty="0"/>
           </a:p>
@@ -13590,7 +16610,7 @@
           <a:p>
             <a:fld id="{7D61480B-5D0B-4641-8120-A6A267B92A74}" type="datetimeFigureOut">
               <a:rPr lang="es-PE" smtClean="0"/>
-              <a:t>20/07/2023</a:t>
+              <a:t>25/07/2023</a:t>
             </a:fld>
             <a:endParaRPr lang="es-PE"/>
           </a:p>
@@ -13857,7 +16877,7 @@
           <a:p>
             <a:fld id="{1D8BD707-D9CF-40AE-B4C6-C98DA3205C09}" type="datetimeFigureOut">
               <a:rPr lang="en-US" smtClean="0"/>
-              <a:t>7/20/2023</a:t>
+              <a:t>7/25/2023</a:t>
             </a:fld>
             <a:endParaRPr lang="en-US"/>
           </a:p>
@@ -14135,7 +17155,7 @@
           <a:p>
             <a:fld id="{1D8BD707-D9CF-40AE-B4C6-C98DA3205C09}" type="datetimeFigureOut">
               <a:rPr lang="en-US" smtClean="0"/>
-              <a:t>7/20/2023</a:t>
+              <a:t>7/25/2023</a:t>
             </a:fld>
             <a:endParaRPr lang="en-US"/>
           </a:p>
@@ -14379,7 +17399,7 @@
           <a:p>
             <a:fld id="{1D8BD707-D9CF-40AE-B4C6-C98DA3205C09}" type="datetimeFigureOut">
               <a:rPr lang="en-US" smtClean="0"/>
-              <a:t>7/20/2023</a:t>
+              <a:t>7/25/2023</a:t>
             </a:fld>
             <a:endParaRPr lang="en-US"/>
           </a:p>
@@ -14607,7 +17627,7 @@
           <a:p>
             <a:fld id="{1D8BD707-D9CF-40AE-B4C6-C98DA3205C09}" type="datetimeFigureOut">
               <a:rPr lang="en-US" smtClean="0"/>
-              <a:t>7/20/2023</a:t>
+              <a:t>7/25/2023</a:t>
             </a:fld>
             <a:endParaRPr lang="en-US"/>
           </a:p>
@@ -15111,7 +18131,7 @@
           <a:p>
             <a:fld id="{1D8BD707-D9CF-40AE-B4C6-C98DA3205C09}" type="datetimeFigureOut">
               <a:rPr lang="en-US" smtClean="0"/>
-              <a:t>7/20/2023</a:t>
+              <a:t>7/25/2023</a:t>
             </a:fld>
             <a:endParaRPr lang="en-US"/>
           </a:p>
@@ -15748,7 +18768,7 @@
             <a:fld id="{91A2AFE9-85E7-8B4A-A234-1720736C8EBA}" type="datetime3">
               <a:rPr lang="es-MX" smtClean="0"/>
               <a:pPr/>
-              <a:t>20.07.23</a:t>
+              <a:t>25.07.23</a:t>
             </a:fld>
             <a:endParaRPr lang="es-ES" dirty="0"/>
           </a:p>
@@ -16222,6 +19242,3801 @@
     <p:extLst>
       <p:ext uri="{BB962C8B-B14F-4D97-AF65-F5344CB8AC3E}">
         <p14:creationId xmlns:p14="http://schemas.microsoft.com/office/powerpoint/2010/main" val="1636590102"/>
+      </p:ext>
+    </p:extLst>
+  </p:cSld>
+  <p:clrMapOvr>
+    <a:masterClrMapping/>
+  </p:clrMapOvr>
+</p:sld>
+</file>
+
+<file path=ppt/slides/slide10.xml><?xml version="1.0" encoding="utf-8"?>
+<p:sld xmlns:a="http://schemas.openxmlformats.org/drawingml/2006/main" xmlns:r="http://schemas.openxmlformats.org/officeDocument/2006/relationships" xmlns:p="http://schemas.openxmlformats.org/presentationml/2006/main">
+  <p:cSld>
+    <p:spTree>
+      <p:nvGrpSpPr>
+        <p:cNvPr id="1" name=""/>
+        <p:cNvGrpSpPr/>
+        <p:nvPr/>
+      </p:nvGrpSpPr>
+      <p:grpSpPr>
+        <a:xfrm>
+          <a:off x="0" y="0"/>
+          <a:ext cx="0" cy="0"/>
+          <a:chOff x="0" y="0"/>
+          <a:chExt cx="0" cy="0"/>
+        </a:xfrm>
+      </p:grpSpPr>
+      <p:sp>
+        <p:nvSpPr>
+          <p:cNvPr id="8" name="Título 1">
+            <a:extLst>
+              <a:ext uri="{FF2B5EF4-FFF2-40B4-BE49-F238E27FC236}">
+                <a16:creationId xmlns:a16="http://schemas.microsoft.com/office/drawing/2014/main" id="{956DA916-E897-09FC-AEB7-0FBA49B823EC}"/>
+              </a:ext>
+            </a:extLst>
+          </p:cNvPr>
+          <p:cNvSpPr txBox="1">
+            <a:spLocks/>
+          </p:cNvSpPr>
+          <p:nvPr/>
+        </p:nvSpPr>
+        <p:spPr>
+          <a:xfrm>
+            <a:off x="609600" y="216364"/>
+            <a:ext cx="7711388" cy="621836"/>
+          </a:xfrm>
+          <a:prstGeom prst="rect">
+            <a:avLst/>
+          </a:prstGeom>
+        </p:spPr>
+        <p:txBody>
+          <a:bodyPr vert="horz" lIns="198132" tIns="99066" rIns="198132" bIns="99066" rtlCol="0" anchor="t">
+            <a:normAutofit/>
+          </a:bodyPr>
+          <a:lstStyle>
+            <a:lvl1pPr algn="l" defTabSz="509596" rtl="0" eaLnBrk="1" latinLnBrk="0" hangingPunct="1">
+              <a:spcBef>
+                <a:spcPct val="0"/>
+              </a:spcBef>
+              <a:buNone/>
+              <a:defRPr sz="2778" b="1" kern="1200">
+                <a:solidFill>
+                  <a:schemeClr val="bg1"/>
+                </a:solidFill>
+                <a:latin typeface="Bree"/>
+                <a:ea typeface="+mj-ea"/>
+                <a:cs typeface="Bree"/>
+              </a:defRPr>
+            </a:lvl1pPr>
+          </a:lstStyle>
+          <a:p>
+            <a:r>
+              <a:rPr lang="es-ES" dirty="0"/>
+              <a:t>INDICADORES - NEGOCIOS</a:t>
+            </a:r>
+          </a:p>
+        </p:txBody>
+      </p:sp>
+      <p:sp>
+        <p:nvSpPr>
+          <p:cNvPr id="22" name="Abrir llave 21">
+            <a:extLst>
+              <a:ext uri="{FF2B5EF4-FFF2-40B4-BE49-F238E27FC236}">
+                <a16:creationId xmlns:a16="http://schemas.microsoft.com/office/drawing/2014/main" id="{C41F5FAD-9A81-F599-6ECE-4810047F8851}"/>
+              </a:ext>
+            </a:extLst>
+          </p:cNvPr>
+          <p:cNvSpPr/>
+          <p:nvPr/>
+        </p:nvSpPr>
+        <p:spPr>
+          <a:xfrm>
+            <a:off x="6019800" y="4191000"/>
+            <a:ext cx="383270" cy="2362200"/>
+          </a:xfrm>
+          <a:prstGeom prst="leftBrace">
+            <a:avLst/>
+          </a:prstGeom>
+        </p:spPr>
+        <p:style>
+          <a:lnRef idx="2">
+            <a:schemeClr val="accent1"/>
+          </a:lnRef>
+          <a:fillRef idx="0">
+            <a:schemeClr val="accent1"/>
+          </a:fillRef>
+          <a:effectRef idx="1">
+            <a:schemeClr val="accent1"/>
+          </a:effectRef>
+          <a:fontRef idx="minor">
+            <a:schemeClr val="tx1"/>
+          </a:fontRef>
+        </p:style>
+        <p:txBody>
+          <a:bodyPr rtlCol="0" anchor="ctr"/>
+          <a:lstStyle/>
+          <a:p>
+            <a:pPr algn="ctr"/>
+            <a:endParaRPr lang="es-PE"/>
+          </a:p>
+        </p:txBody>
+      </p:sp>
+      <p:pic>
+        <p:nvPicPr>
+          <p:cNvPr id="5" name="Imagen 4">
+            <a:extLst>
+              <a:ext uri="{FF2B5EF4-FFF2-40B4-BE49-F238E27FC236}">
+                <a16:creationId xmlns:a16="http://schemas.microsoft.com/office/drawing/2014/main" id="{FAE4D27A-405E-0360-659F-0D4DDB387433}"/>
+              </a:ext>
+            </a:extLst>
+          </p:cNvPr>
+          <p:cNvPicPr>
+            <a:picLocks noChangeAspect="1"/>
+          </p:cNvPicPr>
+          <p:nvPr/>
+        </p:nvPicPr>
+        <p:blipFill>
+          <a:blip r:embed="rId4"/>
+          <a:stretch>
+            <a:fillRect/>
+          </a:stretch>
+        </p:blipFill>
+        <p:spPr>
+          <a:xfrm>
+            <a:off x="6794048" y="4457160"/>
+            <a:ext cx="2080260" cy="929640"/>
+          </a:xfrm>
+          <a:prstGeom prst="rect">
+            <a:avLst/>
+          </a:prstGeom>
+        </p:spPr>
+      </p:pic>
+      <p:pic>
+        <p:nvPicPr>
+          <p:cNvPr id="6" name="Imagen 5">
+            <a:extLst>
+              <a:ext uri="{FF2B5EF4-FFF2-40B4-BE49-F238E27FC236}">
+                <a16:creationId xmlns:a16="http://schemas.microsoft.com/office/drawing/2014/main" id="{346B08E5-FB18-E4C2-53EE-E23070A92677}"/>
+              </a:ext>
+            </a:extLst>
+          </p:cNvPr>
+          <p:cNvPicPr>
+            <a:picLocks noChangeAspect="1"/>
+          </p:cNvPicPr>
+          <p:nvPr/>
+        </p:nvPicPr>
+        <p:blipFill>
+          <a:blip r:embed="rId5"/>
+          <a:stretch>
+            <a:fillRect/>
+          </a:stretch>
+        </p:blipFill>
+        <p:spPr>
+          <a:xfrm>
+            <a:off x="9525000" y="4472297"/>
+            <a:ext cx="1531620" cy="563880"/>
+          </a:xfrm>
+          <a:prstGeom prst="rect">
+            <a:avLst/>
+          </a:prstGeom>
+        </p:spPr>
+      </p:pic>
+      <p:pic>
+        <p:nvPicPr>
+          <p:cNvPr id="7" name="Imagen 6">
+            <a:extLst>
+              <a:ext uri="{FF2B5EF4-FFF2-40B4-BE49-F238E27FC236}">
+                <a16:creationId xmlns:a16="http://schemas.microsoft.com/office/drawing/2014/main" id="{EAF40000-4CC6-2E9B-BB9D-D737B54D93DB}"/>
+              </a:ext>
+            </a:extLst>
+          </p:cNvPr>
+          <p:cNvPicPr>
+            <a:picLocks noChangeAspect="1"/>
+          </p:cNvPicPr>
+          <p:nvPr/>
+        </p:nvPicPr>
+        <p:blipFill>
+          <a:blip r:embed="rId6"/>
+          <a:stretch>
+            <a:fillRect/>
+          </a:stretch>
+        </p:blipFill>
+        <p:spPr>
+          <a:xfrm>
+            <a:off x="6794048" y="5488985"/>
+            <a:ext cx="3817620" cy="563880"/>
+          </a:xfrm>
+          <a:prstGeom prst="rect">
+            <a:avLst/>
+          </a:prstGeom>
+        </p:spPr>
+      </p:pic>
+      <p:pic>
+        <p:nvPicPr>
+          <p:cNvPr id="9" name="Imagen 8">
+            <a:extLst>
+              <a:ext uri="{FF2B5EF4-FFF2-40B4-BE49-F238E27FC236}">
+                <a16:creationId xmlns:a16="http://schemas.microsoft.com/office/drawing/2014/main" id="{765456ED-5B54-6CB2-E46E-2A57BAED095E}"/>
+              </a:ext>
+            </a:extLst>
+          </p:cNvPr>
+          <p:cNvPicPr>
+            <a:picLocks noChangeAspect="1"/>
+          </p:cNvPicPr>
+          <p:nvPr/>
+        </p:nvPicPr>
+        <p:blipFill>
+          <a:blip r:embed="rId7"/>
+          <a:stretch>
+            <a:fillRect/>
+          </a:stretch>
+        </p:blipFill>
+        <p:spPr>
+          <a:xfrm>
+            <a:off x="53975" y="3964596"/>
+            <a:ext cx="5734957" cy="2880000"/>
+          </a:xfrm>
+          <a:prstGeom prst="rect">
+            <a:avLst/>
+          </a:prstGeom>
+        </p:spPr>
+      </p:pic>
+      <p:pic>
+        <p:nvPicPr>
+          <p:cNvPr id="13" name="Imagen 12">
+            <a:extLst>
+              <a:ext uri="{FF2B5EF4-FFF2-40B4-BE49-F238E27FC236}">
+                <a16:creationId xmlns:a16="http://schemas.microsoft.com/office/drawing/2014/main" id="{6840A28C-7DED-1A78-702E-5D603F1FB9EF}"/>
+              </a:ext>
+            </a:extLst>
+          </p:cNvPr>
+          <p:cNvPicPr>
+            <a:picLocks noChangeAspect="1"/>
+          </p:cNvPicPr>
+          <p:nvPr/>
+        </p:nvPicPr>
+        <p:blipFill>
+          <a:blip r:embed="rId8"/>
+          <a:stretch>
+            <a:fillRect/>
+          </a:stretch>
+        </p:blipFill>
+        <p:spPr>
+          <a:xfrm>
+            <a:off x="45508" y="1084596"/>
+            <a:ext cx="5734957" cy="2880000"/>
+          </a:xfrm>
+          <a:prstGeom prst="rect">
+            <a:avLst/>
+          </a:prstGeom>
+        </p:spPr>
+      </p:pic>
+      <p:pic>
+        <p:nvPicPr>
+          <p:cNvPr id="16" name="Imagen 15">
+            <a:extLst>
+              <a:ext uri="{FF2B5EF4-FFF2-40B4-BE49-F238E27FC236}">
+                <a16:creationId xmlns:a16="http://schemas.microsoft.com/office/drawing/2014/main" id="{272FFE1D-5E44-0502-89F4-774C4AE70182}"/>
+              </a:ext>
+            </a:extLst>
+          </p:cNvPr>
+          <p:cNvPicPr>
+            <a:picLocks noChangeAspect="1"/>
+          </p:cNvPicPr>
+          <p:nvPr/>
+        </p:nvPicPr>
+        <p:blipFill>
+          <a:blip r:embed="rId9"/>
+          <a:stretch>
+            <a:fillRect/>
+          </a:stretch>
+        </p:blipFill>
+        <p:spPr>
+          <a:xfrm>
+            <a:off x="5938157" y="1084596"/>
+            <a:ext cx="5734956" cy="2880000"/>
+          </a:xfrm>
+          <a:prstGeom prst="rect">
+            <a:avLst/>
+          </a:prstGeom>
+        </p:spPr>
+      </p:pic>
+    </p:spTree>
+    <p:extLst>
+      <p:ext uri="{BB962C8B-B14F-4D97-AF65-F5344CB8AC3E}">
+        <p14:creationId xmlns:p14="http://schemas.microsoft.com/office/powerpoint/2010/main" val="234587893"/>
+      </p:ext>
+    </p:extLst>
+  </p:cSld>
+  <p:clrMapOvr>
+    <a:masterClrMapping/>
+  </p:clrMapOvr>
+  <p:timing>
+    <p:tnLst>
+      <p:par>
+        <p:cTn id="1" dur="indefinite" restart="never" nodeType="tmRoot">
+          <p:childTnLst>
+            <p:seq concurrent="1" nextAc="seek">
+              <p:cTn id="2" dur="indefinite" nodeType="mainSeq">
+                <p:childTnLst>
+                  <p:par>
+                    <p:cTn id="3" fill="hold">
+                      <p:stCondLst>
+                        <p:cond delay="indefinite"/>
+                      </p:stCondLst>
+                      <p:childTnLst>
+                        <p:par>
+                          <p:cTn id="4" fill="hold">
+                            <p:stCondLst>
+                              <p:cond delay="0"/>
+                            </p:stCondLst>
+                            <p:childTnLst>
+                              <p:par>
+                                <p:cTn id="5" presetID="1" presetClass="entr" presetSubtype="0" fill="hold" nodeType="clickEffect">
+                                  <p:stCondLst>
+                                    <p:cond delay="0"/>
+                                  </p:stCondLst>
+                                  <p:childTnLst>
+                                    <p:set>
+                                      <p:cBhvr>
+                                        <p:cTn id="6" dur="1" fill="hold">
+                                          <p:stCondLst>
+                                            <p:cond delay="0"/>
+                                          </p:stCondLst>
+                                        </p:cTn>
+                                        <p:tgtEl>
+                                          <p:spTgt spid="9"/>
+                                        </p:tgtEl>
+                                        <p:attrNameLst>
+                                          <p:attrName>style.visibility</p:attrName>
+                                        </p:attrNameLst>
+                                      </p:cBhvr>
+                                      <p:to>
+                                        <p:strVal val="visible"/>
+                                      </p:to>
+                                    </p:set>
+                                  </p:childTnLst>
+                                </p:cTn>
+                              </p:par>
+                            </p:childTnLst>
+                          </p:cTn>
+                        </p:par>
+                      </p:childTnLst>
+                    </p:cTn>
+                  </p:par>
+                  <p:par>
+                    <p:cTn id="7" fill="hold">
+                      <p:stCondLst>
+                        <p:cond delay="indefinite"/>
+                      </p:stCondLst>
+                      <p:childTnLst>
+                        <p:par>
+                          <p:cTn id="8" fill="hold">
+                            <p:stCondLst>
+                              <p:cond delay="0"/>
+                            </p:stCondLst>
+                            <p:childTnLst>
+                              <p:par>
+                                <p:cTn id="9" presetID="1" presetClass="entr" presetSubtype="0" fill="hold" grpId="0" nodeType="clickEffect">
+                                  <p:stCondLst>
+                                    <p:cond delay="0"/>
+                                  </p:stCondLst>
+                                  <p:childTnLst>
+                                    <p:set>
+                                      <p:cBhvr>
+                                        <p:cTn id="10" dur="1" fill="hold">
+                                          <p:stCondLst>
+                                            <p:cond delay="0"/>
+                                          </p:stCondLst>
+                                        </p:cTn>
+                                        <p:tgtEl>
+                                          <p:spTgt spid="22"/>
+                                        </p:tgtEl>
+                                        <p:attrNameLst>
+                                          <p:attrName>style.visibility</p:attrName>
+                                        </p:attrNameLst>
+                                      </p:cBhvr>
+                                      <p:to>
+                                        <p:strVal val="visible"/>
+                                      </p:to>
+                                    </p:set>
+                                  </p:childTnLst>
+                                </p:cTn>
+                              </p:par>
+                              <p:par>
+                                <p:cTn id="11" presetID="1" presetClass="entr" presetSubtype="0" fill="hold" nodeType="withEffect">
+                                  <p:stCondLst>
+                                    <p:cond delay="0"/>
+                                  </p:stCondLst>
+                                  <p:childTnLst>
+                                    <p:set>
+                                      <p:cBhvr>
+                                        <p:cTn id="12" dur="1" fill="hold">
+                                          <p:stCondLst>
+                                            <p:cond delay="0"/>
+                                          </p:stCondLst>
+                                        </p:cTn>
+                                        <p:tgtEl>
+                                          <p:spTgt spid="5"/>
+                                        </p:tgtEl>
+                                        <p:attrNameLst>
+                                          <p:attrName>style.visibility</p:attrName>
+                                        </p:attrNameLst>
+                                      </p:cBhvr>
+                                      <p:to>
+                                        <p:strVal val="visible"/>
+                                      </p:to>
+                                    </p:set>
+                                  </p:childTnLst>
+                                </p:cTn>
+                              </p:par>
+                              <p:par>
+                                <p:cTn id="13" presetID="1" presetClass="entr" presetSubtype="0" fill="hold" nodeType="withEffect">
+                                  <p:stCondLst>
+                                    <p:cond delay="0"/>
+                                  </p:stCondLst>
+                                  <p:childTnLst>
+                                    <p:set>
+                                      <p:cBhvr>
+                                        <p:cTn id="14" dur="1" fill="hold">
+                                          <p:stCondLst>
+                                            <p:cond delay="0"/>
+                                          </p:stCondLst>
+                                        </p:cTn>
+                                        <p:tgtEl>
+                                          <p:spTgt spid="6"/>
+                                        </p:tgtEl>
+                                        <p:attrNameLst>
+                                          <p:attrName>style.visibility</p:attrName>
+                                        </p:attrNameLst>
+                                      </p:cBhvr>
+                                      <p:to>
+                                        <p:strVal val="visible"/>
+                                      </p:to>
+                                    </p:set>
+                                  </p:childTnLst>
+                                </p:cTn>
+                              </p:par>
+                              <p:par>
+                                <p:cTn id="15" presetID="1" presetClass="entr" presetSubtype="0" fill="hold" nodeType="withEffect">
+                                  <p:stCondLst>
+                                    <p:cond delay="0"/>
+                                  </p:stCondLst>
+                                  <p:childTnLst>
+                                    <p:set>
+                                      <p:cBhvr>
+                                        <p:cTn id="16" dur="1" fill="hold">
+                                          <p:stCondLst>
+                                            <p:cond delay="0"/>
+                                          </p:stCondLst>
+                                        </p:cTn>
+                                        <p:tgtEl>
+                                          <p:spTgt spid="7"/>
+                                        </p:tgtEl>
+                                        <p:attrNameLst>
+                                          <p:attrName>style.visibility</p:attrName>
+                                        </p:attrNameLst>
+                                      </p:cBhvr>
+                                      <p:to>
+                                        <p:strVal val="visible"/>
+                                      </p:to>
+                                    </p:set>
+                                  </p:childTnLst>
+                                </p:cTn>
+                              </p:par>
+                            </p:childTnLst>
+                          </p:cTn>
+                        </p:par>
+                      </p:childTnLst>
+                    </p:cTn>
+                  </p:par>
+                </p:childTnLst>
+              </p:cTn>
+              <p:prevCondLst>
+                <p:cond evt="onPrev" delay="0">
+                  <p:tgtEl>
+                    <p:sldTgt/>
+                  </p:tgtEl>
+                </p:cond>
+              </p:prevCondLst>
+              <p:nextCondLst>
+                <p:cond evt="onNext" delay="0">
+                  <p:tgtEl>
+                    <p:sldTgt/>
+                  </p:tgtEl>
+                </p:cond>
+              </p:nextCondLst>
+            </p:seq>
+          </p:childTnLst>
+        </p:cTn>
+      </p:par>
+    </p:tnLst>
+    <p:bldLst>
+      <p:bldP spid="22" grpId="0" animBg="1"/>
+    </p:bldLst>
+  </p:timing>
+</p:sld>
+</file>
+
+<file path=ppt/slides/slide11.xml><?xml version="1.0" encoding="utf-8"?>
+<p:sld xmlns:a="http://schemas.openxmlformats.org/drawingml/2006/main" xmlns:r="http://schemas.openxmlformats.org/officeDocument/2006/relationships" xmlns:p="http://schemas.openxmlformats.org/presentationml/2006/main">
+  <p:cSld>
+    <p:spTree>
+      <p:nvGrpSpPr>
+        <p:cNvPr id="1" name=""/>
+        <p:cNvGrpSpPr/>
+        <p:nvPr/>
+      </p:nvGrpSpPr>
+      <p:grpSpPr>
+        <a:xfrm>
+          <a:off x="0" y="0"/>
+          <a:ext cx="0" cy="0"/>
+          <a:chOff x="0" y="0"/>
+          <a:chExt cx="0" cy="0"/>
+        </a:xfrm>
+      </p:grpSpPr>
+      <p:sp>
+        <p:nvSpPr>
+          <p:cNvPr id="8" name="Título 1">
+            <a:extLst>
+              <a:ext uri="{FF2B5EF4-FFF2-40B4-BE49-F238E27FC236}">
+                <a16:creationId xmlns:a16="http://schemas.microsoft.com/office/drawing/2014/main" id="{956DA916-E897-09FC-AEB7-0FBA49B823EC}"/>
+              </a:ext>
+            </a:extLst>
+          </p:cNvPr>
+          <p:cNvSpPr txBox="1">
+            <a:spLocks/>
+          </p:cNvSpPr>
+          <p:nvPr/>
+        </p:nvSpPr>
+        <p:spPr>
+          <a:xfrm>
+            <a:off x="609600" y="216364"/>
+            <a:ext cx="7711388" cy="621836"/>
+          </a:xfrm>
+          <a:prstGeom prst="rect">
+            <a:avLst/>
+          </a:prstGeom>
+        </p:spPr>
+        <p:txBody>
+          <a:bodyPr vert="horz" lIns="198132" tIns="99066" rIns="198132" bIns="99066" rtlCol="0" anchor="t">
+            <a:normAutofit/>
+          </a:bodyPr>
+          <a:lstStyle>
+            <a:lvl1pPr algn="l" defTabSz="509596" rtl="0" eaLnBrk="1" latinLnBrk="0" hangingPunct="1">
+              <a:spcBef>
+                <a:spcPct val="0"/>
+              </a:spcBef>
+              <a:buNone/>
+              <a:defRPr sz="2778" b="1" kern="1200">
+                <a:solidFill>
+                  <a:schemeClr val="bg1"/>
+                </a:solidFill>
+                <a:latin typeface="Bree"/>
+                <a:ea typeface="+mj-ea"/>
+                <a:cs typeface="Bree"/>
+              </a:defRPr>
+            </a:lvl1pPr>
+          </a:lstStyle>
+          <a:p>
+            <a:r>
+              <a:rPr lang="es-ES" dirty="0"/>
+              <a:t>INDICADORES – PERSONAS Y FILOSFÍA</a:t>
+            </a:r>
+          </a:p>
+        </p:txBody>
+      </p:sp>
+      <p:sp>
+        <p:nvSpPr>
+          <p:cNvPr id="22" name="Abrir llave 21">
+            <a:extLst>
+              <a:ext uri="{FF2B5EF4-FFF2-40B4-BE49-F238E27FC236}">
+                <a16:creationId xmlns:a16="http://schemas.microsoft.com/office/drawing/2014/main" id="{C41F5FAD-9A81-F599-6ECE-4810047F8851}"/>
+              </a:ext>
+            </a:extLst>
+          </p:cNvPr>
+          <p:cNvSpPr/>
+          <p:nvPr/>
+        </p:nvSpPr>
+        <p:spPr>
+          <a:xfrm>
+            <a:off x="6019800" y="4191000"/>
+            <a:ext cx="383270" cy="2362200"/>
+          </a:xfrm>
+          <a:prstGeom prst="leftBrace">
+            <a:avLst/>
+          </a:prstGeom>
+        </p:spPr>
+        <p:style>
+          <a:lnRef idx="2">
+            <a:schemeClr val="accent1"/>
+          </a:lnRef>
+          <a:fillRef idx="0">
+            <a:schemeClr val="accent1"/>
+          </a:fillRef>
+          <a:effectRef idx="1">
+            <a:schemeClr val="accent1"/>
+          </a:effectRef>
+          <a:fontRef idx="minor">
+            <a:schemeClr val="tx1"/>
+          </a:fontRef>
+        </p:style>
+        <p:txBody>
+          <a:bodyPr rtlCol="0" anchor="ctr"/>
+          <a:lstStyle/>
+          <a:p>
+            <a:pPr algn="ctr"/>
+            <a:endParaRPr lang="es-PE"/>
+          </a:p>
+        </p:txBody>
+      </p:sp>
+      <p:pic>
+        <p:nvPicPr>
+          <p:cNvPr id="5" name="Imagen 4">
+            <a:extLst>
+              <a:ext uri="{FF2B5EF4-FFF2-40B4-BE49-F238E27FC236}">
+                <a16:creationId xmlns:a16="http://schemas.microsoft.com/office/drawing/2014/main" id="{FAE4D27A-405E-0360-659F-0D4DDB387433}"/>
+              </a:ext>
+            </a:extLst>
+          </p:cNvPr>
+          <p:cNvPicPr>
+            <a:picLocks noChangeAspect="1"/>
+          </p:cNvPicPr>
+          <p:nvPr/>
+        </p:nvPicPr>
+        <p:blipFill>
+          <a:blip r:embed="rId4"/>
+          <a:stretch>
+            <a:fillRect/>
+          </a:stretch>
+        </p:blipFill>
+        <p:spPr>
+          <a:xfrm>
+            <a:off x="6794048" y="4457160"/>
+            <a:ext cx="2080260" cy="929640"/>
+          </a:xfrm>
+          <a:prstGeom prst="rect">
+            <a:avLst/>
+          </a:prstGeom>
+        </p:spPr>
+      </p:pic>
+      <p:pic>
+        <p:nvPicPr>
+          <p:cNvPr id="6" name="Imagen 5">
+            <a:extLst>
+              <a:ext uri="{FF2B5EF4-FFF2-40B4-BE49-F238E27FC236}">
+                <a16:creationId xmlns:a16="http://schemas.microsoft.com/office/drawing/2014/main" id="{346B08E5-FB18-E4C2-53EE-E23070A92677}"/>
+              </a:ext>
+            </a:extLst>
+          </p:cNvPr>
+          <p:cNvPicPr>
+            <a:picLocks noChangeAspect="1"/>
+          </p:cNvPicPr>
+          <p:nvPr/>
+        </p:nvPicPr>
+        <p:blipFill>
+          <a:blip r:embed="rId5"/>
+          <a:stretch>
+            <a:fillRect/>
+          </a:stretch>
+        </p:blipFill>
+        <p:spPr>
+          <a:xfrm>
+            <a:off x="9525000" y="4472297"/>
+            <a:ext cx="1531620" cy="563880"/>
+          </a:xfrm>
+          <a:prstGeom prst="rect">
+            <a:avLst/>
+          </a:prstGeom>
+        </p:spPr>
+      </p:pic>
+      <p:pic>
+        <p:nvPicPr>
+          <p:cNvPr id="7" name="Imagen 6">
+            <a:extLst>
+              <a:ext uri="{FF2B5EF4-FFF2-40B4-BE49-F238E27FC236}">
+                <a16:creationId xmlns:a16="http://schemas.microsoft.com/office/drawing/2014/main" id="{EAF40000-4CC6-2E9B-BB9D-D737B54D93DB}"/>
+              </a:ext>
+            </a:extLst>
+          </p:cNvPr>
+          <p:cNvPicPr>
+            <a:picLocks noChangeAspect="1"/>
+          </p:cNvPicPr>
+          <p:nvPr/>
+        </p:nvPicPr>
+        <p:blipFill>
+          <a:blip r:embed="rId6"/>
+          <a:stretch>
+            <a:fillRect/>
+          </a:stretch>
+        </p:blipFill>
+        <p:spPr>
+          <a:xfrm>
+            <a:off x="6794048" y="5488985"/>
+            <a:ext cx="3817620" cy="563880"/>
+          </a:xfrm>
+          <a:prstGeom prst="rect">
+            <a:avLst/>
+          </a:prstGeom>
+        </p:spPr>
+      </p:pic>
+      <p:pic>
+        <p:nvPicPr>
+          <p:cNvPr id="9" name="Imagen 8">
+            <a:extLst>
+              <a:ext uri="{FF2B5EF4-FFF2-40B4-BE49-F238E27FC236}">
+                <a16:creationId xmlns:a16="http://schemas.microsoft.com/office/drawing/2014/main" id="{765456ED-5B54-6CB2-E46E-2A57BAED095E}"/>
+              </a:ext>
+            </a:extLst>
+          </p:cNvPr>
+          <p:cNvPicPr>
+            <a:picLocks noChangeAspect="1"/>
+          </p:cNvPicPr>
+          <p:nvPr/>
+        </p:nvPicPr>
+        <p:blipFill>
+          <a:blip r:embed="rId7"/>
+          <a:stretch>
+            <a:fillRect/>
+          </a:stretch>
+        </p:blipFill>
+        <p:spPr>
+          <a:xfrm>
+            <a:off x="53975" y="3964596"/>
+            <a:ext cx="5734957" cy="2880000"/>
+          </a:xfrm>
+          <a:prstGeom prst="rect">
+            <a:avLst/>
+          </a:prstGeom>
+        </p:spPr>
+      </p:pic>
+      <p:pic>
+        <p:nvPicPr>
+          <p:cNvPr id="23" name="Imagen 22">
+            <a:extLst>
+              <a:ext uri="{FF2B5EF4-FFF2-40B4-BE49-F238E27FC236}">
+                <a16:creationId xmlns:a16="http://schemas.microsoft.com/office/drawing/2014/main" id="{0118F20B-E1EB-65E3-5E4C-3C702DD041B7}"/>
+              </a:ext>
+            </a:extLst>
+          </p:cNvPr>
+          <p:cNvPicPr>
+            <a:picLocks noChangeAspect="1"/>
+          </p:cNvPicPr>
+          <p:nvPr/>
+        </p:nvPicPr>
+        <p:blipFill>
+          <a:blip r:embed="rId8"/>
+          <a:stretch>
+            <a:fillRect/>
+          </a:stretch>
+        </p:blipFill>
+        <p:spPr>
+          <a:xfrm>
+            <a:off x="53975" y="1109996"/>
+            <a:ext cx="5734956" cy="2880000"/>
+          </a:xfrm>
+          <a:prstGeom prst="rect">
+            <a:avLst/>
+          </a:prstGeom>
+        </p:spPr>
+      </p:pic>
+      <p:pic>
+        <p:nvPicPr>
+          <p:cNvPr id="26" name="Imagen 25">
+            <a:extLst>
+              <a:ext uri="{FF2B5EF4-FFF2-40B4-BE49-F238E27FC236}">
+                <a16:creationId xmlns:a16="http://schemas.microsoft.com/office/drawing/2014/main" id="{861E89C4-EC2D-BAB6-7887-CB9A5D6E963E}"/>
+              </a:ext>
+            </a:extLst>
+          </p:cNvPr>
+          <p:cNvPicPr>
+            <a:picLocks noChangeAspect="1"/>
+          </p:cNvPicPr>
+          <p:nvPr/>
+        </p:nvPicPr>
+        <p:blipFill>
+          <a:blip r:embed="rId9"/>
+          <a:stretch>
+            <a:fillRect/>
+          </a:stretch>
+        </p:blipFill>
+        <p:spPr>
+          <a:xfrm>
+            <a:off x="6028267" y="1109996"/>
+            <a:ext cx="5734955" cy="2880000"/>
+          </a:xfrm>
+          <a:prstGeom prst="rect">
+            <a:avLst/>
+          </a:prstGeom>
+        </p:spPr>
+      </p:pic>
+    </p:spTree>
+    <p:extLst>
+      <p:ext uri="{BB962C8B-B14F-4D97-AF65-F5344CB8AC3E}">
+        <p14:creationId xmlns:p14="http://schemas.microsoft.com/office/powerpoint/2010/main" val="2594503915"/>
+      </p:ext>
+    </p:extLst>
+  </p:cSld>
+  <p:clrMapOvr>
+    <a:masterClrMapping/>
+  </p:clrMapOvr>
+  <p:timing>
+    <p:tnLst>
+      <p:par>
+        <p:cTn id="1" dur="indefinite" restart="never" nodeType="tmRoot">
+          <p:childTnLst>
+            <p:seq concurrent="1" nextAc="seek">
+              <p:cTn id="2" dur="indefinite" nodeType="mainSeq">
+                <p:childTnLst>
+                  <p:par>
+                    <p:cTn id="3" fill="hold">
+                      <p:stCondLst>
+                        <p:cond delay="indefinite"/>
+                      </p:stCondLst>
+                      <p:childTnLst>
+                        <p:par>
+                          <p:cTn id="4" fill="hold">
+                            <p:stCondLst>
+                              <p:cond delay="0"/>
+                            </p:stCondLst>
+                            <p:childTnLst>
+                              <p:par>
+                                <p:cTn id="5" presetID="1" presetClass="entr" presetSubtype="0" fill="hold" nodeType="clickEffect">
+                                  <p:stCondLst>
+                                    <p:cond delay="0"/>
+                                  </p:stCondLst>
+                                  <p:childTnLst>
+                                    <p:set>
+                                      <p:cBhvr>
+                                        <p:cTn id="6" dur="1" fill="hold">
+                                          <p:stCondLst>
+                                            <p:cond delay="0"/>
+                                          </p:stCondLst>
+                                        </p:cTn>
+                                        <p:tgtEl>
+                                          <p:spTgt spid="9"/>
+                                        </p:tgtEl>
+                                        <p:attrNameLst>
+                                          <p:attrName>style.visibility</p:attrName>
+                                        </p:attrNameLst>
+                                      </p:cBhvr>
+                                      <p:to>
+                                        <p:strVal val="visible"/>
+                                      </p:to>
+                                    </p:set>
+                                  </p:childTnLst>
+                                </p:cTn>
+                              </p:par>
+                            </p:childTnLst>
+                          </p:cTn>
+                        </p:par>
+                      </p:childTnLst>
+                    </p:cTn>
+                  </p:par>
+                  <p:par>
+                    <p:cTn id="7" fill="hold">
+                      <p:stCondLst>
+                        <p:cond delay="indefinite"/>
+                      </p:stCondLst>
+                      <p:childTnLst>
+                        <p:par>
+                          <p:cTn id="8" fill="hold">
+                            <p:stCondLst>
+                              <p:cond delay="0"/>
+                            </p:stCondLst>
+                            <p:childTnLst>
+                              <p:par>
+                                <p:cTn id="9" presetID="1" presetClass="entr" presetSubtype="0" fill="hold" grpId="0" nodeType="clickEffect">
+                                  <p:stCondLst>
+                                    <p:cond delay="0"/>
+                                  </p:stCondLst>
+                                  <p:childTnLst>
+                                    <p:set>
+                                      <p:cBhvr>
+                                        <p:cTn id="10" dur="1" fill="hold">
+                                          <p:stCondLst>
+                                            <p:cond delay="0"/>
+                                          </p:stCondLst>
+                                        </p:cTn>
+                                        <p:tgtEl>
+                                          <p:spTgt spid="22"/>
+                                        </p:tgtEl>
+                                        <p:attrNameLst>
+                                          <p:attrName>style.visibility</p:attrName>
+                                        </p:attrNameLst>
+                                      </p:cBhvr>
+                                      <p:to>
+                                        <p:strVal val="visible"/>
+                                      </p:to>
+                                    </p:set>
+                                  </p:childTnLst>
+                                </p:cTn>
+                              </p:par>
+                              <p:par>
+                                <p:cTn id="11" presetID="1" presetClass="entr" presetSubtype="0" fill="hold" nodeType="withEffect">
+                                  <p:stCondLst>
+                                    <p:cond delay="0"/>
+                                  </p:stCondLst>
+                                  <p:childTnLst>
+                                    <p:set>
+                                      <p:cBhvr>
+                                        <p:cTn id="12" dur="1" fill="hold">
+                                          <p:stCondLst>
+                                            <p:cond delay="0"/>
+                                          </p:stCondLst>
+                                        </p:cTn>
+                                        <p:tgtEl>
+                                          <p:spTgt spid="5"/>
+                                        </p:tgtEl>
+                                        <p:attrNameLst>
+                                          <p:attrName>style.visibility</p:attrName>
+                                        </p:attrNameLst>
+                                      </p:cBhvr>
+                                      <p:to>
+                                        <p:strVal val="visible"/>
+                                      </p:to>
+                                    </p:set>
+                                  </p:childTnLst>
+                                </p:cTn>
+                              </p:par>
+                              <p:par>
+                                <p:cTn id="13" presetID="1" presetClass="entr" presetSubtype="0" fill="hold" nodeType="withEffect">
+                                  <p:stCondLst>
+                                    <p:cond delay="0"/>
+                                  </p:stCondLst>
+                                  <p:childTnLst>
+                                    <p:set>
+                                      <p:cBhvr>
+                                        <p:cTn id="14" dur="1" fill="hold">
+                                          <p:stCondLst>
+                                            <p:cond delay="0"/>
+                                          </p:stCondLst>
+                                        </p:cTn>
+                                        <p:tgtEl>
+                                          <p:spTgt spid="6"/>
+                                        </p:tgtEl>
+                                        <p:attrNameLst>
+                                          <p:attrName>style.visibility</p:attrName>
+                                        </p:attrNameLst>
+                                      </p:cBhvr>
+                                      <p:to>
+                                        <p:strVal val="visible"/>
+                                      </p:to>
+                                    </p:set>
+                                  </p:childTnLst>
+                                </p:cTn>
+                              </p:par>
+                              <p:par>
+                                <p:cTn id="15" presetID="1" presetClass="entr" presetSubtype="0" fill="hold" nodeType="withEffect">
+                                  <p:stCondLst>
+                                    <p:cond delay="0"/>
+                                  </p:stCondLst>
+                                  <p:childTnLst>
+                                    <p:set>
+                                      <p:cBhvr>
+                                        <p:cTn id="16" dur="1" fill="hold">
+                                          <p:stCondLst>
+                                            <p:cond delay="0"/>
+                                          </p:stCondLst>
+                                        </p:cTn>
+                                        <p:tgtEl>
+                                          <p:spTgt spid="7"/>
+                                        </p:tgtEl>
+                                        <p:attrNameLst>
+                                          <p:attrName>style.visibility</p:attrName>
+                                        </p:attrNameLst>
+                                      </p:cBhvr>
+                                      <p:to>
+                                        <p:strVal val="visible"/>
+                                      </p:to>
+                                    </p:set>
+                                  </p:childTnLst>
+                                </p:cTn>
+                              </p:par>
+                            </p:childTnLst>
+                          </p:cTn>
+                        </p:par>
+                      </p:childTnLst>
+                    </p:cTn>
+                  </p:par>
+                </p:childTnLst>
+              </p:cTn>
+              <p:prevCondLst>
+                <p:cond evt="onPrev" delay="0">
+                  <p:tgtEl>
+                    <p:sldTgt/>
+                  </p:tgtEl>
+                </p:cond>
+              </p:prevCondLst>
+              <p:nextCondLst>
+                <p:cond evt="onNext" delay="0">
+                  <p:tgtEl>
+                    <p:sldTgt/>
+                  </p:tgtEl>
+                </p:cond>
+              </p:nextCondLst>
+            </p:seq>
+          </p:childTnLst>
+        </p:cTn>
+      </p:par>
+    </p:tnLst>
+    <p:bldLst>
+      <p:bldP spid="22" grpId="0" animBg="1"/>
+    </p:bldLst>
+  </p:timing>
+</p:sld>
+</file>
+
+<file path=ppt/slides/slide12.xml><?xml version="1.0" encoding="utf-8"?>
+<p:sld xmlns:a="http://schemas.openxmlformats.org/drawingml/2006/main" xmlns:r="http://schemas.openxmlformats.org/officeDocument/2006/relationships" xmlns:p="http://schemas.openxmlformats.org/presentationml/2006/main">
+  <p:cSld>
+    <p:spTree>
+      <p:nvGrpSpPr>
+        <p:cNvPr id="1" name=""/>
+        <p:cNvGrpSpPr/>
+        <p:nvPr/>
+      </p:nvGrpSpPr>
+      <p:grpSpPr>
+        <a:xfrm>
+          <a:off x="0" y="0"/>
+          <a:ext cx="0" cy="0"/>
+          <a:chOff x="0" y="0"/>
+          <a:chExt cx="0" cy="0"/>
+        </a:xfrm>
+      </p:grpSpPr>
+      <p:sp>
+        <p:nvSpPr>
+          <p:cNvPr id="8" name="Título 1">
+            <a:extLst>
+              <a:ext uri="{FF2B5EF4-FFF2-40B4-BE49-F238E27FC236}">
+                <a16:creationId xmlns:a16="http://schemas.microsoft.com/office/drawing/2014/main" id="{956DA916-E897-09FC-AEB7-0FBA49B823EC}"/>
+              </a:ext>
+            </a:extLst>
+          </p:cNvPr>
+          <p:cNvSpPr txBox="1">
+            <a:spLocks/>
+          </p:cNvSpPr>
+          <p:nvPr/>
+        </p:nvSpPr>
+        <p:spPr>
+          <a:xfrm>
+            <a:off x="609600" y="216364"/>
+            <a:ext cx="7711388" cy="621836"/>
+          </a:xfrm>
+          <a:prstGeom prst="rect">
+            <a:avLst/>
+          </a:prstGeom>
+        </p:spPr>
+        <p:txBody>
+          <a:bodyPr vert="horz" lIns="198132" tIns="99066" rIns="198132" bIns="99066" rtlCol="0" anchor="t">
+            <a:normAutofit/>
+          </a:bodyPr>
+          <a:lstStyle>
+            <a:lvl1pPr algn="l" defTabSz="509596" rtl="0" eaLnBrk="1" latinLnBrk="0" hangingPunct="1">
+              <a:spcBef>
+                <a:spcPct val="0"/>
+              </a:spcBef>
+              <a:buNone/>
+              <a:defRPr sz="2778" b="1" kern="1200">
+                <a:solidFill>
+                  <a:schemeClr val="bg1"/>
+                </a:solidFill>
+                <a:latin typeface="Bree"/>
+                <a:ea typeface="+mj-ea"/>
+                <a:cs typeface="Bree"/>
+              </a:defRPr>
+            </a:lvl1pPr>
+          </a:lstStyle>
+          <a:p>
+            <a:r>
+              <a:rPr lang="es-ES" dirty="0"/>
+              <a:t>INDICADORES – PRODUCTO, MARKETING E IC	</a:t>
+            </a:r>
+          </a:p>
+        </p:txBody>
+      </p:sp>
+      <p:sp>
+        <p:nvSpPr>
+          <p:cNvPr id="22" name="Abrir llave 21">
+            <a:extLst>
+              <a:ext uri="{FF2B5EF4-FFF2-40B4-BE49-F238E27FC236}">
+                <a16:creationId xmlns:a16="http://schemas.microsoft.com/office/drawing/2014/main" id="{C41F5FAD-9A81-F599-6ECE-4810047F8851}"/>
+              </a:ext>
+            </a:extLst>
+          </p:cNvPr>
+          <p:cNvSpPr/>
+          <p:nvPr/>
+        </p:nvSpPr>
+        <p:spPr>
+          <a:xfrm>
+            <a:off x="6019800" y="4191000"/>
+            <a:ext cx="383270" cy="2362200"/>
+          </a:xfrm>
+          <a:prstGeom prst="leftBrace">
+            <a:avLst/>
+          </a:prstGeom>
+        </p:spPr>
+        <p:style>
+          <a:lnRef idx="2">
+            <a:schemeClr val="accent1"/>
+          </a:lnRef>
+          <a:fillRef idx="0">
+            <a:schemeClr val="accent1"/>
+          </a:fillRef>
+          <a:effectRef idx="1">
+            <a:schemeClr val="accent1"/>
+          </a:effectRef>
+          <a:fontRef idx="minor">
+            <a:schemeClr val="tx1"/>
+          </a:fontRef>
+        </p:style>
+        <p:txBody>
+          <a:bodyPr rtlCol="0" anchor="ctr"/>
+          <a:lstStyle/>
+          <a:p>
+            <a:pPr algn="ctr"/>
+            <a:endParaRPr lang="es-PE"/>
+          </a:p>
+        </p:txBody>
+      </p:sp>
+      <p:pic>
+        <p:nvPicPr>
+          <p:cNvPr id="5" name="Imagen 4">
+            <a:extLst>
+              <a:ext uri="{FF2B5EF4-FFF2-40B4-BE49-F238E27FC236}">
+                <a16:creationId xmlns:a16="http://schemas.microsoft.com/office/drawing/2014/main" id="{FAE4D27A-405E-0360-659F-0D4DDB387433}"/>
+              </a:ext>
+            </a:extLst>
+          </p:cNvPr>
+          <p:cNvPicPr>
+            <a:picLocks noChangeAspect="1"/>
+          </p:cNvPicPr>
+          <p:nvPr/>
+        </p:nvPicPr>
+        <p:blipFill>
+          <a:blip r:embed="rId4"/>
+          <a:stretch>
+            <a:fillRect/>
+          </a:stretch>
+        </p:blipFill>
+        <p:spPr>
+          <a:xfrm>
+            <a:off x="6794048" y="4457160"/>
+            <a:ext cx="2080260" cy="929640"/>
+          </a:xfrm>
+          <a:prstGeom prst="rect">
+            <a:avLst/>
+          </a:prstGeom>
+        </p:spPr>
+      </p:pic>
+      <p:pic>
+        <p:nvPicPr>
+          <p:cNvPr id="6" name="Imagen 5">
+            <a:extLst>
+              <a:ext uri="{FF2B5EF4-FFF2-40B4-BE49-F238E27FC236}">
+                <a16:creationId xmlns:a16="http://schemas.microsoft.com/office/drawing/2014/main" id="{346B08E5-FB18-E4C2-53EE-E23070A92677}"/>
+              </a:ext>
+            </a:extLst>
+          </p:cNvPr>
+          <p:cNvPicPr>
+            <a:picLocks noChangeAspect="1"/>
+          </p:cNvPicPr>
+          <p:nvPr/>
+        </p:nvPicPr>
+        <p:blipFill>
+          <a:blip r:embed="rId5"/>
+          <a:stretch>
+            <a:fillRect/>
+          </a:stretch>
+        </p:blipFill>
+        <p:spPr>
+          <a:xfrm>
+            <a:off x="9525000" y="4472297"/>
+            <a:ext cx="1531620" cy="563880"/>
+          </a:xfrm>
+          <a:prstGeom prst="rect">
+            <a:avLst/>
+          </a:prstGeom>
+        </p:spPr>
+      </p:pic>
+      <p:pic>
+        <p:nvPicPr>
+          <p:cNvPr id="7" name="Imagen 6">
+            <a:extLst>
+              <a:ext uri="{FF2B5EF4-FFF2-40B4-BE49-F238E27FC236}">
+                <a16:creationId xmlns:a16="http://schemas.microsoft.com/office/drawing/2014/main" id="{EAF40000-4CC6-2E9B-BB9D-D737B54D93DB}"/>
+              </a:ext>
+            </a:extLst>
+          </p:cNvPr>
+          <p:cNvPicPr>
+            <a:picLocks noChangeAspect="1"/>
+          </p:cNvPicPr>
+          <p:nvPr/>
+        </p:nvPicPr>
+        <p:blipFill>
+          <a:blip r:embed="rId6"/>
+          <a:stretch>
+            <a:fillRect/>
+          </a:stretch>
+        </p:blipFill>
+        <p:spPr>
+          <a:xfrm>
+            <a:off x="6794048" y="5488985"/>
+            <a:ext cx="3817620" cy="563880"/>
+          </a:xfrm>
+          <a:prstGeom prst="rect">
+            <a:avLst/>
+          </a:prstGeom>
+        </p:spPr>
+      </p:pic>
+      <p:pic>
+        <p:nvPicPr>
+          <p:cNvPr id="9" name="Imagen 8">
+            <a:extLst>
+              <a:ext uri="{FF2B5EF4-FFF2-40B4-BE49-F238E27FC236}">
+                <a16:creationId xmlns:a16="http://schemas.microsoft.com/office/drawing/2014/main" id="{765456ED-5B54-6CB2-E46E-2A57BAED095E}"/>
+              </a:ext>
+            </a:extLst>
+          </p:cNvPr>
+          <p:cNvPicPr>
+            <a:picLocks noChangeAspect="1"/>
+          </p:cNvPicPr>
+          <p:nvPr/>
+        </p:nvPicPr>
+        <p:blipFill>
+          <a:blip r:embed="rId7"/>
+          <a:stretch>
+            <a:fillRect/>
+          </a:stretch>
+        </p:blipFill>
+        <p:spPr>
+          <a:xfrm>
+            <a:off x="53975" y="3964596"/>
+            <a:ext cx="5734957" cy="2880000"/>
+          </a:xfrm>
+          <a:prstGeom prst="rect">
+            <a:avLst/>
+          </a:prstGeom>
+        </p:spPr>
+      </p:pic>
+      <p:pic>
+        <p:nvPicPr>
+          <p:cNvPr id="13" name="Imagen 12">
+            <a:extLst>
+              <a:ext uri="{FF2B5EF4-FFF2-40B4-BE49-F238E27FC236}">
+                <a16:creationId xmlns:a16="http://schemas.microsoft.com/office/drawing/2014/main" id="{4E676650-9468-E172-4279-DB6417B48169}"/>
+              </a:ext>
+            </a:extLst>
+          </p:cNvPr>
+          <p:cNvPicPr>
+            <a:picLocks noChangeAspect="1"/>
+          </p:cNvPicPr>
+          <p:nvPr/>
+        </p:nvPicPr>
+        <p:blipFill>
+          <a:blip r:embed="rId8"/>
+          <a:stretch>
+            <a:fillRect/>
+          </a:stretch>
+        </p:blipFill>
+        <p:spPr>
+          <a:xfrm>
+            <a:off x="5911074" y="1113367"/>
+            <a:ext cx="5734956" cy="2880000"/>
+          </a:xfrm>
+          <a:prstGeom prst="rect">
+            <a:avLst/>
+          </a:prstGeom>
+        </p:spPr>
+      </p:pic>
+      <p:pic>
+        <p:nvPicPr>
+          <p:cNvPr id="14" name="Imagen 13">
+            <a:extLst>
+              <a:ext uri="{FF2B5EF4-FFF2-40B4-BE49-F238E27FC236}">
+                <a16:creationId xmlns:a16="http://schemas.microsoft.com/office/drawing/2014/main" id="{624CD7EA-E67D-E919-4FF0-00E56F63354C}"/>
+              </a:ext>
+            </a:extLst>
+          </p:cNvPr>
+          <p:cNvPicPr>
+            <a:picLocks noChangeAspect="1"/>
+          </p:cNvPicPr>
+          <p:nvPr/>
+        </p:nvPicPr>
+        <p:blipFill>
+          <a:blip r:embed="rId9"/>
+          <a:stretch>
+            <a:fillRect/>
+          </a:stretch>
+        </p:blipFill>
+        <p:spPr>
+          <a:xfrm>
+            <a:off x="53975" y="1093063"/>
+            <a:ext cx="5734956" cy="2880000"/>
+          </a:xfrm>
+          <a:prstGeom prst="rect">
+            <a:avLst/>
+          </a:prstGeom>
+        </p:spPr>
+      </p:pic>
+    </p:spTree>
+    <p:extLst>
+      <p:ext uri="{BB962C8B-B14F-4D97-AF65-F5344CB8AC3E}">
+        <p14:creationId xmlns:p14="http://schemas.microsoft.com/office/powerpoint/2010/main" val="1229556268"/>
+      </p:ext>
+    </p:extLst>
+  </p:cSld>
+  <p:clrMapOvr>
+    <a:masterClrMapping/>
+  </p:clrMapOvr>
+  <p:timing>
+    <p:tnLst>
+      <p:par>
+        <p:cTn id="1" dur="indefinite" restart="never" nodeType="tmRoot">
+          <p:childTnLst>
+            <p:seq concurrent="1" nextAc="seek">
+              <p:cTn id="2" dur="indefinite" nodeType="mainSeq">
+                <p:childTnLst>
+                  <p:par>
+                    <p:cTn id="3" fill="hold">
+                      <p:stCondLst>
+                        <p:cond delay="indefinite"/>
+                      </p:stCondLst>
+                      <p:childTnLst>
+                        <p:par>
+                          <p:cTn id="4" fill="hold">
+                            <p:stCondLst>
+                              <p:cond delay="0"/>
+                            </p:stCondLst>
+                            <p:childTnLst>
+                              <p:par>
+                                <p:cTn id="5" presetID="1" presetClass="entr" presetSubtype="0" fill="hold" nodeType="clickEffect">
+                                  <p:stCondLst>
+                                    <p:cond delay="0"/>
+                                  </p:stCondLst>
+                                  <p:childTnLst>
+                                    <p:set>
+                                      <p:cBhvr>
+                                        <p:cTn id="6" dur="1" fill="hold">
+                                          <p:stCondLst>
+                                            <p:cond delay="0"/>
+                                          </p:stCondLst>
+                                        </p:cTn>
+                                        <p:tgtEl>
+                                          <p:spTgt spid="9"/>
+                                        </p:tgtEl>
+                                        <p:attrNameLst>
+                                          <p:attrName>style.visibility</p:attrName>
+                                        </p:attrNameLst>
+                                      </p:cBhvr>
+                                      <p:to>
+                                        <p:strVal val="visible"/>
+                                      </p:to>
+                                    </p:set>
+                                  </p:childTnLst>
+                                </p:cTn>
+                              </p:par>
+                            </p:childTnLst>
+                          </p:cTn>
+                        </p:par>
+                      </p:childTnLst>
+                    </p:cTn>
+                  </p:par>
+                  <p:par>
+                    <p:cTn id="7" fill="hold">
+                      <p:stCondLst>
+                        <p:cond delay="indefinite"/>
+                      </p:stCondLst>
+                      <p:childTnLst>
+                        <p:par>
+                          <p:cTn id="8" fill="hold">
+                            <p:stCondLst>
+                              <p:cond delay="0"/>
+                            </p:stCondLst>
+                            <p:childTnLst>
+                              <p:par>
+                                <p:cTn id="9" presetID="1" presetClass="entr" presetSubtype="0" fill="hold" grpId="0" nodeType="clickEffect">
+                                  <p:stCondLst>
+                                    <p:cond delay="0"/>
+                                  </p:stCondLst>
+                                  <p:childTnLst>
+                                    <p:set>
+                                      <p:cBhvr>
+                                        <p:cTn id="10" dur="1" fill="hold">
+                                          <p:stCondLst>
+                                            <p:cond delay="0"/>
+                                          </p:stCondLst>
+                                        </p:cTn>
+                                        <p:tgtEl>
+                                          <p:spTgt spid="22"/>
+                                        </p:tgtEl>
+                                        <p:attrNameLst>
+                                          <p:attrName>style.visibility</p:attrName>
+                                        </p:attrNameLst>
+                                      </p:cBhvr>
+                                      <p:to>
+                                        <p:strVal val="visible"/>
+                                      </p:to>
+                                    </p:set>
+                                  </p:childTnLst>
+                                </p:cTn>
+                              </p:par>
+                              <p:par>
+                                <p:cTn id="11" presetID="1" presetClass="entr" presetSubtype="0" fill="hold" nodeType="withEffect">
+                                  <p:stCondLst>
+                                    <p:cond delay="0"/>
+                                  </p:stCondLst>
+                                  <p:childTnLst>
+                                    <p:set>
+                                      <p:cBhvr>
+                                        <p:cTn id="12" dur="1" fill="hold">
+                                          <p:stCondLst>
+                                            <p:cond delay="0"/>
+                                          </p:stCondLst>
+                                        </p:cTn>
+                                        <p:tgtEl>
+                                          <p:spTgt spid="5"/>
+                                        </p:tgtEl>
+                                        <p:attrNameLst>
+                                          <p:attrName>style.visibility</p:attrName>
+                                        </p:attrNameLst>
+                                      </p:cBhvr>
+                                      <p:to>
+                                        <p:strVal val="visible"/>
+                                      </p:to>
+                                    </p:set>
+                                  </p:childTnLst>
+                                </p:cTn>
+                              </p:par>
+                              <p:par>
+                                <p:cTn id="13" presetID="1" presetClass="entr" presetSubtype="0" fill="hold" nodeType="withEffect">
+                                  <p:stCondLst>
+                                    <p:cond delay="0"/>
+                                  </p:stCondLst>
+                                  <p:childTnLst>
+                                    <p:set>
+                                      <p:cBhvr>
+                                        <p:cTn id="14" dur="1" fill="hold">
+                                          <p:stCondLst>
+                                            <p:cond delay="0"/>
+                                          </p:stCondLst>
+                                        </p:cTn>
+                                        <p:tgtEl>
+                                          <p:spTgt spid="6"/>
+                                        </p:tgtEl>
+                                        <p:attrNameLst>
+                                          <p:attrName>style.visibility</p:attrName>
+                                        </p:attrNameLst>
+                                      </p:cBhvr>
+                                      <p:to>
+                                        <p:strVal val="visible"/>
+                                      </p:to>
+                                    </p:set>
+                                  </p:childTnLst>
+                                </p:cTn>
+                              </p:par>
+                              <p:par>
+                                <p:cTn id="15" presetID="1" presetClass="entr" presetSubtype="0" fill="hold" nodeType="withEffect">
+                                  <p:stCondLst>
+                                    <p:cond delay="0"/>
+                                  </p:stCondLst>
+                                  <p:childTnLst>
+                                    <p:set>
+                                      <p:cBhvr>
+                                        <p:cTn id="16" dur="1" fill="hold">
+                                          <p:stCondLst>
+                                            <p:cond delay="0"/>
+                                          </p:stCondLst>
+                                        </p:cTn>
+                                        <p:tgtEl>
+                                          <p:spTgt spid="7"/>
+                                        </p:tgtEl>
+                                        <p:attrNameLst>
+                                          <p:attrName>style.visibility</p:attrName>
+                                        </p:attrNameLst>
+                                      </p:cBhvr>
+                                      <p:to>
+                                        <p:strVal val="visible"/>
+                                      </p:to>
+                                    </p:set>
+                                  </p:childTnLst>
+                                </p:cTn>
+                              </p:par>
+                            </p:childTnLst>
+                          </p:cTn>
+                        </p:par>
+                      </p:childTnLst>
+                    </p:cTn>
+                  </p:par>
+                </p:childTnLst>
+              </p:cTn>
+              <p:prevCondLst>
+                <p:cond evt="onPrev" delay="0">
+                  <p:tgtEl>
+                    <p:sldTgt/>
+                  </p:tgtEl>
+                </p:cond>
+              </p:prevCondLst>
+              <p:nextCondLst>
+                <p:cond evt="onNext" delay="0">
+                  <p:tgtEl>
+                    <p:sldTgt/>
+                  </p:tgtEl>
+                </p:cond>
+              </p:nextCondLst>
+            </p:seq>
+          </p:childTnLst>
+        </p:cTn>
+      </p:par>
+    </p:tnLst>
+    <p:bldLst>
+      <p:bldP spid="22" grpId="0" animBg="1"/>
+    </p:bldLst>
+  </p:timing>
+</p:sld>
+</file>
+
+<file path=ppt/slides/slide13.xml><?xml version="1.0" encoding="utf-8"?>
+<p:sld xmlns:a="http://schemas.openxmlformats.org/drawingml/2006/main" xmlns:r="http://schemas.openxmlformats.org/officeDocument/2006/relationships" xmlns:p="http://schemas.openxmlformats.org/presentationml/2006/main">
+  <p:cSld>
+    <p:spTree>
+      <p:nvGrpSpPr>
+        <p:cNvPr id="1" name=""/>
+        <p:cNvGrpSpPr/>
+        <p:nvPr/>
+      </p:nvGrpSpPr>
+      <p:grpSpPr>
+        <a:xfrm>
+          <a:off x="0" y="0"/>
+          <a:ext cx="0" cy="0"/>
+          <a:chOff x="0" y="0"/>
+          <a:chExt cx="0" cy="0"/>
+        </a:xfrm>
+      </p:grpSpPr>
+      <p:sp>
+        <p:nvSpPr>
+          <p:cNvPr id="8" name="Título 1">
+            <a:extLst>
+              <a:ext uri="{FF2B5EF4-FFF2-40B4-BE49-F238E27FC236}">
+                <a16:creationId xmlns:a16="http://schemas.microsoft.com/office/drawing/2014/main" id="{956DA916-E897-09FC-AEB7-0FBA49B823EC}"/>
+              </a:ext>
+            </a:extLst>
+          </p:cNvPr>
+          <p:cNvSpPr txBox="1">
+            <a:spLocks/>
+          </p:cNvSpPr>
+          <p:nvPr/>
+        </p:nvSpPr>
+        <p:spPr>
+          <a:xfrm>
+            <a:off x="609600" y="216364"/>
+            <a:ext cx="7711388" cy="621836"/>
+          </a:xfrm>
+          <a:prstGeom prst="rect">
+            <a:avLst/>
+          </a:prstGeom>
+        </p:spPr>
+        <p:txBody>
+          <a:bodyPr vert="horz" lIns="198132" tIns="99066" rIns="198132" bIns="99066" rtlCol="0" anchor="t">
+            <a:normAutofit/>
+          </a:bodyPr>
+          <a:lstStyle>
+            <a:lvl1pPr algn="l" defTabSz="509596" rtl="0" eaLnBrk="1" latinLnBrk="0" hangingPunct="1">
+              <a:spcBef>
+                <a:spcPct val="0"/>
+              </a:spcBef>
+              <a:buNone/>
+              <a:defRPr sz="2778" b="1" kern="1200">
+                <a:solidFill>
+                  <a:schemeClr val="bg1"/>
+                </a:solidFill>
+                <a:latin typeface="Bree"/>
+                <a:ea typeface="+mj-ea"/>
+                <a:cs typeface="Bree"/>
+              </a:defRPr>
+            </a:lvl1pPr>
+          </a:lstStyle>
+          <a:p>
+            <a:r>
+              <a:rPr lang="es-ES" dirty="0"/>
+              <a:t>INDICADORES – RIESGOS Y RECUPERACIONES</a:t>
+            </a:r>
+          </a:p>
+        </p:txBody>
+      </p:sp>
+      <p:sp>
+        <p:nvSpPr>
+          <p:cNvPr id="22" name="Abrir llave 21">
+            <a:extLst>
+              <a:ext uri="{FF2B5EF4-FFF2-40B4-BE49-F238E27FC236}">
+                <a16:creationId xmlns:a16="http://schemas.microsoft.com/office/drawing/2014/main" id="{C41F5FAD-9A81-F599-6ECE-4810047F8851}"/>
+              </a:ext>
+            </a:extLst>
+          </p:cNvPr>
+          <p:cNvSpPr/>
+          <p:nvPr/>
+        </p:nvSpPr>
+        <p:spPr>
+          <a:xfrm>
+            <a:off x="6019800" y="4191000"/>
+            <a:ext cx="383270" cy="2362200"/>
+          </a:xfrm>
+          <a:prstGeom prst="leftBrace">
+            <a:avLst/>
+          </a:prstGeom>
+        </p:spPr>
+        <p:style>
+          <a:lnRef idx="2">
+            <a:schemeClr val="accent1"/>
+          </a:lnRef>
+          <a:fillRef idx="0">
+            <a:schemeClr val="accent1"/>
+          </a:fillRef>
+          <a:effectRef idx="1">
+            <a:schemeClr val="accent1"/>
+          </a:effectRef>
+          <a:fontRef idx="minor">
+            <a:schemeClr val="tx1"/>
+          </a:fontRef>
+        </p:style>
+        <p:txBody>
+          <a:bodyPr rtlCol="0" anchor="ctr"/>
+          <a:lstStyle/>
+          <a:p>
+            <a:pPr algn="ctr"/>
+            <a:endParaRPr lang="es-PE"/>
+          </a:p>
+        </p:txBody>
+      </p:sp>
+      <p:pic>
+        <p:nvPicPr>
+          <p:cNvPr id="5" name="Imagen 4">
+            <a:extLst>
+              <a:ext uri="{FF2B5EF4-FFF2-40B4-BE49-F238E27FC236}">
+                <a16:creationId xmlns:a16="http://schemas.microsoft.com/office/drawing/2014/main" id="{FAE4D27A-405E-0360-659F-0D4DDB387433}"/>
+              </a:ext>
+            </a:extLst>
+          </p:cNvPr>
+          <p:cNvPicPr>
+            <a:picLocks noChangeAspect="1"/>
+          </p:cNvPicPr>
+          <p:nvPr/>
+        </p:nvPicPr>
+        <p:blipFill>
+          <a:blip r:embed="rId3"/>
+          <a:stretch>
+            <a:fillRect/>
+          </a:stretch>
+        </p:blipFill>
+        <p:spPr>
+          <a:xfrm>
+            <a:off x="6794048" y="4457160"/>
+            <a:ext cx="2080260" cy="929640"/>
+          </a:xfrm>
+          <a:prstGeom prst="rect">
+            <a:avLst/>
+          </a:prstGeom>
+        </p:spPr>
+      </p:pic>
+      <p:pic>
+        <p:nvPicPr>
+          <p:cNvPr id="6" name="Imagen 5">
+            <a:extLst>
+              <a:ext uri="{FF2B5EF4-FFF2-40B4-BE49-F238E27FC236}">
+                <a16:creationId xmlns:a16="http://schemas.microsoft.com/office/drawing/2014/main" id="{346B08E5-FB18-E4C2-53EE-E23070A92677}"/>
+              </a:ext>
+            </a:extLst>
+          </p:cNvPr>
+          <p:cNvPicPr>
+            <a:picLocks noChangeAspect="1"/>
+          </p:cNvPicPr>
+          <p:nvPr/>
+        </p:nvPicPr>
+        <p:blipFill>
+          <a:blip r:embed="rId4"/>
+          <a:stretch>
+            <a:fillRect/>
+          </a:stretch>
+        </p:blipFill>
+        <p:spPr>
+          <a:xfrm>
+            <a:off x="9525000" y="4472297"/>
+            <a:ext cx="1531620" cy="563880"/>
+          </a:xfrm>
+          <a:prstGeom prst="rect">
+            <a:avLst/>
+          </a:prstGeom>
+        </p:spPr>
+      </p:pic>
+      <p:pic>
+        <p:nvPicPr>
+          <p:cNvPr id="7" name="Imagen 6">
+            <a:extLst>
+              <a:ext uri="{FF2B5EF4-FFF2-40B4-BE49-F238E27FC236}">
+                <a16:creationId xmlns:a16="http://schemas.microsoft.com/office/drawing/2014/main" id="{EAF40000-4CC6-2E9B-BB9D-D737B54D93DB}"/>
+              </a:ext>
+            </a:extLst>
+          </p:cNvPr>
+          <p:cNvPicPr>
+            <a:picLocks noChangeAspect="1"/>
+          </p:cNvPicPr>
+          <p:nvPr/>
+        </p:nvPicPr>
+        <p:blipFill>
+          <a:blip r:embed="rId5"/>
+          <a:stretch>
+            <a:fillRect/>
+          </a:stretch>
+        </p:blipFill>
+        <p:spPr>
+          <a:xfrm>
+            <a:off x="6794048" y="5488985"/>
+            <a:ext cx="3817620" cy="563880"/>
+          </a:xfrm>
+          <a:prstGeom prst="rect">
+            <a:avLst/>
+          </a:prstGeom>
+        </p:spPr>
+      </p:pic>
+      <p:pic>
+        <p:nvPicPr>
+          <p:cNvPr id="9" name="Imagen 8">
+            <a:extLst>
+              <a:ext uri="{FF2B5EF4-FFF2-40B4-BE49-F238E27FC236}">
+                <a16:creationId xmlns:a16="http://schemas.microsoft.com/office/drawing/2014/main" id="{765456ED-5B54-6CB2-E46E-2A57BAED095E}"/>
+              </a:ext>
+            </a:extLst>
+          </p:cNvPr>
+          <p:cNvPicPr>
+            <a:picLocks noChangeAspect="1"/>
+          </p:cNvPicPr>
+          <p:nvPr/>
+        </p:nvPicPr>
+        <p:blipFill>
+          <a:blip r:embed="rId6"/>
+          <a:stretch>
+            <a:fillRect/>
+          </a:stretch>
+        </p:blipFill>
+        <p:spPr>
+          <a:xfrm>
+            <a:off x="53975" y="3964596"/>
+            <a:ext cx="5734957" cy="2880000"/>
+          </a:xfrm>
+          <a:prstGeom prst="rect">
+            <a:avLst/>
+          </a:prstGeom>
+        </p:spPr>
+      </p:pic>
+      <p:pic>
+        <p:nvPicPr>
+          <p:cNvPr id="10" name="Imagen 9">
+            <a:extLst>
+              <a:ext uri="{FF2B5EF4-FFF2-40B4-BE49-F238E27FC236}">
+                <a16:creationId xmlns:a16="http://schemas.microsoft.com/office/drawing/2014/main" id="{9CA6AA6F-EB39-EED4-6D01-D9B32423AB87}"/>
+              </a:ext>
+            </a:extLst>
+          </p:cNvPr>
+          <p:cNvPicPr>
+            <a:picLocks noChangeAspect="1"/>
+          </p:cNvPicPr>
+          <p:nvPr/>
+        </p:nvPicPr>
+        <p:blipFill>
+          <a:blip r:embed="rId7"/>
+          <a:stretch>
+            <a:fillRect/>
+          </a:stretch>
+        </p:blipFill>
+        <p:spPr>
+          <a:xfrm>
+            <a:off x="6019800" y="1074600"/>
+            <a:ext cx="5734956" cy="2880000"/>
+          </a:xfrm>
+          <a:prstGeom prst="rect">
+            <a:avLst/>
+          </a:prstGeom>
+        </p:spPr>
+      </p:pic>
+      <p:pic>
+        <p:nvPicPr>
+          <p:cNvPr id="11" name="Imagen 10">
+            <a:extLst>
+              <a:ext uri="{FF2B5EF4-FFF2-40B4-BE49-F238E27FC236}">
+                <a16:creationId xmlns:a16="http://schemas.microsoft.com/office/drawing/2014/main" id="{2568DA52-75AC-C464-FD64-6294CFEA1D35}"/>
+              </a:ext>
+            </a:extLst>
+          </p:cNvPr>
+          <p:cNvPicPr>
+            <a:picLocks noChangeAspect="1"/>
+          </p:cNvPicPr>
+          <p:nvPr/>
+        </p:nvPicPr>
+        <p:blipFill>
+          <a:blip r:embed="rId8"/>
+          <a:stretch>
+            <a:fillRect/>
+          </a:stretch>
+        </p:blipFill>
+        <p:spPr>
+          <a:xfrm>
+            <a:off x="53975" y="1074600"/>
+            <a:ext cx="5734956" cy="2880000"/>
+          </a:xfrm>
+          <a:prstGeom prst="rect">
+            <a:avLst/>
+          </a:prstGeom>
+        </p:spPr>
+      </p:pic>
+    </p:spTree>
+    <p:extLst>
+      <p:ext uri="{BB962C8B-B14F-4D97-AF65-F5344CB8AC3E}">
+        <p14:creationId xmlns:p14="http://schemas.microsoft.com/office/powerpoint/2010/main" val="2912275365"/>
+      </p:ext>
+    </p:extLst>
+  </p:cSld>
+  <p:clrMapOvr>
+    <a:masterClrMapping/>
+  </p:clrMapOvr>
+  <p:timing>
+    <p:tnLst>
+      <p:par>
+        <p:cTn id="1" dur="indefinite" restart="never" nodeType="tmRoot">
+          <p:childTnLst>
+            <p:seq concurrent="1" nextAc="seek">
+              <p:cTn id="2" dur="indefinite" nodeType="mainSeq">
+                <p:childTnLst>
+                  <p:par>
+                    <p:cTn id="3" fill="hold">
+                      <p:stCondLst>
+                        <p:cond delay="indefinite"/>
+                      </p:stCondLst>
+                      <p:childTnLst>
+                        <p:par>
+                          <p:cTn id="4" fill="hold">
+                            <p:stCondLst>
+                              <p:cond delay="0"/>
+                            </p:stCondLst>
+                            <p:childTnLst>
+                              <p:par>
+                                <p:cTn id="5" presetID="1" presetClass="entr" presetSubtype="0" fill="hold" nodeType="clickEffect">
+                                  <p:stCondLst>
+                                    <p:cond delay="0"/>
+                                  </p:stCondLst>
+                                  <p:childTnLst>
+                                    <p:set>
+                                      <p:cBhvr>
+                                        <p:cTn id="6" dur="1" fill="hold">
+                                          <p:stCondLst>
+                                            <p:cond delay="0"/>
+                                          </p:stCondLst>
+                                        </p:cTn>
+                                        <p:tgtEl>
+                                          <p:spTgt spid="9"/>
+                                        </p:tgtEl>
+                                        <p:attrNameLst>
+                                          <p:attrName>style.visibility</p:attrName>
+                                        </p:attrNameLst>
+                                      </p:cBhvr>
+                                      <p:to>
+                                        <p:strVal val="visible"/>
+                                      </p:to>
+                                    </p:set>
+                                  </p:childTnLst>
+                                </p:cTn>
+                              </p:par>
+                            </p:childTnLst>
+                          </p:cTn>
+                        </p:par>
+                      </p:childTnLst>
+                    </p:cTn>
+                  </p:par>
+                  <p:par>
+                    <p:cTn id="7" fill="hold">
+                      <p:stCondLst>
+                        <p:cond delay="indefinite"/>
+                      </p:stCondLst>
+                      <p:childTnLst>
+                        <p:par>
+                          <p:cTn id="8" fill="hold">
+                            <p:stCondLst>
+                              <p:cond delay="0"/>
+                            </p:stCondLst>
+                            <p:childTnLst>
+                              <p:par>
+                                <p:cTn id="9" presetID="1" presetClass="entr" presetSubtype="0" fill="hold" grpId="0" nodeType="clickEffect">
+                                  <p:stCondLst>
+                                    <p:cond delay="0"/>
+                                  </p:stCondLst>
+                                  <p:childTnLst>
+                                    <p:set>
+                                      <p:cBhvr>
+                                        <p:cTn id="10" dur="1" fill="hold">
+                                          <p:stCondLst>
+                                            <p:cond delay="0"/>
+                                          </p:stCondLst>
+                                        </p:cTn>
+                                        <p:tgtEl>
+                                          <p:spTgt spid="22"/>
+                                        </p:tgtEl>
+                                        <p:attrNameLst>
+                                          <p:attrName>style.visibility</p:attrName>
+                                        </p:attrNameLst>
+                                      </p:cBhvr>
+                                      <p:to>
+                                        <p:strVal val="visible"/>
+                                      </p:to>
+                                    </p:set>
+                                  </p:childTnLst>
+                                </p:cTn>
+                              </p:par>
+                              <p:par>
+                                <p:cTn id="11" presetID="1" presetClass="entr" presetSubtype="0" fill="hold" nodeType="withEffect">
+                                  <p:stCondLst>
+                                    <p:cond delay="0"/>
+                                  </p:stCondLst>
+                                  <p:childTnLst>
+                                    <p:set>
+                                      <p:cBhvr>
+                                        <p:cTn id="12" dur="1" fill="hold">
+                                          <p:stCondLst>
+                                            <p:cond delay="0"/>
+                                          </p:stCondLst>
+                                        </p:cTn>
+                                        <p:tgtEl>
+                                          <p:spTgt spid="5"/>
+                                        </p:tgtEl>
+                                        <p:attrNameLst>
+                                          <p:attrName>style.visibility</p:attrName>
+                                        </p:attrNameLst>
+                                      </p:cBhvr>
+                                      <p:to>
+                                        <p:strVal val="visible"/>
+                                      </p:to>
+                                    </p:set>
+                                  </p:childTnLst>
+                                </p:cTn>
+                              </p:par>
+                              <p:par>
+                                <p:cTn id="13" presetID="1" presetClass="entr" presetSubtype="0" fill="hold" nodeType="withEffect">
+                                  <p:stCondLst>
+                                    <p:cond delay="0"/>
+                                  </p:stCondLst>
+                                  <p:childTnLst>
+                                    <p:set>
+                                      <p:cBhvr>
+                                        <p:cTn id="14" dur="1" fill="hold">
+                                          <p:stCondLst>
+                                            <p:cond delay="0"/>
+                                          </p:stCondLst>
+                                        </p:cTn>
+                                        <p:tgtEl>
+                                          <p:spTgt spid="6"/>
+                                        </p:tgtEl>
+                                        <p:attrNameLst>
+                                          <p:attrName>style.visibility</p:attrName>
+                                        </p:attrNameLst>
+                                      </p:cBhvr>
+                                      <p:to>
+                                        <p:strVal val="visible"/>
+                                      </p:to>
+                                    </p:set>
+                                  </p:childTnLst>
+                                </p:cTn>
+                              </p:par>
+                              <p:par>
+                                <p:cTn id="15" presetID="1" presetClass="entr" presetSubtype="0" fill="hold" nodeType="withEffect">
+                                  <p:stCondLst>
+                                    <p:cond delay="0"/>
+                                  </p:stCondLst>
+                                  <p:childTnLst>
+                                    <p:set>
+                                      <p:cBhvr>
+                                        <p:cTn id="16" dur="1" fill="hold">
+                                          <p:stCondLst>
+                                            <p:cond delay="0"/>
+                                          </p:stCondLst>
+                                        </p:cTn>
+                                        <p:tgtEl>
+                                          <p:spTgt spid="7"/>
+                                        </p:tgtEl>
+                                        <p:attrNameLst>
+                                          <p:attrName>style.visibility</p:attrName>
+                                        </p:attrNameLst>
+                                      </p:cBhvr>
+                                      <p:to>
+                                        <p:strVal val="visible"/>
+                                      </p:to>
+                                    </p:set>
+                                  </p:childTnLst>
+                                </p:cTn>
+                              </p:par>
+                            </p:childTnLst>
+                          </p:cTn>
+                        </p:par>
+                      </p:childTnLst>
+                    </p:cTn>
+                  </p:par>
+                </p:childTnLst>
+              </p:cTn>
+              <p:prevCondLst>
+                <p:cond evt="onPrev" delay="0">
+                  <p:tgtEl>
+                    <p:sldTgt/>
+                  </p:tgtEl>
+                </p:cond>
+              </p:prevCondLst>
+              <p:nextCondLst>
+                <p:cond evt="onNext" delay="0">
+                  <p:tgtEl>
+                    <p:sldTgt/>
+                  </p:tgtEl>
+                </p:cond>
+              </p:nextCondLst>
+            </p:seq>
+          </p:childTnLst>
+        </p:cTn>
+      </p:par>
+    </p:tnLst>
+    <p:bldLst>
+      <p:bldP spid="22" grpId="0" animBg="1"/>
+    </p:bldLst>
+  </p:timing>
+</p:sld>
+</file>
+
+<file path=ppt/slides/slide14.xml><?xml version="1.0" encoding="utf-8"?>
+<p:sld xmlns:a="http://schemas.openxmlformats.org/drawingml/2006/main" xmlns:r="http://schemas.openxmlformats.org/officeDocument/2006/relationships" xmlns:p="http://schemas.openxmlformats.org/presentationml/2006/main">
+  <p:cSld>
+    <p:spTree>
+      <p:nvGrpSpPr>
+        <p:cNvPr id="1" name=""/>
+        <p:cNvGrpSpPr/>
+        <p:nvPr/>
+      </p:nvGrpSpPr>
+      <p:grpSpPr>
+        <a:xfrm>
+          <a:off x="0" y="0"/>
+          <a:ext cx="0" cy="0"/>
+          <a:chOff x="0" y="0"/>
+          <a:chExt cx="0" cy="0"/>
+        </a:xfrm>
+      </p:grpSpPr>
+      <p:sp>
+        <p:nvSpPr>
+          <p:cNvPr id="8" name="Título 1">
+            <a:extLst>
+              <a:ext uri="{FF2B5EF4-FFF2-40B4-BE49-F238E27FC236}">
+                <a16:creationId xmlns:a16="http://schemas.microsoft.com/office/drawing/2014/main" id="{956DA916-E897-09FC-AEB7-0FBA49B823EC}"/>
+              </a:ext>
+            </a:extLst>
+          </p:cNvPr>
+          <p:cNvSpPr txBox="1">
+            <a:spLocks/>
+          </p:cNvSpPr>
+          <p:nvPr/>
+        </p:nvSpPr>
+        <p:spPr>
+          <a:xfrm>
+            <a:off x="609600" y="216364"/>
+            <a:ext cx="7711388" cy="621836"/>
+          </a:xfrm>
+          <a:prstGeom prst="rect">
+            <a:avLst/>
+          </a:prstGeom>
+        </p:spPr>
+        <p:txBody>
+          <a:bodyPr vert="horz" lIns="198132" tIns="99066" rIns="198132" bIns="99066" rtlCol="0" anchor="t">
+            <a:normAutofit/>
+          </a:bodyPr>
+          <a:lstStyle>
+            <a:lvl1pPr algn="l" defTabSz="509596" rtl="0" eaLnBrk="1" latinLnBrk="0" hangingPunct="1">
+              <a:spcBef>
+                <a:spcPct val="0"/>
+              </a:spcBef>
+              <a:buNone/>
+              <a:defRPr sz="2778" b="1" kern="1200">
+                <a:solidFill>
+                  <a:schemeClr val="bg1"/>
+                </a:solidFill>
+                <a:latin typeface="Bree"/>
+                <a:ea typeface="+mj-ea"/>
+                <a:cs typeface="Bree"/>
+              </a:defRPr>
+            </a:lvl1pPr>
+          </a:lstStyle>
+          <a:p>
+            <a:r>
+              <a:rPr lang="es-ES" dirty="0"/>
+              <a:t>INDICADORES - TI</a:t>
+            </a:r>
+          </a:p>
+        </p:txBody>
+      </p:sp>
+      <p:sp>
+        <p:nvSpPr>
+          <p:cNvPr id="22" name="Abrir llave 21">
+            <a:extLst>
+              <a:ext uri="{FF2B5EF4-FFF2-40B4-BE49-F238E27FC236}">
+                <a16:creationId xmlns:a16="http://schemas.microsoft.com/office/drawing/2014/main" id="{C41F5FAD-9A81-F599-6ECE-4810047F8851}"/>
+              </a:ext>
+            </a:extLst>
+          </p:cNvPr>
+          <p:cNvSpPr/>
+          <p:nvPr/>
+        </p:nvSpPr>
+        <p:spPr>
+          <a:xfrm>
+            <a:off x="6019800" y="4191000"/>
+            <a:ext cx="383270" cy="2362200"/>
+          </a:xfrm>
+          <a:prstGeom prst="leftBrace">
+            <a:avLst/>
+          </a:prstGeom>
+        </p:spPr>
+        <p:style>
+          <a:lnRef idx="2">
+            <a:schemeClr val="accent1"/>
+          </a:lnRef>
+          <a:fillRef idx="0">
+            <a:schemeClr val="accent1"/>
+          </a:fillRef>
+          <a:effectRef idx="1">
+            <a:schemeClr val="accent1"/>
+          </a:effectRef>
+          <a:fontRef idx="minor">
+            <a:schemeClr val="tx1"/>
+          </a:fontRef>
+        </p:style>
+        <p:txBody>
+          <a:bodyPr rtlCol="0" anchor="ctr"/>
+          <a:lstStyle/>
+          <a:p>
+            <a:pPr algn="ctr"/>
+            <a:endParaRPr lang="es-PE"/>
+          </a:p>
+        </p:txBody>
+      </p:sp>
+      <p:pic>
+        <p:nvPicPr>
+          <p:cNvPr id="5" name="Imagen 4">
+            <a:extLst>
+              <a:ext uri="{FF2B5EF4-FFF2-40B4-BE49-F238E27FC236}">
+                <a16:creationId xmlns:a16="http://schemas.microsoft.com/office/drawing/2014/main" id="{FAE4D27A-405E-0360-659F-0D4DDB387433}"/>
+              </a:ext>
+            </a:extLst>
+          </p:cNvPr>
+          <p:cNvPicPr>
+            <a:picLocks noChangeAspect="1"/>
+          </p:cNvPicPr>
+          <p:nvPr/>
+        </p:nvPicPr>
+        <p:blipFill>
+          <a:blip r:embed="rId3"/>
+          <a:stretch>
+            <a:fillRect/>
+          </a:stretch>
+        </p:blipFill>
+        <p:spPr>
+          <a:xfrm>
+            <a:off x="6794048" y="4457160"/>
+            <a:ext cx="2080260" cy="929640"/>
+          </a:xfrm>
+          <a:prstGeom prst="rect">
+            <a:avLst/>
+          </a:prstGeom>
+        </p:spPr>
+      </p:pic>
+      <p:pic>
+        <p:nvPicPr>
+          <p:cNvPr id="6" name="Imagen 5">
+            <a:extLst>
+              <a:ext uri="{FF2B5EF4-FFF2-40B4-BE49-F238E27FC236}">
+                <a16:creationId xmlns:a16="http://schemas.microsoft.com/office/drawing/2014/main" id="{346B08E5-FB18-E4C2-53EE-E23070A92677}"/>
+              </a:ext>
+            </a:extLst>
+          </p:cNvPr>
+          <p:cNvPicPr>
+            <a:picLocks noChangeAspect="1"/>
+          </p:cNvPicPr>
+          <p:nvPr/>
+        </p:nvPicPr>
+        <p:blipFill>
+          <a:blip r:embed="rId4"/>
+          <a:stretch>
+            <a:fillRect/>
+          </a:stretch>
+        </p:blipFill>
+        <p:spPr>
+          <a:xfrm>
+            <a:off x="9525000" y="4472297"/>
+            <a:ext cx="1531620" cy="563880"/>
+          </a:xfrm>
+          <a:prstGeom prst="rect">
+            <a:avLst/>
+          </a:prstGeom>
+        </p:spPr>
+      </p:pic>
+      <p:pic>
+        <p:nvPicPr>
+          <p:cNvPr id="7" name="Imagen 6">
+            <a:extLst>
+              <a:ext uri="{FF2B5EF4-FFF2-40B4-BE49-F238E27FC236}">
+                <a16:creationId xmlns:a16="http://schemas.microsoft.com/office/drawing/2014/main" id="{EAF40000-4CC6-2E9B-BB9D-D737B54D93DB}"/>
+              </a:ext>
+            </a:extLst>
+          </p:cNvPr>
+          <p:cNvPicPr>
+            <a:picLocks noChangeAspect="1"/>
+          </p:cNvPicPr>
+          <p:nvPr/>
+        </p:nvPicPr>
+        <p:blipFill>
+          <a:blip r:embed="rId5"/>
+          <a:stretch>
+            <a:fillRect/>
+          </a:stretch>
+        </p:blipFill>
+        <p:spPr>
+          <a:xfrm>
+            <a:off x="6794048" y="5488985"/>
+            <a:ext cx="3817620" cy="563880"/>
+          </a:xfrm>
+          <a:prstGeom prst="rect">
+            <a:avLst/>
+          </a:prstGeom>
+        </p:spPr>
+      </p:pic>
+      <p:pic>
+        <p:nvPicPr>
+          <p:cNvPr id="9" name="Imagen 8">
+            <a:extLst>
+              <a:ext uri="{FF2B5EF4-FFF2-40B4-BE49-F238E27FC236}">
+                <a16:creationId xmlns:a16="http://schemas.microsoft.com/office/drawing/2014/main" id="{765456ED-5B54-6CB2-E46E-2A57BAED095E}"/>
+              </a:ext>
+            </a:extLst>
+          </p:cNvPr>
+          <p:cNvPicPr>
+            <a:picLocks noChangeAspect="1"/>
+          </p:cNvPicPr>
+          <p:nvPr/>
+        </p:nvPicPr>
+        <p:blipFill>
+          <a:blip r:embed="rId6"/>
+          <a:stretch>
+            <a:fillRect/>
+          </a:stretch>
+        </p:blipFill>
+        <p:spPr>
+          <a:xfrm>
+            <a:off x="53975" y="3964596"/>
+            <a:ext cx="5734957" cy="2880000"/>
+          </a:xfrm>
+          <a:prstGeom prst="rect">
+            <a:avLst/>
+          </a:prstGeom>
+        </p:spPr>
+      </p:pic>
+      <p:pic>
+        <p:nvPicPr>
+          <p:cNvPr id="10" name="Imagen 9">
+            <a:extLst>
+              <a:ext uri="{FF2B5EF4-FFF2-40B4-BE49-F238E27FC236}">
+                <a16:creationId xmlns:a16="http://schemas.microsoft.com/office/drawing/2014/main" id="{5A9156CB-0716-8B25-15BA-40231C0CE8C1}"/>
+              </a:ext>
+            </a:extLst>
+          </p:cNvPr>
+          <p:cNvPicPr>
+            <a:picLocks noChangeAspect="1"/>
+          </p:cNvPicPr>
+          <p:nvPr/>
+        </p:nvPicPr>
+        <p:blipFill>
+          <a:blip r:embed="rId7"/>
+          <a:stretch>
+            <a:fillRect/>
+          </a:stretch>
+        </p:blipFill>
+        <p:spPr>
+          <a:xfrm>
+            <a:off x="53974" y="1115050"/>
+            <a:ext cx="5734957" cy="2880000"/>
+          </a:xfrm>
+          <a:prstGeom prst="rect">
+            <a:avLst/>
+          </a:prstGeom>
+        </p:spPr>
+      </p:pic>
+      <p:pic>
+        <p:nvPicPr>
+          <p:cNvPr id="11" name="Imagen 10">
+            <a:extLst>
+              <a:ext uri="{FF2B5EF4-FFF2-40B4-BE49-F238E27FC236}">
+                <a16:creationId xmlns:a16="http://schemas.microsoft.com/office/drawing/2014/main" id="{168BC476-F224-2AE8-27E8-632740483449}"/>
+              </a:ext>
+            </a:extLst>
+          </p:cNvPr>
+          <p:cNvPicPr>
+            <a:picLocks noChangeAspect="1"/>
+          </p:cNvPicPr>
+          <p:nvPr/>
+        </p:nvPicPr>
+        <p:blipFill>
+          <a:blip r:embed="rId8"/>
+          <a:stretch>
+            <a:fillRect/>
+          </a:stretch>
+        </p:blipFill>
+        <p:spPr>
+          <a:xfrm>
+            <a:off x="5911073" y="1109996"/>
+            <a:ext cx="5734957" cy="2880000"/>
+          </a:xfrm>
+          <a:prstGeom prst="rect">
+            <a:avLst/>
+          </a:prstGeom>
+        </p:spPr>
+      </p:pic>
+    </p:spTree>
+    <p:extLst>
+      <p:ext uri="{BB962C8B-B14F-4D97-AF65-F5344CB8AC3E}">
+        <p14:creationId xmlns:p14="http://schemas.microsoft.com/office/powerpoint/2010/main" val="902640421"/>
+      </p:ext>
+    </p:extLst>
+  </p:cSld>
+  <p:clrMapOvr>
+    <a:masterClrMapping/>
+  </p:clrMapOvr>
+  <p:timing>
+    <p:tnLst>
+      <p:par>
+        <p:cTn id="1" dur="indefinite" restart="never" nodeType="tmRoot">
+          <p:childTnLst>
+            <p:seq concurrent="1" nextAc="seek">
+              <p:cTn id="2" dur="indefinite" nodeType="mainSeq">
+                <p:childTnLst>
+                  <p:par>
+                    <p:cTn id="3" fill="hold">
+                      <p:stCondLst>
+                        <p:cond delay="indefinite"/>
+                      </p:stCondLst>
+                      <p:childTnLst>
+                        <p:par>
+                          <p:cTn id="4" fill="hold">
+                            <p:stCondLst>
+                              <p:cond delay="0"/>
+                            </p:stCondLst>
+                            <p:childTnLst>
+                              <p:par>
+                                <p:cTn id="5" presetID="1" presetClass="entr" presetSubtype="0" fill="hold" nodeType="clickEffect">
+                                  <p:stCondLst>
+                                    <p:cond delay="0"/>
+                                  </p:stCondLst>
+                                  <p:childTnLst>
+                                    <p:set>
+                                      <p:cBhvr>
+                                        <p:cTn id="6" dur="1" fill="hold">
+                                          <p:stCondLst>
+                                            <p:cond delay="0"/>
+                                          </p:stCondLst>
+                                        </p:cTn>
+                                        <p:tgtEl>
+                                          <p:spTgt spid="9"/>
+                                        </p:tgtEl>
+                                        <p:attrNameLst>
+                                          <p:attrName>style.visibility</p:attrName>
+                                        </p:attrNameLst>
+                                      </p:cBhvr>
+                                      <p:to>
+                                        <p:strVal val="visible"/>
+                                      </p:to>
+                                    </p:set>
+                                  </p:childTnLst>
+                                </p:cTn>
+                              </p:par>
+                            </p:childTnLst>
+                          </p:cTn>
+                        </p:par>
+                      </p:childTnLst>
+                    </p:cTn>
+                  </p:par>
+                  <p:par>
+                    <p:cTn id="7" fill="hold">
+                      <p:stCondLst>
+                        <p:cond delay="indefinite"/>
+                      </p:stCondLst>
+                      <p:childTnLst>
+                        <p:par>
+                          <p:cTn id="8" fill="hold">
+                            <p:stCondLst>
+                              <p:cond delay="0"/>
+                            </p:stCondLst>
+                            <p:childTnLst>
+                              <p:par>
+                                <p:cTn id="9" presetID="1" presetClass="entr" presetSubtype="0" fill="hold" grpId="0" nodeType="clickEffect">
+                                  <p:stCondLst>
+                                    <p:cond delay="0"/>
+                                  </p:stCondLst>
+                                  <p:childTnLst>
+                                    <p:set>
+                                      <p:cBhvr>
+                                        <p:cTn id="10" dur="1" fill="hold">
+                                          <p:stCondLst>
+                                            <p:cond delay="0"/>
+                                          </p:stCondLst>
+                                        </p:cTn>
+                                        <p:tgtEl>
+                                          <p:spTgt spid="22"/>
+                                        </p:tgtEl>
+                                        <p:attrNameLst>
+                                          <p:attrName>style.visibility</p:attrName>
+                                        </p:attrNameLst>
+                                      </p:cBhvr>
+                                      <p:to>
+                                        <p:strVal val="visible"/>
+                                      </p:to>
+                                    </p:set>
+                                  </p:childTnLst>
+                                </p:cTn>
+                              </p:par>
+                              <p:par>
+                                <p:cTn id="11" presetID="1" presetClass="entr" presetSubtype="0" fill="hold" nodeType="withEffect">
+                                  <p:stCondLst>
+                                    <p:cond delay="0"/>
+                                  </p:stCondLst>
+                                  <p:childTnLst>
+                                    <p:set>
+                                      <p:cBhvr>
+                                        <p:cTn id="12" dur="1" fill="hold">
+                                          <p:stCondLst>
+                                            <p:cond delay="0"/>
+                                          </p:stCondLst>
+                                        </p:cTn>
+                                        <p:tgtEl>
+                                          <p:spTgt spid="5"/>
+                                        </p:tgtEl>
+                                        <p:attrNameLst>
+                                          <p:attrName>style.visibility</p:attrName>
+                                        </p:attrNameLst>
+                                      </p:cBhvr>
+                                      <p:to>
+                                        <p:strVal val="visible"/>
+                                      </p:to>
+                                    </p:set>
+                                  </p:childTnLst>
+                                </p:cTn>
+                              </p:par>
+                              <p:par>
+                                <p:cTn id="13" presetID="1" presetClass="entr" presetSubtype="0" fill="hold" nodeType="withEffect">
+                                  <p:stCondLst>
+                                    <p:cond delay="0"/>
+                                  </p:stCondLst>
+                                  <p:childTnLst>
+                                    <p:set>
+                                      <p:cBhvr>
+                                        <p:cTn id="14" dur="1" fill="hold">
+                                          <p:stCondLst>
+                                            <p:cond delay="0"/>
+                                          </p:stCondLst>
+                                        </p:cTn>
+                                        <p:tgtEl>
+                                          <p:spTgt spid="6"/>
+                                        </p:tgtEl>
+                                        <p:attrNameLst>
+                                          <p:attrName>style.visibility</p:attrName>
+                                        </p:attrNameLst>
+                                      </p:cBhvr>
+                                      <p:to>
+                                        <p:strVal val="visible"/>
+                                      </p:to>
+                                    </p:set>
+                                  </p:childTnLst>
+                                </p:cTn>
+                              </p:par>
+                              <p:par>
+                                <p:cTn id="15" presetID="1" presetClass="entr" presetSubtype="0" fill="hold" nodeType="withEffect">
+                                  <p:stCondLst>
+                                    <p:cond delay="0"/>
+                                  </p:stCondLst>
+                                  <p:childTnLst>
+                                    <p:set>
+                                      <p:cBhvr>
+                                        <p:cTn id="16" dur="1" fill="hold">
+                                          <p:stCondLst>
+                                            <p:cond delay="0"/>
+                                          </p:stCondLst>
+                                        </p:cTn>
+                                        <p:tgtEl>
+                                          <p:spTgt spid="7"/>
+                                        </p:tgtEl>
+                                        <p:attrNameLst>
+                                          <p:attrName>style.visibility</p:attrName>
+                                        </p:attrNameLst>
+                                      </p:cBhvr>
+                                      <p:to>
+                                        <p:strVal val="visible"/>
+                                      </p:to>
+                                    </p:set>
+                                  </p:childTnLst>
+                                </p:cTn>
+                              </p:par>
+                            </p:childTnLst>
+                          </p:cTn>
+                        </p:par>
+                      </p:childTnLst>
+                    </p:cTn>
+                  </p:par>
+                </p:childTnLst>
+              </p:cTn>
+              <p:prevCondLst>
+                <p:cond evt="onPrev" delay="0">
+                  <p:tgtEl>
+                    <p:sldTgt/>
+                  </p:tgtEl>
+                </p:cond>
+              </p:prevCondLst>
+              <p:nextCondLst>
+                <p:cond evt="onNext" delay="0">
+                  <p:tgtEl>
+                    <p:sldTgt/>
+                  </p:tgtEl>
+                </p:cond>
+              </p:nextCondLst>
+            </p:seq>
+          </p:childTnLst>
+        </p:cTn>
+      </p:par>
+    </p:tnLst>
+    <p:bldLst>
+      <p:bldP spid="22" grpId="0" animBg="1"/>
+    </p:bldLst>
+  </p:timing>
+</p:sld>
+</file>
+
+<file path=ppt/slides/slide15.xml><?xml version="1.0" encoding="utf-8"?>
+<p:sld xmlns:a="http://schemas.openxmlformats.org/drawingml/2006/main" xmlns:r="http://schemas.openxmlformats.org/officeDocument/2006/relationships" xmlns:p="http://schemas.openxmlformats.org/presentationml/2006/main">
+  <p:cSld>
+    <p:spTree>
+      <p:nvGrpSpPr>
+        <p:cNvPr id="1" name=""/>
+        <p:cNvGrpSpPr/>
+        <p:nvPr/>
+      </p:nvGrpSpPr>
+      <p:grpSpPr>
+        <a:xfrm>
+          <a:off x="0" y="0"/>
+          <a:ext cx="0" cy="0"/>
+          <a:chOff x="0" y="0"/>
+          <a:chExt cx="0" cy="0"/>
+        </a:xfrm>
+      </p:grpSpPr>
+      <p:sp>
+        <p:nvSpPr>
+          <p:cNvPr id="8" name="Título 1">
+            <a:extLst>
+              <a:ext uri="{FF2B5EF4-FFF2-40B4-BE49-F238E27FC236}">
+                <a16:creationId xmlns:a16="http://schemas.microsoft.com/office/drawing/2014/main" id="{956DA916-E897-09FC-AEB7-0FBA49B823EC}"/>
+              </a:ext>
+            </a:extLst>
+          </p:cNvPr>
+          <p:cNvSpPr txBox="1">
+            <a:spLocks/>
+          </p:cNvSpPr>
+          <p:nvPr/>
+        </p:nvSpPr>
+        <p:spPr>
+          <a:xfrm>
+            <a:off x="609600" y="216364"/>
+            <a:ext cx="7711388" cy="621836"/>
+          </a:xfrm>
+          <a:prstGeom prst="rect">
+            <a:avLst/>
+          </a:prstGeom>
+        </p:spPr>
+        <p:txBody>
+          <a:bodyPr vert="horz" lIns="198132" tIns="99066" rIns="198132" bIns="99066" rtlCol="0" anchor="t">
+            <a:normAutofit/>
+          </a:bodyPr>
+          <a:lstStyle>
+            <a:lvl1pPr algn="l" defTabSz="509596" rtl="0" eaLnBrk="1" latinLnBrk="0" hangingPunct="1">
+              <a:spcBef>
+                <a:spcPct val="0"/>
+              </a:spcBef>
+              <a:buNone/>
+              <a:defRPr sz="2778" b="1" kern="1200">
+                <a:solidFill>
+                  <a:schemeClr val="bg1"/>
+                </a:solidFill>
+                <a:latin typeface="Bree"/>
+                <a:ea typeface="+mj-ea"/>
+                <a:cs typeface="Bree"/>
+              </a:defRPr>
+            </a:lvl1pPr>
+          </a:lstStyle>
+          <a:p>
+            <a:r>
+              <a:rPr lang="es-ES" dirty="0"/>
+              <a:t>INDICADORES – PLAN ESTRATÉGICO</a:t>
+            </a:r>
+          </a:p>
+        </p:txBody>
+      </p:sp>
+      <p:sp>
+        <p:nvSpPr>
+          <p:cNvPr id="22" name="Abrir llave 21">
+            <a:extLst>
+              <a:ext uri="{FF2B5EF4-FFF2-40B4-BE49-F238E27FC236}">
+                <a16:creationId xmlns:a16="http://schemas.microsoft.com/office/drawing/2014/main" id="{C41F5FAD-9A81-F599-6ECE-4810047F8851}"/>
+              </a:ext>
+            </a:extLst>
+          </p:cNvPr>
+          <p:cNvSpPr/>
+          <p:nvPr/>
+        </p:nvSpPr>
+        <p:spPr>
+          <a:xfrm>
+            <a:off x="6019800" y="4191000"/>
+            <a:ext cx="383270" cy="2362200"/>
+          </a:xfrm>
+          <a:prstGeom prst="leftBrace">
+            <a:avLst/>
+          </a:prstGeom>
+        </p:spPr>
+        <p:style>
+          <a:lnRef idx="2">
+            <a:schemeClr val="accent1"/>
+          </a:lnRef>
+          <a:fillRef idx="0">
+            <a:schemeClr val="accent1"/>
+          </a:fillRef>
+          <a:effectRef idx="1">
+            <a:schemeClr val="accent1"/>
+          </a:effectRef>
+          <a:fontRef idx="minor">
+            <a:schemeClr val="tx1"/>
+          </a:fontRef>
+        </p:style>
+        <p:txBody>
+          <a:bodyPr rtlCol="0" anchor="ctr"/>
+          <a:lstStyle/>
+          <a:p>
+            <a:pPr algn="ctr"/>
+            <a:endParaRPr lang="es-PE"/>
+          </a:p>
+        </p:txBody>
+      </p:sp>
+      <p:pic>
+        <p:nvPicPr>
+          <p:cNvPr id="5" name="Imagen 4">
+            <a:extLst>
+              <a:ext uri="{FF2B5EF4-FFF2-40B4-BE49-F238E27FC236}">
+                <a16:creationId xmlns:a16="http://schemas.microsoft.com/office/drawing/2014/main" id="{FAE4D27A-405E-0360-659F-0D4DDB387433}"/>
+              </a:ext>
+            </a:extLst>
+          </p:cNvPr>
+          <p:cNvPicPr>
+            <a:picLocks noChangeAspect="1"/>
+          </p:cNvPicPr>
+          <p:nvPr/>
+        </p:nvPicPr>
+        <p:blipFill>
+          <a:blip r:embed="rId3"/>
+          <a:stretch>
+            <a:fillRect/>
+          </a:stretch>
+        </p:blipFill>
+        <p:spPr>
+          <a:xfrm>
+            <a:off x="6794048" y="4457160"/>
+            <a:ext cx="2080260" cy="929640"/>
+          </a:xfrm>
+          <a:prstGeom prst="rect">
+            <a:avLst/>
+          </a:prstGeom>
+        </p:spPr>
+      </p:pic>
+      <p:pic>
+        <p:nvPicPr>
+          <p:cNvPr id="6" name="Imagen 5">
+            <a:extLst>
+              <a:ext uri="{FF2B5EF4-FFF2-40B4-BE49-F238E27FC236}">
+                <a16:creationId xmlns:a16="http://schemas.microsoft.com/office/drawing/2014/main" id="{346B08E5-FB18-E4C2-53EE-E23070A92677}"/>
+              </a:ext>
+            </a:extLst>
+          </p:cNvPr>
+          <p:cNvPicPr>
+            <a:picLocks noChangeAspect="1"/>
+          </p:cNvPicPr>
+          <p:nvPr/>
+        </p:nvPicPr>
+        <p:blipFill>
+          <a:blip r:embed="rId4"/>
+          <a:stretch>
+            <a:fillRect/>
+          </a:stretch>
+        </p:blipFill>
+        <p:spPr>
+          <a:xfrm>
+            <a:off x="9525000" y="4472297"/>
+            <a:ext cx="1531620" cy="563880"/>
+          </a:xfrm>
+          <a:prstGeom prst="rect">
+            <a:avLst/>
+          </a:prstGeom>
+        </p:spPr>
+      </p:pic>
+      <p:pic>
+        <p:nvPicPr>
+          <p:cNvPr id="7" name="Imagen 6">
+            <a:extLst>
+              <a:ext uri="{FF2B5EF4-FFF2-40B4-BE49-F238E27FC236}">
+                <a16:creationId xmlns:a16="http://schemas.microsoft.com/office/drawing/2014/main" id="{EAF40000-4CC6-2E9B-BB9D-D737B54D93DB}"/>
+              </a:ext>
+            </a:extLst>
+          </p:cNvPr>
+          <p:cNvPicPr>
+            <a:picLocks noChangeAspect="1"/>
+          </p:cNvPicPr>
+          <p:nvPr/>
+        </p:nvPicPr>
+        <p:blipFill>
+          <a:blip r:embed="rId5"/>
+          <a:stretch>
+            <a:fillRect/>
+          </a:stretch>
+        </p:blipFill>
+        <p:spPr>
+          <a:xfrm>
+            <a:off x="6794048" y="5488985"/>
+            <a:ext cx="3817620" cy="563880"/>
+          </a:xfrm>
+          <a:prstGeom prst="rect">
+            <a:avLst/>
+          </a:prstGeom>
+        </p:spPr>
+      </p:pic>
+      <p:pic>
+        <p:nvPicPr>
+          <p:cNvPr id="9" name="Imagen 8">
+            <a:extLst>
+              <a:ext uri="{FF2B5EF4-FFF2-40B4-BE49-F238E27FC236}">
+                <a16:creationId xmlns:a16="http://schemas.microsoft.com/office/drawing/2014/main" id="{765456ED-5B54-6CB2-E46E-2A57BAED095E}"/>
+              </a:ext>
+            </a:extLst>
+          </p:cNvPr>
+          <p:cNvPicPr>
+            <a:picLocks noChangeAspect="1"/>
+          </p:cNvPicPr>
+          <p:nvPr/>
+        </p:nvPicPr>
+        <p:blipFill>
+          <a:blip r:embed="rId6"/>
+          <a:stretch>
+            <a:fillRect/>
+          </a:stretch>
+        </p:blipFill>
+        <p:spPr>
+          <a:xfrm>
+            <a:off x="53975" y="3964596"/>
+            <a:ext cx="5734957" cy="2880000"/>
+          </a:xfrm>
+          <a:prstGeom prst="rect">
+            <a:avLst/>
+          </a:prstGeom>
+        </p:spPr>
+      </p:pic>
+      <p:pic>
+        <p:nvPicPr>
+          <p:cNvPr id="3" name="Imagen 2">
+            <a:extLst>
+              <a:ext uri="{FF2B5EF4-FFF2-40B4-BE49-F238E27FC236}">
+                <a16:creationId xmlns:a16="http://schemas.microsoft.com/office/drawing/2014/main" id="{E1B867E9-A7F6-B7E5-7676-745C2E68C7B2}"/>
+              </a:ext>
+            </a:extLst>
+          </p:cNvPr>
+          <p:cNvPicPr>
+            <a:picLocks noChangeAspect="1"/>
+          </p:cNvPicPr>
+          <p:nvPr/>
+        </p:nvPicPr>
+        <p:blipFill>
+          <a:blip r:embed="rId7"/>
+          <a:stretch>
+            <a:fillRect/>
+          </a:stretch>
+        </p:blipFill>
+        <p:spPr>
+          <a:xfrm>
+            <a:off x="53974" y="1118463"/>
+            <a:ext cx="5734957" cy="2880000"/>
+          </a:xfrm>
+          <a:prstGeom prst="rect">
+            <a:avLst/>
+          </a:prstGeom>
+        </p:spPr>
+      </p:pic>
+      <p:pic>
+        <p:nvPicPr>
+          <p:cNvPr id="10" name="Imagen 9">
+            <a:extLst>
+              <a:ext uri="{FF2B5EF4-FFF2-40B4-BE49-F238E27FC236}">
+                <a16:creationId xmlns:a16="http://schemas.microsoft.com/office/drawing/2014/main" id="{BF7A93EF-81A0-39C6-DBDB-AF67DFDEF730}"/>
+              </a:ext>
+            </a:extLst>
+          </p:cNvPr>
+          <p:cNvPicPr>
+            <a:picLocks noChangeAspect="1"/>
+          </p:cNvPicPr>
+          <p:nvPr/>
+        </p:nvPicPr>
+        <p:blipFill>
+          <a:blip r:embed="rId8"/>
+          <a:stretch>
+            <a:fillRect/>
+          </a:stretch>
+        </p:blipFill>
+        <p:spPr>
+          <a:xfrm>
+            <a:off x="5911073" y="1100960"/>
+            <a:ext cx="5734957" cy="2880000"/>
+          </a:xfrm>
+          <a:prstGeom prst="rect">
+            <a:avLst/>
+          </a:prstGeom>
+        </p:spPr>
+      </p:pic>
+    </p:spTree>
+    <p:extLst>
+      <p:ext uri="{BB962C8B-B14F-4D97-AF65-F5344CB8AC3E}">
+        <p14:creationId xmlns:p14="http://schemas.microsoft.com/office/powerpoint/2010/main" val="1298081654"/>
+      </p:ext>
+    </p:extLst>
+  </p:cSld>
+  <p:clrMapOvr>
+    <a:masterClrMapping/>
+  </p:clrMapOvr>
+  <p:timing>
+    <p:tnLst>
+      <p:par>
+        <p:cTn id="1" dur="indefinite" restart="never" nodeType="tmRoot">
+          <p:childTnLst>
+            <p:seq concurrent="1" nextAc="seek">
+              <p:cTn id="2" dur="indefinite" nodeType="mainSeq">
+                <p:childTnLst>
+                  <p:par>
+                    <p:cTn id="3" fill="hold">
+                      <p:stCondLst>
+                        <p:cond delay="indefinite"/>
+                      </p:stCondLst>
+                      <p:childTnLst>
+                        <p:par>
+                          <p:cTn id="4" fill="hold">
+                            <p:stCondLst>
+                              <p:cond delay="0"/>
+                            </p:stCondLst>
+                            <p:childTnLst>
+                              <p:par>
+                                <p:cTn id="5" presetID="1" presetClass="entr" presetSubtype="0" fill="hold" nodeType="clickEffect">
+                                  <p:stCondLst>
+                                    <p:cond delay="0"/>
+                                  </p:stCondLst>
+                                  <p:childTnLst>
+                                    <p:set>
+                                      <p:cBhvr>
+                                        <p:cTn id="6" dur="1" fill="hold">
+                                          <p:stCondLst>
+                                            <p:cond delay="0"/>
+                                          </p:stCondLst>
+                                        </p:cTn>
+                                        <p:tgtEl>
+                                          <p:spTgt spid="9"/>
+                                        </p:tgtEl>
+                                        <p:attrNameLst>
+                                          <p:attrName>style.visibility</p:attrName>
+                                        </p:attrNameLst>
+                                      </p:cBhvr>
+                                      <p:to>
+                                        <p:strVal val="visible"/>
+                                      </p:to>
+                                    </p:set>
+                                  </p:childTnLst>
+                                </p:cTn>
+                              </p:par>
+                            </p:childTnLst>
+                          </p:cTn>
+                        </p:par>
+                      </p:childTnLst>
+                    </p:cTn>
+                  </p:par>
+                  <p:par>
+                    <p:cTn id="7" fill="hold">
+                      <p:stCondLst>
+                        <p:cond delay="indefinite"/>
+                      </p:stCondLst>
+                      <p:childTnLst>
+                        <p:par>
+                          <p:cTn id="8" fill="hold">
+                            <p:stCondLst>
+                              <p:cond delay="0"/>
+                            </p:stCondLst>
+                            <p:childTnLst>
+                              <p:par>
+                                <p:cTn id="9" presetID="1" presetClass="entr" presetSubtype="0" fill="hold" grpId="0" nodeType="clickEffect">
+                                  <p:stCondLst>
+                                    <p:cond delay="0"/>
+                                  </p:stCondLst>
+                                  <p:childTnLst>
+                                    <p:set>
+                                      <p:cBhvr>
+                                        <p:cTn id="10" dur="1" fill="hold">
+                                          <p:stCondLst>
+                                            <p:cond delay="0"/>
+                                          </p:stCondLst>
+                                        </p:cTn>
+                                        <p:tgtEl>
+                                          <p:spTgt spid="22"/>
+                                        </p:tgtEl>
+                                        <p:attrNameLst>
+                                          <p:attrName>style.visibility</p:attrName>
+                                        </p:attrNameLst>
+                                      </p:cBhvr>
+                                      <p:to>
+                                        <p:strVal val="visible"/>
+                                      </p:to>
+                                    </p:set>
+                                  </p:childTnLst>
+                                </p:cTn>
+                              </p:par>
+                              <p:par>
+                                <p:cTn id="11" presetID="1" presetClass="entr" presetSubtype="0" fill="hold" nodeType="withEffect">
+                                  <p:stCondLst>
+                                    <p:cond delay="0"/>
+                                  </p:stCondLst>
+                                  <p:childTnLst>
+                                    <p:set>
+                                      <p:cBhvr>
+                                        <p:cTn id="12" dur="1" fill="hold">
+                                          <p:stCondLst>
+                                            <p:cond delay="0"/>
+                                          </p:stCondLst>
+                                        </p:cTn>
+                                        <p:tgtEl>
+                                          <p:spTgt spid="5"/>
+                                        </p:tgtEl>
+                                        <p:attrNameLst>
+                                          <p:attrName>style.visibility</p:attrName>
+                                        </p:attrNameLst>
+                                      </p:cBhvr>
+                                      <p:to>
+                                        <p:strVal val="visible"/>
+                                      </p:to>
+                                    </p:set>
+                                  </p:childTnLst>
+                                </p:cTn>
+                              </p:par>
+                              <p:par>
+                                <p:cTn id="13" presetID="1" presetClass="entr" presetSubtype="0" fill="hold" nodeType="withEffect">
+                                  <p:stCondLst>
+                                    <p:cond delay="0"/>
+                                  </p:stCondLst>
+                                  <p:childTnLst>
+                                    <p:set>
+                                      <p:cBhvr>
+                                        <p:cTn id="14" dur="1" fill="hold">
+                                          <p:stCondLst>
+                                            <p:cond delay="0"/>
+                                          </p:stCondLst>
+                                        </p:cTn>
+                                        <p:tgtEl>
+                                          <p:spTgt spid="6"/>
+                                        </p:tgtEl>
+                                        <p:attrNameLst>
+                                          <p:attrName>style.visibility</p:attrName>
+                                        </p:attrNameLst>
+                                      </p:cBhvr>
+                                      <p:to>
+                                        <p:strVal val="visible"/>
+                                      </p:to>
+                                    </p:set>
+                                  </p:childTnLst>
+                                </p:cTn>
+                              </p:par>
+                              <p:par>
+                                <p:cTn id="15" presetID="1" presetClass="entr" presetSubtype="0" fill="hold" nodeType="withEffect">
+                                  <p:stCondLst>
+                                    <p:cond delay="0"/>
+                                  </p:stCondLst>
+                                  <p:childTnLst>
+                                    <p:set>
+                                      <p:cBhvr>
+                                        <p:cTn id="16" dur="1" fill="hold">
+                                          <p:stCondLst>
+                                            <p:cond delay="0"/>
+                                          </p:stCondLst>
+                                        </p:cTn>
+                                        <p:tgtEl>
+                                          <p:spTgt spid="7"/>
+                                        </p:tgtEl>
+                                        <p:attrNameLst>
+                                          <p:attrName>style.visibility</p:attrName>
+                                        </p:attrNameLst>
+                                      </p:cBhvr>
+                                      <p:to>
+                                        <p:strVal val="visible"/>
+                                      </p:to>
+                                    </p:set>
+                                  </p:childTnLst>
+                                </p:cTn>
+                              </p:par>
+                            </p:childTnLst>
+                          </p:cTn>
+                        </p:par>
+                      </p:childTnLst>
+                    </p:cTn>
+                  </p:par>
+                </p:childTnLst>
+              </p:cTn>
+              <p:prevCondLst>
+                <p:cond evt="onPrev" delay="0">
+                  <p:tgtEl>
+                    <p:sldTgt/>
+                  </p:tgtEl>
+                </p:cond>
+              </p:prevCondLst>
+              <p:nextCondLst>
+                <p:cond evt="onNext" delay="0">
+                  <p:tgtEl>
+                    <p:sldTgt/>
+                  </p:tgtEl>
+                </p:cond>
+              </p:nextCondLst>
+            </p:seq>
+          </p:childTnLst>
+        </p:cTn>
+      </p:par>
+    </p:tnLst>
+    <p:bldLst>
+      <p:bldP spid="22" grpId="0" animBg="1"/>
+    </p:bldLst>
+  </p:timing>
+</p:sld>
+</file>
+
+<file path=ppt/slides/slide16.xml><?xml version="1.0" encoding="utf-8"?>
+<p:sld xmlns:a="http://schemas.openxmlformats.org/drawingml/2006/main" xmlns:r="http://schemas.openxmlformats.org/officeDocument/2006/relationships" xmlns:p="http://schemas.openxmlformats.org/presentationml/2006/main">
+  <p:cSld>
+    <p:spTree>
+      <p:nvGrpSpPr>
+        <p:cNvPr id="1" name=""/>
+        <p:cNvGrpSpPr/>
+        <p:nvPr/>
+      </p:nvGrpSpPr>
+      <p:grpSpPr>
+        <a:xfrm>
+          <a:off x="0" y="0"/>
+          <a:ext cx="0" cy="0"/>
+          <a:chOff x="0" y="0"/>
+          <a:chExt cx="0" cy="0"/>
+        </a:xfrm>
+      </p:grpSpPr>
+      <p:sp>
+        <p:nvSpPr>
+          <p:cNvPr id="8" name="Título 1">
+            <a:extLst>
+              <a:ext uri="{FF2B5EF4-FFF2-40B4-BE49-F238E27FC236}">
+                <a16:creationId xmlns:a16="http://schemas.microsoft.com/office/drawing/2014/main" id="{956DA916-E897-09FC-AEB7-0FBA49B823EC}"/>
+              </a:ext>
+            </a:extLst>
+          </p:cNvPr>
+          <p:cNvSpPr txBox="1">
+            <a:spLocks/>
+          </p:cNvSpPr>
+          <p:nvPr/>
+        </p:nvSpPr>
+        <p:spPr>
+          <a:xfrm>
+            <a:off x="609600" y="216364"/>
+            <a:ext cx="7711388" cy="621836"/>
+          </a:xfrm>
+          <a:prstGeom prst="rect">
+            <a:avLst/>
+          </a:prstGeom>
+        </p:spPr>
+        <p:txBody>
+          <a:bodyPr vert="horz" lIns="198132" tIns="99066" rIns="198132" bIns="99066" rtlCol="0" anchor="t">
+            <a:normAutofit/>
+          </a:bodyPr>
+          <a:lstStyle>
+            <a:lvl1pPr algn="l" defTabSz="509596" rtl="0" eaLnBrk="1" latinLnBrk="0" hangingPunct="1">
+              <a:spcBef>
+                <a:spcPct val="0"/>
+              </a:spcBef>
+              <a:buNone/>
+              <a:defRPr sz="2778" b="1" kern="1200">
+                <a:solidFill>
+                  <a:schemeClr val="bg1"/>
+                </a:solidFill>
+                <a:latin typeface="Bree"/>
+                <a:ea typeface="+mj-ea"/>
+                <a:cs typeface="Bree"/>
+              </a:defRPr>
+            </a:lvl1pPr>
+          </a:lstStyle>
+          <a:p>
+            <a:r>
+              <a:rPr lang="es-ES" dirty="0"/>
+              <a:t>INDICADORES – EFECTIVA Y FRAUDES</a:t>
+            </a:r>
+          </a:p>
+        </p:txBody>
+      </p:sp>
+      <p:sp>
+        <p:nvSpPr>
+          <p:cNvPr id="22" name="Abrir llave 21">
+            <a:extLst>
+              <a:ext uri="{FF2B5EF4-FFF2-40B4-BE49-F238E27FC236}">
+                <a16:creationId xmlns:a16="http://schemas.microsoft.com/office/drawing/2014/main" id="{C41F5FAD-9A81-F599-6ECE-4810047F8851}"/>
+              </a:ext>
+            </a:extLst>
+          </p:cNvPr>
+          <p:cNvSpPr/>
+          <p:nvPr/>
+        </p:nvSpPr>
+        <p:spPr>
+          <a:xfrm>
+            <a:off x="6019800" y="4191000"/>
+            <a:ext cx="383270" cy="2362200"/>
+          </a:xfrm>
+          <a:prstGeom prst="leftBrace">
+            <a:avLst/>
+          </a:prstGeom>
+        </p:spPr>
+        <p:style>
+          <a:lnRef idx="2">
+            <a:schemeClr val="accent1"/>
+          </a:lnRef>
+          <a:fillRef idx="0">
+            <a:schemeClr val="accent1"/>
+          </a:fillRef>
+          <a:effectRef idx="1">
+            <a:schemeClr val="accent1"/>
+          </a:effectRef>
+          <a:fontRef idx="minor">
+            <a:schemeClr val="tx1"/>
+          </a:fontRef>
+        </p:style>
+        <p:txBody>
+          <a:bodyPr rtlCol="0" anchor="ctr"/>
+          <a:lstStyle/>
+          <a:p>
+            <a:pPr algn="ctr"/>
+            <a:endParaRPr lang="es-PE"/>
+          </a:p>
+        </p:txBody>
+      </p:sp>
+      <p:pic>
+        <p:nvPicPr>
+          <p:cNvPr id="5" name="Imagen 4">
+            <a:extLst>
+              <a:ext uri="{FF2B5EF4-FFF2-40B4-BE49-F238E27FC236}">
+                <a16:creationId xmlns:a16="http://schemas.microsoft.com/office/drawing/2014/main" id="{FAE4D27A-405E-0360-659F-0D4DDB387433}"/>
+              </a:ext>
+            </a:extLst>
+          </p:cNvPr>
+          <p:cNvPicPr>
+            <a:picLocks noChangeAspect="1"/>
+          </p:cNvPicPr>
+          <p:nvPr/>
+        </p:nvPicPr>
+        <p:blipFill>
+          <a:blip r:embed="rId3"/>
+          <a:stretch>
+            <a:fillRect/>
+          </a:stretch>
+        </p:blipFill>
+        <p:spPr>
+          <a:xfrm>
+            <a:off x="6794048" y="4457160"/>
+            <a:ext cx="2080260" cy="929640"/>
+          </a:xfrm>
+          <a:prstGeom prst="rect">
+            <a:avLst/>
+          </a:prstGeom>
+        </p:spPr>
+      </p:pic>
+      <p:pic>
+        <p:nvPicPr>
+          <p:cNvPr id="6" name="Imagen 5">
+            <a:extLst>
+              <a:ext uri="{FF2B5EF4-FFF2-40B4-BE49-F238E27FC236}">
+                <a16:creationId xmlns:a16="http://schemas.microsoft.com/office/drawing/2014/main" id="{346B08E5-FB18-E4C2-53EE-E23070A92677}"/>
+              </a:ext>
+            </a:extLst>
+          </p:cNvPr>
+          <p:cNvPicPr>
+            <a:picLocks noChangeAspect="1"/>
+          </p:cNvPicPr>
+          <p:nvPr/>
+        </p:nvPicPr>
+        <p:blipFill>
+          <a:blip r:embed="rId4"/>
+          <a:stretch>
+            <a:fillRect/>
+          </a:stretch>
+        </p:blipFill>
+        <p:spPr>
+          <a:xfrm>
+            <a:off x="9525000" y="4472297"/>
+            <a:ext cx="1531620" cy="563880"/>
+          </a:xfrm>
+          <a:prstGeom prst="rect">
+            <a:avLst/>
+          </a:prstGeom>
+        </p:spPr>
+      </p:pic>
+      <p:pic>
+        <p:nvPicPr>
+          <p:cNvPr id="7" name="Imagen 6">
+            <a:extLst>
+              <a:ext uri="{FF2B5EF4-FFF2-40B4-BE49-F238E27FC236}">
+                <a16:creationId xmlns:a16="http://schemas.microsoft.com/office/drawing/2014/main" id="{EAF40000-4CC6-2E9B-BB9D-D737B54D93DB}"/>
+              </a:ext>
+            </a:extLst>
+          </p:cNvPr>
+          <p:cNvPicPr>
+            <a:picLocks noChangeAspect="1"/>
+          </p:cNvPicPr>
+          <p:nvPr/>
+        </p:nvPicPr>
+        <p:blipFill>
+          <a:blip r:embed="rId5"/>
+          <a:stretch>
+            <a:fillRect/>
+          </a:stretch>
+        </p:blipFill>
+        <p:spPr>
+          <a:xfrm>
+            <a:off x="6794048" y="5488985"/>
+            <a:ext cx="3817620" cy="563880"/>
+          </a:xfrm>
+          <a:prstGeom prst="rect">
+            <a:avLst/>
+          </a:prstGeom>
+        </p:spPr>
+      </p:pic>
+      <p:pic>
+        <p:nvPicPr>
+          <p:cNvPr id="9" name="Imagen 8">
+            <a:extLst>
+              <a:ext uri="{FF2B5EF4-FFF2-40B4-BE49-F238E27FC236}">
+                <a16:creationId xmlns:a16="http://schemas.microsoft.com/office/drawing/2014/main" id="{765456ED-5B54-6CB2-E46E-2A57BAED095E}"/>
+              </a:ext>
+            </a:extLst>
+          </p:cNvPr>
+          <p:cNvPicPr>
+            <a:picLocks noChangeAspect="1"/>
+          </p:cNvPicPr>
+          <p:nvPr/>
+        </p:nvPicPr>
+        <p:blipFill>
+          <a:blip r:embed="rId6"/>
+          <a:stretch>
+            <a:fillRect/>
+          </a:stretch>
+        </p:blipFill>
+        <p:spPr>
+          <a:xfrm>
+            <a:off x="53975" y="3964596"/>
+            <a:ext cx="5734957" cy="2880000"/>
+          </a:xfrm>
+          <a:prstGeom prst="rect">
+            <a:avLst/>
+          </a:prstGeom>
+        </p:spPr>
+      </p:pic>
+    </p:spTree>
+    <p:extLst>
+      <p:ext uri="{BB962C8B-B14F-4D97-AF65-F5344CB8AC3E}">
+        <p14:creationId xmlns:p14="http://schemas.microsoft.com/office/powerpoint/2010/main" val="3453672743"/>
+      </p:ext>
+    </p:extLst>
+  </p:cSld>
+  <p:clrMapOvr>
+    <a:masterClrMapping/>
+  </p:clrMapOvr>
+  <p:timing>
+    <p:tnLst>
+      <p:par>
+        <p:cTn id="1" dur="indefinite" restart="never" nodeType="tmRoot">
+          <p:childTnLst>
+            <p:seq concurrent="1" nextAc="seek">
+              <p:cTn id="2" dur="indefinite" nodeType="mainSeq">
+                <p:childTnLst>
+                  <p:par>
+                    <p:cTn id="3" fill="hold">
+                      <p:stCondLst>
+                        <p:cond delay="indefinite"/>
+                      </p:stCondLst>
+                      <p:childTnLst>
+                        <p:par>
+                          <p:cTn id="4" fill="hold">
+                            <p:stCondLst>
+                              <p:cond delay="0"/>
+                            </p:stCondLst>
+                            <p:childTnLst>
+                              <p:par>
+                                <p:cTn id="5" presetID="1" presetClass="entr" presetSubtype="0" fill="hold" nodeType="clickEffect">
+                                  <p:stCondLst>
+                                    <p:cond delay="0"/>
+                                  </p:stCondLst>
+                                  <p:childTnLst>
+                                    <p:set>
+                                      <p:cBhvr>
+                                        <p:cTn id="6" dur="1" fill="hold">
+                                          <p:stCondLst>
+                                            <p:cond delay="0"/>
+                                          </p:stCondLst>
+                                        </p:cTn>
+                                        <p:tgtEl>
+                                          <p:spTgt spid="9"/>
+                                        </p:tgtEl>
+                                        <p:attrNameLst>
+                                          <p:attrName>style.visibility</p:attrName>
+                                        </p:attrNameLst>
+                                      </p:cBhvr>
+                                      <p:to>
+                                        <p:strVal val="visible"/>
+                                      </p:to>
+                                    </p:set>
+                                  </p:childTnLst>
+                                </p:cTn>
+                              </p:par>
+                            </p:childTnLst>
+                          </p:cTn>
+                        </p:par>
+                      </p:childTnLst>
+                    </p:cTn>
+                  </p:par>
+                  <p:par>
+                    <p:cTn id="7" fill="hold">
+                      <p:stCondLst>
+                        <p:cond delay="indefinite"/>
+                      </p:stCondLst>
+                      <p:childTnLst>
+                        <p:par>
+                          <p:cTn id="8" fill="hold">
+                            <p:stCondLst>
+                              <p:cond delay="0"/>
+                            </p:stCondLst>
+                            <p:childTnLst>
+                              <p:par>
+                                <p:cTn id="9" presetID="1" presetClass="entr" presetSubtype="0" fill="hold" grpId="0" nodeType="clickEffect">
+                                  <p:stCondLst>
+                                    <p:cond delay="0"/>
+                                  </p:stCondLst>
+                                  <p:childTnLst>
+                                    <p:set>
+                                      <p:cBhvr>
+                                        <p:cTn id="10" dur="1" fill="hold">
+                                          <p:stCondLst>
+                                            <p:cond delay="0"/>
+                                          </p:stCondLst>
+                                        </p:cTn>
+                                        <p:tgtEl>
+                                          <p:spTgt spid="22"/>
+                                        </p:tgtEl>
+                                        <p:attrNameLst>
+                                          <p:attrName>style.visibility</p:attrName>
+                                        </p:attrNameLst>
+                                      </p:cBhvr>
+                                      <p:to>
+                                        <p:strVal val="visible"/>
+                                      </p:to>
+                                    </p:set>
+                                  </p:childTnLst>
+                                </p:cTn>
+                              </p:par>
+                              <p:par>
+                                <p:cTn id="11" presetID="1" presetClass="entr" presetSubtype="0" fill="hold" nodeType="withEffect">
+                                  <p:stCondLst>
+                                    <p:cond delay="0"/>
+                                  </p:stCondLst>
+                                  <p:childTnLst>
+                                    <p:set>
+                                      <p:cBhvr>
+                                        <p:cTn id="12" dur="1" fill="hold">
+                                          <p:stCondLst>
+                                            <p:cond delay="0"/>
+                                          </p:stCondLst>
+                                        </p:cTn>
+                                        <p:tgtEl>
+                                          <p:spTgt spid="5"/>
+                                        </p:tgtEl>
+                                        <p:attrNameLst>
+                                          <p:attrName>style.visibility</p:attrName>
+                                        </p:attrNameLst>
+                                      </p:cBhvr>
+                                      <p:to>
+                                        <p:strVal val="visible"/>
+                                      </p:to>
+                                    </p:set>
+                                  </p:childTnLst>
+                                </p:cTn>
+                              </p:par>
+                              <p:par>
+                                <p:cTn id="13" presetID="1" presetClass="entr" presetSubtype="0" fill="hold" nodeType="withEffect">
+                                  <p:stCondLst>
+                                    <p:cond delay="0"/>
+                                  </p:stCondLst>
+                                  <p:childTnLst>
+                                    <p:set>
+                                      <p:cBhvr>
+                                        <p:cTn id="14" dur="1" fill="hold">
+                                          <p:stCondLst>
+                                            <p:cond delay="0"/>
+                                          </p:stCondLst>
+                                        </p:cTn>
+                                        <p:tgtEl>
+                                          <p:spTgt spid="6"/>
+                                        </p:tgtEl>
+                                        <p:attrNameLst>
+                                          <p:attrName>style.visibility</p:attrName>
+                                        </p:attrNameLst>
+                                      </p:cBhvr>
+                                      <p:to>
+                                        <p:strVal val="visible"/>
+                                      </p:to>
+                                    </p:set>
+                                  </p:childTnLst>
+                                </p:cTn>
+                              </p:par>
+                              <p:par>
+                                <p:cTn id="15" presetID="1" presetClass="entr" presetSubtype="0" fill="hold" nodeType="withEffect">
+                                  <p:stCondLst>
+                                    <p:cond delay="0"/>
+                                  </p:stCondLst>
+                                  <p:childTnLst>
+                                    <p:set>
+                                      <p:cBhvr>
+                                        <p:cTn id="16" dur="1" fill="hold">
+                                          <p:stCondLst>
+                                            <p:cond delay="0"/>
+                                          </p:stCondLst>
+                                        </p:cTn>
+                                        <p:tgtEl>
+                                          <p:spTgt spid="7"/>
+                                        </p:tgtEl>
+                                        <p:attrNameLst>
+                                          <p:attrName>style.visibility</p:attrName>
+                                        </p:attrNameLst>
+                                      </p:cBhvr>
+                                      <p:to>
+                                        <p:strVal val="visible"/>
+                                      </p:to>
+                                    </p:set>
+                                  </p:childTnLst>
+                                </p:cTn>
+                              </p:par>
+                            </p:childTnLst>
+                          </p:cTn>
+                        </p:par>
+                      </p:childTnLst>
+                    </p:cTn>
+                  </p:par>
+                </p:childTnLst>
+              </p:cTn>
+              <p:prevCondLst>
+                <p:cond evt="onPrev" delay="0">
+                  <p:tgtEl>
+                    <p:sldTgt/>
+                  </p:tgtEl>
+                </p:cond>
+              </p:prevCondLst>
+              <p:nextCondLst>
+                <p:cond evt="onNext" delay="0">
+                  <p:tgtEl>
+                    <p:sldTgt/>
+                  </p:tgtEl>
+                </p:cond>
+              </p:nextCondLst>
+            </p:seq>
+          </p:childTnLst>
+        </p:cTn>
+      </p:par>
+    </p:tnLst>
+    <p:bldLst>
+      <p:bldP spid="22" grpId="0" animBg="1"/>
+    </p:bldLst>
+  </p:timing>
+</p:sld>
+</file>
+
+<file path=ppt/slides/slide17.xml><?xml version="1.0" encoding="utf-8"?>
+<p:sld xmlns:a="http://schemas.openxmlformats.org/drawingml/2006/main" xmlns:r="http://schemas.openxmlformats.org/officeDocument/2006/relationships" xmlns:p="http://schemas.openxmlformats.org/presentationml/2006/main">
+  <p:cSld>
+    <p:spTree>
+      <p:nvGrpSpPr>
+        <p:cNvPr id="1" name=""/>
+        <p:cNvGrpSpPr/>
+        <p:nvPr/>
+      </p:nvGrpSpPr>
+      <p:grpSpPr>
+        <a:xfrm>
+          <a:off x="0" y="0"/>
+          <a:ext cx="0" cy="0"/>
+          <a:chOff x="0" y="0"/>
+          <a:chExt cx="0" cy="0"/>
+        </a:xfrm>
+      </p:grpSpPr>
+      <p:sp>
+        <p:nvSpPr>
+          <p:cNvPr id="3" name="Marcador de fecha 2">
+            <a:extLst>
+              <a:ext uri="{FF2B5EF4-FFF2-40B4-BE49-F238E27FC236}">
+                <a16:creationId xmlns:a16="http://schemas.microsoft.com/office/drawing/2014/main" id="{DD406741-DAB6-AFEB-8B51-240189DD119A}"/>
+              </a:ext>
+            </a:extLst>
+          </p:cNvPr>
+          <p:cNvSpPr>
+            <a:spLocks noGrp="1"/>
+          </p:cNvSpPr>
+          <p:nvPr>
+            <p:ph type="dt" sz="half" idx="10"/>
+          </p:nvPr>
+        </p:nvSpPr>
+        <p:spPr/>
+        <p:txBody>
+          <a:bodyPr/>
+          <a:lstStyle/>
+          <a:p>
+            <a:fld id="{D4A63551-3C26-9045-96AE-2BD87758677A}" type="datetime3">
+              <a:rPr lang="es-MX" smtClean="0"/>
+              <a:pPr/>
+              <a:t>25.07.23</a:t>
+            </a:fld>
+            <a:endParaRPr lang="es-ES" dirty="0"/>
+          </a:p>
+        </p:txBody>
+      </p:sp>
+      <p:sp>
+        <p:nvSpPr>
+          <p:cNvPr id="4" name="Título 3">
+            <a:extLst>
+              <a:ext uri="{FF2B5EF4-FFF2-40B4-BE49-F238E27FC236}">
+                <a16:creationId xmlns:a16="http://schemas.microsoft.com/office/drawing/2014/main" id="{63799B23-3666-E270-AA89-F6AC2E33A285}"/>
+              </a:ext>
+            </a:extLst>
+          </p:cNvPr>
+          <p:cNvSpPr>
+            <a:spLocks noGrp="1"/>
+          </p:cNvSpPr>
+          <p:nvPr>
+            <p:ph type="title"/>
+          </p:nvPr>
+        </p:nvSpPr>
+        <p:spPr/>
+        <p:txBody>
+          <a:bodyPr/>
+          <a:lstStyle/>
+          <a:p>
+            <a:r>
+              <a:rPr lang="es-ES" dirty="0"/>
+              <a:t>PRÓXIMOS PASOS</a:t>
+            </a:r>
+            <a:endParaRPr lang="es-PE" dirty="0"/>
+          </a:p>
+        </p:txBody>
+      </p:sp>
+      <p:pic>
+        <p:nvPicPr>
+          <p:cNvPr id="6" name="Imagen 5">
+            <a:extLst>
+              <a:ext uri="{FF2B5EF4-FFF2-40B4-BE49-F238E27FC236}">
+                <a16:creationId xmlns:a16="http://schemas.microsoft.com/office/drawing/2014/main" id="{69F3AD4B-F75B-C481-E1DA-05EBC0B8BBE7}"/>
+              </a:ext>
+            </a:extLst>
+          </p:cNvPr>
+          <p:cNvPicPr>
+            <a:picLocks noChangeAspect="1"/>
+          </p:cNvPicPr>
+          <p:nvPr/>
+        </p:nvPicPr>
+        <p:blipFill>
+          <a:blip r:embed="rId2"/>
+          <a:stretch>
+            <a:fillRect/>
+          </a:stretch>
+        </p:blipFill>
+        <p:spPr>
+          <a:xfrm>
+            <a:off x="609601" y="2362200"/>
+            <a:ext cx="10883412" cy="1600200"/>
+          </a:xfrm>
+          <a:prstGeom prst="rect">
+            <a:avLst/>
+          </a:prstGeom>
+        </p:spPr>
+      </p:pic>
+    </p:spTree>
+    <p:extLst>
+      <p:ext uri="{BB962C8B-B14F-4D97-AF65-F5344CB8AC3E}">
+        <p14:creationId xmlns:p14="http://schemas.microsoft.com/office/powerpoint/2010/main" val="1479739336"/>
+      </p:ext>
+    </p:extLst>
+  </p:cSld>
+  <p:clrMapOvr>
+    <a:masterClrMapping/>
+  </p:clrMapOvr>
+  <p:timing>
+    <p:tnLst>
+      <p:par>
+        <p:cTn id="1" dur="indefinite" restart="never" nodeType="tmRoot">
+          <p:childTnLst>
+            <p:seq concurrent="1" nextAc="seek">
+              <p:cTn id="2" dur="indefinite" nodeType="mainSeq">
+                <p:childTnLst>
+                  <p:par>
+                    <p:cTn id="3" fill="hold">
+                      <p:stCondLst>
+                        <p:cond delay="indefinite"/>
+                      </p:stCondLst>
+                      <p:childTnLst>
+                        <p:par>
+                          <p:cTn id="4" fill="hold">
+                            <p:stCondLst>
+                              <p:cond delay="0"/>
+                            </p:stCondLst>
+                            <p:childTnLst>
+                              <p:par>
+                                <p:cTn id="5" presetID="1" presetClass="entr" presetSubtype="0" fill="hold" nodeType="clickEffect">
+                                  <p:stCondLst>
+                                    <p:cond delay="0"/>
+                                  </p:stCondLst>
+                                  <p:childTnLst>
+                                    <p:set>
+                                      <p:cBhvr>
+                                        <p:cTn id="6" dur="1" fill="hold">
+                                          <p:stCondLst>
+                                            <p:cond delay="0"/>
+                                          </p:stCondLst>
+                                        </p:cTn>
+                                        <p:tgtEl>
+                                          <p:spTgt spid="6"/>
+                                        </p:tgtEl>
+                                        <p:attrNameLst>
+                                          <p:attrName>style.visibility</p:attrName>
+                                        </p:attrNameLst>
+                                      </p:cBhvr>
+                                      <p:to>
+                                        <p:strVal val="visible"/>
+                                      </p:to>
+                                    </p:set>
+                                  </p:childTnLst>
+                                </p:cTn>
+                              </p:par>
+                            </p:childTnLst>
+                          </p:cTn>
+                        </p:par>
+                      </p:childTnLst>
+                    </p:cTn>
+                  </p:par>
+                </p:childTnLst>
+              </p:cTn>
+              <p:prevCondLst>
+                <p:cond evt="onPrev" delay="0">
+                  <p:tgtEl>
+                    <p:sldTgt/>
+                  </p:tgtEl>
+                </p:cond>
+              </p:prevCondLst>
+              <p:nextCondLst>
+                <p:cond evt="onNext" delay="0">
+                  <p:tgtEl>
+                    <p:sldTgt/>
+                  </p:tgtEl>
+                </p:cond>
+              </p:nextCondLst>
+            </p:seq>
+          </p:childTnLst>
+        </p:cTn>
+      </p:par>
+    </p:tnLst>
+  </p:timing>
+</p:sld>
+</file>
+
+<file path=ppt/slides/slide18.xml><?xml version="1.0" encoding="utf-8"?>
+<p:sld xmlns:a="http://schemas.openxmlformats.org/drawingml/2006/main" xmlns:r="http://schemas.openxmlformats.org/officeDocument/2006/relationships" xmlns:p="http://schemas.openxmlformats.org/presentationml/2006/main">
+  <p:cSld>
+    <p:spTree>
+      <p:nvGrpSpPr>
+        <p:cNvPr id="1" name=""/>
+        <p:cNvGrpSpPr/>
+        <p:nvPr/>
+      </p:nvGrpSpPr>
+      <p:grpSpPr>
+        <a:xfrm>
+          <a:off x="0" y="0"/>
+          <a:ext cx="0" cy="0"/>
+          <a:chOff x="0" y="0"/>
+          <a:chExt cx="0" cy="0"/>
+        </a:xfrm>
+      </p:grpSpPr>
+      <p:pic>
+        <p:nvPicPr>
+          <p:cNvPr id="11" name="Imagen 10" descr="Imagen que contiene Logotipo&#10;&#10;Descripción generada automáticamente">
+            <a:extLst>
+              <a:ext uri="{FF2B5EF4-FFF2-40B4-BE49-F238E27FC236}">
+                <a16:creationId xmlns:a16="http://schemas.microsoft.com/office/drawing/2014/main" id="{EC4136B5-B9D5-DE87-1A08-514DCB1FFF03}"/>
+              </a:ext>
+            </a:extLst>
+          </p:cNvPr>
+          <p:cNvPicPr>
+            <a:picLocks noChangeAspect="1"/>
+          </p:cNvPicPr>
+          <p:nvPr/>
+        </p:nvPicPr>
+        <p:blipFill rotWithShape="1">
+          <a:blip r:embed="rId2"/>
+          <a:srcRect l="4178" r="5775" b="1"/>
+          <a:stretch/>
+        </p:blipFill>
+        <p:spPr>
+          <a:xfrm>
+            <a:off x="0" y="6"/>
+            <a:ext cx="12191999" cy="6857995"/>
+          </a:xfrm>
+          <a:prstGeom prst="rect">
+            <a:avLst/>
+          </a:prstGeom>
+          <a:noFill/>
+        </p:spPr>
+      </p:pic>
+      <p:sp>
+        <p:nvSpPr>
+          <p:cNvPr id="6" name="CuadroTexto 5">
+            <a:extLst>
+              <a:ext uri="{FF2B5EF4-FFF2-40B4-BE49-F238E27FC236}">
+                <a16:creationId xmlns:a16="http://schemas.microsoft.com/office/drawing/2014/main" id="{417C57C9-DD1B-B0BE-9D7D-5613F1EE75FF}"/>
+              </a:ext>
+            </a:extLst>
+          </p:cNvPr>
+          <p:cNvSpPr txBox="1"/>
+          <p:nvPr/>
+        </p:nvSpPr>
+        <p:spPr>
+          <a:xfrm>
+            <a:off x="857186" y="2117521"/>
+            <a:ext cx="5491115" cy="401007"/>
+          </a:xfrm>
+          <a:prstGeom prst="rect">
+            <a:avLst/>
+          </a:prstGeom>
+          <a:noFill/>
+        </p:spPr>
+        <p:txBody>
+          <a:bodyPr wrap="square">
+            <a:spAutoFit/>
+          </a:bodyPr>
+          <a:lstStyle/>
+          <a:p>
+            <a:pPr defTabSz="509596"/>
+            <a:endParaRPr lang="es-PE" sz="2006" dirty="0">
+              <a:solidFill>
+                <a:srgbClr val="70655C"/>
+              </a:solidFill>
+              <a:latin typeface="Calibri"/>
+            </a:endParaRPr>
+          </a:p>
+        </p:txBody>
+      </p:sp>
+    </p:spTree>
+    <p:extLst>
+      <p:ext uri="{BB962C8B-B14F-4D97-AF65-F5344CB8AC3E}">
+        <p14:creationId xmlns:p14="http://schemas.microsoft.com/office/powerpoint/2010/main" val="108024611"/>
       </p:ext>
     </p:extLst>
   </p:cSld>
@@ -19436,7 +26251,7 @@
             <a:fld id="{D4A63551-3C26-9045-96AE-2BD87758677A}" type="datetime3">
               <a:rPr lang="es-MX" smtClean="0"/>
               <a:pPr/>
-              <a:t>20.07.23</a:t>
+              <a:t>25.07.23</a:t>
             </a:fld>
             <a:endParaRPr lang="es-ES" dirty="0"/>
           </a:p>
@@ -19719,7 +26534,7 @@
             <a:fld id="{D4A63551-3C26-9045-96AE-2BD87758677A}" type="datetime3">
               <a:rPr lang="es-MX" smtClean="0"/>
               <a:pPr/>
-              <a:t>20.07.23</a:t>
+              <a:t>25.07.23</a:t>
             </a:fld>
             <a:endParaRPr lang="es-ES" dirty="0"/>
           </a:p>
@@ -19865,7 +26680,7 @@
           <a:p>
             <a:r>
               <a:rPr lang="es-ES" dirty="0"/>
-              <a:t>INDICADORES</a:t>
+              <a:t>INDICADORES – OPERACIONES &amp; CANALES</a:t>
             </a:r>
           </a:p>
         </p:txBody>
@@ -19936,7 +26751,7 @@
         </p:blipFill>
         <p:spPr>
           <a:xfrm>
-            <a:off x="53975" y="1087075"/>
+            <a:off x="53975" y="1084596"/>
             <a:ext cx="5734957" cy="2880000"/>
           </a:xfrm>
           <a:prstGeom prst="rect">
@@ -20420,69 +27235,105 @@
       </p:grpSpPr>
       <p:sp>
         <p:nvSpPr>
-          <p:cNvPr id="3" name="Marcador de fecha 2">
+          <p:cNvPr id="8" name="Título 1">
             <a:extLst>
               <a:ext uri="{FF2B5EF4-FFF2-40B4-BE49-F238E27FC236}">
-                <a16:creationId xmlns:a16="http://schemas.microsoft.com/office/drawing/2014/main" id="{DD406741-DAB6-AFEB-8B51-240189DD119A}"/>
+                <a16:creationId xmlns:a16="http://schemas.microsoft.com/office/drawing/2014/main" id="{956DA916-E897-09FC-AEB7-0FBA49B823EC}"/>
               </a:ext>
             </a:extLst>
           </p:cNvPr>
-          <p:cNvSpPr>
-            <a:spLocks noGrp="1"/>
+          <p:cNvSpPr txBox="1">
+            <a:spLocks/>
           </p:cNvSpPr>
-          <p:nvPr>
-            <p:ph type="dt" sz="half" idx="10"/>
-          </p:nvPr>
+          <p:nvPr/>
         </p:nvSpPr>
-        <p:spPr/>
+        <p:spPr>
+          <a:xfrm>
+            <a:off x="609599" y="179019"/>
+            <a:ext cx="7711388" cy="621836"/>
+          </a:xfrm>
+          <a:prstGeom prst="rect">
+            <a:avLst/>
+          </a:prstGeom>
+        </p:spPr>
         <p:txBody>
-          <a:bodyPr/>
-          <a:lstStyle/>
-          <a:p>
-            <a:fld id="{D4A63551-3C26-9045-96AE-2BD87758677A}" type="datetime3">
-              <a:rPr lang="es-MX" smtClean="0"/>
-              <a:pPr/>
-              <a:t>20.07.23</a:t>
-            </a:fld>
-            <a:endParaRPr lang="es-ES" dirty="0"/>
+          <a:bodyPr vert="horz" lIns="198132" tIns="99066" rIns="198132" bIns="99066" rtlCol="0" anchor="t">
+            <a:normAutofit fontScale="92500"/>
+          </a:bodyPr>
+          <a:lstStyle>
+            <a:lvl1pPr algn="l" defTabSz="509596" rtl="0" eaLnBrk="1" latinLnBrk="0" hangingPunct="1">
+              <a:spcBef>
+                <a:spcPct val="0"/>
+              </a:spcBef>
+              <a:buNone/>
+              <a:defRPr sz="2778" b="1" kern="1200">
+                <a:solidFill>
+                  <a:schemeClr val="bg1"/>
+                </a:solidFill>
+                <a:latin typeface="Bree"/>
+                <a:ea typeface="+mj-ea"/>
+                <a:cs typeface="Bree"/>
+              </a:defRPr>
+            </a:lvl1pPr>
+          </a:lstStyle>
+          <a:p>
+            <a:r>
+              <a:rPr lang="es-ES" dirty="0"/>
+              <a:t>INDICADORES - ASESORÍA LEGAL Y CUMPLIMENTO</a:t>
+            </a:r>
           </a:p>
         </p:txBody>
       </p:sp>
       <p:sp>
         <p:nvSpPr>
-          <p:cNvPr id="4" name="Título 3">
+          <p:cNvPr id="22" name="Abrir llave 21">
             <a:extLst>
               <a:ext uri="{FF2B5EF4-FFF2-40B4-BE49-F238E27FC236}">
-                <a16:creationId xmlns:a16="http://schemas.microsoft.com/office/drawing/2014/main" id="{63799B23-3666-E270-AA89-F6AC2E33A285}"/>
+                <a16:creationId xmlns:a16="http://schemas.microsoft.com/office/drawing/2014/main" id="{C41F5FAD-9A81-F599-6ECE-4810047F8851}"/>
               </a:ext>
             </a:extLst>
           </p:cNvPr>
-          <p:cNvSpPr>
-            <a:spLocks noGrp="1"/>
-          </p:cNvSpPr>
-          <p:nvPr>
-            <p:ph type="title"/>
-          </p:nvPr>
+          <p:cNvSpPr/>
+          <p:nvPr/>
         </p:nvSpPr>
-        <p:spPr/>
+        <p:spPr>
+          <a:xfrm>
+            <a:off x="5822799" y="4382040"/>
+            <a:ext cx="383270" cy="2362200"/>
+          </a:xfrm>
+          <a:prstGeom prst="leftBrace">
+            <a:avLst/>
+          </a:prstGeom>
+        </p:spPr>
+        <p:style>
+          <a:lnRef idx="2">
+            <a:schemeClr val="accent1"/>
+          </a:lnRef>
+          <a:fillRef idx="0">
+            <a:schemeClr val="accent1"/>
+          </a:fillRef>
+          <a:effectRef idx="1">
+            <a:schemeClr val="accent1"/>
+          </a:effectRef>
+          <a:fontRef idx="minor">
+            <a:schemeClr val="tx1"/>
+          </a:fontRef>
+        </p:style>
         <p:txBody>
-          <a:bodyPr/>
+          <a:bodyPr rtlCol="0" anchor="ctr"/>
           <a:lstStyle/>
           <a:p>
-            <a:r>
-              <a:rPr lang="es-ES" dirty="0"/>
-              <a:t>PRÓXIMOS PASOS</a:t>
-            </a:r>
-            <a:endParaRPr lang="es-PE" dirty="0"/>
+            <a:pPr algn="ctr"/>
+            <a:endParaRPr lang="es-PE"/>
           </a:p>
         </p:txBody>
       </p:sp>
       <p:pic>
         <p:nvPicPr>
-          <p:cNvPr id="6" name="Imagen 5">
+          <p:cNvPr id="5" name="Imagen 4">
             <a:extLst>
               <a:ext uri="{FF2B5EF4-FFF2-40B4-BE49-F238E27FC236}">
-                <a16:creationId xmlns:a16="http://schemas.microsoft.com/office/drawing/2014/main" id="{69F3AD4B-F75B-C481-E1DA-05EBC0B8BBE7}"/>
+                <a16:creationId xmlns:a16="http://schemas.microsoft.com/office/drawing/2014/main" id="{FAE4D27A-405E-0360-659F-0D4DDB387433}"/>
               </a:ext>
             </a:extLst>
           </p:cNvPr>
@@ -20492,15 +27343,165 @@
           <p:nvPr/>
         </p:nvPicPr>
         <p:blipFill>
-          <a:blip r:embed="rId2"/>
+          <a:blip r:embed="rId4"/>
           <a:stretch>
             <a:fillRect/>
           </a:stretch>
         </p:blipFill>
         <p:spPr>
           <a:xfrm>
-            <a:off x="609601" y="2362200"/>
-            <a:ext cx="10883412" cy="1600200"/>
+            <a:off x="6597047" y="4648200"/>
+            <a:ext cx="2080260" cy="929640"/>
+          </a:xfrm>
+          <a:prstGeom prst="rect">
+            <a:avLst/>
+          </a:prstGeom>
+        </p:spPr>
+      </p:pic>
+      <p:pic>
+        <p:nvPicPr>
+          <p:cNvPr id="6" name="Imagen 5">
+            <a:extLst>
+              <a:ext uri="{FF2B5EF4-FFF2-40B4-BE49-F238E27FC236}">
+                <a16:creationId xmlns:a16="http://schemas.microsoft.com/office/drawing/2014/main" id="{346B08E5-FB18-E4C2-53EE-E23070A92677}"/>
+              </a:ext>
+            </a:extLst>
+          </p:cNvPr>
+          <p:cNvPicPr>
+            <a:picLocks noChangeAspect="1"/>
+          </p:cNvPicPr>
+          <p:nvPr/>
+        </p:nvPicPr>
+        <p:blipFill>
+          <a:blip r:embed="rId5"/>
+          <a:stretch>
+            <a:fillRect/>
+          </a:stretch>
+        </p:blipFill>
+        <p:spPr>
+          <a:xfrm>
+            <a:off x="8899980" y="4648200"/>
+            <a:ext cx="1531620" cy="563880"/>
+          </a:xfrm>
+          <a:prstGeom prst="rect">
+            <a:avLst/>
+          </a:prstGeom>
+        </p:spPr>
+      </p:pic>
+      <p:pic>
+        <p:nvPicPr>
+          <p:cNvPr id="7" name="Imagen 6">
+            <a:extLst>
+              <a:ext uri="{FF2B5EF4-FFF2-40B4-BE49-F238E27FC236}">
+                <a16:creationId xmlns:a16="http://schemas.microsoft.com/office/drawing/2014/main" id="{EAF40000-4CC6-2E9B-BB9D-D737B54D93DB}"/>
+              </a:ext>
+            </a:extLst>
+          </p:cNvPr>
+          <p:cNvPicPr>
+            <a:picLocks noChangeAspect="1"/>
+          </p:cNvPicPr>
+          <p:nvPr/>
+        </p:nvPicPr>
+        <p:blipFill>
+          <a:blip r:embed="rId6"/>
+          <a:stretch>
+            <a:fillRect/>
+          </a:stretch>
+        </p:blipFill>
+        <p:spPr>
+          <a:xfrm>
+            <a:off x="6597047" y="5680025"/>
+            <a:ext cx="3817620" cy="563880"/>
+          </a:xfrm>
+          <a:prstGeom prst="rect">
+            <a:avLst/>
+          </a:prstGeom>
+        </p:spPr>
+      </p:pic>
+      <p:pic>
+        <p:nvPicPr>
+          <p:cNvPr id="9" name="Imagen 8">
+            <a:extLst>
+              <a:ext uri="{FF2B5EF4-FFF2-40B4-BE49-F238E27FC236}">
+                <a16:creationId xmlns:a16="http://schemas.microsoft.com/office/drawing/2014/main" id="{765456ED-5B54-6CB2-E46E-2A57BAED095E}"/>
+              </a:ext>
+            </a:extLst>
+          </p:cNvPr>
+          <p:cNvPicPr>
+            <a:picLocks noChangeAspect="1"/>
+          </p:cNvPicPr>
+          <p:nvPr/>
+        </p:nvPicPr>
+        <p:blipFill>
+          <a:blip r:embed="rId7"/>
+          <a:stretch>
+            <a:fillRect/>
+          </a:stretch>
+        </p:blipFill>
+        <p:spPr>
+          <a:xfrm>
+            <a:off x="87842" y="4047843"/>
+            <a:ext cx="5734957" cy="2880000"/>
+          </a:xfrm>
+          <a:prstGeom prst="rect">
+            <a:avLst/>
+          </a:prstGeom>
+        </p:spPr>
+      </p:pic>
+      <p:pic>
+        <p:nvPicPr>
+          <p:cNvPr id="18" name="Imagen 17">
+            <a:extLst>
+              <a:ext uri="{FF2B5EF4-FFF2-40B4-BE49-F238E27FC236}">
+                <a16:creationId xmlns:a16="http://schemas.microsoft.com/office/drawing/2014/main" id="{1160DF82-6D90-83D5-E221-6609531948DD}"/>
+              </a:ext>
+            </a:extLst>
+          </p:cNvPr>
+          <p:cNvPicPr>
+            <a:picLocks noChangeAspect="1"/>
+          </p:cNvPicPr>
+          <p:nvPr/>
+        </p:nvPicPr>
+        <p:blipFill>
+          <a:blip r:embed="rId8"/>
+          <a:stretch>
+            <a:fillRect/>
+          </a:stretch>
+        </p:blipFill>
+        <p:spPr>
+          <a:xfrm>
+            <a:off x="6096000" y="1136930"/>
+            <a:ext cx="5735969" cy="2880000"/>
+          </a:xfrm>
+          <a:prstGeom prst="rect">
+            <a:avLst/>
+          </a:prstGeom>
+        </p:spPr>
+      </p:pic>
+      <p:pic>
+        <p:nvPicPr>
+          <p:cNvPr id="27" name="Imagen 26">
+            <a:extLst>
+              <a:ext uri="{FF2B5EF4-FFF2-40B4-BE49-F238E27FC236}">
+                <a16:creationId xmlns:a16="http://schemas.microsoft.com/office/drawing/2014/main" id="{77B5434C-AD3F-D807-754C-8636566C2C53}"/>
+              </a:ext>
+            </a:extLst>
+          </p:cNvPr>
+          <p:cNvPicPr>
+            <a:picLocks noChangeAspect="1"/>
+          </p:cNvPicPr>
+          <p:nvPr/>
+        </p:nvPicPr>
+        <p:blipFill>
+          <a:blip r:embed="rId9"/>
+          <a:stretch>
+            <a:fillRect/>
+          </a:stretch>
+        </p:blipFill>
+        <p:spPr>
+          <a:xfrm>
+            <a:off x="99483" y="1117600"/>
+            <a:ext cx="5734957" cy="2928485"/>
           </a:xfrm>
           <a:prstGeom prst="rect">
             <a:avLst/>
@@ -20510,7 +27511,7 @@
     </p:spTree>
     <p:extLst>
       <p:ext uri="{BB962C8B-B14F-4D97-AF65-F5344CB8AC3E}">
-        <p14:creationId xmlns:p14="http://schemas.microsoft.com/office/powerpoint/2010/main" val="1479739336"/>
+        <p14:creationId xmlns:p14="http://schemas.microsoft.com/office/powerpoint/2010/main" val="3096125053"/>
       </p:ext>
     </p:extLst>
   </p:cSld>
@@ -20551,7 +27552,133 @@
                                           </p:stCondLst>
                                         </p:cTn>
                                         <p:tgtEl>
+                                          <p:spTgt spid="9"/>
+                                        </p:tgtEl>
+                                        <p:attrNameLst>
+                                          <p:attrName>style.visibility</p:attrName>
+                                        </p:attrNameLst>
+                                      </p:cBhvr>
+                                      <p:to>
+                                        <p:strVal val="visible"/>
+                                      </p:to>
+                                    </p:set>
+                                  </p:childTnLst>
+                                </p:cTn>
+                              </p:par>
+                            </p:childTnLst>
+                          </p:cTn>
+                        </p:par>
+                      </p:childTnLst>
+                    </p:cTn>
+                  </p:par>
+                  <p:par>
+                    <p:cTn id="7" fill="hold">
+                      <p:stCondLst>
+                        <p:cond delay="indefinite"/>
+                      </p:stCondLst>
+                      <p:childTnLst>
+                        <p:par>
+                          <p:cTn id="8" fill="hold">
+                            <p:stCondLst>
+                              <p:cond delay="0"/>
+                            </p:stCondLst>
+                            <p:childTnLst>
+                              <p:par>
+                                <p:cTn id="9" presetID="1" presetClass="entr" presetSubtype="0" fill="hold" grpId="0" nodeType="clickEffect">
+                                  <p:stCondLst>
+                                    <p:cond delay="0"/>
+                                  </p:stCondLst>
+                                  <p:childTnLst>
+                                    <p:set>
+                                      <p:cBhvr>
+                                        <p:cTn id="10" dur="1" fill="hold">
+                                          <p:stCondLst>
+                                            <p:cond delay="0"/>
+                                          </p:stCondLst>
+                                        </p:cTn>
+                                        <p:tgtEl>
+                                          <p:spTgt spid="22"/>
+                                        </p:tgtEl>
+                                        <p:attrNameLst>
+                                          <p:attrName>style.visibility</p:attrName>
+                                        </p:attrNameLst>
+                                      </p:cBhvr>
+                                      <p:to>
+                                        <p:strVal val="visible"/>
+                                      </p:to>
+                                    </p:set>
+                                  </p:childTnLst>
+                                </p:cTn>
+                              </p:par>
+                              <p:par>
+                                <p:cTn id="11" presetID="1" presetClass="entr" presetSubtype="0" fill="hold" nodeType="withEffect">
+                                  <p:stCondLst>
+                                    <p:cond delay="0"/>
+                                  </p:stCondLst>
+                                  <p:childTnLst>
+                                    <p:set>
+                                      <p:cBhvr>
+                                        <p:cTn id="12" dur="1" fill="hold">
+                                          <p:stCondLst>
+                                            <p:cond delay="0"/>
+                                          </p:stCondLst>
+                                        </p:cTn>
+                                        <p:tgtEl>
+                                          <p:spTgt spid="5"/>
+                                        </p:tgtEl>
+                                        <p:attrNameLst>
+                                          <p:attrName>style.visibility</p:attrName>
+                                        </p:attrNameLst>
+                                      </p:cBhvr>
+                                      <p:to>
+                                        <p:strVal val="visible"/>
+                                      </p:to>
+                                    </p:set>
+                                  </p:childTnLst>
+                                </p:cTn>
+                              </p:par>
+                              <p:par>
+                                <p:cTn id="13" presetID="1" presetClass="entr" presetSubtype="0" fill="hold" nodeType="withEffect">
+                                  <p:stCondLst>
+                                    <p:cond delay="0"/>
+                                  </p:stCondLst>
+                                  <p:childTnLst>
+                                    <p:set>
+                                      <p:cBhvr>
+                                        <p:cTn id="14" dur="1" fill="hold">
+                                          <p:stCondLst>
+                                            <p:cond delay="0"/>
+                                          </p:stCondLst>
+                                        </p:cTn>
+                                        <p:tgtEl>
                                           <p:spTgt spid="6"/>
+                                        </p:tgtEl>
+                                        <p:attrNameLst>
+                                          <p:attrName>style.visibility</p:attrName>
+                                        </p:attrNameLst>
+                                      </p:cBhvr>
+                                      <p:to>
+                                        <p:strVal val="visible"/>
+                                      </p:to>
+                                    </p:set>
+                                  </p:childTnLst>
+                                </p:cTn>
+                              </p:par>
+                              <p:par>
+                                <p:cTn id="15" presetID="1" presetClass="entr" presetSubtype="0" fill="hold" nodeType="withEffect">
+                                  <p:stCondLst>
+                                    <p:cond delay="0"/>
+                                  </p:stCondLst>
+                                  <p:childTnLst>
+                                    <p:set>
+                                      <p:cBhvr>
+                                        <p:cTn id="16" dur="1" fill="hold">
+                                          <p:stCondLst>
+                                            <p:cond delay="0"/>
+                                          </p:stCondLst>
+                                        </p:cTn>
+                                        <p:tgtEl>
+                                          <p:spTgt spid="7"/>
                                         </p:tgtEl>
                                         <p:attrNameLst>
                                           <p:attrName>style.visibility</p:attrName>
@@ -20591,6 +27718,9 @@
         </p:cTn>
       </p:par>
     </p:tnLst>
+    <p:bldLst>
+      <p:bldP spid="22" grpId="0" animBg="1"/>
+    </p:bldLst>
   </p:timing>
 </p:sld>
 </file>
@@ -20612,12 +27742,107 @@
           <a:chExt cx="0" cy="0"/>
         </a:xfrm>
       </p:grpSpPr>
+      <p:sp>
+        <p:nvSpPr>
+          <p:cNvPr id="8" name="Título 1">
+            <a:extLst>
+              <a:ext uri="{FF2B5EF4-FFF2-40B4-BE49-F238E27FC236}">
+                <a16:creationId xmlns:a16="http://schemas.microsoft.com/office/drawing/2014/main" id="{956DA916-E897-09FC-AEB7-0FBA49B823EC}"/>
+              </a:ext>
+            </a:extLst>
+          </p:cNvPr>
+          <p:cNvSpPr txBox="1">
+            <a:spLocks/>
+          </p:cNvSpPr>
+          <p:nvPr/>
+        </p:nvSpPr>
+        <p:spPr>
+          <a:xfrm>
+            <a:off x="609600" y="216364"/>
+            <a:ext cx="7711388" cy="621836"/>
+          </a:xfrm>
+          <a:prstGeom prst="rect">
+            <a:avLst/>
+          </a:prstGeom>
+        </p:spPr>
+        <p:txBody>
+          <a:bodyPr vert="horz" lIns="198132" tIns="99066" rIns="198132" bIns="99066" rtlCol="0" anchor="t">
+            <a:normAutofit/>
+          </a:bodyPr>
+          <a:lstStyle>
+            <a:lvl1pPr algn="l" defTabSz="509596" rtl="0" eaLnBrk="1" latinLnBrk="0" hangingPunct="1">
+              <a:spcBef>
+                <a:spcPct val="0"/>
+              </a:spcBef>
+              <a:buNone/>
+              <a:defRPr sz="2778" b="1" kern="1200">
+                <a:solidFill>
+                  <a:schemeClr val="bg1"/>
+                </a:solidFill>
+                <a:latin typeface="Bree"/>
+                <a:ea typeface="+mj-ea"/>
+                <a:cs typeface="Bree"/>
+              </a:defRPr>
+            </a:lvl1pPr>
+          </a:lstStyle>
+          <a:p>
+            <a:r>
+              <a:rPr lang="es-ES" dirty="0"/>
+              <a:t>INDICADORES- AUDITORÍA INTERNA</a:t>
+            </a:r>
+          </a:p>
+        </p:txBody>
+      </p:sp>
+      <p:sp>
+        <p:nvSpPr>
+          <p:cNvPr id="22" name="Abrir llave 21">
+            <a:extLst>
+              <a:ext uri="{FF2B5EF4-FFF2-40B4-BE49-F238E27FC236}">
+                <a16:creationId xmlns:a16="http://schemas.microsoft.com/office/drawing/2014/main" id="{C41F5FAD-9A81-F599-6ECE-4810047F8851}"/>
+              </a:ext>
+            </a:extLst>
+          </p:cNvPr>
+          <p:cNvSpPr/>
+          <p:nvPr/>
+        </p:nvSpPr>
+        <p:spPr>
+          <a:xfrm>
+            <a:off x="6019800" y="4191000"/>
+            <a:ext cx="383270" cy="2362200"/>
+          </a:xfrm>
+          <a:prstGeom prst="leftBrace">
+            <a:avLst/>
+          </a:prstGeom>
+        </p:spPr>
+        <p:style>
+          <a:lnRef idx="2">
+            <a:schemeClr val="accent1"/>
+          </a:lnRef>
+          <a:fillRef idx="0">
+            <a:schemeClr val="accent1"/>
+          </a:fillRef>
+          <a:effectRef idx="1">
+            <a:schemeClr val="accent1"/>
+          </a:effectRef>
+          <a:fontRef idx="minor">
+            <a:schemeClr val="tx1"/>
+          </a:fontRef>
+        </p:style>
+        <p:txBody>
+          <a:bodyPr rtlCol="0" anchor="ctr"/>
+          <a:lstStyle/>
+          <a:p>
+            <a:pPr algn="ctr"/>
+            <a:endParaRPr lang="es-PE"/>
+          </a:p>
+        </p:txBody>
+      </p:sp>
       <p:pic>
         <p:nvPicPr>
-          <p:cNvPr id="11" name="Imagen 10" descr="Imagen que contiene Logotipo&#10;&#10;Descripción generada automáticamente">
+          <p:cNvPr id="5" name="Imagen 4">
             <a:extLst>
               <a:ext uri="{FF2B5EF4-FFF2-40B4-BE49-F238E27FC236}">
-                <a16:creationId xmlns:a16="http://schemas.microsoft.com/office/drawing/2014/main" id="{EC4136B5-B9D5-DE87-1A08-514DCB1FFF03}"/>
+                <a16:creationId xmlns:a16="http://schemas.microsoft.com/office/drawing/2014/main" id="{FAE4D27A-405E-0360-659F-0D4DDB387433}"/>
               </a:ext>
             </a:extLst>
           </p:cNvPr>
@@ -20626,70 +27851,895 @@
           </p:cNvPicPr>
           <p:nvPr/>
         </p:nvPicPr>
-        <p:blipFill rotWithShape="1">
-          <a:blip r:embed="rId2"/>
-          <a:srcRect l="4178" r="5775" b="1"/>
-          <a:stretch/>
+        <p:blipFill>
+          <a:blip r:embed="rId4"/>
+          <a:stretch>
+            <a:fillRect/>
+          </a:stretch>
         </p:blipFill>
         <p:spPr>
           <a:xfrm>
-            <a:off x="0" y="6"/>
-            <a:ext cx="12191999" cy="6857995"/>
+            <a:off x="6794048" y="4457160"/>
+            <a:ext cx="2080260" cy="929640"/>
           </a:xfrm>
           <a:prstGeom prst="rect">
             <a:avLst/>
           </a:prstGeom>
-          <a:noFill/>
         </p:spPr>
       </p:pic>
-      <p:sp>
-        <p:nvSpPr>
-          <p:cNvPr id="6" name="CuadroTexto 5">
+      <p:pic>
+        <p:nvPicPr>
+          <p:cNvPr id="6" name="Imagen 5">
             <a:extLst>
               <a:ext uri="{FF2B5EF4-FFF2-40B4-BE49-F238E27FC236}">
-                <a16:creationId xmlns:a16="http://schemas.microsoft.com/office/drawing/2014/main" id="{417C57C9-DD1B-B0BE-9D7D-5613F1EE75FF}"/>
+                <a16:creationId xmlns:a16="http://schemas.microsoft.com/office/drawing/2014/main" id="{346B08E5-FB18-E4C2-53EE-E23070A92677}"/>
               </a:ext>
             </a:extLst>
           </p:cNvPr>
-          <p:cNvSpPr txBox="1"/>
+          <p:cNvPicPr>
+            <a:picLocks noChangeAspect="1"/>
+          </p:cNvPicPr>
           <p:nvPr/>
-        </p:nvSpPr>
+        </p:nvPicPr>
+        <p:blipFill>
+          <a:blip r:embed="rId5"/>
+          <a:stretch>
+            <a:fillRect/>
+          </a:stretch>
+        </p:blipFill>
         <p:spPr>
           <a:xfrm>
-            <a:off x="857186" y="2117521"/>
-            <a:ext cx="5491115" cy="401007"/>
+            <a:off x="9525000" y="4472297"/>
+            <a:ext cx="1531620" cy="563880"/>
           </a:xfrm>
           <a:prstGeom prst="rect">
             <a:avLst/>
           </a:prstGeom>
-          <a:noFill/>
         </p:spPr>
-        <p:txBody>
-          <a:bodyPr wrap="square">
-            <a:spAutoFit/>
-          </a:bodyPr>
-          <a:lstStyle/>
-          <a:p>
-            <a:pPr defTabSz="509596"/>
-            <a:endParaRPr lang="es-PE" sz="2006" dirty="0">
-              <a:solidFill>
-                <a:srgbClr val="70655C"/>
-              </a:solidFill>
-              <a:latin typeface="Calibri"/>
-            </a:endParaRPr>
-          </a:p>
-        </p:txBody>
-      </p:sp>
+      </p:pic>
+      <p:pic>
+        <p:nvPicPr>
+          <p:cNvPr id="7" name="Imagen 6">
+            <a:extLst>
+              <a:ext uri="{FF2B5EF4-FFF2-40B4-BE49-F238E27FC236}">
+                <a16:creationId xmlns:a16="http://schemas.microsoft.com/office/drawing/2014/main" id="{EAF40000-4CC6-2E9B-BB9D-D737B54D93DB}"/>
+              </a:ext>
+            </a:extLst>
+          </p:cNvPr>
+          <p:cNvPicPr>
+            <a:picLocks noChangeAspect="1"/>
+          </p:cNvPicPr>
+          <p:nvPr/>
+        </p:nvPicPr>
+        <p:blipFill>
+          <a:blip r:embed="rId6"/>
+          <a:stretch>
+            <a:fillRect/>
+          </a:stretch>
+        </p:blipFill>
+        <p:spPr>
+          <a:xfrm>
+            <a:off x="6794048" y="5488985"/>
+            <a:ext cx="3817620" cy="563880"/>
+          </a:xfrm>
+          <a:prstGeom prst="rect">
+            <a:avLst/>
+          </a:prstGeom>
+        </p:spPr>
+      </p:pic>
+      <p:pic>
+        <p:nvPicPr>
+          <p:cNvPr id="9" name="Imagen 8">
+            <a:extLst>
+              <a:ext uri="{FF2B5EF4-FFF2-40B4-BE49-F238E27FC236}">
+                <a16:creationId xmlns:a16="http://schemas.microsoft.com/office/drawing/2014/main" id="{765456ED-5B54-6CB2-E46E-2A57BAED095E}"/>
+              </a:ext>
+            </a:extLst>
+          </p:cNvPr>
+          <p:cNvPicPr>
+            <a:picLocks noChangeAspect="1"/>
+          </p:cNvPicPr>
+          <p:nvPr/>
+        </p:nvPicPr>
+        <p:blipFill>
+          <a:blip r:embed="rId7"/>
+          <a:stretch>
+            <a:fillRect/>
+          </a:stretch>
+        </p:blipFill>
+        <p:spPr>
+          <a:xfrm>
+            <a:off x="53975" y="3964596"/>
+            <a:ext cx="5734957" cy="2880000"/>
+          </a:xfrm>
+          <a:prstGeom prst="rect">
+            <a:avLst/>
+          </a:prstGeom>
+        </p:spPr>
+      </p:pic>
+      <p:pic>
+        <p:nvPicPr>
+          <p:cNvPr id="11" name="Imagen 10">
+            <a:extLst>
+              <a:ext uri="{FF2B5EF4-FFF2-40B4-BE49-F238E27FC236}">
+                <a16:creationId xmlns:a16="http://schemas.microsoft.com/office/drawing/2014/main" id="{4C14969A-2757-68EA-A277-55D3033B84EF}"/>
+              </a:ext>
+            </a:extLst>
+          </p:cNvPr>
+          <p:cNvPicPr>
+            <a:picLocks noChangeAspect="1"/>
+          </p:cNvPicPr>
+          <p:nvPr/>
+        </p:nvPicPr>
+        <p:blipFill>
+          <a:blip r:embed="rId8"/>
+          <a:stretch>
+            <a:fillRect/>
+          </a:stretch>
+        </p:blipFill>
+        <p:spPr>
+          <a:xfrm>
+            <a:off x="53975" y="1084596"/>
+            <a:ext cx="5734957" cy="2880000"/>
+          </a:xfrm>
+          <a:prstGeom prst="rect">
+            <a:avLst/>
+          </a:prstGeom>
+        </p:spPr>
+      </p:pic>
+      <p:pic>
+        <p:nvPicPr>
+          <p:cNvPr id="14" name="Imagen 13">
+            <a:extLst>
+              <a:ext uri="{FF2B5EF4-FFF2-40B4-BE49-F238E27FC236}">
+                <a16:creationId xmlns:a16="http://schemas.microsoft.com/office/drawing/2014/main" id="{778EF45B-CF07-9735-CC20-50EFEB538ED4}"/>
+              </a:ext>
+            </a:extLst>
+          </p:cNvPr>
+          <p:cNvPicPr>
+            <a:picLocks noChangeAspect="1"/>
+          </p:cNvPicPr>
+          <p:nvPr/>
+        </p:nvPicPr>
+        <p:blipFill>
+          <a:blip r:embed="rId9"/>
+          <a:stretch>
+            <a:fillRect/>
+          </a:stretch>
+        </p:blipFill>
+        <p:spPr>
+          <a:xfrm>
+            <a:off x="6096000" y="1084596"/>
+            <a:ext cx="5734957" cy="2880000"/>
+          </a:xfrm>
+          <a:prstGeom prst="rect">
+            <a:avLst/>
+          </a:prstGeom>
+        </p:spPr>
+      </p:pic>
     </p:spTree>
     <p:extLst>
       <p:ext uri="{BB962C8B-B14F-4D97-AF65-F5344CB8AC3E}">
-        <p14:creationId xmlns:p14="http://schemas.microsoft.com/office/powerpoint/2010/main" val="108024611"/>
+        <p14:creationId xmlns:p14="http://schemas.microsoft.com/office/powerpoint/2010/main" val="2338798254"/>
       </p:ext>
     </p:extLst>
   </p:cSld>
   <p:clrMapOvr>
     <a:masterClrMapping/>
   </p:clrMapOvr>
+  <p:timing>
+    <p:tnLst>
+      <p:par>
+        <p:cTn id="1" dur="indefinite" restart="never" nodeType="tmRoot">
+          <p:childTnLst>
+            <p:seq concurrent="1" nextAc="seek">
+              <p:cTn id="2" dur="indefinite" nodeType="mainSeq">
+                <p:childTnLst>
+                  <p:par>
+                    <p:cTn id="3" fill="hold">
+                      <p:stCondLst>
+                        <p:cond delay="indefinite"/>
+                      </p:stCondLst>
+                      <p:childTnLst>
+                        <p:par>
+                          <p:cTn id="4" fill="hold">
+                            <p:stCondLst>
+                              <p:cond delay="0"/>
+                            </p:stCondLst>
+                            <p:childTnLst>
+                              <p:par>
+                                <p:cTn id="5" presetID="1" presetClass="entr" presetSubtype="0" fill="hold" nodeType="clickEffect">
+                                  <p:stCondLst>
+                                    <p:cond delay="0"/>
+                                  </p:stCondLst>
+                                  <p:childTnLst>
+                                    <p:set>
+                                      <p:cBhvr>
+                                        <p:cTn id="6" dur="1" fill="hold">
+                                          <p:stCondLst>
+                                            <p:cond delay="0"/>
+                                          </p:stCondLst>
+                                        </p:cTn>
+                                        <p:tgtEl>
+                                          <p:spTgt spid="9"/>
+                                        </p:tgtEl>
+                                        <p:attrNameLst>
+                                          <p:attrName>style.visibility</p:attrName>
+                                        </p:attrNameLst>
+                                      </p:cBhvr>
+                                      <p:to>
+                                        <p:strVal val="visible"/>
+                                      </p:to>
+                                    </p:set>
+                                  </p:childTnLst>
+                                </p:cTn>
+                              </p:par>
+                            </p:childTnLst>
+                          </p:cTn>
+                        </p:par>
+                      </p:childTnLst>
+                    </p:cTn>
+                  </p:par>
+                  <p:par>
+                    <p:cTn id="7" fill="hold">
+                      <p:stCondLst>
+                        <p:cond delay="indefinite"/>
+                      </p:stCondLst>
+                      <p:childTnLst>
+                        <p:par>
+                          <p:cTn id="8" fill="hold">
+                            <p:stCondLst>
+                              <p:cond delay="0"/>
+                            </p:stCondLst>
+                            <p:childTnLst>
+                              <p:par>
+                                <p:cTn id="9" presetID="1" presetClass="entr" presetSubtype="0" fill="hold" grpId="0" nodeType="clickEffect">
+                                  <p:stCondLst>
+                                    <p:cond delay="0"/>
+                                  </p:stCondLst>
+                                  <p:childTnLst>
+                                    <p:set>
+                                      <p:cBhvr>
+                                        <p:cTn id="10" dur="1" fill="hold">
+                                          <p:stCondLst>
+                                            <p:cond delay="0"/>
+                                          </p:stCondLst>
+                                        </p:cTn>
+                                        <p:tgtEl>
+                                          <p:spTgt spid="22"/>
+                                        </p:tgtEl>
+                                        <p:attrNameLst>
+                                          <p:attrName>style.visibility</p:attrName>
+                                        </p:attrNameLst>
+                                      </p:cBhvr>
+                                      <p:to>
+                                        <p:strVal val="visible"/>
+                                      </p:to>
+                                    </p:set>
+                                  </p:childTnLst>
+                                </p:cTn>
+                              </p:par>
+                              <p:par>
+                                <p:cTn id="11" presetID="1" presetClass="entr" presetSubtype="0" fill="hold" nodeType="withEffect">
+                                  <p:stCondLst>
+                                    <p:cond delay="0"/>
+                                  </p:stCondLst>
+                                  <p:childTnLst>
+                                    <p:set>
+                                      <p:cBhvr>
+                                        <p:cTn id="12" dur="1" fill="hold">
+                                          <p:stCondLst>
+                                            <p:cond delay="0"/>
+                                          </p:stCondLst>
+                                        </p:cTn>
+                                        <p:tgtEl>
+                                          <p:spTgt spid="5"/>
+                                        </p:tgtEl>
+                                        <p:attrNameLst>
+                                          <p:attrName>style.visibility</p:attrName>
+                                        </p:attrNameLst>
+                                      </p:cBhvr>
+                                      <p:to>
+                                        <p:strVal val="visible"/>
+                                      </p:to>
+                                    </p:set>
+                                  </p:childTnLst>
+                                </p:cTn>
+                              </p:par>
+                              <p:par>
+                                <p:cTn id="13" presetID="1" presetClass="entr" presetSubtype="0" fill="hold" nodeType="withEffect">
+                                  <p:stCondLst>
+                                    <p:cond delay="0"/>
+                                  </p:stCondLst>
+                                  <p:childTnLst>
+                                    <p:set>
+                                      <p:cBhvr>
+                                        <p:cTn id="14" dur="1" fill="hold">
+                                          <p:stCondLst>
+                                            <p:cond delay="0"/>
+                                          </p:stCondLst>
+                                        </p:cTn>
+                                        <p:tgtEl>
+                                          <p:spTgt spid="6"/>
+                                        </p:tgtEl>
+                                        <p:attrNameLst>
+                                          <p:attrName>style.visibility</p:attrName>
+                                        </p:attrNameLst>
+                                      </p:cBhvr>
+                                      <p:to>
+                                        <p:strVal val="visible"/>
+                                      </p:to>
+                                    </p:set>
+                                  </p:childTnLst>
+                                </p:cTn>
+                              </p:par>
+                              <p:par>
+                                <p:cTn id="15" presetID="1" presetClass="entr" presetSubtype="0" fill="hold" nodeType="withEffect">
+                                  <p:stCondLst>
+                                    <p:cond delay="0"/>
+                                  </p:stCondLst>
+                                  <p:childTnLst>
+                                    <p:set>
+                                      <p:cBhvr>
+                                        <p:cTn id="16" dur="1" fill="hold">
+                                          <p:stCondLst>
+                                            <p:cond delay="0"/>
+                                          </p:stCondLst>
+                                        </p:cTn>
+                                        <p:tgtEl>
+                                          <p:spTgt spid="7"/>
+                                        </p:tgtEl>
+                                        <p:attrNameLst>
+                                          <p:attrName>style.visibility</p:attrName>
+                                        </p:attrNameLst>
+                                      </p:cBhvr>
+                                      <p:to>
+                                        <p:strVal val="visible"/>
+                                      </p:to>
+                                    </p:set>
+                                  </p:childTnLst>
+                                </p:cTn>
+                              </p:par>
+                            </p:childTnLst>
+                          </p:cTn>
+                        </p:par>
+                      </p:childTnLst>
+                    </p:cTn>
+                  </p:par>
+                </p:childTnLst>
+              </p:cTn>
+              <p:prevCondLst>
+                <p:cond evt="onPrev" delay="0">
+                  <p:tgtEl>
+                    <p:sldTgt/>
+                  </p:tgtEl>
+                </p:cond>
+              </p:prevCondLst>
+              <p:nextCondLst>
+                <p:cond evt="onNext" delay="0">
+                  <p:tgtEl>
+                    <p:sldTgt/>
+                  </p:tgtEl>
+                </p:cond>
+              </p:nextCondLst>
+            </p:seq>
+          </p:childTnLst>
+        </p:cTn>
+      </p:par>
+    </p:tnLst>
+    <p:bldLst>
+      <p:bldP spid="22" grpId="0" animBg="1"/>
+    </p:bldLst>
+  </p:timing>
+</p:sld>
+</file>
+
+<file path=ppt/slides/slide9.xml><?xml version="1.0" encoding="utf-8"?>
+<p:sld xmlns:a="http://schemas.openxmlformats.org/drawingml/2006/main" xmlns:r="http://schemas.openxmlformats.org/officeDocument/2006/relationships" xmlns:p="http://schemas.openxmlformats.org/presentationml/2006/main">
+  <p:cSld>
+    <p:spTree>
+      <p:nvGrpSpPr>
+        <p:cNvPr id="1" name=""/>
+        <p:cNvGrpSpPr/>
+        <p:nvPr/>
+      </p:nvGrpSpPr>
+      <p:grpSpPr>
+        <a:xfrm>
+          <a:off x="0" y="0"/>
+          <a:ext cx="0" cy="0"/>
+          <a:chOff x="0" y="0"/>
+          <a:chExt cx="0" cy="0"/>
+        </a:xfrm>
+      </p:grpSpPr>
+      <p:sp>
+        <p:nvSpPr>
+          <p:cNvPr id="8" name="Título 1">
+            <a:extLst>
+              <a:ext uri="{FF2B5EF4-FFF2-40B4-BE49-F238E27FC236}">
+                <a16:creationId xmlns:a16="http://schemas.microsoft.com/office/drawing/2014/main" id="{956DA916-E897-09FC-AEB7-0FBA49B823EC}"/>
+              </a:ext>
+            </a:extLst>
+          </p:cNvPr>
+          <p:cNvSpPr txBox="1">
+            <a:spLocks/>
+          </p:cNvSpPr>
+          <p:nvPr/>
+        </p:nvSpPr>
+        <p:spPr>
+          <a:xfrm>
+            <a:off x="609600" y="216364"/>
+            <a:ext cx="7711388" cy="621836"/>
+          </a:xfrm>
+          <a:prstGeom prst="rect">
+            <a:avLst/>
+          </a:prstGeom>
+        </p:spPr>
+        <p:txBody>
+          <a:bodyPr vert="horz" lIns="198132" tIns="99066" rIns="198132" bIns="99066" rtlCol="0" anchor="t">
+            <a:normAutofit/>
+          </a:bodyPr>
+          <a:lstStyle>
+            <a:lvl1pPr algn="l" defTabSz="509596" rtl="0" eaLnBrk="1" latinLnBrk="0" hangingPunct="1">
+              <a:spcBef>
+                <a:spcPct val="0"/>
+              </a:spcBef>
+              <a:buNone/>
+              <a:defRPr sz="2778" b="1" kern="1200">
+                <a:solidFill>
+                  <a:schemeClr val="bg1"/>
+                </a:solidFill>
+                <a:latin typeface="Bree"/>
+                <a:ea typeface="+mj-ea"/>
+                <a:cs typeface="Bree"/>
+              </a:defRPr>
+            </a:lvl1pPr>
+          </a:lstStyle>
+          <a:p>
+            <a:r>
+              <a:rPr lang="es-ES" dirty="0"/>
+              <a:t>INDICADORES – ADMINISTRACIÓN Y FINANZAS</a:t>
+            </a:r>
+          </a:p>
+        </p:txBody>
+      </p:sp>
+      <p:sp>
+        <p:nvSpPr>
+          <p:cNvPr id="22" name="Abrir llave 21">
+            <a:extLst>
+              <a:ext uri="{FF2B5EF4-FFF2-40B4-BE49-F238E27FC236}">
+                <a16:creationId xmlns:a16="http://schemas.microsoft.com/office/drawing/2014/main" id="{C41F5FAD-9A81-F599-6ECE-4810047F8851}"/>
+              </a:ext>
+            </a:extLst>
+          </p:cNvPr>
+          <p:cNvSpPr/>
+          <p:nvPr/>
+        </p:nvSpPr>
+        <p:spPr>
+          <a:xfrm>
+            <a:off x="6019800" y="4191000"/>
+            <a:ext cx="383270" cy="2362200"/>
+          </a:xfrm>
+          <a:prstGeom prst="leftBrace">
+            <a:avLst/>
+          </a:prstGeom>
+        </p:spPr>
+        <p:style>
+          <a:lnRef idx="2">
+            <a:schemeClr val="accent1"/>
+          </a:lnRef>
+          <a:fillRef idx="0">
+            <a:schemeClr val="accent1"/>
+          </a:fillRef>
+          <a:effectRef idx="1">
+            <a:schemeClr val="accent1"/>
+          </a:effectRef>
+          <a:fontRef idx="minor">
+            <a:schemeClr val="tx1"/>
+          </a:fontRef>
+        </p:style>
+        <p:txBody>
+          <a:bodyPr rtlCol="0" anchor="ctr"/>
+          <a:lstStyle/>
+          <a:p>
+            <a:pPr algn="ctr"/>
+            <a:endParaRPr lang="es-PE"/>
+          </a:p>
+        </p:txBody>
+      </p:sp>
+      <p:pic>
+        <p:nvPicPr>
+          <p:cNvPr id="5" name="Imagen 4">
+            <a:extLst>
+              <a:ext uri="{FF2B5EF4-FFF2-40B4-BE49-F238E27FC236}">
+                <a16:creationId xmlns:a16="http://schemas.microsoft.com/office/drawing/2014/main" id="{FAE4D27A-405E-0360-659F-0D4DDB387433}"/>
+              </a:ext>
+            </a:extLst>
+          </p:cNvPr>
+          <p:cNvPicPr>
+            <a:picLocks noChangeAspect="1"/>
+          </p:cNvPicPr>
+          <p:nvPr/>
+        </p:nvPicPr>
+        <p:blipFill>
+          <a:blip r:embed="rId4"/>
+          <a:stretch>
+            <a:fillRect/>
+          </a:stretch>
+        </p:blipFill>
+        <p:spPr>
+          <a:xfrm>
+            <a:off x="6794048" y="4457160"/>
+            <a:ext cx="2080260" cy="929640"/>
+          </a:xfrm>
+          <a:prstGeom prst="rect">
+            <a:avLst/>
+          </a:prstGeom>
+        </p:spPr>
+      </p:pic>
+      <p:pic>
+        <p:nvPicPr>
+          <p:cNvPr id="6" name="Imagen 5">
+            <a:extLst>
+              <a:ext uri="{FF2B5EF4-FFF2-40B4-BE49-F238E27FC236}">
+                <a16:creationId xmlns:a16="http://schemas.microsoft.com/office/drawing/2014/main" id="{346B08E5-FB18-E4C2-53EE-E23070A92677}"/>
+              </a:ext>
+            </a:extLst>
+          </p:cNvPr>
+          <p:cNvPicPr>
+            <a:picLocks noChangeAspect="1"/>
+          </p:cNvPicPr>
+          <p:nvPr/>
+        </p:nvPicPr>
+        <p:blipFill>
+          <a:blip r:embed="rId5"/>
+          <a:stretch>
+            <a:fillRect/>
+          </a:stretch>
+        </p:blipFill>
+        <p:spPr>
+          <a:xfrm>
+            <a:off x="9525000" y="4472297"/>
+            <a:ext cx="1531620" cy="563880"/>
+          </a:xfrm>
+          <a:prstGeom prst="rect">
+            <a:avLst/>
+          </a:prstGeom>
+        </p:spPr>
+      </p:pic>
+      <p:pic>
+        <p:nvPicPr>
+          <p:cNvPr id="7" name="Imagen 6">
+            <a:extLst>
+              <a:ext uri="{FF2B5EF4-FFF2-40B4-BE49-F238E27FC236}">
+                <a16:creationId xmlns:a16="http://schemas.microsoft.com/office/drawing/2014/main" id="{EAF40000-4CC6-2E9B-BB9D-D737B54D93DB}"/>
+              </a:ext>
+            </a:extLst>
+          </p:cNvPr>
+          <p:cNvPicPr>
+            <a:picLocks noChangeAspect="1"/>
+          </p:cNvPicPr>
+          <p:nvPr/>
+        </p:nvPicPr>
+        <p:blipFill>
+          <a:blip r:embed="rId6"/>
+          <a:stretch>
+            <a:fillRect/>
+          </a:stretch>
+        </p:blipFill>
+        <p:spPr>
+          <a:xfrm>
+            <a:off x="6794048" y="5488985"/>
+            <a:ext cx="3817620" cy="563880"/>
+          </a:xfrm>
+          <a:prstGeom prst="rect">
+            <a:avLst/>
+          </a:prstGeom>
+        </p:spPr>
+      </p:pic>
+      <p:pic>
+        <p:nvPicPr>
+          <p:cNvPr id="9" name="Imagen 8">
+            <a:extLst>
+              <a:ext uri="{FF2B5EF4-FFF2-40B4-BE49-F238E27FC236}">
+                <a16:creationId xmlns:a16="http://schemas.microsoft.com/office/drawing/2014/main" id="{765456ED-5B54-6CB2-E46E-2A57BAED095E}"/>
+              </a:ext>
+            </a:extLst>
+          </p:cNvPr>
+          <p:cNvPicPr>
+            <a:picLocks noChangeAspect="1"/>
+          </p:cNvPicPr>
+          <p:nvPr/>
+        </p:nvPicPr>
+        <p:blipFill>
+          <a:blip r:embed="rId7"/>
+          <a:stretch>
+            <a:fillRect/>
+          </a:stretch>
+        </p:blipFill>
+        <p:spPr>
+          <a:xfrm>
+            <a:off x="53975" y="3964596"/>
+            <a:ext cx="5734957" cy="2880000"/>
+          </a:xfrm>
+          <a:prstGeom prst="rect">
+            <a:avLst/>
+          </a:prstGeom>
+        </p:spPr>
+      </p:pic>
+      <p:pic>
+        <p:nvPicPr>
+          <p:cNvPr id="13" name="Imagen 12">
+            <a:extLst>
+              <a:ext uri="{FF2B5EF4-FFF2-40B4-BE49-F238E27FC236}">
+                <a16:creationId xmlns:a16="http://schemas.microsoft.com/office/drawing/2014/main" id="{CE8997CE-7AF2-FCC8-6F60-1C7B89DA9590}"/>
+              </a:ext>
+            </a:extLst>
+          </p:cNvPr>
+          <p:cNvPicPr>
+            <a:picLocks noChangeAspect="1"/>
+          </p:cNvPicPr>
+          <p:nvPr/>
+        </p:nvPicPr>
+        <p:blipFill>
+          <a:blip r:embed="rId8"/>
+          <a:stretch>
+            <a:fillRect/>
+          </a:stretch>
+        </p:blipFill>
+        <p:spPr>
+          <a:xfrm>
+            <a:off x="6019800" y="1084596"/>
+            <a:ext cx="5734957" cy="2880000"/>
+          </a:xfrm>
+          <a:prstGeom prst="rect">
+            <a:avLst/>
+          </a:prstGeom>
+        </p:spPr>
+      </p:pic>
+      <p:pic>
+        <p:nvPicPr>
+          <p:cNvPr id="17" name="Imagen 16">
+            <a:extLst>
+              <a:ext uri="{FF2B5EF4-FFF2-40B4-BE49-F238E27FC236}">
+                <a16:creationId xmlns:a16="http://schemas.microsoft.com/office/drawing/2014/main" id="{007CE149-808A-BC04-C3EE-8FE6E6F6F23B}"/>
+              </a:ext>
+            </a:extLst>
+          </p:cNvPr>
+          <p:cNvPicPr>
+            <a:picLocks noChangeAspect="1"/>
+          </p:cNvPicPr>
+          <p:nvPr/>
+        </p:nvPicPr>
+        <p:blipFill>
+          <a:blip r:embed="rId9"/>
+          <a:stretch>
+            <a:fillRect/>
+          </a:stretch>
+        </p:blipFill>
+        <p:spPr>
+          <a:xfrm>
+            <a:off x="53974" y="1076129"/>
+            <a:ext cx="5734957" cy="2880000"/>
+          </a:xfrm>
+          <a:prstGeom prst="rect">
+            <a:avLst/>
+          </a:prstGeom>
+        </p:spPr>
+      </p:pic>
+    </p:spTree>
+    <p:extLst>
+      <p:ext uri="{BB962C8B-B14F-4D97-AF65-F5344CB8AC3E}">
+        <p14:creationId xmlns:p14="http://schemas.microsoft.com/office/powerpoint/2010/main" val="2785672042"/>
+      </p:ext>
+    </p:extLst>
+  </p:cSld>
+  <p:clrMapOvr>
+    <a:masterClrMapping/>
+  </p:clrMapOvr>
+  <p:timing>
+    <p:tnLst>
+      <p:par>
+        <p:cTn id="1" dur="indefinite" restart="never" nodeType="tmRoot">
+          <p:childTnLst>
+            <p:seq concurrent="1" nextAc="seek">
+              <p:cTn id="2" dur="indefinite" nodeType="mainSeq">
+                <p:childTnLst>
+                  <p:par>
+                    <p:cTn id="3" fill="hold">
+                      <p:stCondLst>
+                        <p:cond delay="indefinite"/>
+                      </p:stCondLst>
+                      <p:childTnLst>
+                        <p:par>
+                          <p:cTn id="4" fill="hold">
+                            <p:stCondLst>
+                              <p:cond delay="0"/>
+                            </p:stCondLst>
+                            <p:childTnLst>
+                              <p:par>
+                                <p:cTn id="5" presetID="1" presetClass="entr" presetSubtype="0" fill="hold" nodeType="clickEffect">
+                                  <p:stCondLst>
+                                    <p:cond delay="0"/>
+                                  </p:stCondLst>
+                                  <p:childTnLst>
+                                    <p:set>
+                                      <p:cBhvr>
+                                        <p:cTn id="6" dur="1" fill="hold">
+                                          <p:stCondLst>
+                                            <p:cond delay="0"/>
+                                          </p:stCondLst>
+                                        </p:cTn>
+                                        <p:tgtEl>
+                                          <p:spTgt spid="9"/>
+                                        </p:tgtEl>
+                                        <p:attrNameLst>
+                                          <p:attrName>style.visibility</p:attrName>
+                                        </p:attrNameLst>
+                                      </p:cBhvr>
+                                      <p:to>
+                                        <p:strVal val="visible"/>
+                                      </p:to>
+                                    </p:set>
+                                  </p:childTnLst>
+                                </p:cTn>
+                              </p:par>
+                            </p:childTnLst>
+                          </p:cTn>
+                        </p:par>
+                      </p:childTnLst>
+                    </p:cTn>
+                  </p:par>
+                  <p:par>
+                    <p:cTn id="7" fill="hold">
+                      <p:stCondLst>
+                        <p:cond delay="indefinite"/>
+                      </p:stCondLst>
+                      <p:childTnLst>
+                        <p:par>
+                          <p:cTn id="8" fill="hold">
+                            <p:stCondLst>
+                              <p:cond delay="0"/>
+                            </p:stCondLst>
+                            <p:childTnLst>
+                              <p:par>
+                                <p:cTn id="9" presetID="1" presetClass="entr" presetSubtype="0" fill="hold" grpId="0" nodeType="clickEffect">
+                                  <p:stCondLst>
+                                    <p:cond delay="0"/>
+                                  </p:stCondLst>
+                                  <p:childTnLst>
+                                    <p:set>
+                                      <p:cBhvr>
+                                        <p:cTn id="10" dur="1" fill="hold">
+                                          <p:stCondLst>
+                                            <p:cond delay="0"/>
+                                          </p:stCondLst>
+                                        </p:cTn>
+                                        <p:tgtEl>
+                                          <p:spTgt spid="22"/>
+                                        </p:tgtEl>
+                                        <p:attrNameLst>
+                                          <p:attrName>style.visibility</p:attrName>
+                                        </p:attrNameLst>
+                                      </p:cBhvr>
+                                      <p:to>
+                                        <p:strVal val="visible"/>
+                                      </p:to>
+                                    </p:set>
+                                  </p:childTnLst>
+                                </p:cTn>
+                              </p:par>
+                              <p:par>
+                                <p:cTn id="11" presetID="1" presetClass="entr" presetSubtype="0" fill="hold" nodeType="withEffect">
+                                  <p:stCondLst>
+                                    <p:cond delay="0"/>
+                                  </p:stCondLst>
+                                  <p:childTnLst>
+                                    <p:set>
+                                      <p:cBhvr>
+                                        <p:cTn id="12" dur="1" fill="hold">
+                                          <p:stCondLst>
+                                            <p:cond delay="0"/>
+                                          </p:stCondLst>
+                                        </p:cTn>
+                                        <p:tgtEl>
+                                          <p:spTgt spid="5"/>
+                                        </p:tgtEl>
+                                        <p:attrNameLst>
+                                          <p:attrName>style.visibility</p:attrName>
+                                        </p:attrNameLst>
+                                      </p:cBhvr>
+                                      <p:to>
+                                        <p:strVal val="visible"/>
+                                      </p:to>
+                                    </p:set>
+                                  </p:childTnLst>
+                                </p:cTn>
+                              </p:par>
+                              <p:par>
+                                <p:cTn id="13" presetID="1" presetClass="entr" presetSubtype="0" fill="hold" nodeType="withEffect">
+                                  <p:stCondLst>
+                                    <p:cond delay="0"/>
+                                  </p:stCondLst>
+                                  <p:childTnLst>
+                                    <p:set>
+                                      <p:cBhvr>
+                                        <p:cTn id="14" dur="1" fill="hold">
+                                          <p:stCondLst>
+                                            <p:cond delay="0"/>
+                                          </p:stCondLst>
+                                        </p:cTn>
+                                        <p:tgtEl>
+                                          <p:spTgt spid="6"/>
+                                        </p:tgtEl>
+                                        <p:attrNameLst>
+                                          <p:attrName>style.visibility</p:attrName>
+                                        </p:attrNameLst>
+                                      </p:cBhvr>
+                                      <p:to>
+                                        <p:strVal val="visible"/>
+                                      </p:to>
+                                    </p:set>
+                                  </p:childTnLst>
+                                </p:cTn>
+                              </p:par>
+                              <p:par>
+                                <p:cTn id="15" presetID="1" presetClass="entr" presetSubtype="0" fill="hold" nodeType="withEffect">
+                                  <p:stCondLst>
+                                    <p:cond delay="0"/>
+                                  </p:stCondLst>
+                                  <p:childTnLst>
+                                    <p:set>
+                                      <p:cBhvr>
+                                        <p:cTn id="16" dur="1" fill="hold">
+                                          <p:stCondLst>
+                                            <p:cond delay="0"/>
+                                          </p:stCondLst>
+                                        </p:cTn>
+                                        <p:tgtEl>
+                                          <p:spTgt spid="7"/>
+                                        </p:tgtEl>
+                                        <p:attrNameLst>
+                                          <p:attrName>style.visibility</p:attrName>
+                                        </p:attrNameLst>
+                                      </p:cBhvr>
+                                      <p:to>
+                                        <p:strVal val="visible"/>
+                                      </p:to>
+                                    </p:set>
+                                  </p:childTnLst>
+                                </p:cTn>
+                              </p:par>
+                            </p:childTnLst>
+                          </p:cTn>
+                        </p:par>
+                      </p:childTnLst>
+                    </p:cTn>
+                  </p:par>
+                </p:childTnLst>
+              </p:cTn>
+              <p:prevCondLst>
+                <p:cond evt="onPrev" delay="0">
+                  <p:tgtEl>
+                    <p:sldTgt/>
+                  </p:tgtEl>
+                </p:cond>
+              </p:prevCondLst>
+              <p:nextCondLst>
+                <p:cond evt="onNext" delay="0">
+                  <p:tgtEl>
+                    <p:sldTgt/>
+                  </p:tgtEl>
+                </p:cond>
+              </p:nextCondLst>
+            </p:seq>
+          </p:childTnLst>
+        </p:cTn>
+      </p:par>
+    </p:tnLst>
+    <p:bldLst>
+      <p:bldP spid="22" grpId="0" animBg="1"/>
+    </p:bldLst>
+  </p:timing>
 </p:sld>
 </file>
 

--- a/Indicadores/Operaciones & Canales - Business Partner.pptx
+++ b/Indicadores/Operaciones & Canales - Business Partner.pptx
@@ -5274,7 +5274,7 @@
           <a:p>
             <a:fld id="{16E5A675-8F44-4A39-9A6C-FE04A9FA42DF}" type="datetimeFigureOut">
               <a:rPr lang="es-PE" smtClean="0"/>
-              <a:t>25/07/2023</a:t>
+              <a:t>26/07/2023</a:t>
             </a:fld>
             <a:endParaRPr lang="es-PE"/>
           </a:p>
@@ -9142,7 +9142,7 @@
           <a:p>
             <a:fld id="{7D61480B-5D0B-4641-8120-A6A267B92A74}" type="datetimeFigureOut">
               <a:rPr lang="es-PE" smtClean="0"/>
-              <a:t>25/07/2023</a:t>
+              <a:t>26/07/2023</a:t>
             </a:fld>
             <a:endParaRPr lang="es-PE"/>
           </a:p>
@@ -9461,7 +9461,7 @@
           <a:p>
             <a:fld id="{1D8BD707-D9CF-40AE-B4C6-C98DA3205C09}" type="datetimeFigureOut">
               <a:rPr lang="en-US" smtClean="0"/>
-              <a:t>7/25/2023</a:t>
+              <a:t>7/26/2023</a:t>
             </a:fld>
             <a:endParaRPr lang="en-US"/>
           </a:p>
@@ -9785,7 +9785,7 @@
           <a:p>
             <a:fld id="{1D8BD707-D9CF-40AE-B4C6-C98DA3205C09}" type="datetimeFigureOut">
               <a:rPr lang="en-US" smtClean="0"/>
-              <a:t>7/25/2023</a:t>
+              <a:t>7/26/2023</a:t>
             </a:fld>
             <a:endParaRPr lang="en-US"/>
           </a:p>
@@ -11025,7 +11025,7 @@
           <a:p>
             <a:fld id="{1D8BD707-D9CF-40AE-B4C6-C98DA3205C09}" type="datetimeFigureOut">
               <a:rPr lang="en-US" smtClean="0"/>
-              <a:t>7/25/2023</a:t>
+              <a:t>7/26/2023</a:t>
             </a:fld>
             <a:endParaRPr lang="en-US"/>
           </a:p>
@@ -11285,7 +11285,7 @@
           <a:p>
             <a:fld id="{1D8BD707-D9CF-40AE-B4C6-C98DA3205C09}" type="datetimeFigureOut">
               <a:rPr lang="en-US" smtClean="0"/>
-              <a:t>7/25/2023</a:t>
+              <a:t>7/26/2023</a:t>
             </a:fld>
             <a:endParaRPr lang="en-US"/>
           </a:p>
@@ -11522,7 +11522,7 @@
           <a:p>
             <a:fld id="{1D8BD707-D9CF-40AE-B4C6-C98DA3205C09}" type="datetimeFigureOut">
               <a:rPr lang="en-US" smtClean="0"/>
-              <a:t>7/25/2023</a:t>
+              <a:t>7/26/2023</a:t>
             </a:fld>
             <a:endParaRPr lang="en-US"/>
           </a:p>
@@ -11873,7 +11873,7 @@
             <a:fld id="{E641CBFB-3434-504D-922F-CD410F45CD3E}" type="datetime3">
               <a:rPr lang="es-MX" smtClean="0"/>
               <a:pPr/>
-              <a:t>25.07.23</a:t>
+              <a:t>26.07.23</a:t>
             </a:fld>
             <a:endParaRPr lang="es-ES" dirty="0"/>
           </a:p>
@@ -12692,7 +12692,7 @@
             <a:fld id="{D4A63551-3C26-9045-96AE-2BD87758677A}" type="datetime3">
               <a:rPr lang="es-MX" smtClean="0"/>
               <a:pPr/>
-              <a:t>25.07.23</a:t>
+              <a:t>26.07.23</a:t>
             </a:fld>
             <a:endParaRPr lang="es-ES" dirty="0"/>
           </a:p>
@@ -12960,7 +12960,7 @@
             <a:fld id="{D4A63551-3C26-9045-96AE-2BD87758677A}" type="datetime3">
               <a:rPr lang="es-MX" smtClean="0"/>
               <a:pPr/>
-              <a:t>25.07.23</a:t>
+              <a:t>26.07.23</a:t>
             </a:fld>
             <a:endParaRPr lang="es-ES" dirty="0"/>
           </a:p>
@@ -13239,7 +13239,7 @@
             <a:fld id="{D4A63551-3C26-9045-96AE-2BD87758677A}" type="datetime3">
               <a:rPr lang="es-MX" smtClean="0"/>
               <a:pPr/>
-              <a:t>25.07.23</a:t>
+              <a:t>26.07.23</a:t>
             </a:fld>
             <a:endParaRPr lang="es-ES" dirty="0"/>
           </a:p>
@@ -13483,7 +13483,7 @@
           <a:p>
             <a:fld id="{D4A63551-3C26-9045-96AE-2BD87758677A}" type="datetime3">
               <a:rPr lang="es-MX" smtClean="0"/>
-              <a:t>25.07.23</a:t>
+              <a:t>26.07.23</a:t>
             </a:fld>
             <a:endParaRPr lang="es-ES"/>
           </a:p>
@@ -13711,7 +13711,7 @@
           <a:p>
             <a:fld id="{46D72D7E-1F14-2A4A-B6C0-89C8D300E18A}" type="datetime3">
               <a:rPr lang="es-MX" smtClean="0"/>
-              <a:t>25.07.23</a:t>
+              <a:t>26.07.23</a:t>
             </a:fld>
             <a:endParaRPr lang="es-ES"/>
           </a:p>
@@ -14169,7 +14169,7 @@
             <a:fld id="{D4A63551-3C26-9045-96AE-2BD87758677A}" type="datetime3">
               <a:rPr lang="es-MX" smtClean="0"/>
               <a:pPr/>
-              <a:t>25.07.23</a:t>
+              <a:t>26.07.23</a:t>
             </a:fld>
             <a:endParaRPr lang="es-ES" dirty="0"/>
           </a:p>
@@ -14494,7 +14494,7 @@
             <a:fld id="{D4A63551-3C26-9045-96AE-2BD87758677A}" type="datetime3">
               <a:rPr lang="es-MX" smtClean="0"/>
               <a:pPr/>
-              <a:t>25.07.23</a:t>
+              <a:t>26.07.23</a:t>
             </a:fld>
             <a:endParaRPr lang="es-ES" dirty="0"/>
           </a:p>
@@ -15844,7 +15844,7 @@
           <a:p>
             <a:fld id="{C29CC767-F2BD-044A-A847-5BC2CAE05160}" type="datetime3">
               <a:rPr lang="es-MX" smtClean="0"/>
-              <a:t>25.07.23</a:t>
+              <a:t>26.07.23</a:t>
             </a:fld>
             <a:endParaRPr lang="es-ES"/>
           </a:p>
@@ -16105,7 +16105,7 @@
           <a:p>
             <a:fld id="{F8B8A36E-3F4B-3A42-9B2A-DDD067899FD1}" type="datetime3">
               <a:rPr lang="es-MX" smtClean="0"/>
-              <a:t>25.07.23</a:t>
+              <a:t>26.07.23</a:t>
             </a:fld>
             <a:endParaRPr lang="es-ES"/>
           </a:p>
@@ -16344,7 +16344,7 @@
           <a:p>
             <a:fld id="{FE5F15EB-5440-A447-B4DA-B98A2623BDB0}" type="datetime3">
               <a:rPr lang="es-MX" smtClean="0"/>
-              <a:t>25.07.23</a:t>
+              <a:t>26.07.23</a:t>
             </a:fld>
             <a:endParaRPr lang="es-ES" dirty="0"/>
           </a:p>
@@ -16610,7 +16610,7 @@
           <a:p>
             <a:fld id="{7D61480B-5D0B-4641-8120-A6A267B92A74}" type="datetimeFigureOut">
               <a:rPr lang="es-PE" smtClean="0"/>
-              <a:t>25/07/2023</a:t>
+              <a:t>26/07/2023</a:t>
             </a:fld>
             <a:endParaRPr lang="es-PE"/>
           </a:p>
@@ -16877,7 +16877,7 @@
           <a:p>
             <a:fld id="{1D8BD707-D9CF-40AE-B4C6-C98DA3205C09}" type="datetimeFigureOut">
               <a:rPr lang="en-US" smtClean="0"/>
-              <a:t>7/25/2023</a:t>
+              <a:t>7/26/2023</a:t>
             </a:fld>
             <a:endParaRPr lang="en-US"/>
           </a:p>
@@ -17155,7 +17155,7 @@
           <a:p>
             <a:fld id="{1D8BD707-D9CF-40AE-B4C6-C98DA3205C09}" type="datetimeFigureOut">
               <a:rPr lang="en-US" smtClean="0"/>
-              <a:t>7/25/2023</a:t>
+              <a:t>7/26/2023</a:t>
             </a:fld>
             <a:endParaRPr lang="en-US"/>
           </a:p>
@@ -17399,7 +17399,7 @@
           <a:p>
             <a:fld id="{1D8BD707-D9CF-40AE-B4C6-C98DA3205C09}" type="datetimeFigureOut">
               <a:rPr lang="en-US" smtClean="0"/>
-              <a:t>7/25/2023</a:t>
+              <a:t>7/26/2023</a:t>
             </a:fld>
             <a:endParaRPr lang="en-US"/>
           </a:p>
@@ -17627,7 +17627,7 @@
           <a:p>
             <a:fld id="{1D8BD707-D9CF-40AE-B4C6-C98DA3205C09}" type="datetimeFigureOut">
               <a:rPr lang="en-US" smtClean="0"/>
-              <a:t>7/25/2023</a:t>
+              <a:t>7/26/2023</a:t>
             </a:fld>
             <a:endParaRPr lang="en-US"/>
           </a:p>
@@ -18131,7 +18131,7 @@
           <a:p>
             <a:fld id="{1D8BD707-D9CF-40AE-B4C6-C98DA3205C09}" type="datetimeFigureOut">
               <a:rPr lang="en-US" smtClean="0"/>
-              <a:t>7/25/2023</a:t>
+              <a:t>7/26/2023</a:t>
             </a:fld>
             <a:endParaRPr lang="en-US"/>
           </a:p>
@@ -18768,7 +18768,7 @@
             <a:fld id="{91A2AFE9-85E7-8B4A-A234-1720736C8EBA}" type="datetime3">
               <a:rPr lang="es-MX" smtClean="0"/>
               <a:pPr/>
-              <a:t>25.07.23</a:t>
+              <a:t>26.07.23</a:t>
             </a:fld>
             <a:endParaRPr lang="es-ES" dirty="0"/>
           </a:p>
@@ -19365,10 +19365,40 @@
       </p:sp>
       <p:pic>
         <p:nvPicPr>
-          <p:cNvPr id="5" name="Imagen 4">
+          <p:cNvPr id="13" name="Imagen 12">
             <a:extLst>
               <a:ext uri="{FF2B5EF4-FFF2-40B4-BE49-F238E27FC236}">
-                <a16:creationId xmlns:a16="http://schemas.microsoft.com/office/drawing/2014/main" id="{FAE4D27A-405E-0360-659F-0D4DDB387433}"/>
+                <a16:creationId xmlns:a16="http://schemas.microsoft.com/office/drawing/2014/main" id="{6840A28C-7DED-1A78-702E-5D603F1FB9EF}"/>
+              </a:ext>
+            </a:extLst>
+          </p:cNvPr>
+          <p:cNvPicPr>
+            <a:picLocks noChangeAspect="1"/>
+          </p:cNvPicPr>
+          <p:nvPr/>
+        </p:nvPicPr>
+        <p:blipFill>
+          <a:blip r:embed="rId3"/>
+          <a:stretch>
+            <a:fillRect/>
+          </a:stretch>
+        </p:blipFill>
+        <p:spPr>
+          <a:xfrm>
+            <a:off x="45508" y="1084596"/>
+            <a:ext cx="5734957" cy="2880000"/>
+          </a:xfrm>
+          <a:prstGeom prst="rect">
+            <a:avLst/>
+          </a:prstGeom>
+        </p:spPr>
+      </p:pic>
+      <p:pic>
+        <p:nvPicPr>
+          <p:cNvPr id="10" name="Imagen 9">
+            <a:extLst>
+              <a:ext uri="{FF2B5EF4-FFF2-40B4-BE49-F238E27FC236}">
+                <a16:creationId xmlns:a16="http://schemas.microsoft.com/office/drawing/2014/main" id="{B1650496-08BE-56B1-6A92-EE241747629A}"/>
               </a:ext>
             </a:extLst>
           </p:cNvPr>
@@ -19385,8 +19415,8 @@
         </p:blipFill>
         <p:spPr>
           <a:xfrm>
-            <a:off x="6794048" y="4457160"/>
-            <a:ext cx="2080260" cy="929640"/>
+            <a:off x="6781214" y="5484021"/>
+            <a:ext cx="4495800" cy="929640"/>
           </a:xfrm>
           <a:prstGeom prst="rect">
             <a:avLst/>
@@ -19395,10 +19425,10 @@
       </p:pic>
       <p:pic>
         <p:nvPicPr>
-          <p:cNvPr id="6" name="Imagen 5">
+          <p:cNvPr id="11" name="Imagen 10">
             <a:extLst>
               <a:ext uri="{FF2B5EF4-FFF2-40B4-BE49-F238E27FC236}">
-                <a16:creationId xmlns:a16="http://schemas.microsoft.com/office/drawing/2014/main" id="{346B08E5-FB18-E4C2-53EE-E23070A92677}"/>
+                <a16:creationId xmlns:a16="http://schemas.microsoft.com/office/drawing/2014/main" id="{9DB1A64A-5C15-C6AE-2752-24D45119550D}"/>
               </a:ext>
             </a:extLst>
           </p:cNvPr>
@@ -19415,8 +19445,8 @@
         </p:blipFill>
         <p:spPr>
           <a:xfrm>
-            <a:off x="9525000" y="4472297"/>
-            <a:ext cx="1531620" cy="563880"/>
+            <a:off x="5989320" y="1074600"/>
+            <a:ext cx="5734956" cy="2880000"/>
           </a:xfrm>
           <a:prstGeom prst="rect">
             <a:avLst/>
@@ -19425,10 +19455,10 @@
       </p:pic>
       <p:pic>
         <p:nvPicPr>
-          <p:cNvPr id="7" name="Imagen 6">
+          <p:cNvPr id="17" name="Imagen 16">
             <a:extLst>
               <a:ext uri="{FF2B5EF4-FFF2-40B4-BE49-F238E27FC236}">
-                <a16:creationId xmlns:a16="http://schemas.microsoft.com/office/drawing/2014/main" id="{EAF40000-4CC6-2E9B-BB9D-D737B54D93DB}"/>
+                <a16:creationId xmlns:a16="http://schemas.microsoft.com/office/drawing/2014/main" id="{61416EA6-DBF2-8FF2-E9BD-445B33ECAA8C}"/>
               </a:ext>
             </a:extLst>
           </p:cNvPr>
@@ -19445,8 +19475,8 @@
         </p:blipFill>
         <p:spPr>
           <a:xfrm>
-            <a:off x="6794048" y="5488985"/>
-            <a:ext cx="3817620" cy="563880"/>
+            <a:off x="6403070" y="4415462"/>
+            <a:ext cx="2953162" cy="651372"/>
           </a:xfrm>
           <a:prstGeom prst="rect">
             <a:avLst/>
@@ -19455,10 +19485,10 @@
       </p:pic>
       <p:pic>
         <p:nvPicPr>
-          <p:cNvPr id="9" name="Imagen 8">
+          <p:cNvPr id="19" name="Imagen 18">
             <a:extLst>
               <a:ext uri="{FF2B5EF4-FFF2-40B4-BE49-F238E27FC236}">
-                <a16:creationId xmlns:a16="http://schemas.microsoft.com/office/drawing/2014/main" id="{765456ED-5B54-6CB2-E46E-2A57BAED095E}"/>
+                <a16:creationId xmlns:a16="http://schemas.microsoft.com/office/drawing/2014/main" id="{0E6431FD-8D3B-C2EE-AADC-45E8DB1731AE}"/>
               </a:ext>
             </a:extLst>
           </p:cNvPr>
@@ -19475,8 +19505,8 @@
         </p:blipFill>
         <p:spPr>
           <a:xfrm>
-            <a:off x="53975" y="3964596"/>
-            <a:ext cx="5734957" cy="2880000"/>
+            <a:off x="9448800" y="4430166"/>
+            <a:ext cx="1989547" cy="845261"/>
           </a:xfrm>
           <a:prstGeom prst="rect">
             <a:avLst/>
@@ -19485,10 +19515,10 @@
       </p:pic>
       <p:pic>
         <p:nvPicPr>
-          <p:cNvPr id="13" name="Imagen 12">
+          <p:cNvPr id="21" name="Imagen 20">
             <a:extLst>
               <a:ext uri="{FF2B5EF4-FFF2-40B4-BE49-F238E27FC236}">
-                <a16:creationId xmlns:a16="http://schemas.microsoft.com/office/drawing/2014/main" id="{6840A28C-7DED-1A78-702E-5D603F1FB9EF}"/>
+                <a16:creationId xmlns:a16="http://schemas.microsoft.com/office/drawing/2014/main" id="{16AFFC6D-C0B3-115B-5BFE-4EFA166152DB}"/>
               </a:ext>
             </a:extLst>
           </p:cNvPr>
@@ -19497,45 +19527,14 @@
           </p:cNvPicPr>
           <p:nvPr/>
         </p:nvPicPr>
-        <p:blipFill>
+        <p:blipFill rotWithShape="1">
           <a:blip r:embed="rId8"/>
-          <a:stretch>
-            <a:fillRect/>
-          </a:stretch>
+          <a:srcRect l="622"/>
+          <a:stretch/>
         </p:blipFill>
         <p:spPr>
           <a:xfrm>
-            <a:off x="45508" y="1084596"/>
-            <a:ext cx="5734957" cy="2880000"/>
-          </a:xfrm>
-          <a:prstGeom prst="rect">
-            <a:avLst/>
-          </a:prstGeom>
-        </p:spPr>
-      </p:pic>
-      <p:pic>
-        <p:nvPicPr>
-          <p:cNvPr id="16" name="Imagen 15">
-            <a:extLst>
-              <a:ext uri="{FF2B5EF4-FFF2-40B4-BE49-F238E27FC236}">
-                <a16:creationId xmlns:a16="http://schemas.microsoft.com/office/drawing/2014/main" id="{272FFE1D-5E44-0502-89F4-774C4AE70182}"/>
-              </a:ext>
-            </a:extLst>
-          </p:cNvPr>
-          <p:cNvPicPr>
-            <a:picLocks noChangeAspect="1"/>
-          </p:cNvPicPr>
-          <p:nvPr/>
-        </p:nvPicPr>
-        <p:blipFill>
-          <a:blip r:embed="rId9"/>
-          <a:stretch>
-            <a:fillRect/>
-          </a:stretch>
-        </p:blipFill>
-        <p:spPr>
-          <a:xfrm>
-            <a:off x="5938157" y="1084596"/>
+            <a:off x="45509" y="3954600"/>
             <a:ext cx="5734956" cy="2880000"/>
           </a:xfrm>
           <a:prstGeom prst="rect">
@@ -19587,7 +19586,7 @@
                                           </p:stCondLst>
                                         </p:cTn>
                                         <p:tgtEl>
-                                          <p:spTgt spid="9"/>
+                                          <p:spTgt spid="13"/>
                                         </p:tgtEl>
                                         <p:attrNameLst>
                                           <p:attrName>style.visibility</p:attrName>
@@ -19619,7 +19618,7 @@
                             </p:stCondLst>
                             <p:childTnLst>
                               <p:par>
-                                <p:cTn id="9" presetID="1" presetClass="entr" presetSubtype="0" fill="hold" grpId="0" nodeType="clickEffect">
+                                <p:cTn id="9" presetID="1" presetClass="entr" presetSubtype="0" fill="hold" nodeType="clickEffect">
                                   <p:stCondLst>
                                     <p:cond delay="0"/>
                                   </p:stCondLst>
@@ -19627,6 +19626,96 @@
                                     <p:set>
                                       <p:cBhvr>
                                         <p:cTn id="10" dur="1" fill="hold">
+                                          <p:stCondLst>
+                                            <p:cond delay="0"/>
+                                          </p:stCondLst>
+                                        </p:cTn>
+                                        <p:tgtEl>
+                                          <p:spTgt spid="11"/>
+                                        </p:tgtEl>
+                                        <p:attrNameLst>
+                                          <p:attrName>style.visibility</p:attrName>
+                                        </p:attrNameLst>
+                                      </p:cBhvr>
+                                      <p:to>
+                                        <p:strVal val="visible"/>
+                                      </p:to>
+                                    </p:set>
+                                  </p:childTnLst>
+                                </p:cTn>
+                              </p:par>
+                            </p:childTnLst>
+                          </p:cTn>
+                        </p:par>
+                      </p:childTnLst>
+                    </p:cTn>
+                  </p:par>
+                  <p:par>
+                    <p:cTn id="11" fill="hold">
+                      <p:stCondLst>
+                        <p:cond delay="indefinite"/>
+                      </p:stCondLst>
+                      <p:childTnLst>
+                        <p:par>
+                          <p:cTn id="12" fill="hold">
+                            <p:stCondLst>
+                              <p:cond delay="0"/>
+                            </p:stCondLst>
+                            <p:childTnLst>
+                              <p:par>
+                                <p:cTn id="13" presetID="1" presetClass="entr" presetSubtype="0" fill="hold" nodeType="clickEffect">
+                                  <p:stCondLst>
+                                    <p:cond delay="0"/>
+                                  </p:stCondLst>
+                                  <p:childTnLst>
+                                    <p:set>
+                                      <p:cBhvr>
+                                        <p:cTn id="14" dur="1" fill="hold">
+                                          <p:stCondLst>
+                                            <p:cond delay="0"/>
+                                          </p:stCondLst>
+                                        </p:cTn>
+                                        <p:tgtEl>
+                                          <p:spTgt spid="21"/>
+                                        </p:tgtEl>
+                                        <p:attrNameLst>
+                                          <p:attrName>style.visibility</p:attrName>
+                                        </p:attrNameLst>
+                                      </p:cBhvr>
+                                      <p:to>
+                                        <p:strVal val="visible"/>
+                                      </p:to>
+                                    </p:set>
+                                  </p:childTnLst>
+                                </p:cTn>
+                              </p:par>
+                            </p:childTnLst>
+                          </p:cTn>
+                        </p:par>
+                      </p:childTnLst>
+                    </p:cTn>
+                  </p:par>
+                  <p:par>
+                    <p:cTn id="15" fill="hold">
+                      <p:stCondLst>
+                        <p:cond delay="indefinite"/>
+                      </p:stCondLst>
+                      <p:childTnLst>
+                        <p:par>
+                          <p:cTn id="16" fill="hold">
+                            <p:stCondLst>
+                              <p:cond delay="0"/>
+                            </p:stCondLst>
+                            <p:childTnLst>
+                              <p:par>
+                                <p:cTn id="17" presetID="1" presetClass="entr" presetSubtype="0" fill="hold" grpId="0" nodeType="clickEffect">
+                                  <p:stCondLst>
+                                    <p:cond delay="0"/>
+                                  </p:stCondLst>
+                                  <p:childTnLst>
+                                    <p:set>
+                                      <p:cBhvr>
+                                        <p:cTn id="18" dur="1" fill="hold">
                                           <p:stCondLst>
                                             <p:cond delay="0"/>
                                           </p:stCondLst>
@@ -19646,20 +19735,20 @@
                                 </p:cTn>
                               </p:par>
                               <p:par>
-                                <p:cTn id="11" presetID="1" presetClass="entr" presetSubtype="0" fill="hold" nodeType="withEffect">
+                                <p:cTn id="19" presetID="1" presetClass="entr" presetSubtype="0" fill="hold" nodeType="withEffect">
                                   <p:stCondLst>
                                     <p:cond delay="0"/>
                                   </p:stCondLst>
                                   <p:childTnLst>
                                     <p:set>
                                       <p:cBhvr>
-                                        <p:cTn id="12" dur="1" fill="hold">
+                                        <p:cTn id="20" dur="1" fill="hold">
                                           <p:stCondLst>
                                             <p:cond delay="0"/>
                                           </p:stCondLst>
                                         </p:cTn>
                                         <p:tgtEl>
-                                          <p:spTgt spid="5"/>
+                                          <p:spTgt spid="10"/>
                                         </p:tgtEl>
                                         <p:attrNameLst>
                                           <p:attrName>style.visibility</p:attrName>
@@ -19673,20 +19762,20 @@
                                 </p:cTn>
                               </p:par>
                               <p:par>
-                                <p:cTn id="13" presetID="1" presetClass="entr" presetSubtype="0" fill="hold" nodeType="withEffect">
+                                <p:cTn id="21" presetID="1" presetClass="entr" presetSubtype="0" fill="hold" nodeType="withEffect">
                                   <p:stCondLst>
                                     <p:cond delay="0"/>
                                   </p:stCondLst>
                                   <p:childTnLst>
                                     <p:set>
                                       <p:cBhvr>
-                                        <p:cTn id="14" dur="1" fill="hold">
+                                        <p:cTn id="22" dur="1" fill="hold">
                                           <p:stCondLst>
                                             <p:cond delay="0"/>
                                           </p:stCondLst>
                                         </p:cTn>
                                         <p:tgtEl>
-                                          <p:spTgt spid="6"/>
+                                          <p:spTgt spid="17"/>
                                         </p:tgtEl>
                                         <p:attrNameLst>
                                           <p:attrName>style.visibility</p:attrName>
@@ -19700,20 +19789,20 @@
                                 </p:cTn>
                               </p:par>
                               <p:par>
-                                <p:cTn id="15" presetID="1" presetClass="entr" presetSubtype="0" fill="hold" nodeType="withEffect">
+                                <p:cTn id="23" presetID="1" presetClass="entr" presetSubtype="0" fill="hold" nodeType="withEffect">
                                   <p:stCondLst>
                                     <p:cond delay="0"/>
                                   </p:stCondLst>
                                   <p:childTnLst>
                                     <p:set>
                                       <p:cBhvr>
-                                        <p:cTn id="16" dur="1" fill="hold">
+                                        <p:cTn id="24" dur="1" fill="hold">
                                           <p:stCondLst>
                                             <p:cond delay="0"/>
                                           </p:stCondLst>
                                         </p:cTn>
                                         <p:tgtEl>
-                                          <p:spTgt spid="7"/>
+                                          <p:spTgt spid="19"/>
                                         </p:tgtEl>
                                         <p:attrNameLst>
                                           <p:attrName>style.visibility</p:attrName>
@@ -19823,7 +19912,7 @@
           <a:p>
             <a:r>
               <a:rPr lang="es-ES" dirty="0"/>
-              <a:t>INDICADORES – PERSONAS Y FILOSFÍA</a:t>
+              <a:t>INDICADORES – PERSONAS Y FILOSOFÍA</a:t>
             </a:r>
           </a:p>
         </p:txBody>
@@ -19874,126 +19963,6 @@
       </p:sp>
       <p:pic>
         <p:nvPicPr>
-          <p:cNvPr id="5" name="Imagen 4">
-            <a:extLst>
-              <a:ext uri="{FF2B5EF4-FFF2-40B4-BE49-F238E27FC236}">
-                <a16:creationId xmlns:a16="http://schemas.microsoft.com/office/drawing/2014/main" id="{FAE4D27A-405E-0360-659F-0D4DDB387433}"/>
-              </a:ext>
-            </a:extLst>
-          </p:cNvPr>
-          <p:cNvPicPr>
-            <a:picLocks noChangeAspect="1"/>
-          </p:cNvPicPr>
-          <p:nvPr/>
-        </p:nvPicPr>
-        <p:blipFill>
-          <a:blip r:embed="rId4"/>
-          <a:stretch>
-            <a:fillRect/>
-          </a:stretch>
-        </p:blipFill>
-        <p:spPr>
-          <a:xfrm>
-            <a:off x="6794048" y="4457160"/>
-            <a:ext cx="2080260" cy="929640"/>
-          </a:xfrm>
-          <a:prstGeom prst="rect">
-            <a:avLst/>
-          </a:prstGeom>
-        </p:spPr>
-      </p:pic>
-      <p:pic>
-        <p:nvPicPr>
-          <p:cNvPr id="6" name="Imagen 5">
-            <a:extLst>
-              <a:ext uri="{FF2B5EF4-FFF2-40B4-BE49-F238E27FC236}">
-                <a16:creationId xmlns:a16="http://schemas.microsoft.com/office/drawing/2014/main" id="{346B08E5-FB18-E4C2-53EE-E23070A92677}"/>
-              </a:ext>
-            </a:extLst>
-          </p:cNvPr>
-          <p:cNvPicPr>
-            <a:picLocks noChangeAspect="1"/>
-          </p:cNvPicPr>
-          <p:nvPr/>
-        </p:nvPicPr>
-        <p:blipFill>
-          <a:blip r:embed="rId5"/>
-          <a:stretch>
-            <a:fillRect/>
-          </a:stretch>
-        </p:blipFill>
-        <p:spPr>
-          <a:xfrm>
-            <a:off x="9525000" y="4472297"/>
-            <a:ext cx="1531620" cy="563880"/>
-          </a:xfrm>
-          <a:prstGeom prst="rect">
-            <a:avLst/>
-          </a:prstGeom>
-        </p:spPr>
-      </p:pic>
-      <p:pic>
-        <p:nvPicPr>
-          <p:cNvPr id="7" name="Imagen 6">
-            <a:extLst>
-              <a:ext uri="{FF2B5EF4-FFF2-40B4-BE49-F238E27FC236}">
-                <a16:creationId xmlns:a16="http://schemas.microsoft.com/office/drawing/2014/main" id="{EAF40000-4CC6-2E9B-BB9D-D737B54D93DB}"/>
-              </a:ext>
-            </a:extLst>
-          </p:cNvPr>
-          <p:cNvPicPr>
-            <a:picLocks noChangeAspect="1"/>
-          </p:cNvPicPr>
-          <p:nvPr/>
-        </p:nvPicPr>
-        <p:blipFill>
-          <a:blip r:embed="rId6"/>
-          <a:stretch>
-            <a:fillRect/>
-          </a:stretch>
-        </p:blipFill>
-        <p:spPr>
-          <a:xfrm>
-            <a:off x="6794048" y="5488985"/>
-            <a:ext cx="3817620" cy="563880"/>
-          </a:xfrm>
-          <a:prstGeom prst="rect">
-            <a:avLst/>
-          </a:prstGeom>
-        </p:spPr>
-      </p:pic>
-      <p:pic>
-        <p:nvPicPr>
-          <p:cNvPr id="9" name="Imagen 8">
-            <a:extLst>
-              <a:ext uri="{FF2B5EF4-FFF2-40B4-BE49-F238E27FC236}">
-                <a16:creationId xmlns:a16="http://schemas.microsoft.com/office/drawing/2014/main" id="{765456ED-5B54-6CB2-E46E-2A57BAED095E}"/>
-              </a:ext>
-            </a:extLst>
-          </p:cNvPr>
-          <p:cNvPicPr>
-            <a:picLocks noChangeAspect="1"/>
-          </p:cNvPicPr>
-          <p:nvPr/>
-        </p:nvPicPr>
-        <p:blipFill>
-          <a:blip r:embed="rId7"/>
-          <a:stretch>
-            <a:fillRect/>
-          </a:stretch>
-        </p:blipFill>
-        <p:spPr>
-          <a:xfrm>
-            <a:off x="53975" y="3964596"/>
-            <a:ext cx="5734957" cy="2880000"/>
-          </a:xfrm>
-          <a:prstGeom prst="rect">
-            <a:avLst/>
-          </a:prstGeom>
-        </p:spPr>
-      </p:pic>
-      <p:pic>
-        <p:nvPicPr>
           <p:cNvPr id="23" name="Imagen 22">
             <a:extLst>
               <a:ext uri="{FF2B5EF4-FFF2-40B4-BE49-F238E27FC236}">
@@ -20007,7 +19976,7 @@
           <p:nvPr/>
         </p:nvPicPr>
         <p:blipFill>
-          <a:blip r:embed="rId8"/>
+          <a:blip r:embed="rId3"/>
           <a:stretch>
             <a:fillRect/>
           </a:stretch>
@@ -20037,7 +20006,7 @@
           <p:nvPr/>
         </p:nvPicPr>
         <p:blipFill>
-          <a:blip r:embed="rId9"/>
+          <a:blip r:embed="rId4"/>
           <a:stretch>
             <a:fillRect/>
           </a:stretch>
@@ -20046,6 +20015,126 @@
           <a:xfrm>
             <a:off x="6028267" y="1109996"/>
             <a:ext cx="5734955" cy="2880000"/>
+          </a:xfrm>
+          <a:prstGeom prst="rect">
+            <a:avLst/>
+          </a:prstGeom>
+        </p:spPr>
+      </p:pic>
+      <p:pic>
+        <p:nvPicPr>
+          <p:cNvPr id="14" name="Imagen 13">
+            <a:extLst>
+              <a:ext uri="{FF2B5EF4-FFF2-40B4-BE49-F238E27FC236}">
+                <a16:creationId xmlns:a16="http://schemas.microsoft.com/office/drawing/2014/main" id="{7FEF2917-53B2-94CE-AD2F-6CF7AB25B328}"/>
+              </a:ext>
+            </a:extLst>
+          </p:cNvPr>
+          <p:cNvPicPr>
+            <a:picLocks noChangeAspect="1"/>
+          </p:cNvPicPr>
+          <p:nvPr/>
+        </p:nvPicPr>
+        <p:blipFill>
+          <a:blip r:embed="rId5"/>
+          <a:stretch>
+            <a:fillRect/>
+          </a:stretch>
+        </p:blipFill>
+        <p:spPr>
+          <a:xfrm>
+            <a:off x="6633941" y="5552166"/>
+            <a:ext cx="4338859" cy="848634"/>
+          </a:xfrm>
+          <a:prstGeom prst="rect">
+            <a:avLst/>
+          </a:prstGeom>
+        </p:spPr>
+      </p:pic>
+      <p:pic>
+        <p:nvPicPr>
+          <p:cNvPr id="25" name="Imagen 24">
+            <a:extLst>
+              <a:ext uri="{FF2B5EF4-FFF2-40B4-BE49-F238E27FC236}">
+                <a16:creationId xmlns:a16="http://schemas.microsoft.com/office/drawing/2014/main" id="{469E3036-4881-8A3A-5901-16D9D83861F7}"/>
+              </a:ext>
+            </a:extLst>
+          </p:cNvPr>
+          <p:cNvPicPr>
+            <a:picLocks noChangeAspect="1"/>
+          </p:cNvPicPr>
+          <p:nvPr/>
+        </p:nvPicPr>
+        <p:blipFill>
+          <a:blip r:embed="rId6"/>
+          <a:stretch>
+            <a:fillRect/>
+          </a:stretch>
+        </p:blipFill>
+        <p:spPr>
+          <a:xfrm>
+            <a:off x="56381" y="4002028"/>
+            <a:ext cx="5732548" cy="2880000"/>
+          </a:xfrm>
+          <a:prstGeom prst="rect">
+            <a:avLst/>
+          </a:prstGeom>
+        </p:spPr>
+      </p:pic>
+      <p:pic>
+        <p:nvPicPr>
+          <p:cNvPr id="28" name="Imagen 27">
+            <a:extLst>
+              <a:ext uri="{FF2B5EF4-FFF2-40B4-BE49-F238E27FC236}">
+                <a16:creationId xmlns:a16="http://schemas.microsoft.com/office/drawing/2014/main" id="{6D103D0B-7A5C-D2CA-B046-2563BDB86565}"/>
+              </a:ext>
+            </a:extLst>
+          </p:cNvPr>
+          <p:cNvPicPr>
+            <a:picLocks noChangeAspect="1"/>
+          </p:cNvPicPr>
+          <p:nvPr/>
+        </p:nvPicPr>
+        <p:blipFill>
+          <a:blip r:embed="rId7"/>
+          <a:stretch>
+            <a:fillRect/>
+          </a:stretch>
+        </p:blipFill>
+        <p:spPr>
+          <a:xfrm>
+            <a:off x="6633941" y="4290581"/>
+            <a:ext cx="3145326" cy="1081519"/>
+          </a:xfrm>
+          <a:prstGeom prst="rect">
+            <a:avLst/>
+          </a:prstGeom>
+        </p:spPr>
+      </p:pic>
+      <p:pic>
+        <p:nvPicPr>
+          <p:cNvPr id="30" name="Imagen 29">
+            <a:extLst>
+              <a:ext uri="{FF2B5EF4-FFF2-40B4-BE49-F238E27FC236}">
+                <a16:creationId xmlns:a16="http://schemas.microsoft.com/office/drawing/2014/main" id="{2C0375E9-686F-F19E-A9A5-E6D0C98DA8DE}"/>
+              </a:ext>
+            </a:extLst>
+          </p:cNvPr>
+          <p:cNvPicPr>
+            <a:picLocks noChangeAspect="1"/>
+          </p:cNvPicPr>
+          <p:nvPr/>
+        </p:nvPicPr>
+        <p:blipFill>
+          <a:blip r:embed="rId8"/>
+          <a:stretch>
+            <a:fillRect/>
+          </a:stretch>
+        </p:blipFill>
+        <p:spPr>
+          <a:xfrm>
+            <a:off x="9751995" y="4290581"/>
+            <a:ext cx="2059005" cy="848634"/>
           </a:xfrm>
           <a:prstGeom prst="rect">
             <a:avLst/>
@@ -20096,7 +20185,7 @@
                                           </p:stCondLst>
                                         </p:cTn>
                                         <p:tgtEl>
-                                          <p:spTgt spid="9"/>
+                                          <p:spTgt spid="23"/>
                                         </p:tgtEl>
                                         <p:attrNameLst>
                                           <p:attrName>style.visibility</p:attrName>
@@ -20128,7 +20217,7 @@
                             </p:stCondLst>
                             <p:childTnLst>
                               <p:par>
-                                <p:cTn id="9" presetID="1" presetClass="entr" presetSubtype="0" fill="hold" grpId="0" nodeType="clickEffect">
+                                <p:cTn id="9" presetID="1" presetClass="entr" presetSubtype="0" fill="hold" nodeType="clickEffect">
                                   <p:stCondLst>
                                     <p:cond delay="0"/>
                                   </p:stCondLst>
@@ -20136,6 +20225,96 @@
                                     <p:set>
                                       <p:cBhvr>
                                         <p:cTn id="10" dur="1" fill="hold">
+                                          <p:stCondLst>
+                                            <p:cond delay="0"/>
+                                          </p:stCondLst>
+                                        </p:cTn>
+                                        <p:tgtEl>
+                                          <p:spTgt spid="26"/>
+                                        </p:tgtEl>
+                                        <p:attrNameLst>
+                                          <p:attrName>style.visibility</p:attrName>
+                                        </p:attrNameLst>
+                                      </p:cBhvr>
+                                      <p:to>
+                                        <p:strVal val="visible"/>
+                                      </p:to>
+                                    </p:set>
+                                  </p:childTnLst>
+                                </p:cTn>
+                              </p:par>
+                            </p:childTnLst>
+                          </p:cTn>
+                        </p:par>
+                      </p:childTnLst>
+                    </p:cTn>
+                  </p:par>
+                  <p:par>
+                    <p:cTn id="11" fill="hold">
+                      <p:stCondLst>
+                        <p:cond delay="indefinite"/>
+                      </p:stCondLst>
+                      <p:childTnLst>
+                        <p:par>
+                          <p:cTn id="12" fill="hold">
+                            <p:stCondLst>
+                              <p:cond delay="0"/>
+                            </p:stCondLst>
+                            <p:childTnLst>
+                              <p:par>
+                                <p:cTn id="13" presetID="1" presetClass="entr" presetSubtype="0" fill="hold" nodeType="clickEffect">
+                                  <p:stCondLst>
+                                    <p:cond delay="0"/>
+                                  </p:stCondLst>
+                                  <p:childTnLst>
+                                    <p:set>
+                                      <p:cBhvr>
+                                        <p:cTn id="14" dur="1" fill="hold">
+                                          <p:stCondLst>
+                                            <p:cond delay="0"/>
+                                          </p:stCondLst>
+                                        </p:cTn>
+                                        <p:tgtEl>
+                                          <p:spTgt spid="25"/>
+                                        </p:tgtEl>
+                                        <p:attrNameLst>
+                                          <p:attrName>style.visibility</p:attrName>
+                                        </p:attrNameLst>
+                                      </p:cBhvr>
+                                      <p:to>
+                                        <p:strVal val="visible"/>
+                                      </p:to>
+                                    </p:set>
+                                  </p:childTnLst>
+                                </p:cTn>
+                              </p:par>
+                            </p:childTnLst>
+                          </p:cTn>
+                        </p:par>
+                      </p:childTnLst>
+                    </p:cTn>
+                  </p:par>
+                  <p:par>
+                    <p:cTn id="15" fill="hold">
+                      <p:stCondLst>
+                        <p:cond delay="indefinite"/>
+                      </p:stCondLst>
+                      <p:childTnLst>
+                        <p:par>
+                          <p:cTn id="16" fill="hold">
+                            <p:stCondLst>
+                              <p:cond delay="0"/>
+                            </p:stCondLst>
+                            <p:childTnLst>
+                              <p:par>
+                                <p:cTn id="17" presetID="1" presetClass="entr" presetSubtype="0" fill="hold" grpId="0" nodeType="clickEffect">
+                                  <p:stCondLst>
+                                    <p:cond delay="0"/>
+                                  </p:stCondLst>
+                                  <p:childTnLst>
+                                    <p:set>
+                                      <p:cBhvr>
+                                        <p:cTn id="18" dur="1" fill="hold">
                                           <p:stCondLst>
                                             <p:cond delay="0"/>
                                           </p:stCondLst>
@@ -20155,20 +20334,20 @@
                                 </p:cTn>
                               </p:par>
                               <p:par>
-                                <p:cTn id="11" presetID="1" presetClass="entr" presetSubtype="0" fill="hold" nodeType="withEffect">
+                                <p:cTn id="19" presetID="1" presetClass="entr" presetSubtype="0" fill="hold" nodeType="withEffect">
                                   <p:stCondLst>
                                     <p:cond delay="0"/>
                                   </p:stCondLst>
                                   <p:childTnLst>
                                     <p:set>
                                       <p:cBhvr>
-                                        <p:cTn id="12" dur="1" fill="hold">
+                                        <p:cTn id="20" dur="1" fill="hold">
                                           <p:stCondLst>
                                             <p:cond delay="0"/>
                                           </p:stCondLst>
                                         </p:cTn>
                                         <p:tgtEl>
-                                          <p:spTgt spid="5"/>
+                                          <p:spTgt spid="14"/>
                                         </p:tgtEl>
                                         <p:attrNameLst>
                                           <p:attrName>style.visibility</p:attrName>
@@ -20182,20 +20361,20 @@
                                 </p:cTn>
                               </p:par>
                               <p:par>
-                                <p:cTn id="13" presetID="1" presetClass="entr" presetSubtype="0" fill="hold" nodeType="withEffect">
+                                <p:cTn id="21" presetID="1" presetClass="entr" presetSubtype="0" fill="hold" nodeType="withEffect">
                                   <p:stCondLst>
                                     <p:cond delay="0"/>
                                   </p:stCondLst>
                                   <p:childTnLst>
                                     <p:set>
                                       <p:cBhvr>
-                                        <p:cTn id="14" dur="1" fill="hold">
+                                        <p:cTn id="22" dur="1" fill="hold">
                                           <p:stCondLst>
                                             <p:cond delay="0"/>
                                           </p:stCondLst>
                                         </p:cTn>
                                         <p:tgtEl>
-                                          <p:spTgt spid="6"/>
+                                          <p:spTgt spid="28"/>
                                         </p:tgtEl>
                                         <p:attrNameLst>
                                           <p:attrName>style.visibility</p:attrName>
@@ -20209,20 +20388,20 @@
                                 </p:cTn>
                               </p:par>
                               <p:par>
-                                <p:cTn id="15" presetID="1" presetClass="entr" presetSubtype="0" fill="hold" nodeType="withEffect">
+                                <p:cTn id="23" presetID="1" presetClass="entr" presetSubtype="0" fill="hold" nodeType="withEffect">
                                   <p:stCondLst>
                                     <p:cond delay="0"/>
                                   </p:stCondLst>
                                   <p:childTnLst>
                                     <p:set>
                                       <p:cBhvr>
-                                        <p:cTn id="16" dur="1" fill="hold">
+                                        <p:cTn id="24" dur="1" fill="hold">
                                           <p:stCondLst>
                                             <p:cond delay="0"/>
                                           </p:stCondLst>
                                         </p:cTn>
                                         <p:tgtEl>
-                                          <p:spTgt spid="7"/>
+                                          <p:spTgt spid="30"/>
                                         </p:tgtEl>
                                         <p:attrNameLst>
                                           <p:attrName>style.visibility</p:attrName>
@@ -20383,126 +20562,6 @@
       </p:sp>
       <p:pic>
         <p:nvPicPr>
-          <p:cNvPr id="5" name="Imagen 4">
-            <a:extLst>
-              <a:ext uri="{FF2B5EF4-FFF2-40B4-BE49-F238E27FC236}">
-                <a16:creationId xmlns:a16="http://schemas.microsoft.com/office/drawing/2014/main" id="{FAE4D27A-405E-0360-659F-0D4DDB387433}"/>
-              </a:ext>
-            </a:extLst>
-          </p:cNvPr>
-          <p:cNvPicPr>
-            <a:picLocks noChangeAspect="1"/>
-          </p:cNvPicPr>
-          <p:nvPr/>
-        </p:nvPicPr>
-        <p:blipFill>
-          <a:blip r:embed="rId4"/>
-          <a:stretch>
-            <a:fillRect/>
-          </a:stretch>
-        </p:blipFill>
-        <p:spPr>
-          <a:xfrm>
-            <a:off x="6794048" y="4457160"/>
-            <a:ext cx="2080260" cy="929640"/>
-          </a:xfrm>
-          <a:prstGeom prst="rect">
-            <a:avLst/>
-          </a:prstGeom>
-        </p:spPr>
-      </p:pic>
-      <p:pic>
-        <p:nvPicPr>
-          <p:cNvPr id="6" name="Imagen 5">
-            <a:extLst>
-              <a:ext uri="{FF2B5EF4-FFF2-40B4-BE49-F238E27FC236}">
-                <a16:creationId xmlns:a16="http://schemas.microsoft.com/office/drawing/2014/main" id="{346B08E5-FB18-E4C2-53EE-E23070A92677}"/>
-              </a:ext>
-            </a:extLst>
-          </p:cNvPr>
-          <p:cNvPicPr>
-            <a:picLocks noChangeAspect="1"/>
-          </p:cNvPicPr>
-          <p:nvPr/>
-        </p:nvPicPr>
-        <p:blipFill>
-          <a:blip r:embed="rId5"/>
-          <a:stretch>
-            <a:fillRect/>
-          </a:stretch>
-        </p:blipFill>
-        <p:spPr>
-          <a:xfrm>
-            <a:off x="9525000" y="4472297"/>
-            <a:ext cx="1531620" cy="563880"/>
-          </a:xfrm>
-          <a:prstGeom prst="rect">
-            <a:avLst/>
-          </a:prstGeom>
-        </p:spPr>
-      </p:pic>
-      <p:pic>
-        <p:nvPicPr>
-          <p:cNvPr id="7" name="Imagen 6">
-            <a:extLst>
-              <a:ext uri="{FF2B5EF4-FFF2-40B4-BE49-F238E27FC236}">
-                <a16:creationId xmlns:a16="http://schemas.microsoft.com/office/drawing/2014/main" id="{EAF40000-4CC6-2E9B-BB9D-D737B54D93DB}"/>
-              </a:ext>
-            </a:extLst>
-          </p:cNvPr>
-          <p:cNvPicPr>
-            <a:picLocks noChangeAspect="1"/>
-          </p:cNvPicPr>
-          <p:nvPr/>
-        </p:nvPicPr>
-        <p:blipFill>
-          <a:blip r:embed="rId6"/>
-          <a:stretch>
-            <a:fillRect/>
-          </a:stretch>
-        </p:blipFill>
-        <p:spPr>
-          <a:xfrm>
-            <a:off x="6794048" y="5488985"/>
-            <a:ext cx="3817620" cy="563880"/>
-          </a:xfrm>
-          <a:prstGeom prst="rect">
-            <a:avLst/>
-          </a:prstGeom>
-        </p:spPr>
-      </p:pic>
-      <p:pic>
-        <p:nvPicPr>
-          <p:cNvPr id="9" name="Imagen 8">
-            <a:extLst>
-              <a:ext uri="{FF2B5EF4-FFF2-40B4-BE49-F238E27FC236}">
-                <a16:creationId xmlns:a16="http://schemas.microsoft.com/office/drawing/2014/main" id="{765456ED-5B54-6CB2-E46E-2A57BAED095E}"/>
-              </a:ext>
-            </a:extLst>
-          </p:cNvPr>
-          <p:cNvPicPr>
-            <a:picLocks noChangeAspect="1"/>
-          </p:cNvPicPr>
-          <p:nvPr/>
-        </p:nvPicPr>
-        <p:blipFill>
-          <a:blip r:embed="rId7"/>
-          <a:stretch>
-            <a:fillRect/>
-          </a:stretch>
-        </p:blipFill>
-        <p:spPr>
-          <a:xfrm>
-            <a:off x="53975" y="3964596"/>
-            <a:ext cx="5734957" cy="2880000"/>
-          </a:xfrm>
-          <a:prstGeom prst="rect">
-            <a:avLst/>
-          </a:prstGeom>
-        </p:spPr>
-      </p:pic>
-      <p:pic>
-        <p:nvPicPr>
           <p:cNvPr id="13" name="Imagen 12">
             <a:extLst>
               <a:ext uri="{FF2B5EF4-FFF2-40B4-BE49-F238E27FC236}">
@@ -20516,7 +20575,7 @@
           <p:nvPr/>
         </p:nvPicPr>
         <p:blipFill>
-          <a:blip r:embed="rId8"/>
+          <a:blip r:embed="rId3"/>
           <a:stretch>
             <a:fillRect/>
           </a:stretch>
@@ -20546,7 +20605,7 @@
           <p:nvPr/>
         </p:nvPicPr>
         <p:blipFill>
-          <a:blip r:embed="rId9"/>
+          <a:blip r:embed="rId4"/>
           <a:stretch>
             <a:fillRect/>
           </a:stretch>
@@ -20555,6 +20614,126 @@
           <a:xfrm>
             <a:off x="53975" y="1093063"/>
             <a:ext cx="5734956" cy="2880000"/>
+          </a:xfrm>
+          <a:prstGeom prst="rect">
+            <a:avLst/>
+          </a:prstGeom>
+        </p:spPr>
+      </p:pic>
+      <p:pic>
+        <p:nvPicPr>
+          <p:cNvPr id="10" name="Imagen 9">
+            <a:extLst>
+              <a:ext uri="{FF2B5EF4-FFF2-40B4-BE49-F238E27FC236}">
+                <a16:creationId xmlns:a16="http://schemas.microsoft.com/office/drawing/2014/main" id="{4CEC7D9B-4CF6-F63B-74A0-4B1496B5528C}"/>
+              </a:ext>
+            </a:extLst>
+          </p:cNvPr>
+          <p:cNvPicPr>
+            <a:picLocks noChangeAspect="1"/>
+          </p:cNvPicPr>
+          <p:nvPr/>
+        </p:nvPicPr>
+        <p:blipFill>
+          <a:blip r:embed="rId5"/>
+          <a:stretch>
+            <a:fillRect/>
+          </a:stretch>
+        </p:blipFill>
+        <p:spPr>
+          <a:xfrm>
+            <a:off x="6804148" y="5638800"/>
+            <a:ext cx="4252472" cy="733293"/>
+          </a:xfrm>
+          <a:prstGeom prst="rect">
+            <a:avLst/>
+          </a:prstGeom>
+        </p:spPr>
+      </p:pic>
+      <p:pic>
+        <p:nvPicPr>
+          <p:cNvPr id="12" name="Imagen 11">
+            <a:extLst>
+              <a:ext uri="{FF2B5EF4-FFF2-40B4-BE49-F238E27FC236}">
+                <a16:creationId xmlns:a16="http://schemas.microsoft.com/office/drawing/2014/main" id="{AF4E889C-924D-FC6B-EEC4-C0F6247D162B}"/>
+              </a:ext>
+            </a:extLst>
+          </p:cNvPr>
+          <p:cNvPicPr>
+            <a:picLocks noChangeAspect="1"/>
+          </p:cNvPicPr>
+          <p:nvPr/>
+        </p:nvPicPr>
+        <p:blipFill>
+          <a:blip r:embed="rId6"/>
+          <a:stretch>
+            <a:fillRect/>
+          </a:stretch>
+        </p:blipFill>
+        <p:spPr>
+          <a:xfrm>
+            <a:off x="53975" y="3989907"/>
+            <a:ext cx="5734956" cy="2880000"/>
+          </a:xfrm>
+          <a:prstGeom prst="rect">
+            <a:avLst/>
+          </a:prstGeom>
+        </p:spPr>
+      </p:pic>
+      <p:pic>
+        <p:nvPicPr>
+          <p:cNvPr id="16" name="Imagen 15">
+            <a:extLst>
+              <a:ext uri="{FF2B5EF4-FFF2-40B4-BE49-F238E27FC236}">
+                <a16:creationId xmlns:a16="http://schemas.microsoft.com/office/drawing/2014/main" id="{7902399E-7F36-B686-B8EB-A5B50625BB01}"/>
+              </a:ext>
+            </a:extLst>
+          </p:cNvPr>
+          <p:cNvPicPr>
+            <a:picLocks noChangeAspect="1"/>
+          </p:cNvPicPr>
+          <p:nvPr/>
+        </p:nvPicPr>
+        <p:blipFill>
+          <a:blip r:embed="rId7"/>
+          <a:stretch>
+            <a:fillRect/>
+          </a:stretch>
+        </p:blipFill>
+        <p:spPr>
+          <a:xfrm>
+            <a:off x="6804148" y="4429785"/>
+            <a:ext cx="2915763" cy="956753"/>
+          </a:xfrm>
+          <a:prstGeom prst="rect">
+            <a:avLst/>
+          </a:prstGeom>
+        </p:spPr>
+      </p:pic>
+      <p:pic>
+        <p:nvPicPr>
+          <p:cNvPr id="17" name="Imagen 16">
+            <a:extLst>
+              <a:ext uri="{FF2B5EF4-FFF2-40B4-BE49-F238E27FC236}">
+                <a16:creationId xmlns:a16="http://schemas.microsoft.com/office/drawing/2014/main" id="{31F819FC-01DF-D169-C5BE-D2FDCD367113}"/>
+              </a:ext>
+            </a:extLst>
+          </p:cNvPr>
+          <p:cNvPicPr>
+            <a:picLocks noChangeAspect="1"/>
+          </p:cNvPicPr>
+          <p:nvPr/>
+        </p:nvPicPr>
+        <p:blipFill>
+          <a:blip r:embed="rId8"/>
+          <a:stretch>
+            <a:fillRect/>
+          </a:stretch>
+        </p:blipFill>
+        <p:spPr>
+          <a:xfrm>
+            <a:off x="9931931" y="4501430"/>
+            <a:ext cx="1676400" cy="629307"/>
           </a:xfrm>
           <a:prstGeom prst="rect">
             <a:avLst/>
@@ -20605,7 +20784,7 @@
                                           </p:stCondLst>
                                         </p:cTn>
                                         <p:tgtEl>
-                                          <p:spTgt spid="9"/>
+                                          <p:spTgt spid="14"/>
                                         </p:tgtEl>
                                         <p:attrNameLst>
                                           <p:attrName>style.visibility</p:attrName>
@@ -20637,7 +20816,7 @@
                             </p:stCondLst>
                             <p:childTnLst>
                               <p:par>
-                                <p:cTn id="9" presetID="1" presetClass="entr" presetSubtype="0" fill="hold" grpId="0" nodeType="clickEffect">
+                                <p:cTn id="9" presetID="1" presetClass="entr" presetSubtype="0" fill="hold" nodeType="clickEffect">
                                   <p:stCondLst>
                                     <p:cond delay="0"/>
                                   </p:stCondLst>
@@ -20645,6 +20824,96 @@
                                     <p:set>
                                       <p:cBhvr>
                                         <p:cTn id="10" dur="1" fill="hold">
+                                          <p:stCondLst>
+                                            <p:cond delay="0"/>
+                                          </p:stCondLst>
+                                        </p:cTn>
+                                        <p:tgtEl>
+                                          <p:spTgt spid="13"/>
+                                        </p:tgtEl>
+                                        <p:attrNameLst>
+                                          <p:attrName>style.visibility</p:attrName>
+                                        </p:attrNameLst>
+                                      </p:cBhvr>
+                                      <p:to>
+                                        <p:strVal val="visible"/>
+                                      </p:to>
+                                    </p:set>
+                                  </p:childTnLst>
+                                </p:cTn>
+                              </p:par>
+                            </p:childTnLst>
+                          </p:cTn>
+                        </p:par>
+                      </p:childTnLst>
+                    </p:cTn>
+                  </p:par>
+                  <p:par>
+                    <p:cTn id="11" fill="hold">
+                      <p:stCondLst>
+                        <p:cond delay="indefinite"/>
+                      </p:stCondLst>
+                      <p:childTnLst>
+                        <p:par>
+                          <p:cTn id="12" fill="hold">
+                            <p:stCondLst>
+                              <p:cond delay="0"/>
+                            </p:stCondLst>
+                            <p:childTnLst>
+                              <p:par>
+                                <p:cTn id="13" presetID="1" presetClass="entr" presetSubtype="0" fill="hold" nodeType="clickEffect">
+                                  <p:stCondLst>
+                                    <p:cond delay="0"/>
+                                  </p:stCondLst>
+                                  <p:childTnLst>
+                                    <p:set>
+                                      <p:cBhvr>
+                                        <p:cTn id="14" dur="1" fill="hold">
+                                          <p:stCondLst>
+                                            <p:cond delay="0"/>
+                                          </p:stCondLst>
+                                        </p:cTn>
+                                        <p:tgtEl>
+                                          <p:spTgt spid="12"/>
+                                        </p:tgtEl>
+                                        <p:attrNameLst>
+                                          <p:attrName>style.visibility</p:attrName>
+                                        </p:attrNameLst>
+                                      </p:cBhvr>
+                                      <p:to>
+                                        <p:strVal val="visible"/>
+                                      </p:to>
+                                    </p:set>
+                                  </p:childTnLst>
+                                </p:cTn>
+                              </p:par>
+                            </p:childTnLst>
+                          </p:cTn>
+                        </p:par>
+                      </p:childTnLst>
+                    </p:cTn>
+                  </p:par>
+                  <p:par>
+                    <p:cTn id="15" fill="hold">
+                      <p:stCondLst>
+                        <p:cond delay="indefinite"/>
+                      </p:stCondLst>
+                      <p:childTnLst>
+                        <p:par>
+                          <p:cTn id="16" fill="hold">
+                            <p:stCondLst>
+                              <p:cond delay="0"/>
+                            </p:stCondLst>
+                            <p:childTnLst>
+                              <p:par>
+                                <p:cTn id="17" presetID="1" presetClass="entr" presetSubtype="0" fill="hold" grpId="0" nodeType="clickEffect">
+                                  <p:stCondLst>
+                                    <p:cond delay="0"/>
+                                  </p:stCondLst>
+                                  <p:childTnLst>
+                                    <p:set>
+                                      <p:cBhvr>
+                                        <p:cTn id="18" dur="1" fill="hold">
                                           <p:stCondLst>
                                             <p:cond delay="0"/>
                                           </p:stCondLst>
@@ -20664,20 +20933,20 @@
                                 </p:cTn>
                               </p:par>
                               <p:par>
-                                <p:cTn id="11" presetID="1" presetClass="entr" presetSubtype="0" fill="hold" nodeType="withEffect">
+                                <p:cTn id="19" presetID="1" presetClass="entr" presetSubtype="0" fill="hold" nodeType="withEffect">
                                   <p:stCondLst>
                                     <p:cond delay="0"/>
                                   </p:stCondLst>
                                   <p:childTnLst>
                                     <p:set>
                                       <p:cBhvr>
-                                        <p:cTn id="12" dur="1" fill="hold">
+                                        <p:cTn id="20" dur="1" fill="hold">
                                           <p:stCondLst>
                                             <p:cond delay="0"/>
                                           </p:stCondLst>
                                         </p:cTn>
                                         <p:tgtEl>
-                                          <p:spTgt spid="5"/>
+                                          <p:spTgt spid="10"/>
                                         </p:tgtEl>
                                         <p:attrNameLst>
                                           <p:attrName>style.visibility</p:attrName>
@@ -20691,20 +20960,20 @@
                                 </p:cTn>
                               </p:par>
                               <p:par>
-                                <p:cTn id="13" presetID="1" presetClass="entr" presetSubtype="0" fill="hold" nodeType="withEffect">
+                                <p:cTn id="21" presetID="1" presetClass="entr" presetSubtype="0" fill="hold" nodeType="withEffect">
                                   <p:stCondLst>
                                     <p:cond delay="0"/>
                                   </p:stCondLst>
                                   <p:childTnLst>
                                     <p:set>
                                       <p:cBhvr>
-                                        <p:cTn id="14" dur="1" fill="hold">
+                                        <p:cTn id="22" dur="1" fill="hold">
                                           <p:stCondLst>
                                             <p:cond delay="0"/>
                                           </p:stCondLst>
                                         </p:cTn>
                                         <p:tgtEl>
-                                          <p:spTgt spid="6"/>
+                                          <p:spTgt spid="16"/>
                                         </p:tgtEl>
                                         <p:attrNameLst>
                                           <p:attrName>style.visibility</p:attrName>
@@ -20718,20 +20987,20 @@
                                 </p:cTn>
                               </p:par>
                               <p:par>
-                                <p:cTn id="15" presetID="1" presetClass="entr" presetSubtype="0" fill="hold" nodeType="withEffect">
+                                <p:cTn id="23" presetID="1" presetClass="entr" presetSubtype="0" fill="hold" nodeType="withEffect">
                                   <p:stCondLst>
                                     <p:cond delay="0"/>
                                   </p:stCondLst>
                                   <p:childTnLst>
                                     <p:set>
                                       <p:cBhvr>
-                                        <p:cTn id="16" dur="1" fill="hold">
+                                        <p:cTn id="24" dur="1" fill="hold">
                                           <p:stCondLst>
                                             <p:cond delay="0"/>
                                           </p:stCondLst>
                                         </p:cTn>
                                         <p:tgtEl>
-                                          <p:spTgt spid="7"/>
+                                          <p:spTgt spid="17"/>
                                         </p:tgtEl>
                                         <p:attrNameLst>
                                           <p:attrName>style.visibility</p:attrName>
@@ -20892,126 +21161,6 @@
       </p:sp>
       <p:pic>
         <p:nvPicPr>
-          <p:cNvPr id="5" name="Imagen 4">
-            <a:extLst>
-              <a:ext uri="{FF2B5EF4-FFF2-40B4-BE49-F238E27FC236}">
-                <a16:creationId xmlns:a16="http://schemas.microsoft.com/office/drawing/2014/main" id="{FAE4D27A-405E-0360-659F-0D4DDB387433}"/>
-              </a:ext>
-            </a:extLst>
-          </p:cNvPr>
-          <p:cNvPicPr>
-            <a:picLocks noChangeAspect="1"/>
-          </p:cNvPicPr>
-          <p:nvPr/>
-        </p:nvPicPr>
-        <p:blipFill>
-          <a:blip r:embed="rId3"/>
-          <a:stretch>
-            <a:fillRect/>
-          </a:stretch>
-        </p:blipFill>
-        <p:spPr>
-          <a:xfrm>
-            <a:off x="6794048" y="4457160"/>
-            <a:ext cx="2080260" cy="929640"/>
-          </a:xfrm>
-          <a:prstGeom prst="rect">
-            <a:avLst/>
-          </a:prstGeom>
-        </p:spPr>
-      </p:pic>
-      <p:pic>
-        <p:nvPicPr>
-          <p:cNvPr id="6" name="Imagen 5">
-            <a:extLst>
-              <a:ext uri="{FF2B5EF4-FFF2-40B4-BE49-F238E27FC236}">
-                <a16:creationId xmlns:a16="http://schemas.microsoft.com/office/drawing/2014/main" id="{346B08E5-FB18-E4C2-53EE-E23070A92677}"/>
-              </a:ext>
-            </a:extLst>
-          </p:cNvPr>
-          <p:cNvPicPr>
-            <a:picLocks noChangeAspect="1"/>
-          </p:cNvPicPr>
-          <p:nvPr/>
-        </p:nvPicPr>
-        <p:blipFill>
-          <a:blip r:embed="rId4"/>
-          <a:stretch>
-            <a:fillRect/>
-          </a:stretch>
-        </p:blipFill>
-        <p:spPr>
-          <a:xfrm>
-            <a:off x="9525000" y="4472297"/>
-            <a:ext cx="1531620" cy="563880"/>
-          </a:xfrm>
-          <a:prstGeom prst="rect">
-            <a:avLst/>
-          </a:prstGeom>
-        </p:spPr>
-      </p:pic>
-      <p:pic>
-        <p:nvPicPr>
-          <p:cNvPr id="7" name="Imagen 6">
-            <a:extLst>
-              <a:ext uri="{FF2B5EF4-FFF2-40B4-BE49-F238E27FC236}">
-                <a16:creationId xmlns:a16="http://schemas.microsoft.com/office/drawing/2014/main" id="{EAF40000-4CC6-2E9B-BB9D-D737B54D93DB}"/>
-              </a:ext>
-            </a:extLst>
-          </p:cNvPr>
-          <p:cNvPicPr>
-            <a:picLocks noChangeAspect="1"/>
-          </p:cNvPicPr>
-          <p:nvPr/>
-        </p:nvPicPr>
-        <p:blipFill>
-          <a:blip r:embed="rId5"/>
-          <a:stretch>
-            <a:fillRect/>
-          </a:stretch>
-        </p:blipFill>
-        <p:spPr>
-          <a:xfrm>
-            <a:off x="6794048" y="5488985"/>
-            <a:ext cx="3817620" cy="563880"/>
-          </a:xfrm>
-          <a:prstGeom prst="rect">
-            <a:avLst/>
-          </a:prstGeom>
-        </p:spPr>
-      </p:pic>
-      <p:pic>
-        <p:nvPicPr>
-          <p:cNvPr id="9" name="Imagen 8">
-            <a:extLst>
-              <a:ext uri="{FF2B5EF4-FFF2-40B4-BE49-F238E27FC236}">
-                <a16:creationId xmlns:a16="http://schemas.microsoft.com/office/drawing/2014/main" id="{765456ED-5B54-6CB2-E46E-2A57BAED095E}"/>
-              </a:ext>
-            </a:extLst>
-          </p:cNvPr>
-          <p:cNvPicPr>
-            <a:picLocks noChangeAspect="1"/>
-          </p:cNvPicPr>
-          <p:nvPr/>
-        </p:nvPicPr>
-        <p:blipFill>
-          <a:blip r:embed="rId6"/>
-          <a:stretch>
-            <a:fillRect/>
-          </a:stretch>
-        </p:blipFill>
-        <p:spPr>
-          <a:xfrm>
-            <a:off x="53975" y="3964596"/>
-            <a:ext cx="5734957" cy="2880000"/>
-          </a:xfrm>
-          <a:prstGeom prst="rect">
-            <a:avLst/>
-          </a:prstGeom>
-        </p:spPr>
-      </p:pic>
-      <p:pic>
-        <p:nvPicPr>
           <p:cNvPr id="10" name="Imagen 9">
             <a:extLst>
               <a:ext uri="{FF2B5EF4-FFF2-40B4-BE49-F238E27FC236}">
@@ -21025,7 +21174,7 @@
           <p:nvPr/>
         </p:nvPicPr>
         <p:blipFill>
-          <a:blip r:embed="rId7"/>
+          <a:blip r:embed="rId3"/>
           <a:stretch>
             <a:fillRect/>
           </a:stretch>
@@ -21055,7 +21204,7 @@
           <p:nvPr/>
         </p:nvPicPr>
         <p:blipFill>
-          <a:blip r:embed="rId8"/>
+          <a:blip r:embed="rId4"/>
           <a:stretch>
             <a:fillRect/>
           </a:stretch>
@@ -21064,6 +21213,96 @@
           <a:xfrm>
             <a:off x="53975" y="1074600"/>
             <a:ext cx="5734956" cy="2880000"/>
+          </a:xfrm>
+          <a:prstGeom prst="rect">
+            <a:avLst/>
+          </a:prstGeom>
+        </p:spPr>
+      </p:pic>
+      <p:pic>
+        <p:nvPicPr>
+          <p:cNvPr id="12" name="Imagen 11">
+            <a:extLst>
+              <a:ext uri="{FF2B5EF4-FFF2-40B4-BE49-F238E27FC236}">
+                <a16:creationId xmlns:a16="http://schemas.microsoft.com/office/drawing/2014/main" id="{E2F42CC9-7786-6026-CEDC-FF04D501C964}"/>
+              </a:ext>
+            </a:extLst>
+          </p:cNvPr>
+          <p:cNvPicPr>
+            <a:picLocks noChangeAspect="1"/>
+          </p:cNvPicPr>
+          <p:nvPr/>
+        </p:nvPicPr>
+        <p:blipFill>
+          <a:blip r:embed="rId5"/>
+          <a:stretch>
+            <a:fillRect/>
+          </a:stretch>
+        </p:blipFill>
+        <p:spPr>
+          <a:xfrm>
+            <a:off x="6776402" y="5447233"/>
+            <a:ext cx="4501198" cy="929640"/>
+          </a:xfrm>
+          <a:prstGeom prst="rect">
+            <a:avLst/>
+          </a:prstGeom>
+        </p:spPr>
+      </p:pic>
+      <p:pic>
+        <p:nvPicPr>
+          <p:cNvPr id="14" name="Imagen 13">
+            <a:extLst>
+              <a:ext uri="{FF2B5EF4-FFF2-40B4-BE49-F238E27FC236}">
+                <a16:creationId xmlns:a16="http://schemas.microsoft.com/office/drawing/2014/main" id="{BE4FC443-D0C0-3620-A25B-61083011B808}"/>
+              </a:ext>
+            </a:extLst>
+          </p:cNvPr>
+          <p:cNvPicPr>
+            <a:picLocks noChangeAspect="1"/>
+          </p:cNvPicPr>
+          <p:nvPr/>
+        </p:nvPicPr>
+        <p:blipFill>
+          <a:blip r:embed="rId6"/>
+          <a:stretch>
+            <a:fillRect/>
+          </a:stretch>
+        </p:blipFill>
+        <p:spPr>
+          <a:xfrm>
+            <a:off x="53975" y="3978000"/>
+            <a:ext cx="5734956" cy="2880000"/>
+          </a:xfrm>
+          <a:prstGeom prst="rect">
+            <a:avLst/>
+          </a:prstGeom>
+        </p:spPr>
+      </p:pic>
+      <p:pic>
+        <p:nvPicPr>
+          <p:cNvPr id="16" name="Imagen 15">
+            <a:extLst>
+              <a:ext uri="{FF2B5EF4-FFF2-40B4-BE49-F238E27FC236}">
+                <a16:creationId xmlns:a16="http://schemas.microsoft.com/office/drawing/2014/main" id="{27D7F7D6-DA47-35C2-2992-C17FCF94EE2D}"/>
+              </a:ext>
+            </a:extLst>
+          </p:cNvPr>
+          <p:cNvPicPr>
+            <a:picLocks noChangeAspect="1"/>
+          </p:cNvPicPr>
+          <p:nvPr/>
+        </p:nvPicPr>
+        <p:blipFill>
+          <a:blip r:embed="rId7"/>
+          <a:stretch>
+            <a:fillRect/>
+          </a:stretch>
+        </p:blipFill>
+        <p:spPr>
+          <a:xfrm>
+            <a:off x="6776403" y="4242126"/>
+            <a:ext cx="3586797" cy="929640"/>
           </a:xfrm>
           <a:prstGeom prst="rect">
             <a:avLst/>
@@ -21114,7 +21353,7 @@
                                           </p:stCondLst>
                                         </p:cTn>
                                         <p:tgtEl>
-                                          <p:spTgt spid="9"/>
+                                          <p:spTgt spid="11"/>
                                         </p:tgtEl>
                                         <p:attrNameLst>
                                           <p:attrName>style.visibility</p:attrName>
@@ -21146,7 +21385,7 @@
                             </p:stCondLst>
                             <p:childTnLst>
                               <p:par>
-                                <p:cTn id="9" presetID="1" presetClass="entr" presetSubtype="0" fill="hold" grpId="0" nodeType="clickEffect">
+                                <p:cTn id="9" presetID="1" presetClass="entr" presetSubtype="0" fill="hold" nodeType="clickEffect">
                                   <p:stCondLst>
                                     <p:cond delay="0"/>
                                   </p:stCondLst>
@@ -21154,6 +21393,96 @@
                                     <p:set>
                                       <p:cBhvr>
                                         <p:cTn id="10" dur="1" fill="hold">
+                                          <p:stCondLst>
+                                            <p:cond delay="0"/>
+                                          </p:stCondLst>
+                                        </p:cTn>
+                                        <p:tgtEl>
+                                          <p:spTgt spid="10"/>
+                                        </p:tgtEl>
+                                        <p:attrNameLst>
+                                          <p:attrName>style.visibility</p:attrName>
+                                        </p:attrNameLst>
+                                      </p:cBhvr>
+                                      <p:to>
+                                        <p:strVal val="visible"/>
+                                      </p:to>
+                                    </p:set>
+                                  </p:childTnLst>
+                                </p:cTn>
+                              </p:par>
+                            </p:childTnLst>
+                          </p:cTn>
+                        </p:par>
+                      </p:childTnLst>
+                    </p:cTn>
+                  </p:par>
+                  <p:par>
+                    <p:cTn id="11" fill="hold">
+                      <p:stCondLst>
+                        <p:cond delay="indefinite"/>
+                      </p:stCondLst>
+                      <p:childTnLst>
+                        <p:par>
+                          <p:cTn id="12" fill="hold">
+                            <p:stCondLst>
+                              <p:cond delay="0"/>
+                            </p:stCondLst>
+                            <p:childTnLst>
+                              <p:par>
+                                <p:cTn id="13" presetID="1" presetClass="entr" presetSubtype="0" fill="hold" nodeType="clickEffect">
+                                  <p:stCondLst>
+                                    <p:cond delay="0"/>
+                                  </p:stCondLst>
+                                  <p:childTnLst>
+                                    <p:set>
+                                      <p:cBhvr>
+                                        <p:cTn id="14" dur="1" fill="hold">
+                                          <p:stCondLst>
+                                            <p:cond delay="0"/>
+                                          </p:stCondLst>
+                                        </p:cTn>
+                                        <p:tgtEl>
+                                          <p:spTgt spid="14"/>
+                                        </p:tgtEl>
+                                        <p:attrNameLst>
+                                          <p:attrName>style.visibility</p:attrName>
+                                        </p:attrNameLst>
+                                      </p:cBhvr>
+                                      <p:to>
+                                        <p:strVal val="visible"/>
+                                      </p:to>
+                                    </p:set>
+                                  </p:childTnLst>
+                                </p:cTn>
+                              </p:par>
+                            </p:childTnLst>
+                          </p:cTn>
+                        </p:par>
+                      </p:childTnLst>
+                    </p:cTn>
+                  </p:par>
+                  <p:par>
+                    <p:cTn id="15" fill="hold">
+                      <p:stCondLst>
+                        <p:cond delay="indefinite"/>
+                      </p:stCondLst>
+                      <p:childTnLst>
+                        <p:par>
+                          <p:cTn id="16" fill="hold">
+                            <p:stCondLst>
+                              <p:cond delay="0"/>
+                            </p:stCondLst>
+                            <p:childTnLst>
+                              <p:par>
+                                <p:cTn id="17" presetID="1" presetClass="entr" presetSubtype="0" fill="hold" grpId="0" nodeType="clickEffect">
+                                  <p:stCondLst>
+                                    <p:cond delay="0"/>
+                                  </p:stCondLst>
+                                  <p:childTnLst>
+                                    <p:set>
+                                      <p:cBhvr>
+                                        <p:cTn id="18" dur="1" fill="hold">
                                           <p:stCondLst>
                                             <p:cond delay="0"/>
                                           </p:stCondLst>
@@ -21173,20 +21502,20 @@
                                 </p:cTn>
                               </p:par>
                               <p:par>
-                                <p:cTn id="11" presetID="1" presetClass="entr" presetSubtype="0" fill="hold" nodeType="withEffect">
+                                <p:cTn id="19" presetID="1" presetClass="entr" presetSubtype="0" fill="hold" nodeType="withEffect">
                                   <p:stCondLst>
                                     <p:cond delay="0"/>
                                   </p:stCondLst>
                                   <p:childTnLst>
                                     <p:set>
                                       <p:cBhvr>
-                                        <p:cTn id="12" dur="1" fill="hold">
+                                        <p:cTn id="20" dur="1" fill="hold">
                                           <p:stCondLst>
                                             <p:cond delay="0"/>
                                           </p:stCondLst>
                                         </p:cTn>
                                         <p:tgtEl>
-                                          <p:spTgt spid="5"/>
+                                          <p:spTgt spid="12"/>
                                         </p:tgtEl>
                                         <p:attrNameLst>
                                           <p:attrName>style.visibility</p:attrName>
@@ -21200,47 +21529,20 @@
                                 </p:cTn>
                               </p:par>
                               <p:par>
-                                <p:cTn id="13" presetID="1" presetClass="entr" presetSubtype="0" fill="hold" nodeType="withEffect">
+                                <p:cTn id="21" presetID="1" presetClass="entr" presetSubtype="0" fill="hold" nodeType="withEffect">
                                   <p:stCondLst>
                                     <p:cond delay="0"/>
                                   </p:stCondLst>
                                   <p:childTnLst>
                                     <p:set>
                                       <p:cBhvr>
-                                        <p:cTn id="14" dur="1" fill="hold">
+                                        <p:cTn id="22" dur="1" fill="hold">
                                           <p:stCondLst>
                                             <p:cond delay="0"/>
                                           </p:stCondLst>
                                         </p:cTn>
                                         <p:tgtEl>
-                                          <p:spTgt spid="6"/>
-                                        </p:tgtEl>
-                                        <p:attrNameLst>
-                                          <p:attrName>style.visibility</p:attrName>
-                                        </p:attrNameLst>
-                                      </p:cBhvr>
-                                      <p:to>
-                                        <p:strVal val="visible"/>
-                                      </p:to>
-                                    </p:set>
-                                  </p:childTnLst>
-                                </p:cTn>
-                              </p:par>
-                              <p:par>
-                                <p:cTn id="15" presetID="1" presetClass="entr" presetSubtype="0" fill="hold" nodeType="withEffect">
-                                  <p:stCondLst>
-                                    <p:cond delay="0"/>
-                                  </p:stCondLst>
-                                  <p:childTnLst>
-                                    <p:set>
-                                      <p:cBhvr>
-                                        <p:cTn id="16" dur="1" fill="hold">
-                                          <p:stCondLst>
-                                            <p:cond delay="0"/>
-                                          </p:stCondLst>
-                                        </p:cTn>
-                                        <p:tgtEl>
-                                          <p:spTgt spid="7"/>
+                                          <p:spTgt spid="16"/>
                                         </p:tgtEl>
                                         <p:attrNameLst>
                                           <p:attrName>style.visibility</p:attrName>
@@ -21401,126 +21703,6 @@
       </p:sp>
       <p:pic>
         <p:nvPicPr>
-          <p:cNvPr id="5" name="Imagen 4">
-            <a:extLst>
-              <a:ext uri="{FF2B5EF4-FFF2-40B4-BE49-F238E27FC236}">
-                <a16:creationId xmlns:a16="http://schemas.microsoft.com/office/drawing/2014/main" id="{FAE4D27A-405E-0360-659F-0D4DDB387433}"/>
-              </a:ext>
-            </a:extLst>
-          </p:cNvPr>
-          <p:cNvPicPr>
-            <a:picLocks noChangeAspect="1"/>
-          </p:cNvPicPr>
-          <p:nvPr/>
-        </p:nvPicPr>
-        <p:blipFill>
-          <a:blip r:embed="rId3"/>
-          <a:stretch>
-            <a:fillRect/>
-          </a:stretch>
-        </p:blipFill>
-        <p:spPr>
-          <a:xfrm>
-            <a:off x="6794048" y="4457160"/>
-            <a:ext cx="2080260" cy="929640"/>
-          </a:xfrm>
-          <a:prstGeom prst="rect">
-            <a:avLst/>
-          </a:prstGeom>
-        </p:spPr>
-      </p:pic>
-      <p:pic>
-        <p:nvPicPr>
-          <p:cNvPr id="6" name="Imagen 5">
-            <a:extLst>
-              <a:ext uri="{FF2B5EF4-FFF2-40B4-BE49-F238E27FC236}">
-                <a16:creationId xmlns:a16="http://schemas.microsoft.com/office/drawing/2014/main" id="{346B08E5-FB18-E4C2-53EE-E23070A92677}"/>
-              </a:ext>
-            </a:extLst>
-          </p:cNvPr>
-          <p:cNvPicPr>
-            <a:picLocks noChangeAspect="1"/>
-          </p:cNvPicPr>
-          <p:nvPr/>
-        </p:nvPicPr>
-        <p:blipFill>
-          <a:blip r:embed="rId4"/>
-          <a:stretch>
-            <a:fillRect/>
-          </a:stretch>
-        </p:blipFill>
-        <p:spPr>
-          <a:xfrm>
-            <a:off x="9525000" y="4472297"/>
-            <a:ext cx="1531620" cy="563880"/>
-          </a:xfrm>
-          <a:prstGeom prst="rect">
-            <a:avLst/>
-          </a:prstGeom>
-        </p:spPr>
-      </p:pic>
-      <p:pic>
-        <p:nvPicPr>
-          <p:cNvPr id="7" name="Imagen 6">
-            <a:extLst>
-              <a:ext uri="{FF2B5EF4-FFF2-40B4-BE49-F238E27FC236}">
-                <a16:creationId xmlns:a16="http://schemas.microsoft.com/office/drawing/2014/main" id="{EAF40000-4CC6-2E9B-BB9D-D737B54D93DB}"/>
-              </a:ext>
-            </a:extLst>
-          </p:cNvPr>
-          <p:cNvPicPr>
-            <a:picLocks noChangeAspect="1"/>
-          </p:cNvPicPr>
-          <p:nvPr/>
-        </p:nvPicPr>
-        <p:blipFill>
-          <a:blip r:embed="rId5"/>
-          <a:stretch>
-            <a:fillRect/>
-          </a:stretch>
-        </p:blipFill>
-        <p:spPr>
-          <a:xfrm>
-            <a:off x="6794048" y="5488985"/>
-            <a:ext cx="3817620" cy="563880"/>
-          </a:xfrm>
-          <a:prstGeom prst="rect">
-            <a:avLst/>
-          </a:prstGeom>
-        </p:spPr>
-      </p:pic>
-      <p:pic>
-        <p:nvPicPr>
-          <p:cNvPr id="9" name="Imagen 8">
-            <a:extLst>
-              <a:ext uri="{FF2B5EF4-FFF2-40B4-BE49-F238E27FC236}">
-                <a16:creationId xmlns:a16="http://schemas.microsoft.com/office/drawing/2014/main" id="{765456ED-5B54-6CB2-E46E-2A57BAED095E}"/>
-              </a:ext>
-            </a:extLst>
-          </p:cNvPr>
-          <p:cNvPicPr>
-            <a:picLocks noChangeAspect="1"/>
-          </p:cNvPicPr>
-          <p:nvPr/>
-        </p:nvPicPr>
-        <p:blipFill>
-          <a:blip r:embed="rId6"/>
-          <a:stretch>
-            <a:fillRect/>
-          </a:stretch>
-        </p:blipFill>
-        <p:spPr>
-          <a:xfrm>
-            <a:off x="53975" y="3964596"/>
-            <a:ext cx="5734957" cy="2880000"/>
-          </a:xfrm>
-          <a:prstGeom prst="rect">
-            <a:avLst/>
-          </a:prstGeom>
-        </p:spPr>
-      </p:pic>
-      <p:pic>
-        <p:nvPicPr>
           <p:cNvPr id="10" name="Imagen 9">
             <a:extLst>
               <a:ext uri="{FF2B5EF4-FFF2-40B4-BE49-F238E27FC236}">
@@ -21534,7 +21716,7 @@
           <p:nvPr/>
         </p:nvPicPr>
         <p:blipFill>
-          <a:blip r:embed="rId7"/>
+          <a:blip r:embed="rId3"/>
           <a:stretch>
             <a:fillRect/>
           </a:stretch>
@@ -21564,7 +21746,7 @@
           <p:nvPr/>
         </p:nvPicPr>
         <p:blipFill>
-          <a:blip r:embed="rId8"/>
+          <a:blip r:embed="rId4"/>
           <a:stretch>
             <a:fillRect/>
           </a:stretch>
@@ -21573,6 +21755,126 @@
           <a:xfrm>
             <a:off x="5911073" y="1109996"/>
             <a:ext cx="5734957" cy="2880000"/>
+          </a:xfrm>
+          <a:prstGeom prst="rect">
+            <a:avLst/>
+          </a:prstGeom>
+        </p:spPr>
+      </p:pic>
+      <p:pic>
+        <p:nvPicPr>
+          <p:cNvPr id="3" name="Imagen 2">
+            <a:extLst>
+              <a:ext uri="{FF2B5EF4-FFF2-40B4-BE49-F238E27FC236}">
+                <a16:creationId xmlns:a16="http://schemas.microsoft.com/office/drawing/2014/main" id="{BDC5795A-C2C1-C418-30C9-846470A61F24}"/>
+              </a:ext>
+            </a:extLst>
+          </p:cNvPr>
+          <p:cNvPicPr>
+            <a:picLocks noChangeAspect="1"/>
+          </p:cNvPicPr>
+          <p:nvPr/>
+        </p:nvPicPr>
+        <p:blipFill>
+          <a:blip r:embed="rId5"/>
+          <a:stretch>
+            <a:fillRect/>
+          </a:stretch>
+        </p:blipFill>
+        <p:spPr>
+          <a:xfrm>
+            <a:off x="53974" y="3989996"/>
+            <a:ext cx="5734957" cy="2880000"/>
+          </a:xfrm>
+          <a:prstGeom prst="rect">
+            <a:avLst/>
+          </a:prstGeom>
+        </p:spPr>
+      </p:pic>
+      <p:pic>
+        <p:nvPicPr>
+          <p:cNvPr id="14" name="Imagen 13">
+            <a:extLst>
+              <a:ext uri="{FF2B5EF4-FFF2-40B4-BE49-F238E27FC236}">
+                <a16:creationId xmlns:a16="http://schemas.microsoft.com/office/drawing/2014/main" id="{45E810DA-1BD4-0078-8FC4-B91620D8EED7}"/>
+              </a:ext>
+            </a:extLst>
+          </p:cNvPr>
+          <p:cNvPicPr>
+            <a:picLocks noChangeAspect="1"/>
+          </p:cNvPicPr>
+          <p:nvPr/>
+        </p:nvPicPr>
+        <p:blipFill>
+          <a:blip r:embed="rId6"/>
+          <a:stretch>
+            <a:fillRect/>
+          </a:stretch>
+        </p:blipFill>
+        <p:spPr>
+          <a:xfrm>
+            <a:off x="6813626" y="5500831"/>
+            <a:ext cx="4311574" cy="936721"/>
+          </a:xfrm>
+          <a:prstGeom prst="rect">
+            <a:avLst/>
+          </a:prstGeom>
+        </p:spPr>
+      </p:pic>
+      <p:pic>
+        <p:nvPicPr>
+          <p:cNvPr id="16" name="Imagen 15">
+            <a:extLst>
+              <a:ext uri="{FF2B5EF4-FFF2-40B4-BE49-F238E27FC236}">
+                <a16:creationId xmlns:a16="http://schemas.microsoft.com/office/drawing/2014/main" id="{00AD631A-894F-06F5-1AB3-E2FD5EAC9DEC}"/>
+              </a:ext>
+            </a:extLst>
+          </p:cNvPr>
+          <p:cNvPicPr>
+            <a:picLocks noChangeAspect="1"/>
+          </p:cNvPicPr>
+          <p:nvPr/>
+        </p:nvPicPr>
+        <p:blipFill>
+          <a:blip r:embed="rId7"/>
+          <a:stretch>
+            <a:fillRect/>
+          </a:stretch>
+        </p:blipFill>
+        <p:spPr>
+          <a:xfrm>
+            <a:off x="6615491" y="4348326"/>
+            <a:ext cx="2662461" cy="794174"/>
+          </a:xfrm>
+          <a:prstGeom prst="rect">
+            <a:avLst/>
+          </a:prstGeom>
+        </p:spPr>
+      </p:pic>
+      <p:pic>
+        <p:nvPicPr>
+          <p:cNvPr id="18" name="Imagen 17">
+            <a:extLst>
+              <a:ext uri="{FF2B5EF4-FFF2-40B4-BE49-F238E27FC236}">
+                <a16:creationId xmlns:a16="http://schemas.microsoft.com/office/drawing/2014/main" id="{7CAE805E-7BEC-31CF-09BB-B097AD42BB74}"/>
+              </a:ext>
+            </a:extLst>
+          </p:cNvPr>
+          <p:cNvPicPr>
+            <a:picLocks noChangeAspect="1"/>
+          </p:cNvPicPr>
+          <p:nvPr/>
+        </p:nvPicPr>
+        <p:blipFill>
+          <a:blip r:embed="rId8"/>
+          <a:stretch>
+            <a:fillRect/>
+          </a:stretch>
+        </p:blipFill>
+        <p:spPr>
+          <a:xfrm>
+            <a:off x="9677400" y="4348326"/>
+            <a:ext cx="1689497" cy="542050"/>
           </a:xfrm>
           <a:prstGeom prst="rect">
             <a:avLst/>
@@ -21623,7 +21925,7 @@
                                           </p:stCondLst>
                                         </p:cTn>
                                         <p:tgtEl>
-                                          <p:spTgt spid="9"/>
+                                          <p:spTgt spid="10"/>
                                         </p:tgtEl>
                                         <p:attrNameLst>
                                           <p:attrName>style.visibility</p:attrName>
@@ -21655,7 +21957,7 @@
                             </p:stCondLst>
                             <p:childTnLst>
                               <p:par>
-                                <p:cTn id="9" presetID="1" presetClass="entr" presetSubtype="0" fill="hold" grpId="0" nodeType="clickEffect">
+                                <p:cTn id="9" presetID="1" presetClass="entr" presetSubtype="0" fill="hold" nodeType="clickEffect">
                                   <p:stCondLst>
                                     <p:cond delay="0"/>
                                   </p:stCondLst>
@@ -21663,6 +21965,96 @@
                                     <p:set>
                                       <p:cBhvr>
                                         <p:cTn id="10" dur="1" fill="hold">
+                                          <p:stCondLst>
+                                            <p:cond delay="0"/>
+                                          </p:stCondLst>
+                                        </p:cTn>
+                                        <p:tgtEl>
+                                          <p:spTgt spid="11"/>
+                                        </p:tgtEl>
+                                        <p:attrNameLst>
+                                          <p:attrName>style.visibility</p:attrName>
+                                        </p:attrNameLst>
+                                      </p:cBhvr>
+                                      <p:to>
+                                        <p:strVal val="visible"/>
+                                      </p:to>
+                                    </p:set>
+                                  </p:childTnLst>
+                                </p:cTn>
+                              </p:par>
+                            </p:childTnLst>
+                          </p:cTn>
+                        </p:par>
+                      </p:childTnLst>
+                    </p:cTn>
+                  </p:par>
+                  <p:par>
+                    <p:cTn id="11" fill="hold">
+                      <p:stCondLst>
+                        <p:cond delay="indefinite"/>
+                      </p:stCondLst>
+                      <p:childTnLst>
+                        <p:par>
+                          <p:cTn id="12" fill="hold">
+                            <p:stCondLst>
+                              <p:cond delay="0"/>
+                            </p:stCondLst>
+                            <p:childTnLst>
+                              <p:par>
+                                <p:cTn id="13" presetID="1" presetClass="entr" presetSubtype="0" fill="hold" nodeType="clickEffect">
+                                  <p:stCondLst>
+                                    <p:cond delay="0"/>
+                                  </p:stCondLst>
+                                  <p:childTnLst>
+                                    <p:set>
+                                      <p:cBhvr>
+                                        <p:cTn id="14" dur="1" fill="hold">
+                                          <p:stCondLst>
+                                            <p:cond delay="0"/>
+                                          </p:stCondLst>
+                                        </p:cTn>
+                                        <p:tgtEl>
+                                          <p:spTgt spid="3"/>
+                                        </p:tgtEl>
+                                        <p:attrNameLst>
+                                          <p:attrName>style.visibility</p:attrName>
+                                        </p:attrNameLst>
+                                      </p:cBhvr>
+                                      <p:to>
+                                        <p:strVal val="visible"/>
+                                      </p:to>
+                                    </p:set>
+                                  </p:childTnLst>
+                                </p:cTn>
+                              </p:par>
+                            </p:childTnLst>
+                          </p:cTn>
+                        </p:par>
+                      </p:childTnLst>
+                    </p:cTn>
+                  </p:par>
+                  <p:par>
+                    <p:cTn id="15" fill="hold">
+                      <p:stCondLst>
+                        <p:cond delay="indefinite"/>
+                      </p:stCondLst>
+                      <p:childTnLst>
+                        <p:par>
+                          <p:cTn id="16" fill="hold">
+                            <p:stCondLst>
+                              <p:cond delay="0"/>
+                            </p:stCondLst>
+                            <p:childTnLst>
+                              <p:par>
+                                <p:cTn id="17" presetID="1" presetClass="entr" presetSubtype="0" fill="hold" grpId="0" nodeType="clickEffect">
+                                  <p:stCondLst>
+                                    <p:cond delay="0"/>
+                                  </p:stCondLst>
+                                  <p:childTnLst>
+                                    <p:set>
+                                      <p:cBhvr>
+                                        <p:cTn id="18" dur="1" fill="hold">
                                           <p:stCondLst>
                                             <p:cond delay="0"/>
                                           </p:stCondLst>
@@ -21682,20 +22074,20 @@
                                 </p:cTn>
                               </p:par>
                               <p:par>
-                                <p:cTn id="11" presetID="1" presetClass="entr" presetSubtype="0" fill="hold" nodeType="withEffect">
+                                <p:cTn id="19" presetID="1" presetClass="entr" presetSubtype="0" fill="hold" nodeType="withEffect">
                                   <p:stCondLst>
                                     <p:cond delay="0"/>
                                   </p:stCondLst>
                                   <p:childTnLst>
                                     <p:set>
                                       <p:cBhvr>
-                                        <p:cTn id="12" dur="1" fill="hold">
+                                        <p:cTn id="20" dur="1" fill="hold">
                                           <p:stCondLst>
                                             <p:cond delay="0"/>
                                           </p:stCondLst>
                                         </p:cTn>
                                         <p:tgtEl>
-                                          <p:spTgt spid="5"/>
+                                          <p:spTgt spid="14"/>
                                         </p:tgtEl>
                                         <p:attrNameLst>
                                           <p:attrName>style.visibility</p:attrName>
@@ -21709,20 +22101,20 @@
                                 </p:cTn>
                               </p:par>
                               <p:par>
-                                <p:cTn id="13" presetID="1" presetClass="entr" presetSubtype="0" fill="hold" nodeType="withEffect">
+                                <p:cTn id="21" presetID="1" presetClass="entr" presetSubtype="0" fill="hold" nodeType="withEffect">
                                   <p:stCondLst>
                                     <p:cond delay="0"/>
                                   </p:stCondLst>
                                   <p:childTnLst>
                                     <p:set>
                                       <p:cBhvr>
-                                        <p:cTn id="14" dur="1" fill="hold">
+                                        <p:cTn id="22" dur="1" fill="hold">
                                           <p:stCondLst>
                                             <p:cond delay="0"/>
                                           </p:stCondLst>
                                         </p:cTn>
                                         <p:tgtEl>
-                                          <p:spTgt spid="6"/>
+                                          <p:spTgt spid="16"/>
                                         </p:tgtEl>
                                         <p:attrNameLst>
                                           <p:attrName>style.visibility</p:attrName>
@@ -21736,20 +22128,20 @@
                                 </p:cTn>
                               </p:par>
                               <p:par>
-                                <p:cTn id="15" presetID="1" presetClass="entr" presetSubtype="0" fill="hold" nodeType="withEffect">
+                                <p:cTn id="23" presetID="1" presetClass="entr" presetSubtype="0" fill="hold" nodeType="withEffect">
                                   <p:stCondLst>
                                     <p:cond delay="0"/>
                                   </p:stCondLst>
                                   <p:childTnLst>
                                     <p:set>
                                       <p:cBhvr>
-                                        <p:cTn id="16" dur="1" fill="hold">
+                                        <p:cTn id="24" dur="1" fill="hold">
                                           <p:stCondLst>
                                             <p:cond delay="0"/>
                                           </p:stCondLst>
                                         </p:cTn>
                                         <p:tgtEl>
-                                          <p:spTgt spid="7"/>
+                                          <p:spTgt spid="18"/>
                                         </p:tgtEl>
                                         <p:attrNameLst>
                                           <p:attrName>style.visibility</p:attrName>
@@ -21910,126 +22302,6 @@
       </p:sp>
       <p:pic>
         <p:nvPicPr>
-          <p:cNvPr id="5" name="Imagen 4">
-            <a:extLst>
-              <a:ext uri="{FF2B5EF4-FFF2-40B4-BE49-F238E27FC236}">
-                <a16:creationId xmlns:a16="http://schemas.microsoft.com/office/drawing/2014/main" id="{FAE4D27A-405E-0360-659F-0D4DDB387433}"/>
-              </a:ext>
-            </a:extLst>
-          </p:cNvPr>
-          <p:cNvPicPr>
-            <a:picLocks noChangeAspect="1"/>
-          </p:cNvPicPr>
-          <p:nvPr/>
-        </p:nvPicPr>
-        <p:blipFill>
-          <a:blip r:embed="rId3"/>
-          <a:stretch>
-            <a:fillRect/>
-          </a:stretch>
-        </p:blipFill>
-        <p:spPr>
-          <a:xfrm>
-            <a:off x="6794048" y="4457160"/>
-            <a:ext cx="2080260" cy="929640"/>
-          </a:xfrm>
-          <a:prstGeom prst="rect">
-            <a:avLst/>
-          </a:prstGeom>
-        </p:spPr>
-      </p:pic>
-      <p:pic>
-        <p:nvPicPr>
-          <p:cNvPr id="6" name="Imagen 5">
-            <a:extLst>
-              <a:ext uri="{FF2B5EF4-FFF2-40B4-BE49-F238E27FC236}">
-                <a16:creationId xmlns:a16="http://schemas.microsoft.com/office/drawing/2014/main" id="{346B08E5-FB18-E4C2-53EE-E23070A92677}"/>
-              </a:ext>
-            </a:extLst>
-          </p:cNvPr>
-          <p:cNvPicPr>
-            <a:picLocks noChangeAspect="1"/>
-          </p:cNvPicPr>
-          <p:nvPr/>
-        </p:nvPicPr>
-        <p:blipFill>
-          <a:blip r:embed="rId4"/>
-          <a:stretch>
-            <a:fillRect/>
-          </a:stretch>
-        </p:blipFill>
-        <p:spPr>
-          <a:xfrm>
-            <a:off x="9525000" y="4472297"/>
-            <a:ext cx="1531620" cy="563880"/>
-          </a:xfrm>
-          <a:prstGeom prst="rect">
-            <a:avLst/>
-          </a:prstGeom>
-        </p:spPr>
-      </p:pic>
-      <p:pic>
-        <p:nvPicPr>
-          <p:cNvPr id="7" name="Imagen 6">
-            <a:extLst>
-              <a:ext uri="{FF2B5EF4-FFF2-40B4-BE49-F238E27FC236}">
-                <a16:creationId xmlns:a16="http://schemas.microsoft.com/office/drawing/2014/main" id="{EAF40000-4CC6-2E9B-BB9D-D737B54D93DB}"/>
-              </a:ext>
-            </a:extLst>
-          </p:cNvPr>
-          <p:cNvPicPr>
-            <a:picLocks noChangeAspect="1"/>
-          </p:cNvPicPr>
-          <p:nvPr/>
-        </p:nvPicPr>
-        <p:blipFill>
-          <a:blip r:embed="rId5"/>
-          <a:stretch>
-            <a:fillRect/>
-          </a:stretch>
-        </p:blipFill>
-        <p:spPr>
-          <a:xfrm>
-            <a:off x="6794048" y="5488985"/>
-            <a:ext cx="3817620" cy="563880"/>
-          </a:xfrm>
-          <a:prstGeom prst="rect">
-            <a:avLst/>
-          </a:prstGeom>
-        </p:spPr>
-      </p:pic>
-      <p:pic>
-        <p:nvPicPr>
-          <p:cNvPr id="9" name="Imagen 8">
-            <a:extLst>
-              <a:ext uri="{FF2B5EF4-FFF2-40B4-BE49-F238E27FC236}">
-                <a16:creationId xmlns:a16="http://schemas.microsoft.com/office/drawing/2014/main" id="{765456ED-5B54-6CB2-E46E-2A57BAED095E}"/>
-              </a:ext>
-            </a:extLst>
-          </p:cNvPr>
-          <p:cNvPicPr>
-            <a:picLocks noChangeAspect="1"/>
-          </p:cNvPicPr>
-          <p:nvPr/>
-        </p:nvPicPr>
-        <p:blipFill>
-          <a:blip r:embed="rId6"/>
-          <a:stretch>
-            <a:fillRect/>
-          </a:stretch>
-        </p:blipFill>
-        <p:spPr>
-          <a:xfrm>
-            <a:off x="53975" y="3964596"/>
-            <a:ext cx="5734957" cy="2880000"/>
-          </a:xfrm>
-          <a:prstGeom prst="rect">
-            <a:avLst/>
-          </a:prstGeom>
-        </p:spPr>
-      </p:pic>
-      <p:pic>
-        <p:nvPicPr>
           <p:cNvPr id="3" name="Imagen 2">
             <a:extLst>
               <a:ext uri="{FF2B5EF4-FFF2-40B4-BE49-F238E27FC236}">
@@ -22043,7 +22315,7 @@
           <p:nvPr/>
         </p:nvPicPr>
         <p:blipFill>
-          <a:blip r:embed="rId7"/>
+          <a:blip r:embed="rId3"/>
           <a:stretch>
             <a:fillRect/>
           </a:stretch>
@@ -22073,7 +22345,7 @@
           <p:nvPr/>
         </p:nvPicPr>
         <p:blipFill>
-          <a:blip r:embed="rId8"/>
+          <a:blip r:embed="rId4"/>
           <a:stretch>
             <a:fillRect/>
           </a:stretch>
@@ -22082,6 +22354,96 @@
           <a:xfrm>
             <a:off x="5911073" y="1100960"/>
             <a:ext cx="5734957" cy="2880000"/>
+          </a:xfrm>
+          <a:prstGeom prst="rect">
+            <a:avLst/>
+          </a:prstGeom>
+        </p:spPr>
+      </p:pic>
+      <p:pic>
+        <p:nvPicPr>
+          <p:cNvPr id="4" name="Imagen 3">
+            <a:extLst>
+              <a:ext uri="{FF2B5EF4-FFF2-40B4-BE49-F238E27FC236}">
+                <a16:creationId xmlns:a16="http://schemas.microsoft.com/office/drawing/2014/main" id="{2A52D396-95AF-FD4B-4EE5-1BE6BE0AB135}"/>
+              </a:ext>
+            </a:extLst>
+          </p:cNvPr>
+          <p:cNvPicPr>
+            <a:picLocks noChangeAspect="1"/>
+          </p:cNvPicPr>
+          <p:nvPr/>
+        </p:nvPicPr>
+        <p:blipFill>
+          <a:blip r:embed="rId5"/>
+          <a:stretch>
+            <a:fillRect/>
+          </a:stretch>
+        </p:blipFill>
+        <p:spPr>
+          <a:xfrm>
+            <a:off x="29751" y="3998463"/>
+            <a:ext cx="5734957" cy="2880000"/>
+          </a:xfrm>
+          <a:prstGeom prst="rect">
+            <a:avLst/>
+          </a:prstGeom>
+        </p:spPr>
+      </p:pic>
+      <p:pic>
+        <p:nvPicPr>
+          <p:cNvPr id="12" name="Imagen 11">
+            <a:extLst>
+              <a:ext uri="{FF2B5EF4-FFF2-40B4-BE49-F238E27FC236}">
+                <a16:creationId xmlns:a16="http://schemas.microsoft.com/office/drawing/2014/main" id="{8528DF52-4016-6DF6-152A-AEE389060815}"/>
+              </a:ext>
+            </a:extLst>
+          </p:cNvPr>
+          <p:cNvPicPr>
+            <a:picLocks noChangeAspect="1"/>
+          </p:cNvPicPr>
+          <p:nvPr/>
+        </p:nvPicPr>
+        <p:blipFill>
+          <a:blip r:embed="rId6"/>
+          <a:stretch>
+            <a:fillRect/>
+          </a:stretch>
+        </p:blipFill>
+        <p:spPr>
+          <a:xfrm>
+            <a:off x="6757333" y="5630452"/>
+            <a:ext cx="4324954" cy="541748"/>
+          </a:xfrm>
+          <a:prstGeom prst="rect">
+            <a:avLst/>
+          </a:prstGeom>
+        </p:spPr>
+      </p:pic>
+      <p:pic>
+        <p:nvPicPr>
+          <p:cNvPr id="14" name="Imagen 13">
+            <a:extLst>
+              <a:ext uri="{FF2B5EF4-FFF2-40B4-BE49-F238E27FC236}">
+                <a16:creationId xmlns:a16="http://schemas.microsoft.com/office/drawing/2014/main" id="{6E23B255-E524-39CA-8516-56DD2AE610D7}"/>
+              </a:ext>
+            </a:extLst>
+          </p:cNvPr>
+          <p:cNvPicPr>
+            <a:picLocks noChangeAspect="1"/>
+          </p:cNvPicPr>
+          <p:nvPr/>
+        </p:nvPicPr>
+        <p:blipFill>
+          <a:blip r:embed="rId7"/>
+          <a:stretch>
+            <a:fillRect/>
+          </a:stretch>
+        </p:blipFill>
+        <p:spPr>
+          <a:xfrm>
+            <a:off x="6757333" y="4438942"/>
+            <a:ext cx="4229690" cy="733527"/>
           </a:xfrm>
           <a:prstGeom prst="rect">
             <a:avLst/>
@@ -22132,7 +22494,7 @@
                                           </p:stCondLst>
                                         </p:cTn>
                                         <p:tgtEl>
-                                          <p:spTgt spid="9"/>
+                                          <p:spTgt spid="3"/>
                                         </p:tgtEl>
                                         <p:attrNameLst>
                                           <p:attrName>style.visibility</p:attrName>
@@ -22164,7 +22526,7 @@
                             </p:stCondLst>
                             <p:childTnLst>
                               <p:par>
-                                <p:cTn id="9" presetID="1" presetClass="entr" presetSubtype="0" fill="hold" grpId="0" nodeType="clickEffect">
+                                <p:cTn id="9" presetID="10" presetClass="entr" presetSubtype="0" fill="hold" nodeType="clickEffect">
                                   <p:stCondLst>
                                     <p:cond delay="0"/>
                                   </p:stCondLst>
@@ -22172,6 +22534,104 @@
                                     <p:set>
                                       <p:cBhvr>
                                         <p:cTn id="10" dur="1" fill="hold">
+                                          <p:stCondLst>
+                                            <p:cond delay="0"/>
+                                          </p:stCondLst>
+                                        </p:cTn>
+                                        <p:tgtEl>
+                                          <p:spTgt spid="10"/>
+                                        </p:tgtEl>
+                                        <p:attrNameLst>
+                                          <p:attrName>style.visibility</p:attrName>
+                                        </p:attrNameLst>
+                                      </p:cBhvr>
+                                      <p:to>
+                                        <p:strVal val="visible"/>
+                                      </p:to>
+                                    </p:set>
+                                    <p:animEffect transition="in" filter="fade">
+                                      <p:cBhvr>
+                                        <p:cTn id="11" dur="500"/>
+                                        <p:tgtEl>
+                                          <p:spTgt spid="10"/>
+                                        </p:tgtEl>
+                                      </p:cBhvr>
+                                    </p:animEffect>
+                                  </p:childTnLst>
+                                </p:cTn>
+                              </p:par>
+                            </p:childTnLst>
+                          </p:cTn>
+                        </p:par>
+                      </p:childTnLst>
+                    </p:cTn>
+                  </p:par>
+                  <p:par>
+                    <p:cTn id="12" fill="hold">
+                      <p:stCondLst>
+                        <p:cond delay="indefinite"/>
+                      </p:stCondLst>
+                      <p:childTnLst>
+                        <p:par>
+                          <p:cTn id="13" fill="hold">
+                            <p:stCondLst>
+                              <p:cond delay="0"/>
+                            </p:stCondLst>
+                            <p:childTnLst>
+                              <p:par>
+                                <p:cTn id="14" presetID="1" presetClass="entr" presetSubtype="0" fill="hold" nodeType="clickEffect">
+                                  <p:stCondLst>
+                                    <p:cond delay="0"/>
+                                  </p:stCondLst>
+                                  <p:childTnLst>
+                                    <p:set>
+                                      <p:cBhvr>
+                                        <p:cTn id="15" dur="1" fill="hold">
+                                          <p:stCondLst>
+                                            <p:cond delay="0"/>
+                                          </p:stCondLst>
+                                        </p:cTn>
+                                        <p:tgtEl>
+                                          <p:spTgt spid="4"/>
+                                        </p:tgtEl>
+                                        <p:attrNameLst>
+                                          <p:attrName>style.visibility</p:attrName>
+                                        </p:attrNameLst>
+                                      </p:cBhvr>
+                                      <p:to>
+                                        <p:strVal val="visible"/>
+                                      </p:to>
+                                    </p:set>
+                                  </p:childTnLst>
+                                </p:cTn>
+                              </p:par>
+                            </p:childTnLst>
+                          </p:cTn>
+                        </p:par>
+                      </p:childTnLst>
+                    </p:cTn>
+                  </p:par>
+                  <p:par>
+                    <p:cTn id="16" fill="hold">
+                      <p:stCondLst>
+                        <p:cond delay="indefinite"/>
+                      </p:stCondLst>
+                      <p:childTnLst>
+                        <p:par>
+                          <p:cTn id="17" fill="hold">
+                            <p:stCondLst>
+                              <p:cond delay="0"/>
+                            </p:stCondLst>
+                            <p:childTnLst>
+                              <p:par>
+                                <p:cTn id="18" presetID="1" presetClass="entr" presetSubtype="0" fill="hold" grpId="0" nodeType="clickEffect">
+                                  <p:stCondLst>
+                                    <p:cond delay="0"/>
+                                  </p:stCondLst>
+                                  <p:childTnLst>
+                                    <p:set>
+                                      <p:cBhvr>
+                                        <p:cTn id="19" dur="1" fill="hold">
                                           <p:stCondLst>
                                             <p:cond delay="0"/>
                                           </p:stCondLst>
@@ -22191,20 +22651,20 @@
                                 </p:cTn>
                               </p:par>
                               <p:par>
-                                <p:cTn id="11" presetID="1" presetClass="entr" presetSubtype="0" fill="hold" nodeType="withEffect">
+                                <p:cTn id="20" presetID="1" presetClass="entr" presetSubtype="0" fill="hold" nodeType="withEffect">
                                   <p:stCondLst>
                                     <p:cond delay="0"/>
                                   </p:stCondLst>
                                   <p:childTnLst>
                                     <p:set>
                                       <p:cBhvr>
-                                        <p:cTn id="12" dur="1" fill="hold">
+                                        <p:cTn id="21" dur="1" fill="hold">
                                           <p:stCondLst>
                                             <p:cond delay="0"/>
                                           </p:stCondLst>
                                         </p:cTn>
                                         <p:tgtEl>
-                                          <p:spTgt spid="5"/>
+                                          <p:spTgt spid="12"/>
                                         </p:tgtEl>
                                         <p:attrNameLst>
                                           <p:attrName>style.visibility</p:attrName>
@@ -22218,47 +22678,20 @@
                                 </p:cTn>
                               </p:par>
                               <p:par>
-                                <p:cTn id="13" presetID="1" presetClass="entr" presetSubtype="0" fill="hold" nodeType="withEffect">
+                                <p:cTn id="22" presetID="1" presetClass="entr" presetSubtype="0" fill="hold" nodeType="withEffect">
                                   <p:stCondLst>
                                     <p:cond delay="0"/>
                                   </p:stCondLst>
                                   <p:childTnLst>
                                     <p:set>
                                       <p:cBhvr>
-                                        <p:cTn id="14" dur="1" fill="hold">
+                                        <p:cTn id="23" dur="1" fill="hold">
                                           <p:stCondLst>
                                             <p:cond delay="0"/>
                                           </p:stCondLst>
                                         </p:cTn>
                                         <p:tgtEl>
-                                          <p:spTgt spid="6"/>
-                                        </p:tgtEl>
-                                        <p:attrNameLst>
-                                          <p:attrName>style.visibility</p:attrName>
-                                        </p:attrNameLst>
-                                      </p:cBhvr>
-                                      <p:to>
-                                        <p:strVal val="visible"/>
-                                      </p:to>
-                                    </p:set>
-                                  </p:childTnLst>
-                                </p:cTn>
-                              </p:par>
-                              <p:par>
-                                <p:cTn id="15" presetID="1" presetClass="entr" presetSubtype="0" fill="hold" nodeType="withEffect">
-                                  <p:stCondLst>
-                                    <p:cond delay="0"/>
-                                  </p:stCondLst>
-                                  <p:childTnLst>
-                                    <p:set>
-                                      <p:cBhvr>
-                                        <p:cTn id="16" dur="1" fill="hold">
-                                          <p:stCondLst>
-                                            <p:cond delay="0"/>
-                                          </p:stCondLst>
-                                        </p:cTn>
-                                        <p:tgtEl>
-                                          <p:spTgt spid="7"/>
+                                          <p:spTgt spid="14"/>
                                         </p:tgtEl>
                                         <p:attrNameLst>
                                           <p:attrName>style.visibility</p:attrName>
@@ -22419,10 +22852,10 @@
       </p:sp>
       <p:pic>
         <p:nvPicPr>
-          <p:cNvPr id="5" name="Imagen 4">
+          <p:cNvPr id="3" name="Imagen 2">
             <a:extLst>
               <a:ext uri="{FF2B5EF4-FFF2-40B4-BE49-F238E27FC236}">
-                <a16:creationId xmlns:a16="http://schemas.microsoft.com/office/drawing/2014/main" id="{FAE4D27A-405E-0360-659F-0D4DDB387433}"/>
+                <a16:creationId xmlns:a16="http://schemas.microsoft.com/office/drawing/2014/main" id="{A314ABD8-D0C6-3513-D286-521850D3436C}"/>
               </a:ext>
             </a:extLst>
           </p:cNvPr>
@@ -22439,8 +22872,8 @@
         </p:blipFill>
         <p:spPr>
           <a:xfrm>
-            <a:off x="6794048" y="4457160"/>
-            <a:ext cx="2080260" cy="929640"/>
+            <a:off x="5985933" y="1057667"/>
+            <a:ext cx="5734957" cy="2880000"/>
           </a:xfrm>
           <a:prstGeom prst="rect">
             <a:avLst/>
@@ -22449,10 +22882,10 @@
       </p:pic>
       <p:pic>
         <p:nvPicPr>
-          <p:cNvPr id="6" name="Imagen 5">
+          <p:cNvPr id="10" name="Imagen 9">
             <a:extLst>
               <a:ext uri="{FF2B5EF4-FFF2-40B4-BE49-F238E27FC236}">
-                <a16:creationId xmlns:a16="http://schemas.microsoft.com/office/drawing/2014/main" id="{346B08E5-FB18-E4C2-53EE-E23070A92677}"/>
+                <a16:creationId xmlns:a16="http://schemas.microsoft.com/office/drawing/2014/main" id="{AB9CC045-BDCD-609C-CAFA-7816DE6CA223}"/>
               </a:ext>
             </a:extLst>
           </p:cNvPr>
@@ -22469,8 +22902,8 @@
         </p:blipFill>
         <p:spPr>
           <a:xfrm>
-            <a:off x="9525000" y="4472297"/>
-            <a:ext cx="1531620" cy="563880"/>
+            <a:off x="31282" y="3978000"/>
+            <a:ext cx="5734957" cy="2880000"/>
           </a:xfrm>
           <a:prstGeom prst="rect">
             <a:avLst/>
@@ -22479,10 +22912,10 @@
       </p:pic>
       <p:pic>
         <p:nvPicPr>
-          <p:cNvPr id="7" name="Imagen 6">
+          <p:cNvPr id="13" name="Imagen 12">
             <a:extLst>
               <a:ext uri="{FF2B5EF4-FFF2-40B4-BE49-F238E27FC236}">
-                <a16:creationId xmlns:a16="http://schemas.microsoft.com/office/drawing/2014/main" id="{EAF40000-4CC6-2E9B-BB9D-D737B54D93DB}"/>
+                <a16:creationId xmlns:a16="http://schemas.microsoft.com/office/drawing/2014/main" id="{9F1414C2-075F-929F-32E1-3A42A78A2870}"/>
               </a:ext>
             </a:extLst>
           </p:cNvPr>
@@ -22499,8 +22932,8 @@
         </p:blipFill>
         <p:spPr>
           <a:xfrm>
-            <a:off x="6794048" y="5488985"/>
-            <a:ext cx="3817620" cy="563880"/>
+            <a:off x="29678" y="1098000"/>
+            <a:ext cx="5734957" cy="2880000"/>
           </a:xfrm>
           <a:prstGeom prst="rect">
             <a:avLst/>
@@ -22509,10 +22942,10 @@
       </p:pic>
       <p:pic>
         <p:nvPicPr>
-          <p:cNvPr id="9" name="Imagen 8">
+          <p:cNvPr id="15" name="Imagen 14">
             <a:extLst>
               <a:ext uri="{FF2B5EF4-FFF2-40B4-BE49-F238E27FC236}">
-                <a16:creationId xmlns:a16="http://schemas.microsoft.com/office/drawing/2014/main" id="{765456ED-5B54-6CB2-E46E-2A57BAED095E}"/>
+                <a16:creationId xmlns:a16="http://schemas.microsoft.com/office/drawing/2014/main" id="{7BA5C7A3-528D-8F87-76F3-41450F885106}"/>
               </a:ext>
             </a:extLst>
           </p:cNvPr>
@@ -22529,8 +22962,38 @@
         </p:blipFill>
         <p:spPr>
           <a:xfrm>
-            <a:off x="53975" y="3964596"/>
-            <a:ext cx="5734957" cy="2880000"/>
+            <a:off x="6697402" y="4495800"/>
+            <a:ext cx="2981741" cy="543001"/>
+          </a:xfrm>
+          <a:prstGeom prst="rect">
+            <a:avLst/>
+          </a:prstGeom>
+        </p:spPr>
+      </p:pic>
+      <p:pic>
+        <p:nvPicPr>
+          <p:cNvPr id="19" name="Imagen 18">
+            <a:extLst>
+              <a:ext uri="{FF2B5EF4-FFF2-40B4-BE49-F238E27FC236}">
+                <a16:creationId xmlns:a16="http://schemas.microsoft.com/office/drawing/2014/main" id="{70546996-A282-91A2-D504-0142A76852AC}"/>
+              </a:ext>
+            </a:extLst>
+          </p:cNvPr>
+          <p:cNvPicPr>
+            <a:picLocks noChangeAspect="1"/>
+          </p:cNvPicPr>
+          <p:nvPr/>
+        </p:nvPicPr>
+        <p:blipFill>
+          <a:blip r:embed="rId7"/>
+          <a:stretch>
+            <a:fillRect/>
+          </a:stretch>
+        </p:blipFill>
+        <p:spPr>
+          <a:xfrm>
+            <a:off x="6735457" y="5132210"/>
+            <a:ext cx="2124371" cy="571580"/>
           </a:xfrm>
           <a:prstGeom prst="rect">
             <a:avLst/>
@@ -22581,7 +23044,7 @@
                                           </p:stCondLst>
                                         </p:cTn>
                                         <p:tgtEl>
-                                          <p:spTgt spid="9"/>
+                                          <p:spTgt spid="13"/>
                                         </p:tgtEl>
                                         <p:attrNameLst>
                                           <p:attrName>style.visibility</p:attrName>
@@ -22613,7 +23076,7 @@
                             </p:stCondLst>
                             <p:childTnLst>
                               <p:par>
-                                <p:cTn id="9" presetID="1" presetClass="entr" presetSubtype="0" fill="hold" grpId="0" nodeType="clickEffect">
+                                <p:cTn id="9" presetID="1" presetClass="entr" presetSubtype="0" fill="hold" nodeType="clickEffect">
                                   <p:stCondLst>
                                     <p:cond delay="0"/>
                                   </p:stCondLst>
@@ -22621,6 +23084,96 @@
                                     <p:set>
                                       <p:cBhvr>
                                         <p:cTn id="10" dur="1" fill="hold">
+                                          <p:stCondLst>
+                                            <p:cond delay="0"/>
+                                          </p:stCondLst>
+                                        </p:cTn>
+                                        <p:tgtEl>
+                                          <p:spTgt spid="3"/>
+                                        </p:tgtEl>
+                                        <p:attrNameLst>
+                                          <p:attrName>style.visibility</p:attrName>
+                                        </p:attrNameLst>
+                                      </p:cBhvr>
+                                      <p:to>
+                                        <p:strVal val="visible"/>
+                                      </p:to>
+                                    </p:set>
+                                  </p:childTnLst>
+                                </p:cTn>
+                              </p:par>
+                            </p:childTnLst>
+                          </p:cTn>
+                        </p:par>
+                      </p:childTnLst>
+                    </p:cTn>
+                  </p:par>
+                  <p:par>
+                    <p:cTn id="11" fill="hold">
+                      <p:stCondLst>
+                        <p:cond delay="indefinite"/>
+                      </p:stCondLst>
+                      <p:childTnLst>
+                        <p:par>
+                          <p:cTn id="12" fill="hold">
+                            <p:stCondLst>
+                              <p:cond delay="0"/>
+                            </p:stCondLst>
+                            <p:childTnLst>
+                              <p:par>
+                                <p:cTn id="13" presetID="1" presetClass="entr" presetSubtype="0" fill="hold" nodeType="clickEffect">
+                                  <p:stCondLst>
+                                    <p:cond delay="0"/>
+                                  </p:stCondLst>
+                                  <p:childTnLst>
+                                    <p:set>
+                                      <p:cBhvr>
+                                        <p:cTn id="14" dur="1" fill="hold">
+                                          <p:stCondLst>
+                                            <p:cond delay="0"/>
+                                          </p:stCondLst>
+                                        </p:cTn>
+                                        <p:tgtEl>
+                                          <p:spTgt spid="10"/>
+                                        </p:tgtEl>
+                                        <p:attrNameLst>
+                                          <p:attrName>style.visibility</p:attrName>
+                                        </p:attrNameLst>
+                                      </p:cBhvr>
+                                      <p:to>
+                                        <p:strVal val="visible"/>
+                                      </p:to>
+                                    </p:set>
+                                  </p:childTnLst>
+                                </p:cTn>
+                              </p:par>
+                            </p:childTnLst>
+                          </p:cTn>
+                        </p:par>
+                      </p:childTnLst>
+                    </p:cTn>
+                  </p:par>
+                  <p:par>
+                    <p:cTn id="15" fill="hold">
+                      <p:stCondLst>
+                        <p:cond delay="indefinite"/>
+                      </p:stCondLst>
+                      <p:childTnLst>
+                        <p:par>
+                          <p:cTn id="16" fill="hold">
+                            <p:stCondLst>
+                              <p:cond delay="0"/>
+                            </p:stCondLst>
+                            <p:childTnLst>
+                              <p:par>
+                                <p:cTn id="17" presetID="1" presetClass="entr" presetSubtype="0" fill="hold" grpId="0" nodeType="clickEffect">
+                                  <p:stCondLst>
+                                    <p:cond delay="0"/>
+                                  </p:stCondLst>
+                                  <p:childTnLst>
+                                    <p:set>
+                                      <p:cBhvr>
+                                        <p:cTn id="18" dur="1" fill="hold">
                                           <p:stCondLst>
                                             <p:cond delay="0"/>
                                           </p:stCondLst>
@@ -22640,20 +23193,20 @@
                                 </p:cTn>
                               </p:par>
                               <p:par>
-                                <p:cTn id="11" presetID="1" presetClass="entr" presetSubtype="0" fill="hold" nodeType="withEffect">
+                                <p:cTn id="19" presetID="1" presetClass="entr" presetSubtype="0" fill="hold" nodeType="withEffect">
                                   <p:stCondLst>
                                     <p:cond delay="0"/>
                                   </p:stCondLst>
                                   <p:childTnLst>
                                     <p:set>
                                       <p:cBhvr>
-                                        <p:cTn id="12" dur="1" fill="hold">
+                                        <p:cTn id="20" dur="1" fill="hold">
                                           <p:stCondLst>
                                             <p:cond delay="0"/>
                                           </p:stCondLst>
                                         </p:cTn>
                                         <p:tgtEl>
-                                          <p:spTgt spid="5"/>
+                                          <p:spTgt spid="15"/>
                                         </p:tgtEl>
                                         <p:attrNameLst>
                                           <p:attrName>style.visibility</p:attrName>
@@ -22667,47 +23220,20 @@
                                 </p:cTn>
                               </p:par>
                               <p:par>
-                                <p:cTn id="13" presetID="1" presetClass="entr" presetSubtype="0" fill="hold" nodeType="withEffect">
+                                <p:cTn id="21" presetID="1" presetClass="entr" presetSubtype="0" fill="hold" nodeType="withEffect">
                                   <p:stCondLst>
                                     <p:cond delay="0"/>
                                   </p:stCondLst>
                                   <p:childTnLst>
                                     <p:set>
                                       <p:cBhvr>
-                                        <p:cTn id="14" dur="1" fill="hold">
+                                        <p:cTn id="22" dur="1" fill="hold">
                                           <p:stCondLst>
                                             <p:cond delay="0"/>
                                           </p:stCondLst>
                                         </p:cTn>
                                         <p:tgtEl>
-                                          <p:spTgt spid="6"/>
-                                        </p:tgtEl>
-                                        <p:attrNameLst>
-                                          <p:attrName>style.visibility</p:attrName>
-                                        </p:attrNameLst>
-                                      </p:cBhvr>
-                                      <p:to>
-                                        <p:strVal val="visible"/>
-                                      </p:to>
-                                    </p:set>
-                                  </p:childTnLst>
-                                </p:cTn>
-                              </p:par>
-                              <p:par>
-                                <p:cTn id="15" presetID="1" presetClass="entr" presetSubtype="0" fill="hold" nodeType="withEffect">
-                                  <p:stCondLst>
-                                    <p:cond delay="0"/>
-                                  </p:stCondLst>
-                                  <p:childTnLst>
-                                    <p:set>
-                                      <p:cBhvr>
-                                        <p:cTn id="16" dur="1" fill="hold">
-                                          <p:stCondLst>
-                                            <p:cond delay="0"/>
-                                          </p:stCondLst>
-                                        </p:cTn>
-                                        <p:tgtEl>
-                                          <p:spTgt spid="7"/>
+                                          <p:spTgt spid="19"/>
                                         </p:tgtEl>
                                         <p:attrNameLst>
                                           <p:attrName>style.visibility</p:attrName>
@@ -22795,7 +23321,7 @@
             <a:fld id="{D4A63551-3C26-9045-96AE-2BD87758677A}" type="datetime3">
               <a:rPr lang="es-MX" smtClean="0"/>
               <a:pPr/>
-              <a:t>25.07.23</a:t>
+              <a:t>26.07.23</a:t>
             </a:fld>
             <a:endParaRPr lang="es-ES" dirty="0"/>
           </a:p>
@@ -26251,7 +26777,7 @@
             <a:fld id="{D4A63551-3C26-9045-96AE-2BD87758677A}" type="datetime3">
               <a:rPr lang="es-MX" smtClean="0"/>
               <a:pPr/>
-              <a:t>25.07.23</a:t>
+              <a:t>26.07.23</a:t>
             </a:fld>
             <a:endParaRPr lang="es-ES" dirty="0"/>
           </a:p>
@@ -26534,7 +27060,7 @@
             <a:fld id="{D4A63551-3C26-9045-96AE-2BD87758677A}" type="datetime3">
               <a:rPr lang="es-MX" smtClean="0"/>
               <a:pPr/>
-              <a:t>25.07.23</a:t>
+              <a:t>26.07.23</a:t>
             </a:fld>
             <a:endParaRPr lang="es-ES" dirty="0"/>
           </a:p>
@@ -26596,7 +27122,7 @@
         </p:blipFill>
         <p:spPr>
           <a:xfrm>
-            <a:off x="1293164" y="1371600"/>
+            <a:off x="1371600" y="1484641"/>
             <a:ext cx="8513455" cy="3093835"/>
           </a:xfrm>
           <a:prstGeom prst="rect">
@@ -26821,36 +27347,6 @@
       </p:pic>
       <p:pic>
         <p:nvPicPr>
-          <p:cNvPr id="7" name="Imagen 6">
-            <a:extLst>
-              <a:ext uri="{FF2B5EF4-FFF2-40B4-BE49-F238E27FC236}">
-                <a16:creationId xmlns:a16="http://schemas.microsoft.com/office/drawing/2014/main" id="{EAF40000-4CC6-2E9B-BB9D-D737B54D93DB}"/>
-              </a:ext>
-            </a:extLst>
-          </p:cNvPr>
-          <p:cNvPicPr>
-            <a:picLocks noChangeAspect="1"/>
-          </p:cNvPicPr>
-          <p:nvPr/>
-        </p:nvPicPr>
-        <p:blipFill>
-          <a:blip r:embed="rId6"/>
-          <a:stretch>
-            <a:fillRect/>
-          </a:stretch>
-        </p:blipFill>
-        <p:spPr>
-          <a:xfrm>
-            <a:off x="6794048" y="5488985"/>
-            <a:ext cx="3817620" cy="563880"/>
-          </a:xfrm>
-          <a:prstGeom prst="rect">
-            <a:avLst/>
-          </a:prstGeom>
-        </p:spPr>
-      </p:pic>
-      <p:pic>
-        <p:nvPicPr>
           <p:cNvPr id="4" name="Imagen 3">
             <a:extLst>
               <a:ext uri="{FF2B5EF4-FFF2-40B4-BE49-F238E27FC236}">
@@ -26864,7 +27360,7 @@
           <p:nvPr/>
         </p:nvPicPr>
         <p:blipFill>
-          <a:blip r:embed="rId7"/>
+          <a:blip r:embed="rId6"/>
           <a:stretch>
             <a:fillRect/>
           </a:stretch>
@@ -26894,7 +27390,7 @@
           <p:nvPr/>
         </p:nvPicPr>
         <p:blipFill>
-          <a:blip r:embed="rId8"/>
+          <a:blip r:embed="rId7"/>
           <a:stretch>
             <a:fillRect/>
           </a:stretch>
@@ -26903,6 +27399,36 @@
           <a:xfrm>
             <a:off x="53975" y="3964596"/>
             <a:ext cx="5734957" cy="2880000"/>
+          </a:xfrm>
+          <a:prstGeom prst="rect">
+            <a:avLst/>
+          </a:prstGeom>
+        </p:spPr>
+      </p:pic>
+      <p:pic>
+        <p:nvPicPr>
+          <p:cNvPr id="10" name="Imagen 9">
+            <a:extLst>
+              <a:ext uri="{FF2B5EF4-FFF2-40B4-BE49-F238E27FC236}">
+                <a16:creationId xmlns:a16="http://schemas.microsoft.com/office/drawing/2014/main" id="{1B9EDA7C-67D8-28ED-4228-6A8D52F6EDF6}"/>
+              </a:ext>
+            </a:extLst>
+          </p:cNvPr>
+          <p:cNvPicPr>
+            <a:picLocks noChangeAspect="1"/>
+          </p:cNvPicPr>
+          <p:nvPr/>
+        </p:nvPicPr>
+        <p:blipFill>
+          <a:blip r:embed="rId8"/>
+          <a:stretch>
+            <a:fillRect/>
+          </a:stretch>
+        </p:blipFill>
+        <p:spPr>
+          <a:xfrm>
+            <a:off x="6794048" y="5543878"/>
+            <a:ext cx="3797752" cy="565200"/>
           </a:xfrm>
           <a:prstGeom prst="rect">
             <a:avLst/>
@@ -27169,7 +27695,7 @@
                                           </p:stCondLst>
                                         </p:cTn>
                                         <p:tgtEl>
-                                          <p:spTgt spid="7"/>
+                                          <p:spTgt spid="10"/>
                                         </p:tgtEl>
                                         <p:attrNameLst>
                                           <p:attrName>style.visibility</p:attrName>
@@ -27298,8 +27824,8 @@
         </p:nvSpPr>
         <p:spPr>
           <a:xfrm>
-            <a:off x="5822799" y="4382040"/>
-            <a:ext cx="383270" cy="2362200"/>
+            <a:off x="5996002" y="4414124"/>
+            <a:ext cx="349401" cy="2296941"/>
           </a:xfrm>
           <a:prstGeom prst="leftBrace">
             <a:avLst/>
@@ -27330,126 +27856,6 @@
       </p:sp>
       <p:pic>
         <p:nvPicPr>
-          <p:cNvPr id="5" name="Imagen 4">
-            <a:extLst>
-              <a:ext uri="{FF2B5EF4-FFF2-40B4-BE49-F238E27FC236}">
-                <a16:creationId xmlns:a16="http://schemas.microsoft.com/office/drawing/2014/main" id="{FAE4D27A-405E-0360-659F-0D4DDB387433}"/>
-              </a:ext>
-            </a:extLst>
-          </p:cNvPr>
-          <p:cNvPicPr>
-            <a:picLocks noChangeAspect="1"/>
-          </p:cNvPicPr>
-          <p:nvPr/>
-        </p:nvPicPr>
-        <p:blipFill>
-          <a:blip r:embed="rId4"/>
-          <a:stretch>
-            <a:fillRect/>
-          </a:stretch>
-        </p:blipFill>
-        <p:spPr>
-          <a:xfrm>
-            <a:off x="6597047" y="4648200"/>
-            <a:ext cx="2080260" cy="929640"/>
-          </a:xfrm>
-          <a:prstGeom prst="rect">
-            <a:avLst/>
-          </a:prstGeom>
-        </p:spPr>
-      </p:pic>
-      <p:pic>
-        <p:nvPicPr>
-          <p:cNvPr id="6" name="Imagen 5">
-            <a:extLst>
-              <a:ext uri="{FF2B5EF4-FFF2-40B4-BE49-F238E27FC236}">
-                <a16:creationId xmlns:a16="http://schemas.microsoft.com/office/drawing/2014/main" id="{346B08E5-FB18-E4C2-53EE-E23070A92677}"/>
-              </a:ext>
-            </a:extLst>
-          </p:cNvPr>
-          <p:cNvPicPr>
-            <a:picLocks noChangeAspect="1"/>
-          </p:cNvPicPr>
-          <p:nvPr/>
-        </p:nvPicPr>
-        <p:blipFill>
-          <a:blip r:embed="rId5"/>
-          <a:stretch>
-            <a:fillRect/>
-          </a:stretch>
-        </p:blipFill>
-        <p:spPr>
-          <a:xfrm>
-            <a:off x="8899980" y="4648200"/>
-            <a:ext cx="1531620" cy="563880"/>
-          </a:xfrm>
-          <a:prstGeom prst="rect">
-            <a:avLst/>
-          </a:prstGeom>
-        </p:spPr>
-      </p:pic>
-      <p:pic>
-        <p:nvPicPr>
-          <p:cNvPr id="7" name="Imagen 6">
-            <a:extLst>
-              <a:ext uri="{FF2B5EF4-FFF2-40B4-BE49-F238E27FC236}">
-                <a16:creationId xmlns:a16="http://schemas.microsoft.com/office/drawing/2014/main" id="{EAF40000-4CC6-2E9B-BB9D-D737B54D93DB}"/>
-              </a:ext>
-            </a:extLst>
-          </p:cNvPr>
-          <p:cNvPicPr>
-            <a:picLocks noChangeAspect="1"/>
-          </p:cNvPicPr>
-          <p:nvPr/>
-        </p:nvPicPr>
-        <p:blipFill>
-          <a:blip r:embed="rId6"/>
-          <a:stretch>
-            <a:fillRect/>
-          </a:stretch>
-        </p:blipFill>
-        <p:spPr>
-          <a:xfrm>
-            <a:off x="6597047" y="5680025"/>
-            <a:ext cx="3817620" cy="563880"/>
-          </a:xfrm>
-          <a:prstGeom prst="rect">
-            <a:avLst/>
-          </a:prstGeom>
-        </p:spPr>
-      </p:pic>
-      <p:pic>
-        <p:nvPicPr>
-          <p:cNvPr id="9" name="Imagen 8">
-            <a:extLst>
-              <a:ext uri="{FF2B5EF4-FFF2-40B4-BE49-F238E27FC236}">
-                <a16:creationId xmlns:a16="http://schemas.microsoft.com/office/drawing/2014/main" id="{765456ED-5B54-6CB2-E46E-2A57BAED095E}"/>
-              </a:ext>
-            </a:extLst>
-          </p:cNvPr>
-          <p:cNvPicPr>
-            <a:picLocks noChangeAspect="1"/>
-          </p:cNvPicPr>
-          <p:nvPr/>
-        </p:nvPicPr>
-        <p:blipFill>
-          <a:blip r:embed="rId7"/>
-          <a:stretch>
-            <a:fillRect/>
-          </a:stretch>
-        </p:blipFill>
-        <p:spPr>
-          <a:xfrm>
-            <a:off x="87842" y="4047843"/>
-            <a:ext cx="5734957" cy="2880000"/>
-          </a:xfrm>
-          <a:prstGeom prst="rect">
-            <a:avLst/>
-          </a:prstGeom>
-        </p:spPr>
-      </p:pic>
-      <p:pic>
-        <p:nvPicPr>
           <p:cNvPr id="18" name="Imagen 17">
             <a:extLst>
               <a:ext uri="{FF2B5EF4-FFF2-40B4-BE49-F238E27FC236}">
@@ -27463,7 +27869,7 @@
           <p:nvPr/>
         </p:nvPicPr>
         <p:blipFill>
-          <a:blip r:embed="rId8"/>
+          <a:blip r:embed="rId4"/>
           <a:stretch>
             <a:fillRect/>
           </a:stretch>
@@ -27493,6 +27899,126 @@
           <p:nvPr/>
         </p:nvPicPr>
         <p:blipFill>
+          <a:blip r:embed="rId5"/>
+          <a:stretch>
+            <a:fillRect/>
+          </a:stretch>
+        </p:blipFill>
+        <p:spPr>
+          <a:xfrm>
+            <a:off x="99483" y="1117600"/>
+            <a:ext cx="5735969" cy="2880000"/>
+          </a:xfrm>
+          <a:prstGeom prst="rect">
+            <a:avLst/>
+          </a:prstGeom>
+        </p:spPr>
+      </p:pic>
+      <p:pic>
+        <p:nvPicPr>
+          <p:cNvPr id="10" name="Imagen 9">
+            <a:extLst>
+              <a:ext uri="{FF2B5EF4-FFF2-40B4-BE49-F238E27FC236}">
+                <a16:creationId xmlns:a16="http://schemas.microsoft.com/office/drawing/2014/main" id="{14AE57C0-4238-C56C-4846-378BAF532A39}"/>
+              </a:ext>
+            </a:extLst>
+          </p:cNvPr>
+          <p:cNvPicPr>
+            <a:picLocks noChangeAspect="1"/>
+          </p:cNvPicPr>
+          <p:nvPr/>
+        </p:nvPicPr>
+        <p:blipFill>
+          <a:blip r:embed="rId6"/>
+          <a:stretch>
+            <a:fillRect/>
+          </a:stretch>
+        </p:blipFill>
+        <p:spPr>
+          <a:xfrm>
+            <a:off x="6505953" y="5665171"/>
+            <a:ext cx="4466847" cy="548752"/>
+          </a:xfrm>
+          <a:prstGeom prst="rect">
+            <a:avLst/>
+          </a:prstGeom>
+        </p:spPr>
+      </p:pic>
+      <p:pic>
+        <p:nvPicPr>
+          <p:cNvPr id="23" name="Imagen 22">
+            <a:extLst>
+              <a:ext uri="{FF2B5EF4-FFF2-40B4-BE49-F238E27FC236}">
+                <a16:creationId xmlns:a16="http://schemas.microsoft.com/office/drawing/2014/main" id="{A98569B0-37BA-667E-E824-F782F86F88C2}"/>
+              </a:ext>
+            </a:extLst>
+          </p:cNvPr>
+          <p:cNvPicPr>
+            <a:picLocks noChangeAspect="1"/>
+          </p:cNvPicPr>
+          <p:nvPr/>
+        </p:nvPicPr>
+        <p:blipFill>
+          <a:blip r:embed="rId7"/>
+          <a:stretch>
+            <a:fillRect/>
+          </a:stretch>
+        </p:blipFill>
+        <p:spPr>
+          <a:xfrm>
+            <a:off x="73014" y="3998482"/>
+            <a:ext cx="5762438" cy="2880000"/>
+          </a:xfrm>
+          <a:prstGeom prst="rect">
+            <a:avLst/>
+          </a:prstGeom>
+        </p:spPr>
+      </p:pic>
+      <p:pic>
+        <p:nvPicPr>
+          <p:cNvPr id="24" name="Imagen 23">
+            <a:extLst>
+              <a:ext uri="{FF2B5EF4-FFF2-40B4-BE49-F238E27FC236}">
+                <a16:creationId xmlns:a16="http://schemas.microsoft.com/office/drawing/2014/main" id="{1B4DB4F1-F967-6322-5EB0-163F72A8E853}"/>
+              </a:ext>
+            </a:extLst>
+          </p:cNvPr>
+          <p:cNvPicPr>
+            <a:picLocks noChangeAspect="1"/>
+          </p:cNvPicPr>
+          <p:nvPr/>
+        </p:nvPicPr>
+        <p:blipFill>
+          <a:blip r:embed="rId8"/>
+          <a:stretch>
+            <a:fillRect/>
+          </a:stretch>
+        </p:blipFill>
+        <p:spPr>
+          <a:xfrm>
+            <a:off x="6554384" y="4502618"/>
+            <a:ext cx="2120900" cy="749300"/>
+          </a:xfrm>
+          <a:prstGeom prst="rect">
+            <a:avLst/>
+          </a:prstGeom>
+        </p:spPr>
+      </p:pic>
+      <p:pic>
+        <p:nvPicPr>
+          <p:cNvPr id="25" name="Imagen 24">
+            <a:extLst>
+              <a:ext uri="{FF2B5EF4-FFF2-40B4-BE49-F238E27FC236}">
+                <a16:creationId xmlns:a16="http://schemas.microsoft.com/office/drawing/2014/main" id="{D6924350-06AC-F00C-E33E-39E3067CE34E}"/>
+              </a:ext>
+            </a:extLst>
+          </p:cNvPr>
+          <p:cNvPicPr>
+            <a:picLocks noChangeAspect="1"/>
+          </p:cNvPicPr>
+          <p:nvPr/>
+        </p:nvPicPr>
+        <p:blipFill>
           <a:blip r:embed="rId9"/>
           <a:stretch>
             <a:fillRect/>
@@ -27500,8 +28026,8 @@
         </p:blipFill>
         <p:spPr>
           <a:xfrm>
-            <a:off x="99483" y="1117600"/>
-            <a:ext cx="5734957" cy="2928485"/>
+            <a:off x="8963984" y="4502618"/>
+            <a:ext cx="1733550" cy="749300"/>
           </a:xfrm>
           <a:prstGeom prst="rect">
             <a:avLst/>
@@ -27552,7 +28078,7 @@
                                           </p:stCondLst>
                                         </p:cTn>
                                         <p:tgtEl>
-                                          <p:spTgt spid="9"/>
+                                          <p:spTgt spid="27"/>
                                         </p:tgtEl>
                                         <p:attrNameLst>
                                           <p:attrName>style.visibility</p:attrName>
@@ -27584,7 +28110,7 @@
                             </p:stCondLst>
                             <p:childTnLst>
                               <p:par>
-                                <p:cTn id="9" presetID="1" presetClass="entr" presetSubtype="0" fill="hold" grpId="0" nodeType="clickEffect">
+                                <p:cTn id="9" presetID="1" presetClass="entr" presetSubtype="0" fill="hold" nodeType="clickEffect">
                                   <p:stCondLst>
                                     <p:cond delay="0"/>
                                   </p:stCondLst>
@@ -27592,6 +28118,96 @@
                                     <p:set>
                                       <p:cBhvr>
                                         <p:cTn id="10" dur="1" fill="hold">
+                                          <p:stCondLst>
+                                            <p:cond delay="0"/>
+                                          </p:stCondLst>
+                                        </p:cTn>
+                                        <p:tgtEl>
+                                          <p:spTgt spid="18"/>
+                                        </p:tgtEl>
+                                        <p:attrNameLst>
+                                          <p:attrName>style.visibility</p:attrName>
+                                        </p:attrNameLst>
+                                      </p:cBhvr>
+                                      <p:to>
+                                        <p:strVal val="visible"/>
+                                      </p:to>
+                                    </p:set>
+                                  </p:childTnLst>
+                                </p:cTn>
+                              </p:par>
+                            </p:childTnLst>
+                          </p:cTn>
+                        </p:par>
+                      </p:childTnLst>
+                    </p:cTn>
+                  </p:par>
+                  <p:par>
+                    <p:cTn id="11" fill="hold">
+                      <p:stCondLst>
+                        <p:cond delay="indefinite"/>
+                      </p:stCondLst>
+                      <p:childTnLst>
+                        <p:par>
+                          <p:cTn id="12" fill="hold">
+                            <p:stCondLst>
+                              <p:cond delay="0"/>
+                            </p:stCondLst>
+                            <p:childTnLst>
+                              <p:par>
+                                <p:cTn id="13" presetID="1" presetClass="entr" presetSubtype="0" fill="hold" nodeType="clickEffect">
+                                  <p:stCondLst>
+                                    <p:cond delay="0"/>
+                                  </p:stCondLst>
+                                  <p:childTnLst>
+                                    <p:set>
+                                      <p:cBhvr>
+                                        <p:cTn id="14" dur="1" fill="hold">
+                                          <p:stCondLst>
+                                            <p:cond delay="0"/>
+                                          </p:stCondLst>
+                                        </p:cTn>
+                                        <p:tgtEl>
+                                          <p:spTgt spid="23"/>
+                                        </p:tgtEl>
+                                        <p:attrNameLst>
+                                          <p:attrName>style.visibility</p:attrName>
+                                        </p:attrNameLst>
+                                      </p:cBhvr>
+                                      <p:to>
+                                        <p:strVal val="visible"/>
+                                      </p:to>
+                                    </p:set>
+                                  </p:childTnLst>
+                                </p:cTn>
+                              </p:par>
+                            </p:childTnLst>
+                          </p:cTn>
+                        </p:par>
+                      </p:childTnLst>
+                    </p:cTn>
+                  </p:par>
+                  <p:par>
+                    <p:cTn id="15" fill="hold">
+                      <p:stCondLst>
+                        <p:cond delay="indefinite"/>
+                      </p:stCondLst>
+                      <p:childTnLst>
+                        <p:par>
+                          <p:cTn id="16" fill="hold">
+                            <p:stCondLst>
+                              <p:cond delay="0"/>
+                            </p:stCondLst>
+                            <p:childTnLst>
+                              <p:par>
+                                <p:cTn id="17" presetID="1" presetClass="entr" presetSubtype="0" fill="hold" grpId="0" nodeType="clickEffect">
+                                  <p:stCondLst>
+                                    <p:cond delay="0"/>
+                                  </p:stCondLst>
+                                  <p:childTnLst>
+                                    <p:set>
+                                      <p:cBhvr>
+                                        <p:cTn id="18" dur="1" fill="hold">
                                           <p:stCondLst>
                                             <p:cond delay="0"/>
                                           </p:stCondLst>
@@ -27611,20 +28227,20 @@
                                 </p:cTn>
                               </p:par>
                               <p:par>
-                                <p:cTn id="11" presetID="1" presetClass="entr" presetSubtype="0" fill="hold" nodeType="withEffect">
+                                <p:cTn id="19" presetID="1" presetClass="entr" presetSubtype="0" fill="hold" nodeType="withEffect">
                                   <p:stCondLst>
                                     <p:cond delay="0"/>
                                   </p:stCondLst>
                                   <p:childTnLst>
                                     <p:set>
                                       <p:cBhvr>
-                                        <p:cTn id="12" dur="1" fill="hold">
+                                        <p:cTn id="20" dur="1" fill="hold">
                                           <p:stCondLst>
                                             <p:cond delay="0"/>
                                           </p:stCondLst>
                                         </p:cTn>
                                         <p:tgtEl>
-                                          <p:spTgt spid="5"/>
+                                          <p:spTgt spid="10"/>
                                         </p:tgtEl>
                                         <p:attrNameLst>
                                           <p:attrName>style.visibility</p:attrName>
@@ -27638,20 +28254,20 @@
                                 </p:cTn>
                               </p:par>
                               <p:par>
-                                <p:cTn id="13" presetID="1" presetClass="entr" presetSubtype="0" fill="hold" nodeType="withEffect">
+                                <p:cTn id="21" presetID="1" presetClass="entr" presetSubtype="0" fill="hold" nodeType="withEffect">
                                   <p:stCondLst>
                                     <p:cond delay="0"/>
                                   </p:stCondLst>
                                   <p:childTnLst>
                                     <p:set>
                                       <p:cBhvr>
-                                        <p:cTn id="14" dur="1" fill="hold">
+                                        <p:cTn id="22" dur="1" fill="hold">
                                           <p:stCondLst>
                                             <p:cond delay="0"/>
                                           </p:stCondLst>
                                         </p:cTn>
                                         <p:tgtEl>
-                                          <p:spTgt spid="6"/>
+                                          <p:spTgt spid="24"/>
                                         </p:tgtEl>
                                         <p:attrNameLst>
                                           <p:attrName>style.visibility</p:attrName>
@@ -27665,20 +28281,20 @@
                                 </p:cTn>
                               </p:par>
                               <p:par>
-                                <p:cTn id="15" presetID="1" presetClass="entr" presetSubtype="0" fill="hold" nodeType="withEffect">
+                                <p:cTn id="23" presetID="1" presetClass="entr" presetSubtype="0" fill="hold" nodeType="withEffect">
                                   <p:stCondLst>
                                     <p:cond delay="0"/>
                                   </p:stCondLst>
                                   <p:childTnLst>
                                     <p:set>
                                       <p:cBhvr>
-                                        <p:cTn id="16" dur="1" fill="hold">
+                                        <p:cTn id="24" dur="1" fill="hold">
                                           <p:stCondLst>
                                             <p:cond delay="0"/>
                                           </p:stCondLst>
                                         </p:cTn>
                                         <p:tgtEl>
-                                          <p:spTgt spid="7"/>
+                                          <p:spTgt spid="25"/>
                                         </p:tgtEl>
                                         <p:attrNameLst>
                                           <p:attrName>style.visibility</p:attrName>
@@ -27839,126 +28455,6 @@
       </p:sp>
       <p:pic>
         <p:nvPicPr>
-          <p:cNvPr id="5" name="Imagen 4">
-            <a:extLst>
-              <a:ext uri="{FF2B5EF4-FFF2-40B4-BE49-F238E27FC236}">
-                <a16:creationId xmlns:a16="http://schemas.microsoft.com/office/drawing/2014/main" id="{FAE4D27A-405E-0360-659F-0D4DDB387433}"/>
-              </a:ext>
-            </a:extLst>
-          </p:cNvPr>
-          <p:cNvPicPr>
-            <a:picLocks noChangeAspect="1"/>
-          </p:cNvPicPr>
-          <p:nvPr/>
-        </p:nvPicPr>
-        <p:blipFill>
-          <a:blip r:embed="rId4"/>
-          <a:stretch>
-            <a:fillRect/>
-          </a:stretch>
-        </p:blipFill>
-        <p:spPr>
-          <a:xfrm>
-            <a:off x="6794048" y="4457160"/>
-            <a:ext cx="2080260" cy="929640"/>
-          </a:xfrm>
-          <a:prstGeom prst="rect">
-            <a:avLst/>
-          </a:prstGeom>
-        </p:spPr>
-      </p:pic>
-      <p:pic>
-        <p:nvPicPr>
-          <p:cNvPr id="6" name="Imagen 5">
-            <a:extLst>
-              <a:ext uri="{FF2B5EF4-FFF2-40B4-BE49-F238E27FC236}">
-                <a16:creationId xmlns:a16="http://schemas.microsoft.com/office/drawing/2014/main" id="{346B08E5-FB18-E4C2-53EE-E23070A92677}"/>
-              </a:ext>
-            </a:extLst>
-          </p:cNvPr>
-          <p:cNvPicPr>
-            <a:picLocks noChangeAspect="1"/>
-          </p:cNvPicPr>
-          <p:nvPr/>
-        </p:nvPicPr>
-        <p:blipFill>
-          <a:blip r:embed="rId5"/>
-          <a:stretch>
-            <a:fillRect/>
-          </a:stretch>
-        </p:blipFill>
-        <p:spPr>
-          <a:xfrm>
-            <a:off x="9525000" y="4472297"/>
-            <a:ext cx="1531620" cy="563880"/>
-          </a:xfrm>
-          <a:prstGeom prst="rect">
-            <a:avLst/>
-          </a:prstGeom>
-        </p:spPr>
-      </p:pic>
-      <p:pic>
-        <p:nvPicPr>
-          <p:cNvPr id="7" name="Imagen 6">
-            <a:extLst>
-              <a:ext uri="{FF2B5EF4-FFF2-40B4-BE49-F238E27FC236}">
-                <a16:creationId xmlns:a16="http://schemas.microsoft.com/office/drawing/2014/main" id="{EAF40000-4CC6-2E9B-BB9D-D737B54D93DB}"/>
-              </a:ext>
-            </a:extLst>
-          </p:cNvPr>
-          <p:cNvPicPr>
-            <a:picLocks noChangeAspect="1"/>
-          </p:cNvPicPr>
-          <p:nvPr/>
-        </p:nvPicPr>
-        <p:blipFill>
-          <a:blip r:embed="rId6"/>
-          <a:stretch>
-            <a:fillRect/>
-          </a:stretch>
-        </p:blipFill>
-        <p:spPr>
-          <a:xfrm>
-            <a:off x="6794048" y="5488985"/>
-            <a:ext cx="3817620" cy="563880"/>
-          </a:xfrm>
-          <a:prstGeom prst="rect">
-            <a:avLst/>
-          </a:prstGeom>
-        </p:spPr>
-      </p:pic>
-      <p:pic>
-        <p:nvPicPr>
-          <p:cNvPr id="9" name="Imagen 8">
-            <a:extLst>
-              <a:ext uri="{FF2B5EF4-FFF2-40B4-BE49-F238E27FC236}">
-                <a16:creationId xmlns:a16="http://schemas.microsoft.com/office/drawing/2014/main" id="{765456ED-5B54-6CB2-E46E-2A57BAED095E}"/>
-              </a:ext>
-            </a:extLst>
-          </p:cNvPr>
-          <p:cNvPicPr>
-            <a:picLocks noChangeAspect="1"/>
-          </p:cNvPicPr>
-          <p:nvPr/>
-        </p:nvPicPr>
-        <p:blipFill>
-          <a:blip r:embed="rId7"/>
-          <a:stretch>
-            <a:fillRect/>
-          </a:stretch>
-        </p:blipFill>
-        <p:spPr>
-          <a:xfrm>
-            <a:off x="53975" y="3964596"/>
-            <a:ext cx="5734957" cy="2880000"/>
-          </a:xfrm>
-          <a:prstGeom prst="rect">
-            <a:avLst/>
-          </a:prstGeom>
-        </p:spPr>
-      </p:pic>
-      <p:pic>
-        <p:nvPicPr>
           <p:cNvPr id="11" name="Imagen 10">
             <a:extLst>
               <a:ext uri="{FF2B5EF4-FFF2-40B4-BE49-F238E27FC236}">
@@ -27972,7 +28468,7 @@
           <p:nvPr/>
         </p:nvPicPr>
         <p:blipFill>
-          <a:blip r:embed="rId8"/>
+          <a:blip r:embed="rId3"/>
           <a:stretch>
             <a:fillRect/>
           </a:stretch>
@@ -28002,7 +28498,7 @@
           <p:nvPr/>
         </p:nvPicPr>
         <p:blipFill>
-          <a:blip r:embed="rId9"/>
+          <a:blip r:embed="rId4"/>
           <a:stretch>
             <a:fillRect/>
           </a:stretch>
@@ -28011,6 +28507,96 @@
           <a:xfrm>
             <a:off x="6096000" y="1084596"/>
             <a:ext cx="5734957" cy="2880000"/>
+          </a:xfrm>
+          <a:prstGeom prst="rect">
+            <a:avLst/>
+          </a:prstGeom>
+        </p:spPr>
+      </p:pic>
+      <p:pic>
+        <p:nvPicPr>
+          <p:cNvPr id="13" name="Imagen 12">
+            <a:extLst>
+              <a:ext uri="{FF2B5EF4-FFF2-40B4-BE49-F238E27FC236}">
+                <a16:creationId xmlns:a16="http://schemas.microsoft.com/office/drawing/2014/main" id="{D88406C7-84F5-F5B1-9E47-AE77F75407B3}"/>
+              </a:ext>
+            </a:extLst>
+          </p:cNvPr>
+          <p:cNvPicPr>
+            <a:picLocks noChangeAspect="1"/>
+          </p:cNvPicPr>
+          <p:nvPr/>
+        </p:nvPicPr>
+        <p:blipFill>
+          <a:blip r:embed="rId5"/>
+          <a:stretch>
+            <a:fillRect/>
+          </a:stretch>
+        </p:blipFill>
+        <p:spPr>
+          <a:xfrm>
+            <a:off x="53974" y="3907044"/>
+            <a:ext cx="5734957" cy="2880000"/>
+          </a:xfrm>
+          <a:prstGeom prst="rect">
+            <a:avLst/>
+          </a:prstGeom>
+        </p:spPr>
+      </p:pic>
+      <p:pic>
+        <p:nvPicPr>
+          <p:cNvPr id="16" name="Imagen 15">
+            <a:extLst>
+              <a:ext uri="{FF2B5EF4-FFF2-40B4-BE49-F238E27FC236}">
+                <a16:creationId xmlns:a16="http://schemas.microsoft.com/office/drawing/2014/main" id="{16BCD526-4A66-E262-CE87-E596EB8BB985}"/>
+              </a:ext>
+            </a:extLst>
+          </p:cNvPr>
+          <p:cNvPicPr>
+            <a:picLocks noChangeAspect="1"/>
+          </p:cNvPicPr>
+          <p:nvPr/>
+        </p:nvPicPr>
+        <p:blipFill>
+          <a:blip r:embed="rId6"/>
+          <a:stretch>
+            <a:fillRect/>
+          </a:stretch>
+        </p:blipFill>
+        <p:spPr>
+          <a:xfrm>
+            <a:off x="6477000" y="5486400"/>
+            <a:ext cx="3962400" cy="994497"/>
+          </a:xfrm>
+          <a:prstGeom prst="rect">
+            <a:avLst/>
+          </a:prstGeom>
+        </p:spPr>
+      </p:pic>
+      <p:pic>
+        <p:nvPicPr>
+          <p:cNvPr id="17" name="Imagen 16">
+            <a:extLst>
+              <a:ext uri="{FF2B5EF4-FFF2-40B4-BE49-F238E27FC236}">
+                <a16:creationId xmlns:a16="http://schemas.microsoft.com/office/drawing/2014/main" id="{18B3B062-6682-76F1-D514-BF1F58EF874C}"/>
+              </a:ext>
+            </a:extLst>
+          </p:cNvPr>
+          <p:cNvPicPr>
+            <a:picLocks noChangeAspect="1"/>
+          </p:cNvPicPr>
+          <p:nvPr/>
+        </p:nvPicPr>
+        <p:blipFill>
+          <a:blip r:embed="rId7"/>
+          <a:stretch>
+            <a:fillRect/>
+          </a:stretch>
+        </p:blipFill>
+        <p:spPr>
+          <a:xfrm>
+            <a:off x="6506678" y="4399958"/>
+            <a:ext cx="2819400" cy="933450"/>
           </a:xfrm>
           <a:prstGeom prst="rect">
             <a:avLst/>
@@ -28061,7 +28647,7 @@
                                           </p:stCondLst>
                                         </p:cTn>
                                         <p:tgtEl>
-                                          <p:spTgt spid="9"/>
+                                          <p:spTgt spid="11"/>
                                         </p:tgtEl>
                                         <p:attrNameLst>
                                           <p:attrName>style.visibility</p:attrName>
@@ -28093,7 +28679,7 @@
                             </p:stCondLst>
                             <p:childTnLst>
                               <p:par>
-                                <p:cTn id="9" presetID="1" presetClass="entr" presetSubtype="0" fill="hold" grpId="0" nodeType="clickEffect">
+                                <p:cTn id="9" presetID="1" presetClass="entr" presetSubtype="0" fill="hold" nodeType="clickEffect">
                                   <p:stCondLst>
                                     <p:cond delay="0"/>
                                   </p:stCondLst>
@@ -28101,6 +28687,96 @@
                                     <p:set>
                                       <p:cBhvr>
                                         <p:cTn id="10" dur="1" fill="hold">
+                                          <p:stCondLst>
+                                            <p:cond delay="0"/>
+                                          </p:stCondLst>
+                                        </p:cTn>
+                                        <p:tgtEl>
+                                          <p:spTgt spid="14"/>
+                                        </p:tgtEl>
+                                        <p:attrNameLst>
+                                          <p:attrName>style.visibility</p:attrName>
+                                        </p:attrNameLst>
+                                      </p:cBhvr>
+                                      <p:to>
+                                        <p:strVal val="visible"/>
+                                      </p:to>
+                                    </p:set>
+                                  </p:childTnLst>
+                                </p:cTn>
+                              </p:par>
+                            </p:childTnLst>
+                          </p:cTn>
+                        </p:par>
+                      </p:childTnLst>
+                    </p:cTn>
+                  </p:par>
+                  <p:par>
+                    <p:cTn id="11" fill="hold">
+                      <p:stCondLst>
+                        <p:cond delay="indefinite"/>
+                      </p:stCondLst>
+                      <p:childTnLst>
+                        <p:par>
+                          <p:cTn id="12" fill="hold">
+                            <p:stCondLst>
+                              <p:cond delay="0"/>
+                            </p:stCondLst>
+                            <p:childTnLst>
+                              <p:par>
+                                <p:cTn id="13" presetID="1" presetClass="entr" presetSubtype="0" fill="hold" nodeType="clickEffect">
+                                  <p:stCondLst>
+                                    <p:cond delay="0"/>
+                                  </p:stCondLst>
+                                  <p:childTnLst>
+                                    <p:set>
+                                      <p:cBhvr>
+                                        <p:cTn id="14" dur="1" fill="hold">
+                                          <p:stCondLst>
+                                            <p:cond delay="0"/>
+                                          </p:stCondLst>
+                                        </p:cTn>
+                                        <p:tgtEl>
+                                          <p:spTgt spid="13"/>
+                                        </p:tgtEl>
+                                        <p:attrNameLst>
+                                          <p:attrName>style.visibility</p:attrName>
+                                        </p:attrNameLst>
+                                      </p:cBhvr>
+                                      <p:to>
+                                        <p:strVal val="visible"/>
+                                      </p:to>
+                                    </p:set>
+                                  </p:childTnLst>
+                                </p:cTn>
+                              </p:par>
+                            </p:childTnLst>
+                          </p:cTn>
+                        </p:par>
+                      </p:childTnLst>
+                    </p:cTn>
+                  </p:par>
+                  <p:par>
+                    <p:cTn id="15" fill="hold">
+                      <p:stCondLst>
+                        <p:cond delay="indefinite"/>
+                      </p:stCondLst>
+                      <p:childTnLst>
+                        <p:par>
+                          <p:cTn id="16" fill="hold">
+                            <p:stCondLst>
+                              <p:cond delay="0"/>
+                            </p:stCondLst>
+                            <p:childTnLst>
+                              <p:par>
+                                <p:cTn id="17" presetID="1" presetClass="entr" presetSubtype="0" fill="hold" grpId="0" nodeType="clickEffect">
+                                  <p:stCondLst>
+                                    <p:cond delay="0"/>
+                                  </p:stCondLst>
+                                  <p:childTnLst>
+                                    <p:set>
+                                      <p:cBhvr>
+                                        <p:cTn id="18" dur="1" fill="hold">
                                           <p:stCondLst>
                                             <p:cond delay="0"/>
                                           </p:stCondLst>
@@ -28120,20 +28796,20 @@
                                 </p:cTn>
                               </p:par>
                               <p:par>
-                                <p:cTn id="11" presetID="1" presetClass="entr" presetSubtype="0" fill="hold" nodeType="withEffect">
+                                <p:cTn id="19" presetID="1" presetClass="entr" presetSubtype="0" fill="hold" nodeType="withEffect">
                                   <p:stCondLst>
                                     <p:cond delay="0"/>
                                   </p:stCondLst>
                                   <p:childTnLst>
                                     <p:set>
                                       <p:cBhvr>
-                                        <p:cTn id="12" dur="1" fill="hold">
+                                        <p:cTn id="20" dur="1" fill="hold">
                                           <p:stCondLst>
                                             <p:cond delay="0"/>
                                           </p:stCondLst>
                                         </p:cTn>
                                         <p:tgtEl>
-                                          <p:spTgt spid="5"/>
+                                          <p:spTgt spid="16"/>
                                         </p:tgtEl>
                                         <p:attrNameLst>
                                           <p:attrName>style.visibility</p:attrName>
@@ -28147,47 +28823,20 @@
                                 </p:cTn>
                               </p:par>
                               <p:par>
-                                <p:cTn id="13" presetID="1" presetClass="entr" presetSubtype="0" fill="hold" nodeType="withEffect">
+                                <p:cTn id="21" presetID="1" presetClass="entr" presetSubtype="0" fill="hold" nodeType="withEffect">
                                   <p:stCondLst>
                                     <p:cond delay="0"/>
                                   </p:stCondLst>
                                   <p:childTnLst>
                                     <p:set>
                                       <p:cBhvr>
-                                        <p:cTn id="14" dur="1" fill="hold">
+                                        <p:cTn id="22" dur="1" fill="hold">
                                           <p:stCondLst>
                                             <p:cond delay="0"/>
                                           </p:stCondLst>
                                         </p:cTn>
                                         <p:tgtEl>
-                                          <p:spTgt spid="6"/>
-                                        </p:tgtEl>
-                                        <p:attrNameLst>
-                                          <p:attrName>style.visibility</p:attrName>
-                                        </p:attrNameLst>
-                                      </p:cBhvr>
-                                      <p:to>
-                                        <p:strVal val="visible"/>
-                                      </p:to>
-                                    </p:set>
-                                  </p:childTnLst>
-                                </p:cTn>
-                              </p:par>
-                              <p:par>
-                                <p:cTn id="15" presetID="1" presetClass="entr" presetSubtype="0" fill="hold" nodeType="withEffect">
-                                  <p:stCondLst>
-                                    <p:cond delay="0"/>
-                                  </p:stCondLst>
-                                  <p:childTnLst>
-                                    <p:set>
-                                      <p:cBhvr>
-                                        <p:cTn id="16" dur="1" fill="hold">
-                                          <p:stCondLst>
-                                            <p:cond delay="0"/>
-                                          </p:stCondLst>
-                                        </p:cTn>
-                                        <p:tgtEl>
-                                          <p:spTgt spid="7"/>
+                                          <p:spTgt spid="17"/>
                                         </p:tgtEl>
                                         <p:attrNameLst>
                                           <p:attrName>style.visibility</p:attrName>
@@ -28316,8 +28965,8 @@
         </p:nvSpPr>
         <p:spPr>
           <a:xfrm>
-            <a:off x="6019800" y="4191000"/>
-            <a:ext cx="383270" cy="2362200"/>
+            <a:off x="6098271" y="4190999"/>
+            <a:ext cx="304800" cy="2504853"/>
           </a:xfrm>
           <a:prstGeom prst="leftBrace">
             <a:avLst/>
@@ -28348,126 +28997,6 @@
       </p:sp>
       <p:pic>
         <p:nvPicPr>
-          <p:cNvPr id="5" name="Imagen 4">
-            <a:extLst>
-              <a:ext uri="{FF2B5EF4-FFF2-40B4-BE49-F238E27FC236}">
-                <a16:creationId xmlns:a16="http://schemas.microsoft.com/office/drawing/2014/main" id="{FAE4D27A-405E-0360-659F-0D4DDB387433}"/>
-              </a:ext>
-            </a:extLst>
-          </p:cNvPr>
-          <p:cNvPicPr>
-            <a:picLocks noChangeAspect="1"/>
-          </p:cNvPicPr>
-          <p:nvPr/>
-        </p:nvPicPr>
-        <p:blipFill>
-          <a:blip r:embed="rId4"/>
-          <a:stretch>
-            <a:fillRect/>
-          </a:stretch>
-        </p:blipFill>
-        <p:spPr>
-          <a:xfrm>
-            <a:off x="6794048" y="4457160"/>
-            <a:ext cx="2080260" cy="929640"/>
-          </a:xfrm>
-          <a:prstGeom prst="rect">
-            <a:avLst/>
-          </a:prstGeom>
-        </p:spPr>
-      </p:pic>
-      <p:pic>
-        <p:nvPicPr>
-          <p:cNvPr id="6" name="Imagen 5">
-            <a:extLst>
-              <a:ext uri="{FF2B5EF4-FFF2-40B4-BE49-F238E27FC236}">
-                <a16:creationId xmlns:a16="http://schemas.microsoft.com/office/drawing/2014/main" id="{346B08E5-FB18-E4C2-53EE-E23070A92677}"/>
-              </a:ext>
-            </a:extLst>
-          </p:cNvPr>
-          <p:cNvPicPr>
-            <a:picLocks noChangeAspect="1"/>
-          </p:cNvPicPr>
-          <p:nvPr/>
-        </p:nvPicPr>
-        <p:blipFill>
-          <a:blip r:embed="rId5"/>
-          <a:stretch>
-            <a:fillRect/>
-          </a:stretch>
-        </p:blipFill>
-        <p:spPr>
-          <a:xfrm>
-            <a:off x="9525000" y="4472297"/>
-            <a:ext cx="1531620" cy="563880"/>
-          </a:xfrm>
-          <a:prstGeom prst="rect">
-            <a:avLst/>
-          </a:prstGeom>
-        </p:spPr>
-      </p:pic>
-      <p:pic>
-        <p:nvPicPr>
-          <p:cNvPr id="7" name="Imagen 6">
-            <a:extLst>
-              <a:ext uri="{FF2B5EF4-FFF2-40B4-BE49-F238E27FC236}">
-                <a16:creationId xmlns:a16="http://schemas.microsoft.com/office/drawing/2014/main" id="{EAF40000-4CC6-2E9B-BB9D-D737B54D93DB}"/>
-              </a:ext>
-            </a:extLst>
-          </p:cNvPr>
-          <p:cNvPicPr>
-            <a:picLocks noChangeAspect="1"/>
-          </p:cNvPicPr>
-          <p:nvPr/>
-        </p:nvPicPr>
-        <p:blipFill>
-          <a:blip r:embed="rId6"/>
-          <a:stretch>
-            <a:fillRect/>
-          </a:stretch>
-        </p:blipFill>
-        <p:spPr>
-          <a:xfrm>
-            <a:off x="6794048" y="5488985"/>
-            <a:ext cx="3817620" cy="563880"/>
-          </a:xfrm>
-          <a:prstGeom prst="rect">
-            <a:avLst/>
-          </a:prstGeom>
-        </p:spPr>
-      </p:pic>
-      <p:pic>
-        <p:nvPicPr>
-          <p:cNvPr id="9" name="Imagen 8">
-            <a:extLst>
-              <a:ext uri="{FF2B5EF4-FFF2-40B4-BE49-F238E27FC236}">
-                <a16:creationId xmlns:a16="http://schemas.microsoft.com/office/drawing/2014/main" id="{765456ED-5B54-6CB2-E46E-2A57BAED095E}"/>
-              </a:ext>
-            </a:extLst>
-          </p:cNvPr>
-          <p:cNvPicPr>
-            <a:picLocks noChangeAspect="1"/>
-          </p:cNvPicPr>
-          <p:nvPr/>
-        </p:nvPicPr>
-        <p:blipFill>
-          <a:blip r:embed="rId7"/>
-          <a:stretch>
-            <a:fillRect/>
-          </a:stretch>
-        </p:blipFill>
-        <p:spPr>
-          <a:xfrm>
-            <a:off x="53975" y="3964596"/>
-            <a:ext cx="5734957" cy="2880000"/>
-          </a:xfrm>
-          <a:prstGeom prst="rect">
-            <a:avLst/>
-          </a:prstGeom>
-        </p:spPr>
-      </p:pic>
-      <p:pic>
-        <p:nvPicPr>
           <p:cNvPr id="13" name="Imagen 12">
             <a:extLst>
               <a:ext uri="{FF2B5EF4-FFF2-40B4-BE49-F238E27FC236}">
@@ -28481,7 +29010,7 @@
           <p:nvPr/>
         </p:nvPicPr>
         <p:blipFill>
-          <a:blip r:embed="rId8"/>
+          <a:blip r:embed="rId3"/>
           <a:stretch>
             <a:fillRect/>
           </a:stretch>
@@ -28511,7 +29040,7 @@
           <p:nvPr/>
         </p:nvPicPr>
         <p:blipFill>
-          <a:blip r:embed="rId9"/>
+          <a:blip r:embed="rId4"/>
           <a:stretch>
             <a:fillRect/>
           </a:stretch>
@@ -28520,6 +29049,126 @@
           <a:xfrm>
             <a:off x="53974" y="1076129"/>
             <a:ext cx="5734957" cy="2880000"/>
+          </a:xfrm>
+          <a:prstGeom prst="rect">
+            <a:avLst/>
+          </a:prstGeom>
+        </p:spPr>
+      </p:pic>
+      <p:pic>
+        <p:nvPicPr>
+          <p:cNvPr id="3" name="Imagen 2">
+            <a:extLst>
+              <a:ext uri="{FF2B5EF4-FFF2-40B4-BE49-F238E27FC236}">
+                <a16:creationId xmlns:a16="http://schemas.microsoft.com/office/drawing/2014/main" id="{CD03A462-102C-1D2A-EF08-C5DAAFC6D4A5}"/>
+              </a:ext>
+            </a:extLst>
+          </p:cNvPr>
+          <p:cNvPicPr>
+            <a:picLocks noChangeAspect="1"/>
+          </p:cNvPicPr>
+          <p:nvPr/>
+        </p:nvPicPr>
+        <p:blipFill>
+          <a:blip r:embed="rId5"/>
+          <a:stretch>
+            <a:fillRect/>
+          </a:stretch>
+        </p:blipFill>
+        <p:spPr>
+          <a:xfrm>
+            <a:off x="29939" y="3913796"/>
+            <a:ext cx="5758992" cy="2880000"/>
+          </a:xfrm>
+          <a:prstGeom prst="rect">
+            <a:avLst/>
+          </a:prstGeom>
+        </p:spPr>
+      </p:pic>
+      <p:pic>
+        <p:nvPicPr>
+          <p:cNvPr id="10" name="Imagen 9">
+            <a:extLst>
+              <a:ext uri="{FF2B5EF4-FFF2-40B4-BE49-F238E27FC236}">
+                <a16:creationId xmlns:a16="http://schemas.microsoft.com/office/drawing/2014/main" id="{A723F1E2-C969-2BD8-06BC-FCBC0C903D77}"/>
+              </a:ext>
+            </a:extLst>
+          </p:cNvPr>
+          <p:cNvPicPr>
+            <a:picLocks noChangeAspect="1"/>
+          </p:cNvPicPr>
+          <p:nvPr/>
+        </p:nvPicPr>
+        <p:blipFill>
+          <a:blip r:embed="rId6"/>
+          <a:stretch>
+            <a:fillRect/>
+          </a:stretch>
+        </p:blipFill>
+        <p:spPr>
+          <a:xfrm>
+            <a:off x="6794048" y="5443425"/>
+            <a:ext cx="3645352" cy="1252427"/>
+          </a:xfrm>
+          <a:prstGeom prst="rect">
+            <a:avLst/>
+          </a:prstGeom>
+        </p:spPr>
+      </p:pic>
+      <p:pic>
+        <p:nvPicPr>
+          <p:cNvPr id="15" name="Imagen 14">
+            <a:extLst>
+              <a:ext uri="{FF2B5EF4-FFF2-40B4-BE49-F238E27FC236}">
+                <a16:creationId xmlns:a16="http://schemas.microsoft.com/office/drawing/2014/main" id="{84F61ABD-CA2B-7E8E-C205-681D2218B04B}"/>
+              </a:ext>
+            </a:extLst>
+          </p:cNvPr>
+          <p:cNvPicPr>
+            <a:picLocks noChangeAspect="1"/>
+          </p:cNvPicPr>
+          <p:nvPr/>
+        </p:nvPicPr>
+        <p:blipFill>
+          <a:blip r:embed="rId7"/>
+          <a:stretch>
+            <a:fillRect/>
+          </a:stretch>
+        </p:blipFill>
+        <p:spPr>
+          <a:xfrm>
+            <a:off x="6794048" y="4286847"/>
+            <a:ext cx="2686425" cy="1066949"/>
+          </a:xfrm>
+          <a:prstGeom prst="rect">
+            <a:avLst/>
+          </a:prstGeom>
+        </p:spPr>
+      </p:pic>
+      <p:pic>
+        <p:nvPicPr>
+          <p:cNvPr id="18" name="Imagen 17">
+            <a:extLst>
+              <a:ext uri="{FF2B5EF4-FFF2-40B4-BE49-F238E27FC236}">
+                <a16:creationId xmlns:a16="http://schemas.microsoft.com/office/drawing/2014/main" id="{05E46F6D-F150-6CC1-40E0-B52DEF83B092}"/>
+              </a:ext>
+            </a:extLst>
+          </p:cNvPr>
+          <p:cNvPicPr>
+            <a:picLocks noChangeAspect="1"/>
+          </p:cNvPicPr>
+          <p:nvPr/>
+        </p:nvPicPr>
+        <p:blipFill>
+          <a:blip r:embed="rId8"/>
+          <a:stretch>
+            <a:fillRect/>
+          </a:stretch>
+        </p:blipFill>
+        <p:spPr>
+          <a:xfrm>
+            <a:off x="9601200" y="4298046"/>
+            <a:ext cx="2330096" cy="811928"/>
           </a:xfrm>
           <a:prstGeom prst="rect">
             <a:avLst/>
@@ -28570,7 +29219,7 @@
                                           </p:stCondLst>
                                         </p:cTn>
                                         <p:tgtEl>
-                                          <p:spTgt spid="9"/>
+                                          <p:spTgt spid="17"/>
                                         </p:tgtEl>
                                         <p:attrNameLst>
                                           <p:attrName>style.visibility</p:attrName>
@@ -28602,7 +29251,7 @@
                             </p:stCondLst>
                             <p:childTnLst>
                               <p:par>
-                                <p:cTn id="9" presetID="1" presetClass="entr" presetSubtype="0" fill="hold" grpId="0" nodeType="clickEffect">
+                                <p:cTn id="9" presetID="1" presetClass="entr" presetSubtype="0" fill="hold" nodeType="clickEffect">
                                   <p:stCondLst>
                                     <p:cond delay="0"/>
                                   </p:stCondLst>
@@ -28610,6 +29259,96 @@
                                     <p:set>
                                       <p:cBhvr>
                                         <p:cTn id="10" dur="1" fill="hold">
+                                          <p:stCondLst>
+                                            <p:cond delay="0"/>
+                                          </p:stCondLst>
+                                        </p:cTn>
+                                        <p:tgtEl>
+                                          <p:spTgt spid="13"/>
+                                        </p:tgtEl>
+                                        <p:attrNameLst>
+                                          <p:attrName>style.visibility</p:attrName>
+                                        </p:attrNameLst>
+                                      </p:cBhvr>
+                                      <p:to>
+                                        <p:strVal val="visible"/>
+                                      </p:to>
+                                    </p:set>
+                                  </p:childTnLst>
+                                </p:cTn>
+                              </p:par>
+                            </p:childTnLst>
+                          </p:cTn>
+                        </p:par>
+                      </p:childTnLst>
+                    </p:cTn>
+                  </p:par>
+                  <p:par>
+                    <p:cTn id="11" fill="hold">
+                      <p:stCondLst>
+                        <p:cond delay="indefinite"/>
+                      </p:stCondLst>
+                      <p:childTnLst>
+                        <p:par>
+                          <p:cTn id="12" fill="hold">
+                            <p:stCondLst>
+                              <p:cond delay="0"/>
+                            </p:stCondLst>
+                            <p:childTnLst>
+                              <p:par>
+                                <p:cTn id="13" presetID="1" presetClass="entr" presetSubtype="0" fill="hold" nodeType="clickEffect">
+                                  <p:stCondLst>
+                                    <p:cond delay="0"/>
+                                  </p:stCondLst>
+                                  <p:childTnLst>
+                                    <p:set>
+                                      <p:cBhvr>
+                                        <p:cTn id="14" dur="1" fill="hold">
+                                          <p:stCondLst>
+                                            <p:cond delay="0"/>
+                                          </p:stCondLst>
+                                        </p:cTn>
+                                        <p:tgtEl>
+                                          <p:spTgt spid="3"/>
+                                        </p:tgtEl>
+                                        <p:attrNameLst>
+                                          <p:attrName>style.visibility</p:attrName>
+                                        </p:attrNameLst>
+                                      </p:cBhvr>
+                                      <p:to>
+                                        <p:strVal val="visible"/>
+                                      </p:to>
+                                    </p:set>
+                                  </p:childTnLst>
+                                </p:cTn>
+                              </p:par>
+                            </p:childTnLst>
+                          </p:cTn>
+                        </p:par>
+                      </p:childTnLst>
+                    </p:cTn>
+                  </p:par>
+                  <p:par>
+                    <p:cTn id="15" fill="hold">
+                      <p:stCondLst>
+                        <p:cond delay="indefinite"/>
+                      </p:stCondLst>
+                      <p:childTnLst>
+                        <p:par>
+                          <p:cTn id="16" fill="hold">
+                            <p:stCondLst>
+                              <p:cond delay="0"/>
+                            </p:stCondLst>
+                            <p:childTnLst>
+                              <p:par>
+                                <p:cTn id="17" presetID="1" presetClass="entr" presetSubtype="0" fill="hold" grpId="0" nodeType="clickEffect">
+                                  <p:stCondLst>
+                                    <p:cond delay="0"/>
+                                  </p:stCondLst>
+                                  <p:childTnLst>
+                                    <p:set>
+                                      <p:cBhvr>
+                                        <p:cTn id="18" dur="1" fill="hold">
                                           <p:stCondLst>
                                             <p:cond delay="0"/>
                                           </p:stCondLst>
@@ -28629,20 +29368,20 @@
                                 </p:cTn>
                               </p:par>
                               <p:par>
-                                <p:cTn id="11" presetID="1" presetClass="entr" presetSubtype="0" fill="hold" nodeType="withEffect">
+                                <p:cTn id="19" presetID="1" presetClass="entr" presetSubtype="0" fill="hold" nodeType="withEffect">
                                   <p:stCondLst>
                                     <p:cond delay="0"/>
                                   </p:stCondLst>
                                   <p:childTnLst>
                                     <p:set>
                                       <p:cBhvr>
-                                        <p:cTn id="12" dur="1" fill="hold">
+                                        <p:cTn id="20" dur="1" fill="hold">
                                           <p:stCondLst>
                                             <p:cond delay="0"/>
                                           </p:stCondLst>
                                         </p:cTn>
                                         <p:tgtEl>
-                                          <p:spTgt spid="5"/>
+                                          <p:spTgt spid="10"/>
                                         </p:tgtEl>
                                         <p:attrNameLst>
                                           <p:attrName>style.visibility</p:attrName>
@@ -28656,20 +29395,20 @@
                                 </p:cTn>
                               </p:par>
                               <p:par>
-                                <p:cTn id="13" presetID="1" presetClass="entr" presetSubtype="0" fill="hold" nodeType="withEffect">
+                                <p:cTn id="21" presetID="1" presetClass="entr" presetSubtype="0" fill="hold" nodeType="withEffect">
                                   <p:stCondLst>
                                     <p:cond delay="0"/>
                                   </p:stCondLst>
                                   <p:childTnLst>
                                     <p:set>
                                       <p:cBhvr>
-                                        <p:cTn id="14" dur="1" fill="hold">
+                                        <p:cTn id="22" dur="1" fill="hold">
                                           <p:stCondLst>
                                             <p:cond delay="0"/>
                                           </p:stCondLst>
                                         </p:cTn>
                                         <p:tgtEl>
-                                          <p:spTgt spid="6"/>
+                                          <p:spTgt spid="15"/>
                                         </p:tgtEl>
                                         <p:attrNameLst>
                                           <p:attrName>style.visibility</p:attrName>
@@ -28683,20 +29422,20 @@
                                 </p:cTn>
                               </p:par>
                               <p:par>
-                                <p:cTn id="15" presetID="1" presetClass="entr" presetSubtype="0" fill="hold" nodeType="withEffect">
+                                <p:cTn id="23" presetID="1" presetClass="entr" presetSubtype="0" fill="hold" nodeType="withEffect">
                                   <p:stCondLst>
                                     <p:cond delay="0"/>
                                   </p:stCondLst>
                                   <p:childTnLst>
                                     <p:set>
                                       <p:cBhvr>
-                                        <p:cTn id="16" dur="1" fill="hold">
+                                        <p:cTn id="24" dur="1" fill="hold">
                                           <p:stCondLst>
                                             <p:cond delay="0"/>
                                           </p:stCondLst>
                                         </p:cTn>
                                         <p:tgtEl>
-                                          <p:spTgt spid="7"/>
+                                          <p:spTgt spid="18"/>
                                         </p:tgtEl>
                                         <p:attrNameLst>
                                           <p:attrName>style.visibility</p:attrName>
